--- a/ESTR4999_Notes/ESTR4999_Presentation.pptx
+++ b/ESTR4999_Notes/ESTR4999_Presentation.pptx
@@ -5,7 +5,7 @@
     <p:sldMasterId id="2147483648" r:id="rId1"/>
   </p:sldMasterIdLst>
   <p:notesMasterIdLst>
-    <p:notesMasterId r:id="rId10"/>
+    <p:notesMasterId r:id="rId18"/>
   </p:notesMasterIdLst>
   <p:sldIdLst>
     <p:sldId id="256" r:id="rId2"/>
@@ -15,7 +15,15 @@
     <p:sldId id="263" r:id="rId6"/>
     <p:sldId id="259" r:id="rId7"/>
     <p:sldId id="261" r:id="rId8"/>
-    <p:sldId id="258" r:id="rId9"/>
+    <p:sldId id="264" r:id="rId9"/>
+    <p:sldId id="268" r:id="rId10"/>
+    <p:sldId id="265" r:id="rId11"/>
+    <p:sldId id="266" r:id="rId12"/>
+    <p:sldId id="267" r:id="rId13"/>
+    <p:sldId id="269" r:id="rId14"/>
+    <p:sldId id="270" r:id="rId15"/>
+    <p:sldId id="271" r:id="rId16"/>
+    <p:sldId id="272" r:id="rId17"/>
   </p:sldIdLst>
   <p:sldSz cx="12192000" cy="6858000"/>
   <p:notesSz cx="6858000" cy="9144000"/>
@@ -114,6 +122,11 @@
       </a:defRPr>
     </a:lvl9pPr>
   </p:defaultTextStyle>
+  <p:extLst>
+    <p:ext uri="{EFAFB233-063F-42B5-8137-9DF3F51BA10A}">
+      <p15:sldGuideLst xmlns:p15="http://schemas.microsoft.com/office/powerpoint/2012/main"/>
+    </p:ext>
+  </p:extLst>
 </p:presentation>
 </file>
 
@@ -3782,7 +3795,7 @@
         </p:nvSpPr>
         <p:spPr>
           <a:xfrm>
-            <a:off x="1417934" y="1296131"/>
+            <a:off x="1417933" y="1163395"/>
             <a:ext cx="9356125" cy="1896762"/>
           </a:xfrm>
         </p:spPr>
@@ -3824,22 +3837,16 @@
         </p:nvSpPr>
         <p:spPr>
           <a:xfrm>
-            <a:off x="1523999" y="4484215"/>
-            <a:ext cx="9144000" cy="2036720"/>
+            <a:off x="1523995" y="5089199"/>
+            <a:ext cx="9144000" cy="1476281"/>
           </a:xfrm>
         </p:spPr>
         <p:txBody>
-          <a:bodyPr/>
+          <a:bodyPr>
+            <a:normAutofit lnSpcReduction="10000"/>
+          </a:bodyPr>
           <a:lstStyle/>
           <a:p>
-            <a:r>
-              <a:rPr kumimoji="1" lang="en-US" altLang="zh-TW" b="1" dirty="0">
-                <a:latin typeface="Times New Roman" panose="02020603050405020304" pitchFamily="18" charset="0"/>
-                <a:ea typeface="STSong" panose="02010600040101010101" pitchFamily="2" charset="-122"/>
-                <a:cs typeface="Times New Roman" panose="02020603050405020304" pitchFamily="18" charset="0"/>
-              </a:rPr>
-              <a:t>ESTR4999 – Oral Presentation</a:t>
-            </a:r>
             <a:endParaRPr kumimoji="1" lang="en-US" altLang="zh-TW" sz="1800" dirty="0">
               <a:latin typeface="Times New Roman" panose="02020603050405020304" pitchFamily="18" charset="0"/>
               <a:ea typeface="STSong" panose="02010600040101010101" pitchFamily="2" charset="-122"/>
@@ -3847,13 +3854,22 @@
             </a:endParaRPr>
           </a:p>
           <a:p>
-            <a:endParaRPr kumimoji="1" lang="en-US" altLang="zh-TW" sz="1800" dirty="0">
-              <a:latin typeface="Times New Roman" panose="02020603050405020304" pitchFamily="18" charset="0"/>
-              <a:ea typeface="STSong" panose="02010600040101010101" pitchFamily="2" charset="-122"/>
-              <a:cs typeface="Times New Roman" panose="02020603050405020304" pitchFamily="18" charset="0"/>
-            </a:endParaRPr>
-          </a:p>
-          <a:p>
+            <a:r>
+              <a:rPr kumimoji="1" lang="en-US" altLang="zh-TW" sz="1800" b="1" i="1" dirty="0">
+                <a:latin typeface="Times New Roman" panose="02020603050405020304" pitchFamily="18" charset="0"/>
+                <a:ea typeface="STSong" panose="02010600040101010101" pitchFamily="2" charset="-122"/>
+                <a:cs typeface="Times New Roman" panose="02020603050405020304" pitchFamily="18" charset="0"/>
+              </a:rPr>
+              <a:t>Student</a:t>
+            </a:r>
+            <a:r>
+              <a:rPr kumimoji="1" lang="en-US" altLang="zh-TW" sz="1800" b="1" dirty="0">
+                <a:latin typeface="Times New Roman" panose="02020603050405020304" pitchFamily="18" charset="0"/>
+                <a:ea typeface="STSong" panose="02010600040101010101" pitchFamily="2" charset="-122"/>
+                <a:cs typeface="Times New Roman" panose="02020603050405020304" pitchFamily="18" charset="0"/>
+              </a:rPr>
+              <a:t>: </a:t>
+            </a:r>
             <a:r>
               <a:rPr kumimoji="1" lang="en-US" altLang="zh-TW" sz="1800" dirty="0" err="1">
                 <a:latin typeface="Times New Roman" panose="02020603050405020304" pitchFamily="18" charset="0"/>
@@ -3868,7 +3884,23 @@
                 <a:ea typeface="STSong" panose="02010600040101010101" pitchFamily="2" charset="-122"/>
                 <a:cs typeface="Times New Roman" panose="02020603050405020304" pitchFamily="18" charset="0"/>
               </a:rPr>
-              <a:t> Zheng, 1155124322</a:t>
+              <a:t> Zheng                    </a:t>
+            </a:r>
+            <a:r>
+              <a:rPr kumimoji="1" lang="en-US" altLang="zh-TW" sz="1800" b="1" i="1" dirty="0">
+                <a:latin typeface="Times New Roman" panose="02020603050405020304" pitchFamily="18" charset="0"/>
+                <a:ea typeface="STSong" panose="02010600040101010101" pitchFamily="2" charset="-122"/>
+                <a:cs typeface="Times New Roman" panose="02020603050405020304" pitchFamily="18" charset="0"/>
+              </a:rPr>
+              <a:t>Supervisor: </a:t>
+            </a:r>
+            <a:r>
+              <a:rPr kumimoji="1" lang="en-US" altLang="zh-TW" sz="1800" dirty="0">
+                <a:latin typeface="Times New Roman" panose="02020603050405020304" pitchFamily="18" charset="0"/>
+                <a:ea typeface="STSong" panose="02010600040101010101" pitchFamily="2" charset="-122"/>
+                <a:cs typeface="Times New Roman" panose="02020603050405020304" pitchFamily="18" charset="0"/>
+              </a:rPr>
+              <a:t>Jack Y.B. Lee</a:t>
             </a:r>
           </a:p>
           <a:p>
@@ -3883,7 +3915,7 @@
           </a:p>
           <a:p>
             <a:r>
-              <a:rPr kumimoji="1" lang="en-US" altLang="zh-TW" sz="1800" dirty="0">
+              <a:rPr kumimoji="1" lang="en-US" altLang="zh-TW" sz="2800" b="1" dirty="0">
                 <a:latin typeface="Times New Roman" panose="02020603050405020304" pitchFamily="18" charset="0"/>
                 <a:ea typeface="STSong" panose="02010600040101010101" pitchFamily="2" charset="-122"/>
                 <a:cs typeface="Times New Roman" panose="02020603050405020304" pitchFamily="18" charset="0"/>
@@ -3914,8 +3946,8 @@
         </p:nvSpPr>
         <p:spPr>
           <a:xfrm>
-            <a:off x="429446" y="3429000"/>
-            <a:ext cx="11333102" cy="369332"/>
+            <a:off x="590802" y="3397569"/>
+            <a:ext cx="11010386" cy="1354217"/>
           </a:xfrm>
           <a:prstGeom prst="rect">
             <a:avLst/>
@@ -3927,6 +3959,26 @@
             <a:spAutoFit/>
           </a:bodyPr>
           <a:lstStyle/>
+          <a:p>
+            <a:pPr algn="ctr"/>
+            <a:r>
+              <a:rPr kumimoji="1" lang="en-US" altLang="zh-TW" sz="3200" b="1" dirty="0">
+                <a:latin typeface="Times New Roman" panose="02020603050405020304" pitchFamily="18" charset="0"/>
+                <a:cs typeface="Times New Roman" panose="02020603050405020304" pitchFamily="18" charset="0"/>
+              </a:rPr>
+              <a:t>ESTR4999 Oral Presentation</a:t>
+            </a:r>
+          </a:p>
+          <a:p>
+            <a:pPr algn="ctr"/>
+            <a:r>
+              <a:rPr kumimoji="1" lang="en-US" altLang="zh-TW" sz="3200" b="1" dirty="0">
+                <a:latin typeface="Times New Roman" panose="02020603050405020304" pitchFamily="18" charset="0"/>
+                <a:cs typeface="Times New Roman" panose="02020603050405020304" pitchFamily="18" charset="0"/>
+              </a:rPr>
+              <a:t>Thesis Report Title: </a:t>
+            </a:r>
+          </a:p>
           <a:p>
             <a:pPr algn="ctr"/>
             <a:r>
@@ -3958,6 +4010,2607 @@
     <p:extLst>
       <p:ext uri="{BB962C8B-B14F-4D97-AF65-F5344CB8AC3E}">
         <p14:creationId xmlns:p14="http://schemas.microsoft.com/office/powerpoint/2010/main" val="543795296"/>
+      </p:ext>
+    </p:extLst>
+  </p:cSld>
+  <p:clrMapOvr>
+    <a:masterClrMapping/>
+  </p:clrMapOvr>
+</p:sld>
+</file>
+
+<file path=ppt/slides/slide10.xml><?xml version="1.0" encoding="utf-8"?>
+<p:sld xmlns:a="http://schemas.openxmlformats.org/drawingml/2006/main" xmlns:r="http://schemas.openxmlformats.org/officeDocument/2006/relationships" xmlns:p="http://schemas.openxmlformats.org/presentationml/2006/main">
+  <p:cSld>
+    <p:spTree>
+      <p:nvGrpSpPr>
+        <p:cNvPr id="1" name=""/>
+        <p:cNvGrpSpPr/>
+        <p:nvPr/>
+      </p:nvGrpSpPr>
+      <p:grpSpPr>
+        <a:xfrm>
+          <a:off x="0" y="0"/>
+          <a:ext cx="0" cy="0"/>
+          <a:chOff x="0" y="0"/>
+          <a:chExt cx="0" cy="0"/>
+        </a:xfrm>
+      </p:grpSpPr>
+      <p:sp>
+        <p:nvSpPr>
+          <p:cNvPr id="2" name="標題 1">
+            <a:extLst>
+              <a:ext uri="{FF2B5EF4-FFF2-40B4-BE49-F238E27FC236}">
+                <a16:creationId xmlns:a16="http://schemas.microsoft.com/office/drawing/2014/main" id="{3E3AB562-9ADF-8FD7-3ED0-7881F3CC1B34}"/>
+              </a:ext>
+            </a:extLst>
+          </p:cNvPr>
+          <p:cNvSpPr>
+            <a:spLocks noGrp="1"/>
+          </p:cNvSpPr>
+          <p:nvPr>
+            <p:ph type="title"/>
+          </p:nvPr>
+        </p:nvSpPr>
+        <p:spPr/>
+        <p:txBody>
+          <a:bodyPr>
+            <a:normAutofit/>
+          </a:bodyPr>
+          <a:lstStyle/>
+          <a:p>
+            <a:r>
+              <a:rPr kumimoji="1" lang="en-US" altLang="zh-TW" sz="3500" b="1" dirty="0">
+                <a:latin typeface="Times New Roman" panose="02020603050405020304" pitchFamily="18" charset="0"/>
+                <a:cs typeface="Times New Roman" panose="02020603050405020304" pitchFamily="18" charset="0"/>
+              </a:rPr>
+              <a:t>Our Solution</a:t>
+            </a:r>
+            <a:br>
+              <a:rPr kumimoji="1" lang="en-US" altLang="zh-TW" sz="3500" b="1" dirty="0">
+                <a:latin typeface="Times New Roman" panose="02020603050405020304" pitchFamily="18" charset="0"/>
+                <a:cs typeface="Times New Roman" panose="02020603050405020304" pitchFamily="18" charset="0"/>
+              </a:rPr>
+            </a:br>
+            <a:r>
+              <a:rPr kumimoji="1" lang="en-US" altLang="zh-TW" sz="3500" b="1" dirty="0">
+                <a:latin typeface="Times New Roman" panose="02020603050405020304" pitchFamily="18" charset="0"/>
+                <a:cs typeface="Times New Roman" panose="02020603050405020304" pitchFamily="18" charset="0"/>
+              </a:rPr>
+              <a:t>- Side Note: Why Bother Using the Conditioning?</a:t>
+            </a:r>
+            <a:endParaRPr kumimoji="1" lang="zh-TW" altLang="en-US" sz="3500" b="1" dirty="0">
+              <a:latin typeface="Times New Roman" panose="02020603050405020304" pitchFamily="18" charset="0"/>
+              <a:cs typeface="Times New Roman" panose="02020603050405020304" pitchFamily="18" charset="0"/>
+            </a:endParaRPr>
+          </a:p>
+        </p:txBody>
+      </p:sp>
+      <p:sp>
+        <p:nvSpPr>
+          <p:cNvPr id="3" name="內容版面配置區 2">
+            <a:extLst>
+              <a:ext uri="{FF2B5EF4-FFF2-40B4-BE49-F238E27FC236}">
+                <a16:creationId xmlns:a16="http://schemas.microsoft.com/office/drawing/2014/main" id="{FBFAA863-310F-1303-D153-50DD7630A44D}"/>
+              </a:ext>
+            </a:extLst>
+          </p:cNvPr>
+          <p:cNvSpPr>
+            <a:spLocks noGrp="1"/>
+          </p:cNvSpPr>
+          <p:nvPr>
+            <p:ph idx="1"/>
+          </p:nvPr>
+        </p:nvSpPr>
+        <p:spPr/>
+        <p:txBody>
+          <a:bodyPr>
+            <a:normAutofit/>
+          </a:bodyPr>
+          <a:lstStyle/>
+          <a:p>
+            <a:r>
+              <a:rPr kumimoji="1" lang="en-US" altLang="zh-TW" dirty="0">
+                <a:ea typeface="Cambria Math" panose="02040503050406030204" pitchFamily="18" charset="0"/>
+              </a:rPr>
+              <a:t>Because such trick/idea appears in some short-term estimating problem in other fields. E.g., speed estimation on highways.</a:t>
+            </a:r>
+            <a:endParaRPr lang="en-US" altLang="zh-TW" dirty="0">
+              <a:ea typeface="Cambria Math" panose="02040503050406030204" pitchFamily="18" charset="0"/>
+            </a:endParaRPr>
+          </a:p>
+        </p:txBody>
+      </p:sp>
+      <p:pic>
+        <p:nvPicPr>
+          <p:cNvPr id="5" name="圖片 4">
+            <a:extLst>
+              <a:ext uri="{FF2B5EF4-FFF2-40B4-BE49-F238E27FC236}">
+                <a16:creationId xmlns:a16="http://schemas.microsoft.com/office/drawing/2014/main" id="{C998DEBE-89E1-5EB7-A054-7088145C9587}"/>
+              </a:ext>
+            </a:extLst>
+          </p:cNvPr>
+          <p:cNvPicPr>
+            <a:picLocks noChangeAspect="1"/>
+          </p:cNvPicPr>
+          <p:nvPr/>
+        </p:nvPicPr>
+        <p:blipFill>
+          <a:blip r:embed="rId2"/>
+          <a:stretch>
+            <a:fillRect/>
+          </a:stretch>
+        </p:blipFill>
+        <p:spPr>
+          <a:xfrm>
+            <a:off x="826168" y="2799289"/>
+            <a:ext cx="10515600" cy="3512611"/>
+          </a:xfrm>
+          <a:prstGeom prst="rect">
+            <a:avLst/>
+          </a:prstGeom>
+        </p:spPr>
+      </p:pic>
+      <p:sp>
+        <p:nvSpPr>
+          <p:cNvPr id="6" name="矩形 5">
+            <a:extLst>
+              <a:ext uri="{FF2B5EF4-FFF2-40B4-BE49-F238E27FC236}">
+                <a16:creationId xmlns:a16="http://schemas.microsoft.com/office/drawing/2014/main" id="{E53A11F7-8B39-895A-EDB4-2589F1514C74}"/>
+              </a:ext>
+            </a:extLst>
+          </p:cNvPr>
+          <p:cNvSpPr/>
+          <p:nvPr/>
+        </p:nvSpPr>
+        <p:spPr>
+          <a:xfrm>
+            <a:off x="6083969" y="2959769"/>
+            <a:ext cx="5257800" cy="1189147"/>
+          </a:xfrm>
+          <a:prstGeom prst="rect">
+            <a:avLst/>
+          </a:prstGeom>
+          <a:noFill/>
+          <a:ln w="44450" cap="rnd">
+            <a:solidFill>
+              <a:srgbClr val="00B0F0"/>
+            </a:solidFill>
+            <a:prstDash val="dashDot"/>
+          </a:ln>
+          <a:effectLst>
+            <a:softEdge rad="0"/>
+          </a:effectLst>
+        </p:spPr>
+        <p:style>
+          <a:lnRef idx="2">
+            <a:schemeClr val="accent1">
+              <a:shade val="50000"/>
+            </a:schemeClr>
+          </a:lnRef>
+          <a:fillRef idx="1">
+            <a:schemeClr val="accent1"/>
+          </a:fillRef>
+          <a:effectRef idx="0">
+            <a:schemeClr val="accent1"/>
+          </a:effectRef>
+          <a:fontRef idx="minor">
+            <a:schemeClr val="lt1"/>
+          </a:fontRef>
+        </p:style>
+        <p:txBody>
+          <a:bodyPr rtlCol="0" anchor="ctr"/>
+          <a:lstStyle/>
+          <a:p>
+            <a:pPr algn="ctr"/>
+            <a:endParaRPr kumimoji="1" lang="zh-TW" altLang="en-US">
+              <a:solidFill>
+                <a:srgbClr val="C00000"/>
+              </a:solidFill>
+            </a:endParaRPr>
+          </a:p>
+        </p:txBody>
+      </p:sp>
+    </p:spTree>
+    <p:extLst>
+      <p:ext uri="{BB962C8B-B14F-4D97-AF65-F5344CB8AC3E}">
+        <p14:creationId xmlns:p14="http://schemas.microsoft.com/office/powerpoint/2010/main" val="2855261467"/>
+      </p:ext>
+    </p:extLst>
+  </p:cSld>
+  <p:clrMapOvr>
+    <a:masterClrMapping/>
+  </p:clrMapOvr>
+</p:sld>
+</file>
+
+<file path=ppt/slides/slide11.xml><?xml version="1.0" encoding="utf-8"?>
+<p:sld xmlns:a="http://schemas.openxmlformats.org/drawingml/2006/main" xmlns:r="http://schemas.openxmlformats.org/officeDocument/2006/relationships" xmlns:p="http://schemas.openxmlformats.org/presentationml/2006/main">
+  <p:cSld>
+    <p:spTree>
+      <p:nvGrpSpPr>
+        <p:cNvPr id="1" name=""/>
+        <p:cNvGrpSpPr/>
+        <p:nvPr/>
+      </p:nvGrpSpPr>
+      <p:grpSpPr>
+        <a:xfrm>
+          <a:off x="0" y="0"/>
+          <a:ext cx="0" cy="0"/>
+          <a:chOff x="0" y="0"/>
+          <a:chExt cx="0" cy="0"/>
+        </a:xfrm>
+      </p:grpSpPr>
+      <p:pic>
+        <p:nvPicPr>
+          <p:cNvPr id="17" name="內容版面配置區 16">
+            <a:extLst>
+              <a:ext uri="{FF2B5EF4-FFF2-40B4-BE49-F238E27FC236}">
+                <a16:creationId xmlns:a16="http://schemas.microsoft.com/office/drawing/2014/main" id="{8E8E8042-AFD5-9677-0467-B3B062862AB1}"/>
+              </a:ext>
+            </a:extLst>
+          </p:cNvPr>
+          <p:cNvPicPr>
+            <a:picLocks noGrp="1" noChangeAspect="1"/>
+          </p:cNvPicPr>
+          <p:nvPr>
+            <p:ph idx="1"/>
+          </p:nvPr>
+        </p:nvPicPr>
+        <p:blipFill>
+          <a:blip r:embed="rId2"/>
+          <a:stretch>
+            <a:fillRect/>
+          </a:stretch>
+        </p:blipFill>
+        <p:spPr>
+          <a:xfrm>
+            <a:off x="252747" y="1087838"/>
+            <a:ext cx="5990169" cy="4492626"/>
+          </a:xfrm>
+        </p:spPr>
+      </p:pic>
+      <p:pic>
+        <p:nvPicPr>
+          <p:cNvPr id="24" name="圖片 23">
+            <a:extLst>
+              <a:ext uri="{FF2B5EF4-FFF2-40B4-BE49-F238E27FC236}">
+                <a16:creationId xmlns:a16="http://schemas.microsoft.com/office/drawing/2014/main" id="{484EBE61-423A-5768-FE05-8AC6BB6262FE}"/>
+              </a:ext>
+            </a:extLst>
+          </p:cNvPr>
+          <p:cNvPicPr>
+            <a:picLocks noChangeAspect="1"/>
+          </p:cNvPicPr>
+          <p:nvPr/>
+        </p:nvPicPr>
+        <p:blipFill>
+          <a:blip r:embed="rId3"/>
+          <a:stretch>
+            <a:fillRect/>
+          </a:stretch>
+        </p:blipFill>
+        <p:spPr>
+          <a:xfrm>
+            <a:off x="5657463" y="1064759"/>
+            <a:ext cx="6020942" cy="4515705"/>
+          </a:xfrm>
+          <a:prstGeom prst="rect">
+            <a:avLst/>
+          </a:prstGeom>
+        </p:spPr>
+      </p:pic>
+      <mc:AlternateContent xmlns:mc="http://schemas.openxmlformats.org/markup-compatibility/2006">
+        <mc:Choice xmlns:a14="http://schemas.microsoft.com/office/drawing/2010/main" Requires="a14">
+          <p:sp>
+            <p:nvSpPr>
+              <p:cNvPr id="2" name="標題 1">
+                <a:extLst>
+                  <a:ext uri="{FF2B5EF4-FFF2-40B4-BE49-F238E27FC236}">
+                    <a16:creationId xmlns:a16="http://schemas.microsoft.com/office/drawing/2014/main" id="{3E3AB562-9ADF-8FD7-3ED0-7881F3CC1B34}"/>
+                  </a:ext>
+                </a:extLst>
+              </p:cNvPr>
+              <p:cNvSpPr>
+                <a:spLocks noGrp="1"/>
+              </p:cNvSpPr>
+              <p:nvPr>
+                <p:ph type="title"/>
+              </p:nvPr>
+            </p:nvSpPr>
+            <p:spPr/>
+            <p:txBody>
+              <a:bodyPr>
+                <a:normAutofit/>
+              </a:bodyPr>
+              <a:lstStyle/>
+              <a:p>
+                <a:r>
+                  <a:rPr kumimoji="1" lang="en-US" altLang="zh-TW" sz="3500" b="1" dirty="0">
+                    <a:latin typeface="Times New Roman" panose="02020603050405020304" pitchFamily="18" charset="0"/>
+                    <a:cs typeface="Times New Roman" panose="02020603050405020304" pitchFamily="18" charset="0"/>
+                  </a:rPr>
+                  <a:t>Simulation Results</a:t>
+                </a:r>
+                <a:br>
+                  <a:rPr kumimoji="1" lang="en-US" altLang="zh-TW" sz="3500" b="1" dirty="0">
+                    <a:latin typeface="Times New Roman" panose="02020603050405020304" pitchFamily="18" charset="0"/>
+                    <a:cs typeface="Times New Roman" panose="02020603050405020304" pitchFamily="18" charset="0"/>
+                  </a:rPr>
+                </a:br>
+                <a:r>
+                  <a:rPr kumimoji="1" lang="en-US" altLang="zh-TW" sz="3500" b="1" dirty="0">
+                    <a:latin typeface="Times New Roman" panose="02020603050405020304" pitchFamily="18" charset="0"/>
+                    <a:cs typeface="Times New Roman" panose="02020603050405020304" pitchFamily="18" charset="0"/>
+                  </a:rPr>
+                  <a:t>- Data set 1: Mean throughput </a:t>
+                </a:r>
+                <a14:m>
+                  <m:oMath xmlns:m="http://schemas.openxmlformats.org/officeDocument/2006/math">
+                    <m:r>
+                      <a:rPr kumimoji="1" lang="en-US" altLang="zh-TW" sz="3500" b="1" i="1" smtClean="0">
+                        <a:latin typeface="Cambria Math" panose="02040503050406030204" pitchFamily="18" charset="0"/>
+                        <a:ea typeface="Cambria Math" panose="02040503050406030204" pitchFamily="18" charset="0"/>
+                        <a:cs typeface="Times New Roman" panose="02020603050405020304" pitchFamily="18" charset="0"/>
+                      </a:rPr>
+                      <m:t>≈</m:t>
+                    </m:r>
+                  </m:oMath>
+                </a14:m>
+                <a:r>
+                  <a:rPr kumimoji="1" lang="en-US" altLang="zh-TW" sz="3500" b="1" dirty="0">
+                    <a:latin typeface="Times New Roman" panose="02020603050405020304" pitchFamily="18" charset="0"/>
+                    <a:cs typeface="Times New Roman" panose="02020603050405020304" pitchFamily="18" charset="0"/>
+                  </a:rPr>
+                  <a:t>8Mbps. Fix </a:t>
+                </a:r>
+                <a14:m>
+                  <m:oMath xmlns:m="http://schemas.openxmlformats.org/officeDocument/2006/math">
+                    <m:sSub>
+                      <m:sSubPr>
+                        <m:ctrlPr>
+                          <a:rPr kumimoji="1" lang="en-US" altLang="zh-TW" sz="3500" b="1" i="1">
+                            <a:latin typeface="Cambria Math" panose="02040503050406030204" pitchFamily="18" charset="0"/>
+                            <a:cs typeface="Times New Roman" panose="02020603050405020304" pitchFamily="18" charset="0"/>
+                          </a:rPr>
+                        </m:ctrlPr>
+                      </m:sSubPr>
+                      <m:e>
+                        <m:r>
+                          <a:rPr kumimoji="1" lang="en-US" altLang="zh-TW" sz="3500" b="1" i="1">
+                            <a:latin typeface="Cambria Math" panose="02040503050406030204" pitchFamily="18" charset="0"/>
+                            <a:cs typeface="Times New Roman" panose="02020603050405020304" pitchFamily="18" charset="0"/>
+                          </a:rPr>
+                          <m:t>𝒔</m:t>
+                        </m:r>
+                      </m:e>
+                      <m:sub>
+                        <m:r>
+                          <a:rPr kumimoji="1" lang="en-US" altLang="zh-TW" sz="3500" b="1" i="1">
+                            <a:latin typeface="Cambria Math" panose="02040503050406030204" pitchFamily="18" charset="0"/>
+                            <a:cs typeface="Times New Roman" panose="02020603050405020304" pitchFamily="18" charset="0"/>
+                          </a:rPr>
+                          <m:t>𝒎𝒊𝒏</m:t>
+                        </m:r>
+                      </m:sub>
+                    </m:sSub>
+                  </m:oMath>
+                </a14:m>
+                <a:r>
+                  <a:rPr kumimoji="1" lang="en-US" altLang="zh-TW" sz="3500" b="1" dirty="0">
+                    <a:latin typeface="Times New Roman" panose="02020603050405020304" pitchFamily="18" charset="0"/>
+                    <a:cs typeface="Times New Roman" panose="02020603050405020304" pitchFamily="18" charset="0"/>
+                  </a:rPr>
+                  <a:t>.</a:t>
+                </a:r>
+                <a:endParaRPr kumimoji="1" lang="zh-TW" altLang="en-US" sz="3500" b="1" dirty="0">
+                  <a:latin typeface="Times New Roman" panose="02020603050405020304" pitchFamily="18" charset="0"/>
+                  <a:cs typeface="Times New Roman" panose="02020603050405020304" pitchFamily="18" charset="0"/>
+                </a:endParaRPr>
+              </a:p>
+            </p:txBody>
+          </p:sp>
+        </mc:Choice>
+        <mc:Fallback>
+          <p:sp>
+            <p:nvSpPr>
+              <p:cNvPr id="2" name="標題 1">
+                <a:extLst>
+                  <a:ext uri="{FF2B5EF4-FFF2-40B4-BE49-F238E27FC236}">
+                    <a16:creationId xmlns:a16="http://schemas.microsoft.com/office/drawing/2014/main" id="{3E3AB562-9ADF-8FD7-3ED0-7881F3CC1B34}"/>
+                  </a:ext>
+                </a:extLst>
+              </p:cNvPr>
+              <p:cNvSpPr>
+                <a:spLocks noGrp="1" noRot="1" noChangeAspect="1" noMove="1" noResize="1" noEditPoints="1" noAdjustHandles="1" noChangeArrowheads="1" noChangeShapeType="1" noTextEdit="1"/>
+              </p:cNvSpPr>
+              <p:nvPr>
+                <p:ph type="title"/>
+              </p:nvPr>
+            </p:nvSpPr>
+            <p:spPr>
+              <a:blipFill>
+                <a:blip r:embed="rId4"/>
+                <a:stretch>
+                  <a:fillRect l="-1809" b="-6667"/>
+                </a:stretch>
+              </a:blipFill>
+            </p:spPr>
+            <p:txBody>
+              <a:bodyPr/>
+              <a:lstStyle/>
+              <a:p>
+                <a:r>
+                  <a:rPr lang="zh-TW" altLang="en-US">
+                    <a:noFill/>
+                  </a:rPr>
+                  <a:t> </a:t>
+                </a:r>
+              </a:p>
+            </p:txBody>
+          </p:sp>
+        </mc:Fallback>
+      </mc:AlternateContent>
+      <mc:AlternateContent xmlns:mc="http://schemas.openxmlformats.org/markup-compatibility/2006">
+        <mc:Choice xmlns:a14="http://schemas.microsoft.com/office/drawing/2010/main" Requires="a14">
+          <p:sp>
+            <p:nvSpPr>
+              <p:cNvPr id="20" name="內容版面配置區 2">
+                <a:extLst>
+                  <a:ext uri="{FF2B5EF4-FFF2-40B4-BE49-F238E27FC236}">
+                    <a16:creationId xmlns:a16="http://schemas.microsoft.com/office/drawing/2014/main" id="{CB74FAE0-826D-5AA9-5D92-C5B94C64C7C0}"/>
+                  </a:ext>
+                </a:extLst>
+              </p:cNvPr>
+              <p:cNvSpPr txBox="1">
+                <a:spLocks/>
+              </p:cNvSpPr>
+              <p:nvPr/>
+            </p:nvSpPr>
+            <p:spPr>
+              <a:xfrm>
+                <a:off x="681993" y="5580464"/>
+                <a:ext cx="10386500" cy="1112944"/>
+              </a:xfrm>
+              <a:prstGeom prst="rect">
+                <a:avLst/>
+              </a:prstGeom>
+            </p:spPr>
+            <p:txBody>
+              <a:bodyPr vert="horz" lIns="91440" tIns="45720" rIns="91440" bIns="45720" rtlCol="0">
+                <a:noAutofit/>
+              </a:bodyPr>
+              <a:lstStyle>
+                <a:lvl1pPr marL="228600" indent="-228600" algn="l" defTabSz="914400" rtl="0" eaLnBrk="1" latinLnBrk="0" hangingPunct="1">
+                  <a:lnSpc>
+                    <a:spcPct val="90000"/>
+                  </a:lnSpc>
+                  <a:spcBef>
+                    <a:spcPts val="1000"/>
+                  </a:spcBef>
+                  <a:buFont typeface="Arial" panose="020B0604020202020204" pitchFamily="34" charset="0"/>
+                  <a:buChar char="•"/>
+                  <a:defRPr sz="2800" kern="1200">
+                    <a:solidFill>
+                      <a:schemeClr val="tx1"/>
+                    </a:solidFill>
+                    <a:latin typeface="+mn-lt"/>
+                    <a:ea typeface="+mn-ea"/>
+                    <a:cs typeface="+mn-cs"/>
+                  </a:defRPr>
+                </a:lvl1pPr>
+                <a:lvl2pPr marL="685800" indent="-228600" algn="l" defTabSz="914400" rtl="0" eaLnBrk="1" latinLnBrk="0" hangingPunct="1">
+                  <a:lnSpc>
+                    <a:spcPct val="90000"/>
+                  </a:lnSpc>
+                  <a:spcBef>
+                    <a:spcPts val="500"/>
+                  </a:spcBef>
+                  <a:buFont typeface="Arial" panose="020B0604020202020204" pitchFamily="34" charset="0"/>
+                  <a:buChar char="•"/>
+                  <a:defRPr sz="2400" kern="1200">
+                    <a:solidFill>
+                      <a:schemeClr val="tx1"/>
+                    </a:solidFill>
+                    <a:latin typeface="+mn-lt"/>
+                    <a:ea typeface="+mn-ea"/>
+                    <a:cs typeface="+mn-cs"/>
+                  </a:defRPr>
+                </a:lvl2pPr>
+                <a:lvl3pPr marL="1143000" indent="-228600" algn="l" defTabSz="914400" rtl="0" eaLnBrk="1" latinLnBrk="0" hangingPunct="1">
+                  <a:lnSpc>
+                    <a:spcPct val="90000"/>
+                  </a:lnSpc>
+                  <a:spcBef>
+                    <a:spcPts val="500"/>
+                  </a:spcBef>
+                  <a:buFont typeface="Arial" panose="020B0604020202020204" pitchFamily="34" charset="0"/>
+                  <a:buChar char="•"/>
+                  <a:defRPr sz="2000" kern="1200">
+                    <a:solidFill>
+                      <a:schemeClr val="tx1"/>
+                    </a:solidFill>
+                    <a:latin typeface="+mn-lt"/>
+                    <a:ea typeface="+mn-ea"/>
+                    <a:cs typeface="+mn-cs"/>
+                  </a:defRPr>
+                </a:lvl3pPr>
+                <a:lvl4pPr marL="1600200" indent="-228600" algn="l" defTabSz="914400" rtl="0" eaLnBrk="1" latinLnBrk="0" hangingPunct="1">
+                  <a:lnSpc>
+                    <a:spcPct val="90000"/>
+                  </a:lnSpc>
+                  <a:spcBef>
+                    <a:spcPts val="500"/>
+                  </a:spcBef>
+                  <a:buFont typeface="Arial" panose="020B0604020202020204" pitchFamily="34" charset="0"/>
+                  <a:buChar char="•"/>
+                  <a:defRPr sz="1800" kern="1200">
+                    <a:solidFill>
+                      <a:schemeClr val="tx1"/>
+                    </a:solidFill>
+                    <a:latin typeface="+mn-lt"/>
+                    <a:ea typeface="+mn-ea"/>
+                    <a:cs typeface="+mn-cs"/>
+                  </a:defRPr>
+                </a:lvl4pPr>
+                <a:lvl5pPr marL="2057400" indent="-228600" algn="l" defTabSz="914400" rtl="0" eaLnBrk="1" latinLnBrk="0" hangingPunct="1">
+                  <a:lnSpc>
+                    <a:spcPct val="90000"/>
+                  </a:lnSpc>
+                  <a:spcBef>
+                    <a:spcPts val="500"/>
+                  </a:spcBef>
+                  <a:buFont typeface="Arial" panose="020B0604020202020204" pitchFamily="34" charset="0"/>
+                  <a:buChar char="•"/>
+                  <a:defRPr sz="1800" kern="1200">
+                    <a:solidFill>
+                      <a:schemeClr val="tx1"/>
+                    </a:solidFill>
+                    <a:latin typeface="+mn-lt"/>
+                    <a:ea typeface="+mn-ea"/>
+                    <a:cs typeface="+mn-cs"/>
+                  </a:defRPr>
+                </a:lvl5pPr>
+                <a:lvl6pPr marL="2514600" indent="-228600" algn="l" defTabSz="914400" rtl="0" eaLnBrk="1" latinLnBrk="0" hangingPunct="1">
+                  <a:lnSpc>
+                    <a:spcPct val="90000"/>
+                  </a:lnSpc>
+                  <a:spcBef>
+                    <a:spcPts val="500"/>
+                  </a:spcBef>
+                  <a:buFont typeface="Arial" panose="020B0604020202020204" pitchFamily="34" charset="0"/>
+                  <a:buChar char="•"/>
+                  <a:defRPr sz="1800" kern="1200">
+                    <a:solidFill>
+                      <a:schemeClr val="tx1"/>
+                    </a:solidFill>
+                    <a:latin typeface="+mn-lt"/>
+                    <a:ea typeface="+mn-ea"/>
+                    <a:cs typeface="+mn-cs"/>
+                  </a:defRPr>
+                </a:lvl6pPr>
+                <a:lvl7pPr marL="2971800" indent="-228600" algn="l" defTabSz="914400" rtl="0" eaLnBrk="1" latinLnBrk="0" hangingPunct="1">
+                  <a:lnSpc>
+                    <a:spcPct val="90000"/>
+                  </a:lnSpc>
+                  <a:spcBef>
+                    <a:spcPts val="500"/>
+                  </a:spcBef>
+                  <a:buFont typeface="Arial" panose="020B0604020202020204" pitchFamily="34" charset="0"/>
+                  <a:buChar char="•"/>
+                  <a:defRPr sz="1800" kern="1200">
+                    <a:solidFill>
+                      <a:schemeClr val="tx1"/>
+                    </a:solidFill>
+                    <a:latin typeface="+mn-lt"/>
+                    <a:ea typeface="+mn-ea"/>
+                    <a:cs typeface="+mn-cs"/>
+                  </a:defRPr>
+                </a:lvl7pPr>
+                <a:lvl8pPr marL="3429000" indent="-228600" algn="l" defTabSz="914400" rtl="0" eaLnBrk="1" latinLnBrk="0" hangingPunct="1">
+                  <a:lnSpc>
+                    <a:spcPct val="90000"/>
+                  </a:lnSpc>
+                  <a:spcBef>
+                    <a:spcPts val="500"/>
+                  </a:spcBef>
+                  <a:buFont typeface="Arial" panose="020B0604020202020204" pitchFamily="34" charset="0"/>
+                  <a:buChar char="•"/>
+                  <a:defRPr sz="1800" kern="1200">
+                    <a:solidFill>
+                      <a:schemeClr val="tx1"/>
+                    </a:solidFill>
+                    <a:latin typeface="+mn-lt"/>
+                    <a:ea typeface="+mn-ea"/>
+                    <a:cs typeface="+mn-cs"/>
+                  </a:defRPr>
+                </a:lvl8pPr>
+                <a:lvl9pPr marL="3886200" indent="-228600" algn="l" defTabSz="914400" rtl="0" eaLnBrk="1" latinLnBrk="0" hangingPunct="1">
+                  <a:lnSpc>
+                    <a:spcPct val="90000"/>
+                  </a:lnSpc>
+                  <a:spcBef>
+                    <a:spcPts val="500"/>
+                  </a:spcBef>
+                  <a:buFont typeface="Arial" panose="020B0604020202020204" pitchFamily="34" charset="0"/>
+                  <a:buChar char="•"/>
+                  <a:defRPr sz="1800" kern="1200">
+                    <a:solidFill>
+                      <a:schemeClr val="tx1"/>
+                    </a:solidFill>
+                    <a:latin typeface="+mn-lt"/>
+                    <a:ea typeface="+mn-ea"/>
+                    <a:cs typeface="+mn-cs"/>
+                  </a:defRPr>
+                </a:lvl9pPr>
+              </a:lstStyle>
+              <a:p>
+                <a:r>
+                  <a:rPr kumimoji="1" lang="en-US" altLang="zh-TW" sz="1800" dirty="0"/>
+                  <a:t>Fix minimal frame size to a small value, increase the </a:t>
+                </a:r>
+                <a14:m>
+                  <m:oMath xmlns:m="http://schemas.openxmlformats.org/officeDocument/2006/math">
+                    <m:sSub>
+                      <m:sSubPr>
+                        <m:ctrlPr>
+                          <a:rPr kumimoji="1" lang="en-US" altLang="zh-TW" sz="1800" i="1" smtClean="0">
+                            <a:latin typeface="Cambria Math" panose="02040503050406030204" pitchFamily="18" charset="0"/>
+                          </a:rPr>
+                        </m:ctrlPr>
+                      </m:sSubPr>
+                      <m:e>
+                        <m:r>
+                          <a:rPr kumimoji="1" lang="en-US" altLang="zh-TW" sz="1800" b="0" i="1" smtClean="0">
+                            <a:latin typeface="Cambria Math" panose="02040503050406030204" pitchFamily="18" charset="0"/>
+                          </a:rPr>
+                          <m:t>𝑡</m:t>
+                        </m:r>
+                      </m:e>
+                      <m:sub>
+                        <m:r>
+                          <a:rPr kumimoji="1" lang="en-US" altLang="zh-TW" sz="1800" b="0" i="1" smtClean="0">
+                            <a:latin typeface="Cambria Math" panose="02040503050406030204" pitchFamily="18" charset="0"/>
+                          </a:rPr>
+                          <m:t>𝐵</m:t>
+                        </m:r>
+                      </m:sub>
+                    </m:sSub>
+                  </m:oMath>
+                </a14:m>
+                <a:r>
+                  <a:rPr kumimoji="1" lang="en-US" altLang="zh-TW" sz="1800" dirty="0"/>
+                  <a:t>. </a:t>
+                </a:r>
+                <a:r>
+                  <a:rPr kumimoji="1" lang="zh-TW" altLang="en-US" sz="1800" dirty="0"/>
+                  <a:t>提一嘴劉老師的建議我們採納了。</a:t>
+                </a:r>
+                <a:endParaRPr kumimoji="1" lang="en-US" altLang="zh-TW" sz="1800" dirty="0"/>
+              </a:p>
+              <a:p>
+                <a:r>
+                  <a:rPr kumimoji="1" lang="en-US" altLang="zh-TW" sz="1800" dirty="0"/>
+                  <a:t>The bitrate increases to the mean level. And the loss rate stays below our target: 5% </a:t>
+                </a:r>
+              </a:p>
+              <a:p>
+                <a:r>
+                  <a:rPr kumimoji="1" lang="en-US" altLang="zh-TW" sz="1800" dirty="0"/>
+                  <a:t>Maximal initial buffer is set to 0.1s = 6/FPS for FPS = 60.</a:t>
+                </a:r>
+              </a:p>
+            </p:txBody>
+          </p:sp>
+        </mc:Choice>
+        <mc:Fallback>
+          <p:sp>
+            <p:nvSpPr>
+              <p:cNvPr id="20" name="內容版面配置區 2">
+                <a:extLst>
+                  <a:ext uri="{FF2B5EF4-FFF2-40B4-BE49-F238E27FC236}">
+                    <a16:creationId xmlns:a16="http://schemas.microsoft.com/office/drawing/2014/main" id="{CB74FAE0-826D-5AA9-5D92-C5B94C64C7C0}"/>
+                  </a:ext>
+                </a:extLst>
+              </p:cNvPr>
+              <p:cNvSpPr txBox="1">
+                <a:spLocks noRot="1" noChangeAspect="1" noMove="1" noResize="1" noEditPoints="1" noAdjustHandles="1" noChangeArrowheads="1" noChangeShapeType="1" noTextEdit="1"/>
+              </p:cNvSpPr>
+              <p:nvPr/>
+            </p:nvSpPr>
+            <p:spPr>
+              <a:xfrm>
+                <a:off x="681993" y="5580464"/>
+                <a:ext cx="10386500" cy="1112944"/>
+              </a:xfrm>
+              <a:prstGeom prst="rect">
+                <a:avLst/>
+              </a:prstGeom>
+              <a:blipFill>
+                <a:blip r:embed="rId5"/>
+                <a:stretch>
+                  <a:fillRect l="-366" t="-4494" b="-6742"/>
+                </a:stretch>
+              </a:blipFill>
+            </p:spPr>
+            <p:txBody>
+              <a:bodyPr/>
+              <a:lstStyle/>
+              <a:p>
+                <a:r>
+                  <a:rPr lang="zh-TW" altLang="en-US">
+                    <a:noFill/>
+                  </a:rPr>
+                  <a:t> </a:t>
+                </a:r>
+              </a:p>
+            </p:txBody>
+          </p:sp>
+        </mc:Fallback>
+      </mc:AlternateContent>
+      <p:sp>
+        <p:nvSpPr>
+          <p:cNvPr id="25" name="矩形 24">
+            <a:extLst>
+              <a:ext uri="{FF2B5EF4-FFF2-40B4-BE49-F238E27FC236}">
+                <a16:creationId xmlns:a16="http://schemas.microsoft.com/office/drawing/2014/main" id="{B458BE41-FAC3-63D7-1135-C32B41C6B7DA}"/>
+              </a:ext>
+            </a:extLst>
+          </p:cNvPr>
+          <p:cNvSpPr/>
+          <p:nvPr/>
+        </p:nvSpPr>
+        <p:spPr>
+          <a:xfrm>
+            <a:off x="1121664" y="1713767"/>
+            <a:ext cx="2340864" cy="2992345"/>
+          </a:xfrm>
+          <a:prstGeom prst="rect">
+            <a:avLst/>
+          </a:prstGeom>
+          <a:noFill/>
+          <a:ln w="44450" cap="rnd">
+            <a:solidFill>
+              <a:srgbClr val="00B050"/>
+            </a:solidFill>
+            <a:prstDash val="dashDot"/>
+          </a:ln>
+          <a:effectLst>
+            <a:softEdge rad="0"/>
+          </a:effectLst>
+        </p:spPr>
+        <p:style>
+          <a:lnRef idx="2">
+            <a:schemeClr val="accent1">
+              <a:shade val="50000"/>
+            </a:schemeClr>
+          </a:lnRef>
+          <a:fillRef idx="1">
+            <a:schemeClr val="accent1"/>
+          </a:fillRef>
+          <a:effectRef idx="0">
+            <a:schemeClr val="accent1"/>
+          </a:effectRef>
+          <a:fontRef idx="minor">
+            <a:schemeClr val="lt1"/>
+          </a:fontRef>
+        </p:style>
+        <p:txBody>
+          <a:bodyPr rtlCol="0" anchor="ctr"/>
+          <a:lstStyle/>
+          <a:p>
+            <a:pPr algn="ctr"/>
+            <a:endParaRPr kumimoji="1" lang="zh-TW" altLang="en-US">
+              <a:solidFill>
+                <a:srgbClr val="C00000"/>
+              </a:solidFill>
+            </a:endParaRPr>
+          </a:p>
+        </p:txBody>
+      </p:sp>
+      <p:sp>
+        <p:nvSpPr>
+          <p:cNvPr id="26" name="矩形 25">
+            <a:extLst>
+              <a:ext uri="{FF2B5EF4-FFF2-40B4-BE49-F238E27FC236}">
+                <a16:creationId xmlns:a16="http://schemas.microsoft.com/office/drawing/2014/main" id="{4C59D2B3-2855-522F-B3B4-768E243814AF}"/>
+              </a:ext>
+            </a:extLst>
+          </p:cNvPr>
+          <p:cNvSpPr/>
+          <p:nvPr/>
+        </p:nvSpPr>
+        <p:spPr>
+          <a:xfrm>
+            <a:off x="6498336" y="1667437"/>
+            <a:ext cx="2109216" cy="2864044"/>
+          </a:xfrm>
+          <a:prstGeom prst="rect">
+            <a:avLst/>
+          </a:prstGeom>
+          <a:noFill/>
+          <a:ln w="44450" cap="rnd">
+            <a:solidFill>
+              <a:srgbClr val="00B050"/>
+            </a:solidFill>
+            <a:prstDash val="dashDot"/>
+          </a:ln>
+          <a:effectLst>
+            <a:softEdge rad="0"/>
+          </a:effectLst>
+        </p:spPr>
+        <p:style>
+          <a:lnRef idx="2">
+            <a:schemeClr val="accent1">
+              <a:shade val="50000"/>
+            </a:schemeClr>
+          </a:lnRef>
+          <a:fillRef idx="1">
+            <a:schemeClr val="accent1"/>
+          </a:fillRef>
+          <a:effectRef idx="0">
+            <a:schemeClr val="accent1"/>
+          </a:effectRef>
+          <a:fontRef idx="minor">
+            <a:schemeClr val="lt1"/>
+          </a:fontRef>
+        </p:style>
+        <p:txBody>
+          <a:bodyPr rtlCol="0" anchor="ctr"/>
+          <a:lstStyle/>
+          <a:p>
+            <a:pPr algn="ctr"/>
+            <a:endParaRPr kumimoji="1" lang="zh-TW" altLang="en-US">
+              <a:solidFill>
+                <a:srgbClr val="C00000"/>
+              </a:solidFill>
+            </a:endParaRPr>
+          </a:p>
+        </p:txBody>
+      </p:sp>
+    </p:spTree>
+    <p:extLst>
+      <p:ext uri="{BB962C8B-B14F-4D97-AF65-F5344CB8AC3E}">
+        <p14:creationId xmlns:p14="http://schemas.microsoft.com/office/powerpoint/2010/main" val="4179037846"/>
+      </p:ext>
+    </p:extLst>
+  </p:cSld>
+  <p:clrMapOvr>
+    <a:masterClrMapping/>
+  </p:clrMapOvr>
+</p:sld>
+</file>
+
+<file path=ppt/slides/slide12.xml><?xml version="1.0" encoding="utf-8"?>
+<p:sld xmlns:a="http://schemas.openxmlformats.org/drawingml/2006/main" xmlns:r="http://schemas.openxmlformats.org/officeDocument/2006/relationships" xmlns:p="http://schemas.openxmlformats.org/presentationml/2006/main">
+  <p:cSld>
+    <p:spTree>
+      <p:nvGrpSpPr>
+        <p:cNvPr id="1" name=""/>
+        <p:cNvGrpSpPr/>
+        <p:nvPr/>
+      </p:nvGrpSpPr>
+      <p:grpSpPr>
+        <a:xfrm>
+          <a:off x="0" y="0"/>
+          <a:ext cx="0" cy="0"/>
+          <a:chOff x="0" y="0"/>
+          <a:chExt cx="0" cy="0"/>
+        </a:xfrm>
+      </p:grpSpPr>
+      <p:pic>
+        <p:nvPicPr>
+          <p:cNvPr id="6" name="圖片 5">
+            <a:extLst>
+              <a:ext uri="{FF2B5EF4-FFF2-40B4-BE49-F238E27FC236}">
+                <a16:creationId xmlns:a16="http://schemas.microsoft.com/office/drawing/2014/main" id="{050E496A-3F9B-CD85-831F-3CF3629FC09C}"/>
+              </a:ext>
+            </a:extLst>
+          </p:cNvPr>
+          <p:cNvPicPr>
+            <a:picLocks noChangeAspect="1"/>
+          </p:cNvPicPr>
+          <p:nvPr/>
+        </p:nvPicPr>
+        <p:blipFill>
+          <a:blip r:embed="rId2"/>
+          <a:stretch>
+            <a:fillRect/>
+          </a:stretch>
+        </p:blipFill>
+        <p:spPr>
+          <a:xfrm>
+            <a:off x="219456" y="1162018"/>
+            <a:ext cx="5974080" cy="4480560"/>
+          </a:xfrm>
+          <a:prstGeom prst="rect">
+            <a:avLst/>
+          </a:prstGeom>
+        </p:spPr>
+      </p:pic>
+      <p:pic>
+        <p:nvPicPr>
+          <p:cNvPr id="8" name="圖片 7">
+            <a:extLst>
+              <a:ext uri="{FF2B5EF4-FFF2-40B4-BE49-F238E27FC236}">
+                <a16:creationId xmlns:a16="http://schemas.microsoft.com/office/drawing/2014/main" id="{DEB89B1A-8EAA-F9FB-C385-CDAD2FDAC71D}"/>
+              </a:ext>
+            </a:extLst>
+          </p:cNvPr>
+          <p:cNvPicPr>
+            <a:picLocks noChangeAspect="1"/>
+          </p:cNvPicPr>
+          <p:nvPr/>
+        </p:nvPicPr>
+        <p:blipFill>
+          <a:blip r:embed="rId3"/>
+          <a:stretch>
+            <a:fillRect/>
+          </a:stretch>
+        </p:blipFill>
+        <p:spPr>
+          <a:xfrm>
+            <a:off x="5689092" y="1162018"/>
+            <a:ext cx="5974080" cy="4480560"/>
+          </a:xfrm>
+          <a:prstGeom prst="rect">
+            <a:avLst/>
+          </a:prstGeom>
+        </p:spPr>
+      </p:pic>
+      <mc:AlternateContent xmlns:mc="http://schemas.openxmlformats.org/markup-compatibility/2006">
+        <mc:Choice xmlns:a14="http://schemas.microsoft.com/office/drawing/2010/main" Requires="a14">
+          <p:sp>
+            <p:nvSpPr>
+              <p:cNvPr id="2" name="標題 1">
+                <a:extLst>
+                  <a:ext uri="{FF2B5EF4-FFF2-40B4-BE49-F238E27FC236}">
+                    <a16:creationId xmlns:a16="http://schemas.microsoft.com/office/drawing/2014/main" id="{3E3AB562-9ADF-8FD7-3ED0-7881F3CC1B34}"/>
+                  </a:ext>
+                </a:extLst>
+              </p:cNvPr>
+              <p:cNvSpPr>
+                <a:spLocks noGrp="1"/>
+              </p:cNvSpPr>
+              <p:nvPr>
+                <p:ph type="title"/>
+              </p:nvPr>
+            </p:nvSpPr>
+            <p:spPr/>
+            <p:txBody>
+              <a:bodyPr>
+                <a:normAutofit/>
+              </a:bodyPr>
+              <a:lstStyle/>
+              <a:p>
+                <a:r>
+                  <a:rPr kumimoji="1" lang="en-US" altLang="zh-TW" sz="3500" b="1" dirty="0">
+                    <a:latin typeface="Times New Roman" panose="02020603050405020304" pitchFamily="18" charset="0"/>
+                    <a:cs typeface="Times New Roman" panose="02020603050405020304" pitchFamily="18" charset="0"/>
+                  </a:rPr>
+                  <a:t>Simulation Results</a:t>
+                </a:r>
+                <a:br>
+                  <a:rPr kumimoji="1" lang="en-US" altLang="zh-TW" sz="3500" b="1" dirty="0">
+                    <a:latin typeface="Times New Roman" panose="02020603050405020304" pitchFamily="18" charset="0"/>
+                    <a:cs typeface="Times New Roman" panose="02020603050405020304" pitchFamily="18" charset="0"/>
+                  </a:rPr>
+                </a:br>
+                <a:r>
+                  <a:rPr kumimoji="1" lang="en-US" altLang="zh-TW" sz="3500" b="1" dirty="0">
+                    <a:latin typeface="Times New Roman" panose="02020603050405020304" pitchFamily="18" charset="0"/>
+                    <a:cs typeface="Times New Roman" panose="02020603050405020304" pitchFamily="18" charset="0"/>
+                  </a:rPr>
+                  <a:t>- Data set 1: Mean throughput </a:t>
+                </a:r>
+                <a14:m>
+                  <m:oMath xmlns:m="http://schemas.openxmlformats.org/officeDocument/2006/math">
+                    <m:r>
+                      <a:rPr kumimoji="1" lang="en-US" altLang="zh-TW" sz="3500" b="1" i="1" smtClean="0">
+                        <a:latin typeface="Cambria Math" panose="02040503050406030204" pitchFamily="18" charset="0"/>
+                        <a:ea typeface="Cambria Math" panose="02040503050406030204" pitchFamily="18" charset="0"/>
+                        <a:cs typeface="Times New Roman" panose="02020603050405020304" pitchFamily="18" charset="0"/>
+                      </a:rPr>
+                      <m:t>≈</m:t>
+                    </m:r>
+                  </m:oMath>
+                </a14:m>
+                <a:r>
+                  <a:rPr kumimoji="1" lang="en-US" altLang="zh-TW" sz="3500" b="1" dirty="0">
+                    <a:latin typeface="Times New Roman" panose="02020603050405020304" pitchFamily="18" charset="0"/>
+                    <a:cs typeface="Times New Roman" panose="02020603050405020304" pitchFamily="18" charset="0"/>
+                  </a:rPr>
+                  <a:t>8Mbps. Fix buffer.</a:t>
+                </a:r>
+                <a:endParaRPr kumimoji="1" lang="zh-TW" altLang="en-US" sz="3500" b="1" dirty="0">
+                  <a:latin typeface="Times New Roman" panose="02020603050405020304" pitchFamily="18" charset="0"/>
+                  <a:cs typeface="Times New Roman" panose="02020603050405020304" pitchFamily="18" charset="0"/>
+                </a:endParaRPr>
+              </a:p>
+            </p:txBody>
+          </p:sp>
+        </mc:Choice>
+        <mc:Fallback>
+          <p:sp>
+            <p:nvSpPr>
+              <p:cNvPr id="2" name="標題 1">
+                <a:extLst>
+                  <a:ext uri="{FF2B5EF4-FFF2-40B4-BE49-F238E27FC236}">
+                    <a16:creationId xmlns:a16="http://schemas.microsoft.com/office/drawing/2014/main" id="{3E3AB562-9ADF-8FD7-3ED0-7881F3CC1B34}"/>
+                  </a:ext>
+                </a:extLst>
+              </p:cNvPr>
+              <p:cNvSpPr>
+                <a:spLocks noGrp="1" noRot="1" noChangeAspect="1" noMove="1" noResize="1" noEditPoints="1" noAdjustHandles="1" noChangeArrowheads="1" noChangeShapeType="1" noTextEdit="1"/>
+              </p:cNvSpPr>
+              <p:nvPr>
+                <p:ph type="title"/>
+              </p:nvPr>
+            </p:nvSpPr>
+            <p:spPr>
+              <a:blipFill>
+                <a:blip r:embed="rId4"/>
+                <a:stretch>
+                  <a:fillRect l="-1809" b="-6667"/>
+                </a:stretch>
+              </a:blipFill>
+            </p:spPr>
+            <p:txBody>
+              <a:bodyPr/>
+              <a:lstStyle/>
+              <a:p>
+                <a:r>
+                  <a:rPr lang="zh-TW" altLang="en-US">
+                    <a:noFill/>
+                  </a:rPr>
+                  <a:t> </a:t>
+                </a:r>
+              </a:p>
+            </p:txBody>
+          </p:sp>
+        </mc:Fallback>
+      </mc:AlternateContent>
+      <mc:AlternateContent xmlns:mc="http://schemas.openxmlformats.org/markup-compatibility/2006">
+        <mc:Choice xmlns:a14="http://schemas.microsoft.com/office/drawing/2010/main" Requires="a14">
+          <p:sp>
+            <p:nvSpPr>
+              <p:cNvPr id="20" name="內容版面配置區 2">
+                <a:extLst>
+                  <a:ext uri="{FF2B5EF4-FFF2-40B4-BE49-F238E27FC236}">
+                    <a16:creationId xmlns:a16="http://schemas.microsoft.com/office/drawing/2014/main" id="{CB74FAE0-826D-5AA9-5D92-C5B94C64C7C0}"/>
+                  </a:ext>
+                </a:extLst>
+              </p:cNvPr>
+              <p:cNvSpPr txBox="1">
+                <a:spLocks/>
+              </p:cNvSpPr>
+              <p:nvPr/>
+            </p:nvSpPr>
+            <p:spPr>
+              <a:xfrm>
+                <a:off x="902750" y="5745056"/>
+                <a:ext cx="10386500" cy="1112944"/>
+              </a:xfrm>
+              <a:prstGeom prst="rect">
+                <a:avLst/>
+              </a:prstGeom>
+            </p:spPr>
+            <p:txBody>
+              <a:bodyPr vert="horz" lIns="91440" tIns="45720" rIns="91440" bIns="45720" rtlCol="0">
+                <a:noAutofit/>
+              </a:bodyPr>
+              <a:lstStyle>
+                <a:lvl1pPr marL="228600" indent="-228600" algn="l" defTabSz="914400" rtl="0" eaLnBrk="1" latinLnBrk="0" hangingPunct="1">
+                  <a:lnSpc>
+                    <a:spcPct val="90000"/>
+                  </a:lnSpc>
+                  <a:spcBef>
+                    <a:spcPts val="1000"/>
+                  </a:spcBef>
+                  <a:buFont typeface="Arial" panose="020B0604020202020204" pitchFamily="34" charset="0"/>
+                  <a:buChar char="•"/>
+                  <a:defRPr sz="2800" kern="1200">
+                    <a:solidFill>
+                      <a:schemeClr val="tx1"/>
+                    </a:solidFill>
+                    <a:latin typeface="+mn-lt"/>
+                    <a:ea typeface="+mn-ea"/>
+                    <a:cs typeface="+mn-cs"/>
+                  </a:defRPr>
+                </a:lvl1pPr>
+                <a:lvl2pPr marL="685800" indent="-228600" algn="l" defTabSz="914400" rtl="0" eaLnBrk="1" latinLnBrk="0" hangingPunct="1">
+                  <a:lnSpc>
+                    <a:spcPct val="90000"/>
+                  </a:lnSpc>
+                  <a:spcBef>
+                    <a:spcPts val="500"/>
+                  </a:spcBef>
+                  <a:buFont typeface="Arial" panose="020B0604020202020204" pitchFamily="34" charset="0"/>
+                  <a:buChar char="•"/>
+                  <a:defRPr sz="2400" kern="1200">
+                    <a:solidFill>
+                      <a:schemeClr val="tx1"/>
+                    </a:solidFill>
+                    <a:latin typeface="+mn-lt"/>
+                    <a:ea typeface="+mn-ea"/>
+                    <a:cs typeface="+mn-cs"/>
+                  </a:defRPr>
+                </a:lvl2pPr>
+                <a:lvl3pPr marL="1143000" indent="-228600" algn="l" defTabSz="914400" rtl="0" eaLnBrk="1" latinLnBrk="0" hangingPunct="1">
+                  <a:lnSpc>
+                    <a:spcPct val="90000"/>
+                  </a:lnSpc>
+                  <a:spcBef>
+                    <a:spcPts val="500"/>
+                  </a:spcBef>
+                  <a:buFont typeface="Arial" panose="020B0604020202020204" pitchFamily="34" charset="0"/>
+                  <a:buChar char="•"/>
+                  <a:defRPr sz="2000" kern="1200">
+                    <a:solidFill>
+                      <a:schemeClr val="tx1"/>
+                    </a:solidFill>
+                    <a:latin typeface="+mn-lt"/>
+                    <a:ea typeface="+mn-ea"/>
+                    <a:cs typeface="+mn-cs"/>
+                  </a:defRPr>
+                </a:lvl3pPr>
+                <a:lvl4pPr marL="1600200" indent="-228600" algn="l" defTabSz="914400" rtl="0" eaLnBrk="1" latinLnBrk="0" hangingPunct="1">
+                  <a:lnSpc>
+                    <a:spcPct val="90000"/>
+                  </a:lnSpc>
+                  <a:spcBef>
+                    <a:spcPts val="500"/>
+                  </a:spcBef>
+                  <a:buFont typeface="Arial" panose="020B0604020202020204" pitchFamily="34" charset="0"/>
+                  <a:buChar char="•"/>
+                  <a:defRPr sz="1800" kern="1200">
+                    <a:solidFill>
+                      <a:schemeClr val="tx1"/>
+                    </a:solidFill>
+                    <a:latin typeface="+mn-lt"/>
+                    <a:ea typeface="+mn-ea"/>
+                    <a:cs typeface="+mn-cs"/>
+                  </a:defRPr>
+                </a:lvl4pPr>
+                <a:lvl5pPr marL="2057400" indent="-228600" algn="l" defTabSz="914400" rtl="0" eaLnBrk="1" latinLnBrk="0" hangingPunct="1">
+                  <a:lnSpc>
+                    <a:spcPct val="90000"/>
+                  </a:lnSpc>
+                  <a:spcBef>
+                    <a:spcPts val="500"/>
+                  </a:spcBef>
+                  <a:buFont typeface="Arial" panose="020B0604020202020204" pitchFamily="34" charset="0"/>
+                  <a:buChar char="•"/>
+                  <a:defRPr sz="1800" kern="1200">
+                    <a:solidFill>
+                      <a:schemeClr val="tx1"/>
+                    </a:solidFill>
+                    <a:latin typeface="+mn-lt"/>
+                    <a:ea typeface="+mn-ea"/>
+                    <a:cs typeface="+mn-cs"/>
+                  </a:defRPr>
+                </a:lvl5pPr>
+                <a:lvl6pPr marL="2514600" indent="-228600" algn="l" defTabSz="914400" rtl="0" eaLnBrk="1" latinLnBrk="0" hangingPunct="1">
+                  <a:lnSpc>
+                    <a:spcPct val="90000"/>
+                  </a:lnSpc>
+                  <a:spcBef>
+                    <a:spcPts val="500"/>
+                  </a:spcBef>
+                  <a:buFont typeface="Arial" panose="020B0604020202020204" pitchFamily="34" charset="0"/>
+                  <a:buChar char="•"/>
+                  <a:defRPr sz="1800" kern="1200">
+                    <a:solidFill>
+                      <a:schemeClr val="tx1"/>
+                    </a:solidFill>
+                    <a:latin typeface="+mn-lt"/>
+                    <a:ea typeface="+mn-ea"/>
+                    <a:cs typeface="+mn-cs"/>
+                  </a:defRPr>
+                </a:lvl6pPr>
+                <a:lvl7pPr marL="2971800" indent="-228600" algn="l" defTabSz="914400" rtl="0" eaLnBrk="1" latinLnBrk="0" hangingPunct="1">
+                  <a:lnSpc>
+                    <a:spcPct val="90000"/>
+                  </a:lnSpc>
+                  <a:spcBef>
+                    <a:spcPts val="500"/>
+                  </a:spcBef>
+                  <a:buFont typeface="Arial" panose="020B0604020202020204" pitchFamily="34" charset="0"/>
+                  <a:buChar char="•"/>
+                  <a:defRPr sz="1800" kern="1200">
+                    <a:solidFill>
+                      <a:schemeClr val="tx1"/>
+                    </a:solidFill>
+                    <a:latin typeface="+mn-lt"/>
+                    <a:ea typeface="+mn-ea"/>
+                    <a:cs typeface="+mn-cs"/>
+                  </a:defRPr>
+                </a:lvl7pPr>
+                <a:lvl8pPr marL="3429000" indent="-228600" algn="l" defTabSz="914400" rtl="0" eaLnBrk="1" latinLnBrk="0" hangingPunct="1">
+                  <a:lnSpc>
+                    <a:spcPct val="90000"/>
+                  </a:lnSpc>
+                  <a:spcBef>
+                    <a:spcPts val="500"/>
+                  </a:spcBef>
+                  <a:buFont typeface="Arial" panose="020B0604020202020204" pitchFamily="34" charset="0"/>
+                  <a:buChar char="•"/>
+                  <a:defRPr sz="1800" kern="1200">
+                    <a:solidFill>
+                      <a:schemeClr val="tx1"/>
+                    </a:solidFill>
+                    <a:latin typeface="+mn-lt"/>
+                    <a:ea typeface="+mn-ea"/>
+                    <a:cs typeface="+mn-cs"/>
+                  </a:defRPr>
+                </a:lvl8pPr>
+                <a:lvl9pPr marL="3886200" indent="-228600" algn="l" defTabSz="914400" rtl="0" eaLnBrk="1" latinLnBrk="0" hangingPunct="1">
+                  <a:lnSpc>
+                    <a:spcPct val="90000"/>
+                  </a:lnSpc>
+                  <a:spcBef>
+                    <a:spcPts val="500"/>
+                  </a:spcBef>
+                  <a:buFont typeface="Arial" panose="020B0604020202020204" pitchFamily="34" charset="0"/>
+                  <a:buChar char="•"/>
+                  <a:defRPr sz="1800" kern="1200">
+                    <a:solidFill>
+                      <a:schemeClr val="tx1"/>
+                    </a:solidFill>
+                    <a:latin typeface="+mn-lt"/>
+                    <a:ea typeface="+mn-ea"/>
+                    <a:cs typeface="+mn-cs"/>
+                  </a:defRPr>
+                </a:lvl9pPr>
+              </a:lstStyle>
+              <a:p>
+                <a:r>
+                  <a:rPr kumimoji="1" lang="en-US" altLang="zh-TW" sz="2000" dirty="0"/>
+                  <a:t>Fix </a:t>
+                </a:r>
+                <a14:m>
+                  <m:oMath xmlns:m="http://schemas.openxmlformats.org/officeDocument/2006/math">
+                    <m:sSub>
+                      <m:sSubPr>
+                        <m:ctrlPr>
+                          <a:rPr kumimoji="1" lang="en-US" altLang="zh-TW" sz="2000" i="1" smtClean="0">
+                            <a:latin typeface="Cambria Math" panose="02040503050406030204" pitchFamily="18" charset="0"/>
+                          </a:rPr>
+                        </m:ctrlPr>
+                      </m:sSubPr>
+                      <m:e>
+                        <m:r>
+                          <a:rPr kumimoji="1" lang="en-US" altLang="zh-TW" sz="2000" b="0" i="1" smtClean="0">
+                            <a:latin typeface="Cambria Math" panose="02040503050406030204" pitchFamily="18" charset="0"/>
+                          </a:rPr>
+                          <m:t>𝑡</m:t>
+                        </m:r>
+                      </m:e>
+                      <m:sub>
+                        <m:r>
+                          <a:rPr kumimoji="1" lang="en-US" altLang="zh-TW" sz="2000" b="0" i="1" smtClean="0">
+                            <a:latin typeface="Cambria Math" panose="02040503050406030204" pitchFamily="18" charset="0"/>
+                          </a:rPr>
+                          <m:t>𝐵</m:t>
+                        </m:r>
+                      </m:sub>
+                    </m:sSub>
+                  </m:oMath>
+                </a14:m>
+                <a:r>
+                  <a:rPr kumimoji="1" lang="en-US" altLang="zh-TW" sz="2000" dirty="0"/>
+                  <a:t> to be 1/FPS, then we increase minimal frame size.</a:t>
+                </a:r>
+              </a:p>
+              <a:p>
+                <a:r>
+                  <a:rPr kumimoji="1" lang="en-US" altLang="zh-TW" sz="2000" dirty="0"/>
+                  <a:t>The bitrate increases to the mean level. And the loss rate stays below our target: 5%, </a:t>
+                </a:r>
+                <a:r>
+                  <a:rPr kumimoji="1" lang="en-US" altLang="zh-TW" sz="2000" i="1" dirty="0">
+                    <a:solidFill>
+                      <a:srgbClr val="C00000"/>
+                    </a:solidFill>
+                  </a:rPr>
+                  <a:t>for a while</a:t>
+                </a:r>
+                <a:r>
+                  <a:rPr kumimoji="1" lang="en-US" altLang="zh-TW" sz="2000" dirty="0"/>
+                  <a:t>.</a:t>
+                </a:r>
+              </a:p>
+            </p:txBody>
+          </p:sp>
+        </mc:Choice>
+        <mc:Fallback>
+          <p:sp>
+            <p:nvSpPr>
+              <p:cNvPr id="20" name="內容版面配置區 2">
+                <a:extLst>
+                  <a:ext uri="{FF2B5EF4-FFF2-40B4-BE49-F238E27FC236}">
+                    <a16:creationId xmlns:a16="http://schemas.microsoft.com/office/drawing/2014/main" id="{CB74FAE0-826D-5AA9-5D92-C5B94C64C7C0}"/>
+                  </a:ext>
+                </a:extLst>
+              </p:cNvPr>
+              <p:cNvSpPr txBox="1">
+                <a:spLocks noRot="1" noChangeAspect="1" noMove="1" noResize="1" noEditPoints="1" noAdjustHandles="1" noChangeArrowheads="1" noChangeShapeType="1" noTextEdit="1"/>
+              </p:cNvSpPr>
+              <p:nvPr/>
+            </p:nvSpPr>
+            <p:spPr>
+              <a:xfrm>
+                <a:off x="902750" y="5745056"/>
+                <a:ext cx="10386500" cy="1112944"/>
+              </a:xfrm>
+              <a:prstGeom prst="rect">
+                <a:avLst/>
+              </a:prstGeom>
+              <a:blipFill>
+                <a:blip r:embed="rId5"/>
+                <a:stretch>
+                  <a:fillRect l="-489" t="-6818" r="-122"/>
+                </a:stretch>
+              </a:blipFill>
+            </p:spPr>
+            <p:txBody>
+              <a:bodyPr/>
+              <a:lstStyle/>
+              <a:p>
+                <a:r>
+                  <a:rPr lang="zh-TW" altLang="en-US">
+                    <a:noFill/>
+                  </a:rPr>
+                  <a:t> </a:t>
+                </a:r>
+              </a:p>
+            </p:txBody>
+          </p:sp>
+        </mc:Fallback>
+      </mc:AlternateContent>
+    </p:spTree>
+    <p:extLst>
+      <p:ext uri="{BB962C8B-B14F-4D97-AF65-F5344CB8AC3E}">
+        <p14:creationId xmlns:p14="http://schemas.microsoft.com/office/powerpoint/2010/main" val="3412913199"/>
+      </p:ext>
+    </p:extLst>
+  </p:cSld>
+  <p:clrMapOvr>
+    <a:masterClrMapping/>
+  </p:clrMapOvr>
+</p:sld>
+</file>
+
+<file path=ppt/slides/slide13.xml><?xml version="1.0" encoding="utf-8"?>
+<p:sld xmlns:a="http://schemas.openxmlformats.org/drawingml/2006/main" xmlns:r="http://schemas.openxmlformats.org/officeDocument/2006/relationships" xmlns:p="http://schemas.openxmlformats.org/presentationml/2006/main">
+  <p:cSld>
+    <p:spTree>
+      <p:nvGrpSpPr>
+        <p:cNvPr id="1" name=""/>
+        <p:cNvGrpSpPr/>
+        <p:nvPr/>
+      </p:nvGrpSpPr>
+      <p:grpSpPr>
+        <a:xfrm>
+          <a:off x="0" y="0"/>
+          <a:ext cx="0" cy="0"/>
+          <a:chOff x="0" y="0"/>
+          <a:chExt cx="0" cy="0"/>
+        </a:xfrm>
+      </p:grpSpPr>
+      <p:pic>
+        <p:nvPicPr>
+          <p:cNvPr id="6" name="圖片 5">
+            <a:extLst>
+              <a:ext uri="{FF2B5EF4-FFF2-40B4-BE49-F238E27FC236}">
+                <a16:creationId xmlns:a16="http://schemas.microsoft.com/office/drawing/2014/main" id="{BA375042-2431-7B11-111C-55E08959EE45}"/>
+              </a:ext>
+            </a:extLst>
+          </p:cNvPr>
+          <p:cNvPicPr>
+            <a:picLocks noChangeAspect="1"/>
+          </p:cNvPicPr>
+          <p:nvPr/>
+        </p:nvPicPr>
+        <p:blipFill>
+          <a:blip r:embed="rId2"/>
+          <a:stretch>
+            <a:fillRect/>
+          </a:stretch>
+        </p:blipFill>
+        <p:spPr>
+          <a:xfrm>
+            <a:off x="314960" y="1238250"/>
+            <a:ext cx="5842000" cy="4381500"/>
+          </a:xfrm>
+          <a:prstGeom prst="rect">
+            <a:avLst/>
+          </a:prstGeom>
+        </p:spPr>
+      </p:pic>
+      <p:pic>
+        <p:nvPicPr>
+          <p:cNvPr id="8" name="圖片 7">
+            <a:extLst>
+              <a:ext uri="{FF2B5EF4-FFF2-40B4-BE49-F238E27FC236}">
+                <a16:creationId xmlns:a16="http://schemas.microsoft.com/office/drawing/2014/main" id="{74B40733-6DB7-8DE0-AAA1-C1C86A656DF6}"/>
+              </a:ext>
+            </a:extLst>
+          </p:cNvPr>
+          <p:cNvPicPr>
+            <a:picLocks noChangeAspect="1"/>
+          </p:cNvPicPr>
+          <p:nvPr/>
+        </p:nvPicPr>
+        <p:blipFill>
+          <a:blip r:embed="rId3"/>
+          <a:stretch>
+            <a:fillRect/>
+          </a:stretch>
+        </p:blipFill>
+        <p:spPr>
+          <a:xfrm>
+            <a:off x="5864860" y="1238250"/>
+            <a:ext cx="5842000" cy="4381500"/>
+          </a:xfrm>
+          <a:prstGeom prst="rect">
+            <a:avLst/>
+          </a:prstGeom>
+        </p:spPr>
+      </p:pic>
+      <mc:AlternateContent xmlns:mc="http://schemas.openxmlformats.org/markup-compatibility/2006">
+        <mc:Choice xmlns:a14="http://schemas.microsoft.com/office/drawing/2010/main" Requires="a14">
+          <p:sp>
+            <p:nvSpPr>
+              <p:cNvPr id="4" name="標題 1">
+                <a:extLst>
+                  <a:ext uri="{FF2B5EF4-FFF2-40B4-BE49-F238E27FC236}">
+                    <a16:creationId xmlns:a16="http://schemas.microsoft.com/office/drawing/2014/main" id="{EA808CEB-0186-3D37-2293-B4660FD3017A}"/>
+                  </a:ext>
+                </a:extLst>
+              </p:cNvPr>
+              <p:cNvSpPr>
+                <a:spLocks noGrp="1"/>
+              </p:cNvSpPr>
+              <p:nvPr>
+                <p:ph type="title"/>
+              </p:nvPr>
+            </p:nvSpPr>
+            <p:spPr>
+              <a:xfrm>
+                <a:off x="838200" y="365125"/>
+                <a:ext cx="10515600" cy="1325563"/>
+              </a:xfrm>
+            </p:spPr>
+            <p:txBody>
+              <a:bodyPr>
+                <a:normAutofit/>
+              </a:bodyPr>
+              <a:lstStyle/>
+              <a:p>
+                <a:r>
+                  <a:rPr kumimoji="1" lang="en-US" altLang="zh-TW" sz="3500" b="1" dirty="0">
+                    <a:latin typeface="Times New Roman" panose="02020603050405020304" pitchFamily="18" charset="0"/>
+                    <a:cs typeface="Times New Roman" panose="02020603050405020304" pitchFamily="18" charset="0"/>
+                  </a:rPr>
+                  <a:t>Simulation Results</a:t>
+                </a:r>
+                <a:br>
+                  <a:rPr kumimoji="1" lang="en-US" altLang="zh-TW" sz="3500" b="1" dirty="0">
+                    <a:latin typeface="Times New Roman" panose="02020603050405020304" pitchFamily="18" charset="0"/>
+                    <a:cs typeface="Times New Roman" panose="02020603050405020304" pitchFamily="18" charset="0"/>
+                  </a:rPr>
+                </a:br>
+                <a:r>
+                  <a:rPr kumimoji="1" lang="en-US" altLang="zh-TW" sz="3500" b="1" dirty="0">
+                    <a:latin typeface="Times New Roman" panose="02020603050405020304" pitchFamily="18" charset="0"/>
+                    <a:cs typeface="Times New Roman" panose="02020603050405020304" pitchFamily="18" charset="0"/>
+                  </a:rPr>
+                  <a:t>- Data set 2: Mean throughput </a:t>
+                </a:r>
+                <a14:m>
+                  <m:oMath xmlns:m="http://schemas.openxmlformats.org/officeDocument/2006/math">
+                    <m:r>
+                      <a:rPr kumimoji="1" lang="en-US" altLang="zh-TW" sz="3500" b="1" i="1" smtClean="0">
+                        <a:latin typeface="Cambria Math" panose="02040503050406030204" pitchFamily="18" charset="0"/>
+                        <a:ea typeface="Cambria Math" panose="02040503050406030204" pitchFamily="18" charset="0"/>
+                        <a:cs typeface="Times New Roman" panose="02020603050405020304" pitchFamily="18" charset="0"/>
+                      </a:rPr>
+                      <m:t>≈</m:t>
+                    </m:r>
+                  </m:oMath>
+                </a14:m>
+                <a:r>
+                  <a:rPr kumimoji="1" lang="en-US" altLang="zh-TW" sz="3500" b="1" dirty="0">
+                    <a:latin typeface="Times New Roman" panose="02020603050405020304" pitchFamily="18" charset="0"/>
+                    <a:cs typeface="Times New Roman" panose="02020603050405020304" pitchFamily="18" charset="0"/>
+                  </a:rPr>
+                  <a:t>12Mbps. Fix </a:t>
+                </a:r>
+                <a14:m>
+                  <m:oMath xmlns:m="http://schemas.openxmlformats.org/officeDocument/2006/math">
+                    <m:sSub>
+                      <m:sSubPr>
+                        <m:ctrlPr>
+                          <a:rPr kumimoji="1" lang="en-US" altLang="zh-TW" sz="3500" b="1" i="1">
+                            <a:latin typeface="Cambria Math" panose="02040503050406030204" pitchFamily="18" charset="0"/>
+                            <a:cs typeface="Times New Roman" panose="02020603050405020304" pitchFamily="18" charset="0"/>
+                          </a:rPr>
+                        </m:ctrlPr>
+                      </m:sSubPr>
+                      <m:e>
+                        <m:r>
+                          <a:rPr kumimoji="1" lang="en-US" altLang="zh-TW" sz="3500" b="1" i="1">
+                            <a:latin typeface="Cambria Math" panose="02040503050406030204" pitchFamily="18" charset="0"/>
+                            <a:cs typeface="Times New Roman" panose="02020603050405020304" pitchFamily="18" charset="0"/>
+                          </a:rPr>
+                          <m:t>𝒔</m:t>
+                        </m:r>
+                      </m:e>
+                      <m:sub>
+                        <m:r>
+                          <a:rPr kumimoji="1" lang="en-US" altLang="zh-TW" sz="3500" b="1" i="1">
+                            <a:latin typeface="Cambria Math" panose="02040503050406030204" pitchFamily="18" charset="0"/>
+                            <a:cs typeface="Times New Roman" panose="02020603050405020304" pitchFamily="18" charset="0"/>
+                          </a:rPr>
+                          <m:t>𝒎𝒊𝒏</m:t>
+                        </m:r>
+                      </m:sub>
+                    </m:sSub>
+                  </m:oMath>
+                </a14:m>
+                <a:r>
+                  <a:rPr kumimoji="1" lang="en-US" altLang="zh-TW" sz="3500" b="1" dirty="0">
+                    <a:latin typeface="Times New Roman" panose="02020603050405020304" pitchFamily="18" charset="0"/>
+                    <a:cs typeface="Times New Roman" panose="02020603050405020304" pitchFamily="18" charset="0"/>
+                  </a:rPr>
+                  <a:t>.</a:t>
+                </a:r>
+                <a:endParaRPr kumimoji="1" lang="zh-TW" altLang="en-US" sz="3500" b="1" dirty="0">
+                  <a:latin typeface="Times New Roman" panose="02020603050405020304" pitchFamily="18" charset="0"/>
+                  <a:cs typeface="Times New Roman" panose="02020603050405020304" pitchFamily="18" charset="0"/>
+                </a:endParaRPr>
+              </a:p>
+            </p:txBody>
+          </p:sp>
+        </mc:Choice>
+        <mc:Fallback>
+          <p:sp>
+            <p:nvSpPr>
+              <p:cNvPr id="4" name="標題 1">
+                <a:extLst>
+                  <a:ext uri="{FF2B5EF4-FFF2-40B4-BE49-F238E27FC236}">
+                    <a16:creationId xmlns:a16="http://schemas.microsoft.com/office/drawing/2014/main" id="{EA808CEB-0186-3D37-2293-B4660FD3017A}"/>
+                  </a:ext>
+                </a:extLst>
+              </p:cNvPr>
+              <p:cNvSpPr>
+                <a:spLocks noGrp="1" noRot="1" noChangeAspect="1" noMove="1" noResize="1" noEditPoints="1" noAdjustHandles="1" noChangeArrowheads="1" noChangeShapeType="1" noTextEdit="1"/>
+              </p:cNvSpPr>
+              <p:nvPr>
+                <p:ph type="title"/>
+              </p:nvPr>
+            </p:nvSpPr>
+            <p:spPr>
+              <a:xfrm>
+                <a:off x="838200" y="365125"/>
+                <a:ext cx="10515600" cy="1325563"/>
+              </a:xfrm>
+              <a:blipFill>
+                <a:blip r:embed="rId4"/>
+                <a:stretch>
+                  <a:fillRect l="-1809" b="-6667"/>
+                </a:stretch>
+              </a:blipFill>
+            </p:spPr>
+            <p:txBody>
+              <a:bodyPr/>
+              <a:lstStyle/>
+              <a:p>
+                <a:r>
+                  <a:rPr lang="zh-TW" altLang="en-US">
+                    <a:noFill/>
+                  </a:rPr>
+                  <a:t> </a:t>
+                </a:r>
+              </a:p>
+            </p:txBody>
+          </p:sp>
+        </mc:Fallback>
+      </mc:AlternateContent>
+      <p:sp>
+        <p:nvSpPr>
+          <p:cNvPr id="9" name="矩形 8">
+            <a:extLst>
+              <a:ext uri="{FF2B5EF4-FFF2-40B4-BE49-F238E27FC236}">
+                <a16:creationId xmlns:a16="http://schemas.microsoft.com/office/drawing/2014/main" id="{0317F05E-B7C2-FEE9-0205-126764A5E43D}"/>
+              </a:ext>
+            </a:extLst>
+          </p:cNvPr>
+          <p:cNvSpPr/>
+          <p:nvPr/>
+        </p:nvSpPr>
+        <p:spPr>
+          <a:xfrm>
+            <a:off x="1182624" y="1877568"/>
+            <a:ext cx="2548128" cy="3157728"/>
+          </a:xfrm>
+          <a:prstGeom prst="rect">
+            <a:avLst/>
+          </a:prstGeom>
+          <a:noFill/>
+          <a:ln w="44450" cap="rnd">
+            <a:solidFill>
+              <a:srgbClr val="00B050"/>
+            </a:solidFill>
+            <a:prstDash val="dashDot"/>
+          </a:ln>
+          <a:effectLst>
+            <a:softEdge rad="0"/>
+          </a:effectLst>
+        </p:spPr>
+        <p:style>
+          <a:lnRef idx="2">
+            <a:schemeClr val="accent1">
+              <a:shade val="50000"/>
+            </a:schemeClr>
+          </a:lnRef>
+          <a:fillRef idx="1">
+            <a:schemeClr val="accent1"/>
+          </a:fillRef>
+          <a:effectRef idx="0">
+            <a:schemeClr val="accent1"/>
+          </a:effectRef>
+          <a:fontRef idx="minor">
+            <a:schemeClr val="lt1"/>
+          </a:fontRef>
+        </p:style>
+        <p:txBody>
+          <a:bodyPr rtlCol="0" anchor="ctr"/>
+          <a:lstStyle/>
+          <a:p>
+            <a:pPr algn="ctr"/>
+            <a:endParaRPr kumimoji="1" lang="zh-TW" altLang="en-US">
+              <a:solidFill>
+                <a:srgbClr val="C00000"/>
+              </a:solidFill>
+            </a:endParaRPr>
+          </a:p>
+        </p:txBody>
+      </p:sp>
+      <p:sp>
+        <p:nvSpPr>
+          <p:cNvPr id="10" name="矩形 9">
+            <a:extLst>
+              <a:ext uri="{FF2B5EF4-FFF2-40B4-BE49-F238E27FC236}">
+                <a16:creationId xmlns:a16="http://schemas.microsoft.com/office/drawing/2014/main" id="{37FB7704-4717-A9D9-2681-A64CB845FC70}"/>
+              </a:ext>
+            </a:extLst>
+          </p:cNvPr>
+          <p:cNvSpPr/>
+          <p:nvPr/>
+        </p:nvSpPr>
+        <p:spPr>
+          <a:xfrm>
+            <a:off x="6750812" y="1850136"/>
+            <a:ext cx="2548128" cy="3157728"/>
+          </a:xfrm>
+          <a:prstGeom prst="rect">
+            <a:avLst/>
+          </a:prstGeom>
+          <a:noFill/>
+          <a:ln w="44450" cap="rnd">
+            <a:solidFill>
+              <a:srgbClr val="00B050"/>
+            </a:solidFill>
+            <a:prstDash val="dashDot"/>
+          </a:ln>
+          <a:effectLst>
+            <a:softEdge rad="0"/>
+          </a:effectLst>
+        </p:spPr>
+        <p:style>
+          <a:lnRef idx="2">
+            <a:schemeClr val="accent1">
+              <a:shade val="50000"/>
+            </a:schemeClr>
+          </a:lnRef>
+          <a:fillRef idx="1">
+            <a:schemeClr val="accent1"/>
+          </a:fillRef>
+          <a:effectRef idx="0">
+            <a:schemeClr val="accent1"/>
+          </a:effectRef>
+          <a:fontRef idx="minor">
+            <a:schemeClr val="lt1"/>
+          </a:fontRef>
+        </p:style>
+        <p:txBody>
+          <a:bodyPr rtlCol="0" anchor="ctr"/>
+          <a:lstStyle/>
+          <a:p>
+            <a:pPr algn="ctr"/>
+            <a:endParaRPr kumimoji="1" lang="zh-TW" altLang="en-US">
+              <a:solidFill>
+                <a:srgbClr val="C00000"/>
+              </a:solidFill>
+            </a:endParaRPr>
+          </a:p>
+        </p:txBody>
+      </p:sp>
+      <p:sp>
+        <p:nvSpPr>
+          <p:cNvPr id="11" name="內容版面配置區 2">
+            <a:extLst>
+              <a:ext uri="{FF2B5EF4-FFF2-40B4-BE49-F238E27FC236}">
+                <a16:creationId xmlns:a16="http://schemas.microsoft.com/office/drawing/2014/main" id="{445EA719-27C2-C271-10A9-5E9CAB037B9C}"/>
+              </a:ext>
+            </a:extLst>
+          </p:cNvPr>
+          <p:cNvSpPr txBox="1">
+            <a:spLocks/>
+          </p:cNvSpPr>
+          <p:nvPr/>
+        </p:nvSpPr>
+        <p:spPr>
+          <a:xfrm>
+            <a:off x="671610" y="5885137"/>
+            <a:ext cx="10386500" cy="546016"/>
+          </a:xfrm>
+          <a:prstGeom prst="rect">
+            <a:avLst/>
+          </a:prstGeom>
+        </p:spPr>
+        <p:txBody>
+          <a:bodyPr vert="horz" lIns="91440" tIns="45720" rIns="91440" bIns="45720" rtlCol="0">
+            <a:noAutofit/>
+          </a:bodyPr>
+          <a:lstStyle>
+            <a:lvl1pPr marL="228600" indent="-228600" algn="l" defTabSz="914400" rtl="0" eaLnBrk="1" latinLnBrk="0" hangingPunct="1">
+              <a:lnSpc>
+                <a:spcPct val="90000"/>
+              </a:lnSpc>
+              <a:spcBef>
+                <a:spcPts val="1000"/>
+              </a:spcBef>
+              <a:buFont typeface="Arial" panose="020B0604020202020204" pitchFamily="34" charset="0"/>
+              <a:buChar char="•"/>
+              <a:defRPr sz="2800" kern="1200">
+                <a:solidFill>
+                  <a:schemeClr val="tx1"/>
+                </a:solidFill>
+                <a:latin typeface="+mn-lt"/>
+                <a:ea typeface="+mn-ea"/>
+                <a:cs typeface="+mn-cs"/>
+              </a:defRPr>
+            </a:lvl1pPr>
+            <a:lvl2pPr marL="685800" indent="-228600" algn="l" defTabSz="914400" rtl="0" eaLnBrk="1" latinLnBrk="0" hangingPunct="1">
+              <a:lnSpc>
+                <a:spcPct val="90000"/>
+              </a:lnSpc>
+              <a:spcBef>
+                <a:spcPts val="500"/>
+              </a:spcBef>
+              <a:buFont typeface="Arial" panose="020B0604020202020204" pitchFamily="34" charset="0"/>
+              <a:buChar char="•"/>
+              <a:defRPr sz="2400" kern="1200">
+                <a:solidFill>
+                  <a:schemeClr val="tx1"/>
+                </a:solidFill>
+                <a:latin typeface="+mn-lt"/>
+                <a:ea typeface="+mn-ea"/>
+                <a:cs typeface="+mn-cs"/>
+              </a:defRPr>
+            </a:lvl2pPr>
+            <a:lvl3pPr marL="1143000" indent="-228600" algn="l" defTabSz="914400" rtl="0" eaLnBrk="1" latinLnBrk="0" hangingPunct="1">
+              <a:lnSpc>
+                <a:spcPct val="90000"/>
+              </a:lnSpc>
+              <a:spcBef>
+                <a:spcPts val="500"/>
+              </a:spcBef>
+              <a:buFont typeface="Arial" panose="020B0604020202020204" pitchFamily="34" charset="0"/>
+              <a:buChar char="•"/>
+              <a:defRPr sz="2000" kern="1200">
+                <a:solidFill>
+                  <a:schemeClr val="tx1"/>
+                </a:solidFill>
+                <a:latin typeface="+mn-lt"/>
+                <a:ea typeface="+mn-ea"/>
+                <a:cs typeface="+mn-cs"/>
+              </a:defRPr>
+            </a:lvl3pPr>
+            <a:lvl4pPr marL="1600200" indent="-228600" algn="l" defTabSz="914400" rtl="0" eaLnBrk="1" latinLnBrk="0" hangingPunct="1">
+              <a:lnSpc>
+                <a:spcPct val="90000"/>
+              </a:lnSpc>
+              <a:spcBef>
+                <a:spcPts val="500"/>
+              </a:spcBef>
+              <a:buFont typeface="Arial" panose="020B0604020202020204" pitchFamily="34" charset="0"/>
+              <a:buChar char="•"/>
+              <a:defRPr sz="1800" kern="1200">
+                <a:solidFill>
+                  <a:schemeClr val="tx1"/>
+                </a:solidFill>
+                <a:latin typeface="+mn-lt"/>
+                <a:ea typeface="+mn-ea"/>
+                <a:cs typeface="+mn-cs"/>
+              </a:defRPr>
+            </a:lvl4pPr>
+            <a:lvl5pPr marL="2057400" indent="-228600" algn="l" defTabSz="914400" rtl="0" eaLnBrk="1" latinLnBrk="0" hangingPunct="1">
+              <a:lnSpc>
+                <a:spcPct val="90000"/>
+              </a:lnSpc>
+              <a:spcBef>
+                <a:spcPts val="500"/>
+              </a:spcBef>
+              <a:buFont typeface="Arial" panose="020B0604020202020204" pitchFamily="34" charset="0"/>
+              <a:buChar char="•"/>
+              <a:defRPr sz="1800" kern="1200">
+                <a:solidFill>
+                  <a:schemeClr val="tx1"/>
+                </a:solidFill>
+                <a:latin typeface="+mn-lt"/>
+                <a:ea typeface="+mn-ea"/>
+                <a:cs typeface="+mn-cs"/>
+              </a:defRPr>
+            </a:lvl5pPr>
+            <a:lvl6pPr marL="2514600" indent="-228600" algn="l" defTabSz="914400" rtl="0" eaLnBrk="1" latinLnBrk="0" hangingPunct="1">
+              <a:lnSpc>
+                <a:spcPct val="90000"/>
+              </a:lnSpc>
+              <a:spcBef>
+                <a:spcPts val="500"/>
+              </a:spcBef>
+              <a:buFont typeface="Arial" panose="020B0604020202020204" pitchFamily="34" charset="0"/>
+              <a:buChar char="•"/>
+              <a:defRPr sz="1800" kern="1200">
+                <a:solidFill>
+                  <a:schemeClr val="tx1"/>
+                </a:solidFill>
+                <a:latin typeface="+mn-lt"/>
+                <a:ea typeface="+mn-ea"/>
+                <a:cs typeface="+mn-cs"/>
+              </a:defRPr>
+            </a:lvl6pPr>
+            <a:lvl7pPr marL="2971800" indent="-228600" algn="l" defTabSz="914400" rtl="0" eaLnBrk="1" latinLnBrk="0" hangingPunct="1">
+              <a:lnSpc>
+                <a:spcPct val="90000"/>
+              </a:lnSpc>
+              <a:spcBef>
+                <a:spcPts val="500"/>
+              </a:spcBef>
+              <a:buFont typeface="Arial" panose="020B0604020202020204" pitchFamily="34" charset="0"/>
+              <a:buChar char="•"/>
+              <a:defRPr sz="1800" kern="1200">
+                <a:solidFill>
+                  <a:schemeClr val="tx1"/>
+                </a:solidFill>
+                <a:latin typeface="+mn-lt"/>
+                <a:ea typeface="+mn-ea"/>
+                <a:cs typeface="+mn-cs"/>
+              </a:defRPr>
+            </a:lvl7pPr>
+            <a:lvl8pPr marL="3429000" indent="-228600" algn="l" defTabSz="914400" rtl="0" eaLnBrk="1" latinLnBrk="0" hangingPunct="1">
+              <a:lnSpc>
+                <a:spcPct val="90000"/>
+              </a:lnSpc>
+              <a:spcBef>
+                <a:spcPts val="500"/>
+              </a:spcBef>
+              <a:buFont typeface="Arial" panose="020B0604020202020204" pitchFamily="34" charset="0"/>
+              <a:buChar char="•"/>
+              <a:defRPr sz="1800" kern="1200">
+                <a:solidFill>
+                  <a:schemeClr val="tx1"/>
+                </a:solidFill>
+                <a:latin typeface="+mn-lt"/>
+                <a:ea typeface="+mn-ea"/>
+                <a:cs typeface="+mn-cs"/>
+              </a:defRPr>
+            </a:lvl8pPr>
+            <a:lvl9pPr marL="3886200" indent="-228600" algn="l" defTabSz="914400" rtl="0" eaLnBrk="1" latinLnBrk="0" hangingPunct="1">
+              <a:lnSpc>
+                <a:spcPct val="90000"/>
+              </a:lnSpc>
+              <a:spcBef>
+                <a:spcPts val="500"/>
+              </a:spcBef>
+              <a:buFont typeface="Arial" panose="020B0604020202020204" pitchFamily="34" charset="0"/>
+              <a:buChar char="•"/>
+              <a:defRPr sz="1800" kern="1200">
+                <a:solidFill>
+                  <a:schemeClr val="tx1"/>
+                </a:solidFill>
+                <a:latin typeface="+mn-lt"/>
+                <a:ea typeface="+mn-ea"/>
+                <a:cs typeface="+mn-cs"/>
+              </a:defRPr>
+            </a:lvl9pPr>
+          </a:lstStyle>
+          <a:p>
+            <a:r>
+              <a:rPr kumimoji="1" lang="en-US" altLang="zh-TW" i="1" dirty="0"/>
+              <a:t>Everything shows pretty much the same trend as 2 pages ago.</a:t>
+            </a:r>
+          </a:p>
+        </p:txBody>
+      </p:sp>
+    </p:spTree>
+    <p:extLst>
+      <p:ext uri="{BB962C8B-B14F-4D97-AF65-F5344CB8AC3E}">
+        <p14:creationId xmlns:p14="http://schemas.microsoft.com/office/powerpoint/2010/main" val="1369479007"/>
+      </p:ext>
+    </p:extLst>
+  </p:cSld>
+  <p:clrMapOvr>
+    <a:masterClrMapping/>
+  </p:clrMapOvr>
+</p:sld>
+</file>
+
+<file path=ppt/slides/slide14.xml><?xml version="1.0" encoding="utf-8"?>
+<p:sld xmlns:a="http://schemas.openxmlformats.org/drawingml/2006/main" xmlns:r="http://schemas.openxmlformats.org/officeDocument/2006/relationships" xmlns:p="http://schemas.openxmlformats.org/presentationml/2006/main">
+  <p:cSld>
+    <p:spTree>
+      <p:nvGrpSpPr>
+        <p:cNvPr id="1" name=""/>
+        <p:cNvGrpSpPr/>
+        <p:nvPr/>
+      </p:nvGrpSpPr>
+      <p:grpSpPr>
+        <a:xfrm>
+          <a:off x="0" y="0"/>
+          <a:ext cx="0" cy="0"/>
+          <a:chOff x="0" y="0"/>
+          <a:chExt cx="0" cy="0"/>
+        </a:xfrm>
+      </p:grpSpPr>
+      <p:pic>
+        <p:nvPicPr>
+          <p:cNvPr id="3" name="圖片 2">
+            <a:extLst>
+              <a:ext uri="{FF2B5EF4-FFF2-40B4-BE49-F238E27FC236}">
+                <a16:creationId xmlns:a16="http://schemas.microsoft.com/office/drawing/2014/main" id="{104F94E1-0E9C-EB88-1575-1E43E6CD5BE6}"/>
+              </a:ext>
+            </a:extLst>
+          </p:cNvPr>
+          <p:cNvPicPr>
+            <a:picLocks noChangeAspect="1"/>
+          </p:cNvPicPr>
+          <p:nvPr/>
+        </p:nvPicPr>
+        <p:blipFill>
+          <a:blip r:embed="rId2"/>
+          <a:stretch>
+            <a:fillRect/>
+          </a:stretch>
+        </p:blipFill>
+        <p:spPr>
+          <a:xfrm>
+            <a:off x="388112" y="1347978"/>
+            <a:ext cx="5842000" cy="4381500"/>
+          </a:xfrm>
+          <a:prstGeom prst="rect">
+            <a:avLst/>
+          </a:prstGeom>
+        </p:spPr>
+      </p:pic>
+      <p:pic>
+        <p:nvPicPr>
+          <p:cNvPr id="7" name="圖片 6">
+            <a:extLst>
+              <a:ext uri="{FF2B5EF4-FFF2-40B4-BE49-F238E27FC236}">
+                <a16:creationId xmlns:a16="http://schemas.microsoft.com/office/drawing/2014/main" id="{C74877EC-DBD6-746D-71FA-E270E4B521F9}"/>
+              </a:ext>
+            </a:extLst>
+          </p:cNvPr>
+          <p:cNvPicPr>
+            <a:picLocks noChangeAspect="1"/>
+          </p:cNvPicPr>
+          <p:nvPr/>
+        </p:nvPicPr>
+        <p:blipFill>
+          <a:blip r:embed="rId3"/>
+          <a:stretch>
+            <a:fillRect/>
+          </a:stretch>
+        </p:blipFill>
+        <p:spPr>
+          <a:xfrm>
+            <a:off x="5877052" y="1347978"/>
+            <a:ext cx="5842000" cy="4381500"/>
+          </a:xfrm>
+          <a:prstGeom prst="rect">
+            <a:avLst/>
+          </a:prstGeom>
+        </p:spPr>
+      </p:pic>
+      <mc:AlternateContent xmlns:mc="http://schemas.openxmlformats.org/markup-compatibility/2006">
+        <mc:Choice xmlns:a14="http://schemas.microsoft.com/office/drawing/2010/main" Requires="a14">
+          <p:sp>
+            <p:nvSpPr>
+              <p:cNvPr id="4" name="標題 1">
+                <a:extLst>
+                  <a:ext uri="{FF2B5EF4-FFF2-40B4-BE49-F238E27FC236}">
+                    <a16:creationId xmlns:a16="http://schemas.microsoft.com/office/drawing/2014/main" id="{EA808CEB-0186-3D37-2293-B4660FD3017A}"/>
+                  </a:ext>
+                </a:extLst>
+              </p:cNvPr>
+              <p:cNvSpPr>
+                <a:spLocks noGrp="1"/>
+              </p:cNvSpPr>
+              <p:nvPr>
+                <p:ph type="title"/>
+              </p:nvPr>
+            </p:nvSpPr>
+            <p:spPr>
+              <a:xfrm>
+                <a:off x="838200" y="365125"/>
+                <a:ext cx="10515600" cy="1325563"/>
+              </a:xfrm>
+            </p:spPr>
+            <p:txBody>
+              <a:bodyPr>
+                <a:normAutofit/>
+              </a:bodyPr>
+              <a:lstStyle/>
+              <a:p>
+                <a:r>
+                  <a:rPr kumimoji="1" lang="en-US" altLang="zh-TW" sz="3500" b="1" dirty="0">
+                    <a:latin typeface="Times New Roman" panose="02020603050405020304" pitchFamily="18" charset="0"/>
+                    <a:cs typeface="Times New Roman" panose="02020603050405020304" pitchFamily="18" charset="0"/>
+                  </a:rPr>
+                  <a:t>Simulation Results</a:t>
+                </a:r>
+                <a:br>
+                  <a:rPr kumimoji="1" lang="en-US" altLang="zh-TW" sz="3500" b="1" dirty="0">
+                    <a:latin typeface="Times New Roman" panose="02020603050405020304" pitchFamily="18" charset="0"/>
+                    <a:cs typeface="Times New Roman" panose="02020603050405020304" pitchFamily="18" charset="0"/>
+                  </a:rPr>
+                </a:br>
+                <a:r>
+                  <a:rPr kumimoji="1" lang="en-US" altLang="zh-TW" sz="3500" b="1" dirty="0">
+                    <a:latin typeface="Times New Roman" panose="02020603050405020304" pitchFamily="18" charset="0"/>
+                    <a:cs typeface="Times New Roman" panose="02020603050405020304" pitchFamily="18" charset="0"/>
+                  </a:rPr>
+                  <a:t>- Data set 2: Mean throughput </a:t>
+                </a:r>
+                <a14:m>
+                  <m:oMath xmlns:m="http://schemas.openxmlformats.org/officeDocument/2006/math">
+                    <m:r>
+                      <a:rPr kumimoji="1" lang="en-US" altLang="zh-TW" sz="3500" b="1" i="1" smtClean="0">
+                        <a:latin typeface="Cambria Math" panose="02040503050406030204" pitchFamily="18" charset="0"/>
+                        <a:ea typeface="Cambria Math" panose="02040503050406030204" pitchFamily="18" charset="0"/>
+                        <a:cs typeface="Times New Roman" panose="02020603050405020304" pitchFamily="18" charset="0"/>
+                      </a:rPr>
+                      <m:t>≈</m:t>
+                    </m:r>
+                  </m:oMath>
+                </a14:m>
+                <a:r>
+                  <a:rPr kumimoji="1" lang="en-US" altLang="zh-TW" sz="3500" b="1" dirty="0">
+                    <a:latin typeface="Times New Roman" panose="02020603050405020304" pitchFamily="18" charset="0"/>
+                    <a:cs typeface="Times New Roman" panose="02020603050405020304" pitchFamily="18" charset="0"/>
+                  </a:rPr>
+                  <a:t>12Mbps. Fix buffer.</a:t>
+                </a:r>
+                <a:endParaRPr kumimoji="1" lang="zh-TW" altLang="en-US" sz="3500" b="1" dirty="0">
+                  <a:latin typeface="Times New Roman" panose="02020603050405020304" pitchFamily="18" charset="0"/>
+                  <a:cs typeface="Times New Roman" panose="02020603050405020304" pitchFamily="18" charset="0"/>
+                </a:endParaRPr>
+              </a:p>
+            </p:txBody>
+          </p:sp>
+        </mc:Choice>
+        <mc:Fallback>
+          <p:sp>
+            <p:nvSpPr>
+              <p:cNvPr id="4" name="標題 1">
+                <a:extLst>
+                  <a:ext uri="{FF2B5EF4-FFF2-40B4-BE49-F238E27FC236}">
+                    <a16:creationId xmlns:a16="http://schemas.microsoft.com/office/drawing/2014/main" id="{EA808CEB-0186-3D37-2293-B4660FD3017A}"/>
+                  </a:ext>
+                </a:extLst>
+              </p:cNvPr>
+              <p:cNvSpPr>
+                <a:spLocks noGrp="1" noRot="1" noChangeAspect="1" noMove="1" noResize="1" noEditPoints="1" noAdjustHandles="1" noChangeArrowheads="1" noChangeShapeType="1" noTextEdit="1"/>
+              </p:cNvSpPr>
+              <p:nvPr>
+                <p:ph type="title"/>
+              </p:nvPr>
+            </p:nvSpPr>
+            <p:spPr>
+              <a:xfrm>
+                <a:off x="838200" y="365125"/>
+                <a:ext cx="10515600" cy="1325563"/>
+              </a:xfrm>
+              <a:blipFill>
+                <a:blip r:embed="rId4"/>
+                <a:stretch>
+                  <a:fillRect l="-1809" b="-6667"/>
+                </a:stretch>
+              </a:blipFill>
+            </p:spPr>
+            <p:txBody>
+              <a:bodyPr/>
+              <a:lstStyle/>
+              <a:p>
+                <a:r>
+                  <a:rPr lang="zh-TW" altLang="en-US">
+                    <a:noFill/>
+                  </a:rPr>
+                  <a:t> </a:t>
+                </a:r>
+              </a:p>
+            </p:txBody>
+          </p:sp>
+        </mc:Fallback>
+      </mc:AlternateContent>
+      <p:sp>
+        <p:nvSpPr>
+          <p:cNvPr id="11" name="內容版面配置區 2">
+            <a:extLst>
+              <a:ext uri="{FF2B5EF4-FFF2-40B4-BE49-F238E27FC236}">
+                <a16:creationId xmlns:a16="http://schemas.microsoft.com/office/drawing/2014/main" id="{445EA719-27C2-C271-10A9-5E9CAB037B9C}"/>
+              </a:ext>
+            </a:extLst>
+          </p:cNvPr>
+          <p:cNvSpPr txBox="1">
+            <a:spLocks/>
+          </p:cNvSpPr>
+          <p:nvPr/>
+        </p:nvSpPr>
+        <p:spPr>
+          <a:xfrm>
+            <a:off x="838200" y="5946859"/>
+            <a:ext cx="9646920" cy="546016"/>
+          </a:xfrm>
+          <a:prstGeom prst="rect">
+            <a:avLst/>
+          </a:prstGeom>
+        </p:spPr>
+        <p:txBody>
+          <a:bodyPr vert="horz" lIns="91440" tIns="45720" rIns="91440" bIns="45720" rtlCol="0">
+            <a:noAutofit/>
+          </a:bodyPr>
+          <a:lstStyle>
+            <a:lvl1pPr marL="228600" indent="-228600" algn="l" defTabSz="914400" rtl="0" eaLnBrk="1" latinLnBrk="0" hangingPunct="1">
+              <a:lnSpc>
+                <a:spcPct val="90000"/>
+              </a:lnSpc>
+              <a:spcBef>
+                <a:spcPts val="1000"/>
+              </a:spcBef>
+              <a:buFont typeface="Arial" panose="020B0604020202020204" pitchFamily="34" charset="0"/>
+              <a:buChar char="•"/>
+              <a:defRPr sz="2800" kern="1200">
+                <a:solidFill>
+                  <a:schemeClr val="tx1"/>
+                </a:solidFill>
+                <a:latin typeface="+mn-lt"/>
+                <a:ea typeface="+mn-ea"/>
+                <a:cs typeface="+mn-cs"/>
+              </a:defRPr>
+            </a:lvl1pPr>
+            <a:lvl2pPr marL="685800" indent="-228600" algn="l" defTabSz="914400" rtl="0" eaLnBrk="1" latinLnBrk="0" hangingPunct="1">
+              <a:lnSpc>
+                <a:spcPct val="90000"/>
+              </a:lnSpc>
+              <a:spcBef>
+                <a:spcPts val="500"/>
+              </a:spcBef>
+              <a:buFont typeface="Arial" panose="020B0604020202020204" pitchFamily="34" charset="0"/>
+              <a:buChar char="•"/>
+              <a:defRPr sz="2400" kern="1200">
+                <a:solidFill>
+                  <a:schemeClr val="tx1"/>
+                </a:solidFill>
+                <a:latin typeface="+mn-lt"/>
+                <a:ea typeface="+mn-ea"/>
+                <a:cs typeface="+mn-cs"/>
+              </a:defRPr>
+            </a:lvl2pPr>
+            <a:lvl3pPr marL="1143000" indent="-228600" algn="l" defTabSz="914400" rtl="0" eaLnBrk="1" latinLnBrk="0" hangingPunct="1">
+              <a:lnSpc>
+                <a:spcPct val="90000"/>
+              </a:lnSpc>
+              <a:spcBef>
+                <a:spcPts val="500"/>
+              </a:spcBef>
+              <a:buFont typeface="Arial" panose="020B0604020202020204" pitchFamily="34" charset="0"/>
+              <a:buChar char="•"/>
+              <a:defRPr sz="2000" kern="1200">
+                <a:solidFill>
+                  <a:schemeClr val="tx1"/>
+                </a:solidFill>
+                <a:latin typeface="+mn-lt"/>
+                <a:ea typeface="+mn-ea"/>
+                <a:cs typeface="+mn-cs"/>
+              </a:defRPr>
+            </a:lvl3pPr>
+            <a:lvl4pPr marL="1600200" indent="-228600" algn="l" defTabSz="914400" rtl="0" eaLnBrk="1" latinLnBrk="0" hangingPunct="1">
+              <a:lnSpc>
+                <a:spcPct val="90000"/>
+              </a:lnSpc>
+              <a:spcBef>
+                <a:spcPts val="500"/>
+              </a:spcBef>
+              <a:buFont typeface="Arial" panose="020B0604020202020204" pitchFamily="34" charset="0"/>
+              <a:buChar char="•"/>
+              <a:defRPr sz="1800" kern="1200">
+                <a:solidFill>
+                  <a:schemeClr val="tx1"/>
+                </a:solidFill>
+                <a:latin typeface="+mn-lt"/>
+                <a:ea typeface="+mn-ea"/>
+                <a:cs typeface="+mn-cs"/>
+              </a:defRPr>
+            </a:lvl4pPr>
+            <a:lvl5pPr marL="2057400" indent="-228600" algn="l" defTabSz="914400" rtl="0" eaLnBrk="1" latinLnBrk="0" hangingPunct="1">
+              <a:lnSpc>
+                <a:spcPct val="90000"/>
+              </a:lnSpc>
+              <a:spcBef>
+                <a:spcPts val="500"/>
+              </a:spcBef>
+              <a:buFont typeface="Arial" panose="020B0604020202020204" pitchFamily="34" charset="0"/>
+              <a:buChar char="•"/>
+              <a:defRPr sz="1800" kern="1200">
+                <a:solidFill>
+                  <a:schemeClr val="tx1"/>
+                </a:solidFill>
+                <a:latin typeface="+mn-lt"/>
+                <a:ea typeface="+mn-ea"/>
+                <a:cs typeface="+mn-cs"/>
+              </a:defRPr>
+            </a:lvl5pPr>
+            <a:lvl6pPr marL="2514600" indent="-228600" algn="l" defTabSz="914400" rtl="0" eaLnBrk="1" latinLnBrk="0" hangingPunct="1">
+              <a:lnSpc>
+                <a:spcPct val="90000"/>
+              </a:lnSpc>
+              <a:spcBef>
+                <a:spcPts val="500"/>
+              </a:spcBef>
+              <a:buFont typeface="Arial" panose="020B0604020202020204" pitchFamily="34" charset="0"/>
+              <a:buChar char="•"/>
+              <a:defRPr sz="1800" kern="1200">
+                <a:solidFill>
+                  <a:schemeClr val="tx1"/>
+                </a:solidFill>
+                <a:latin typeface="+mn-lt"/>
+                <a:ea typeface="+mn-ea"/>
+                <a:cs typeface="+mn-cs"/>
+              </a:defRPr>
+            </a:lvl6pPr>
+            <a:lvl7pPr marL="2971800" indent="-228600" algn="l" defTabSz="914400" rtl="0" eaLnBrk="1" latinLnBrk="0" hangingPunct="1">
+              <a:lnSpc>
+                <a:spcPct val="90000"/>
+              </a:lnSpc>
+              <a:spcBef>
+                <a:spcPts val="500"/>
+              </a:spcBef>
+              <a:buFont typeface="Arial" panose="020B0604020202020204" pitchFamily="34" charset="0"/>
+              <a:buChar char="•"/>
+              <a:defRPr sz="1800" kern="1200">
+                <a:solidFill>
+                  <a:schemeClr val="tx1"/>
+                </a:solidFill>
+                <a:latin typeface="+mn-lt"/>
+                <a:ea typeface="+mn-ea"/>
+                <a:cs typeface="+mn-cs"/>
+              </a:defRPr>
+            </a:lvl7pPr>
+            <a:lvl8pPr marL="3429000" indent="-228600" algn="l" defTabSz="914400" rtl="0" eaLnBrk="1" latinLnBrk="0" hangingPunct="1">
+              <a:lnSpc>
+                <a:spcPct val="90000"/>
+              </a:lnSpc>
+              <a:spcBef>
+                <a:spcPts val="500"/>
+              </a:spcBef>
+              <a:buFont typeface="Arial" panose="020B0604020202020204" pitchFamily="34" charset="0"/>
+              <a:buChar char="•"/>
+              <a:defRPr sz="1800" kern="1200">
+                <a:solidFill>
+                  <a:schemeClr val="tx1"/>
+                </a:solidFill>
+                <a:latin typeface="+mn-lt"/>
+                <a:ea typeface="+mn-ea"/>
+                <a:cs typeface="+mn-cs"/>
+              </a:defRPr>
+            </a:lvl8pPr>
+            <a:lvl9pPr marL="3886200" indent="-228600" algn="l" defTabSz="914400" rtl="0" eaLnBrk="1" latinLnBrk="0" hangingPunct="1">
+              <a:lnSpc>
+                <a:spcPct val="90000"/>
+              </a:lnSpc>
+              <a:spcBef>
+                <a:spcPts val="500"/>
+              </a:spcBef>
+              <a:buFont typeface="Arial" panose="020B0604020202020204" pitchFamily="34" charset="0"/>
+              <a:buChar char="•"/>
+              <a:defRPr sz="1800" kern="1200">
+                <a:solidFill>
+                  <a:schemeClr val="tx1"/>
+                </a:solidFill>
+                <a:latin typeface="+mn-lt"/>
+                <a:ea typeface="+mn-ea"/>
+                <a:cs typeface="+mn-cs"/>
+              </a:defRPr>
+            </a:lvl9pPr>
+          </a:lstStyle>
+          <a:p>
+            <a:r>
+              <a:rPr kumimoji="1" lang="en-US" altLang="zh-TW" i="1" dirty="0"/>
+              <a:t>Again, everything shows pretty much the same trend as before.</a:t>
+            </a:r>
+          </a:p>
+        </p:txBody>
+      </p:sp>
+    </p:spTree>
+    <p:extLst>
+      <p:ext uri="{BB962C8B-B14F-4D97-AF65-F5344CB8AC3E}">
+        <p14:creationId xmlns:p14="http://schemas.microsoft.com/office/powerpoint/2010/main" val="1144426341"/>
+      </p:ext>
+    </p:extLst>
+  </p:cSld>
+  <p:clrMapOvr>
+    <a:masterClrMapping/>
+  </p:clrMapOvr>
+</p:sld>
+</file>
+
+<file path=ppt/slides/slide15.xml><?xml version="1.0" encoding="utf-8"?>
+<p:sld xmlns:a="http://schemas.openxmlformats.org/drawingml/2006/main" xmlns:r="http://schemas.openxmlformats.org/officeDocument/2006/relationships" xmlns:p="http://schemas.openxmlformats.org/presentationml/2006/main">
+  <p:cSld>
+    <p:spTree>
+      <p:nvGrpSpPr>
+        <p:cNvPr id="1" name=""/>
+        <p:cNvGrpSpPr/>
+        <p:nvPr/>
+      </p:nvGrpSpPr>
+      <p:grpSpPr>
+        <a:xfrm>
+          <a:off x="0" y="0"/>
+          <a:ext cx="0" cy="0"/>
+          <a:chOff x="0" y="0"/>
+          <a:chExt cx="0" cy="0"/>
+        </a:xfrm>
+      </p:grpSpPr>
+      <p:sp>
+        <p:nvSpPr>
+          <p:cNvPr id="2" name="標題 1">
+            <a:extLst>
+              <a:ext uri="{FF2B5EF4-FFF2-40B4-BE49-F238E27FC236}">
+                <a16:creationId xmlns:a16="http://schemas.microsoft.com/office/drawing/2014/main" id="{CA195A68-484F-6720-D673-0135CFA9F6B3}"/>
+              </a:ext>
+            </a:extLst>
+          </p:cNvPr>
+          <p:cNvSpPr>
+            <a:spLocks noGrp="1"/>
+          </p:cNvSpPr>
+          <p:nvPr>
+            <p:ph type="title"/>
+          </p:nvPr>
+        </p:nvSpPr>
+        <p:spPr/>
+        <p:txBody>
+          <a:bodyPr/>
+          <a:lstStyle/>
+          <a:p>
+            <a:r>
+              <a:rPr kumimoji="1" lang="en-US" altLang="zh-TW" b="1" dirty="0">
+                <a:latin typeface="Times New Roman" panose="02020603050405020304" pitchFamily="18" charset="0"/>
+                <a:cs typeface="Times New Roman" panose="02020603050405020304" pitchFamily="18" charset="0"/>
+              </a:rPr>
+              <a:t>Conclusion and Future Works</a:t>
+            </a:r>
+            <a:endParaRPr kumimoji="1" lang="zh-TW" altLang="en-US" b="1" dirty="0">
+              <a:latin typeface="Times New Roman" panose="02020603050405020304" pitchFamily="18" charset="0"/>
+              <a:cs typeface="Times New Roman" panose="02020603050405020304" pitchFamily="18" charset="0"/>
+            </a:endParaRPr>
+          </a:p>
+        </p:txBody>
+      </p:sp>
+      <p:sp>
+        <p:nvSpPr>
+          <p:cNvPr id="3" name="內容版面配置區 2">
+            <a:extLst>
+              <a:ext uri="{FF2B5EF4-FFF2-40B4-BE49-F238E27FC236}">
+                <a16:creationId xmlns:a16="http://schemas.microsoft.com/office/drawing/2014/main" id="{5E00D6D6-ED46-731D-1452-12135F668267}"/>
+              </a:ext>
+            </a:extLst>
+          </p:cNvPr>
+          <p:cNvSpPr>
+            <a:spLocks noGrp="1"/>
+          </p:cNvSpPr>
+          <p:nvPr>
+            <p:ph idx="1"/>
+          </p:nvPr>
+        </p:nvSpPr>
+        <p:spPr>
+          <a:xfrm>
+            <a:off x="838200" y="1700060"/>
+            <a:ext cx="10515600" cy="5179858"/>
+          </a:xfrm>
+        </p:spPr>
+        <p:txBody>
+          <a:bodyPr>
+            <a:noAutofit/>
+          </a:bodyPr>
+          <a:lstStyle/>
+          <a:p>
+            <a:r>
+              <a:rPr lang="en-US" altLang="zh-TW" dirty="0"/>
+              <a:t>We proposed and demonstrated a history-based short-term bandwidth predicting method called conditional probability distribution, which has practical values in live video streaming. </a:t>
+            </a:r>
+          </a:p>
+          <a:p>
+            <a:r>
+              <a:rPr lang="en-US" altLang="zh-TW" dirty="0"/>
+              <a:t>Our method uses the empirical conditional relative frequency to find a largest frame size while eliminating the probability of introducing delay under </a:t>
+            </a:r>
+            <a:r>
+              <a:rPr lang="en-US" altLang="zh-TW" i="1" dirty="0"/>
+              <a:t>any</a:t>
+            </a:r>
+            <a:r>
+              <a:rPr lang="en-US" altLang="zh-TW" dirty="0"/>
+              <a:t> networks. </a:t>
+            </a:r>
+          </a:p>
+          <a:p>
+            <a:r>
+              <a:rPr lang="en-US" altLang="zh-TW" dirty="0"/>
+              <a:t>Possible improvements to enhance this method’s robustness. </a:t>
+            </a:r>
+          </a:p>
+          <a:p>
+            <a:pPr lvl="1"/>
+            <a:r>
+              <a:rPr lang="en-US" altLang="zh-TW" dirty="0"/>
+              <a:t>giving a more concrete theoretical proof of this method </a:t>
+            </a:r>
+          </a:p>
+          <a:p>
+            <a:pPr lvl="1"/>
+            <a:r>
+              <a:rPr lang="en-US" altLang="zh-TW" dirty="0"/>
+              <a:t>faster implementations of the algorithm in both space and time complexities</a:t>
+            </a:r>
+          </a:p>
+          <a:p>
+            <a:pPr lvl="1"/>
+            <a:r>
+              <a:rPr lang="en-US" altLang="zh-TW" dirty="0"/>
+              <a:t>ways to obtain more reliable past data</a:t>
+            </a:r>
+            <a:endParaRPr kumimoji="1" lang="zh-TW" altLang="en-US" dirty="0"/>
+          </a:p>
+        </p:txBody>
+      </p:sp>
+    </p:spTree>
+    <p:extLst>
+      <p:ext uri="{BB962C8B-B14F-4D97-AF65-F5344CB8AC3E}">
+        <p14:creationId xmlns:p14="http://schemas.microsoft.com/office/powerpoint/2010/main" val="1795967734"/>
+      </p:ext>
+    </p:extLst>
+  </p:cSld>
+  <p:clrMapOvr>
+    <a:masterClrMapping/>
+  </p:clrMapOvr>
+</p:sld>
+</file>
+
+<file path=ppt/slides/slide16.xml><?xml version="1.0" encoding="utf-8"?>
+<p:sld xmlns:a="http://schemas.openxmlformats.org/drawingml/2006/main" xmlns:r="http://schemas.openxmlformats.org/officeDocument/2006/relationships" xmlns:p="http://schemas.openxmlformats.org/presentationml/2006/main">
+  <p:cSld>
+    <p:spTree>
+      <p:nvGrpSpPr>
+        <p:cNvPr id="1" name=""/>
+        <p:cNvGrpSpPr/>
+        <p:nvPr/>
+      </p:nvGrpSpPr>
+      <p:grpSpPr>
+        <a:xfrm>
+          <a:off x="0" y="0"/>
+          <a:ext cx="0" cy="0"/>
+          <a:chOff x="0" y="0"/>
+          <a:chExt cx="0" cy="0"/>
+        </a:xfrm>
+      </p:grpSpPr>
+      <p:sp>
+        <p:nvSpPr>
+          <p:cNvPr id="4" name="標題 3">
+            <a:extLst>
+              <a:ext uri="{FF2B5EF4-FFF2-40B4-BE49-F238E27FC236}">
+                <a16:creationId xmlns:a16="http://schemas.microsoft.com/office/drawing/2014/main" id="{E5A38F4A-308D-5E1E-7703-F4A757503F52}"/>
+              </a:ext>
+            </a:extLst>
+          </p:cNvPr>
+          <p:cNvSpPr>
+            <a:spLocks noGrp="1"/>
+          </p:cNvSpPr>
+          <p:nvPr>
+            <p:ph type="ctrTitle"/>
+          </p:nvPr>
+        </p:nvSpPr>
+        <p:spPr>
+          <a:xfrm>
+            <a:off x="1135626" y="1616587"/>
+            <a:ext cx="9920748" cy="2387600"/>
+          </a:xfrm>
+        </p:spPr>
+        <p:txBody>
+          <a:bodyPr>
+            <a:normAutofit/>
+          </a:bodyPr>
+          <a:lstStyle/>
+          <a:p>
+            <a:r>
+              <a:rPr lang="en-US" altLang="zh-TW" b="1" dirty="0">
+                <a:latin typeface="Times New Roman" panose="02020603050405020304" pitchFamily="18" charset="0"/>
+                <a:cs typeface="Times New Roman" panose="02020603050405020304" pitchFamily="18" charset="0"/>
+              </a:rPr>
+              <a:t>That’s an end.</a:t>
+            </a:r>
+            <a:br>
+              <a:rPr lang="en-US" altLang="zh-TW" b="1" dirty="0">
+                <a:latin typeface="Times New Roman" panose="02020603050405020304" pitchFamily="18" charset="0"/>
+                <a:cs typeface="Times New Roman" panose="02020603050405020304" pitchFamily="18" charset="0"/>
+              </a:rPr>
+            </a:br>
+            <a:r>
+              <a:rPr lang="en-US" altLang="zh-TW" b="1" dirty="0">
+                <a:latin typeface="Times New Roman" panose="02020603050405020304" pitchFamily="18" charset="0"/>
+                <a:cs typeface="Times New Roman" panose="02020603050405020304" pitchFamily="18" charset="0"/>
+              </a:rPr>
+              <a:t>Thanks for your time!</a:t>
+            </a:r>
+            <a:endParaRPr lang="zh-TW" altLang="en-US" b="1" dirty="0">
+              <a:latin typeface="Times New Roman" panose="02020603050405020304" pitchFamily="18" charset="0"/>
+              <a:cs typeface="Times New Roman" panose="02020603050405020304" pitchFamily="18" charset="0"/>
+            </a:endParaRPr>
+          </a:p>
+        </p:txBody>
+      </p:sp>
+      <p:sp>
+        <p:nvSpPr>
+          <p:cNvPr id="5" name="副標題 4">
+            <a:extLst>
+              <a:ext uri="{FF2B5EF4-FFF2-40B4-BE49-F238E27FC236}">
+                <a16:creationId xmlns:a16="http://schemas.microsoft.com/office/drawing/2014/main" id="{2854C980-ED40-C874-F5CF-03D6D0401503}"/>
+              </a:ext>
+            </a:extLst>
+          </p:cNvPr>
+          <p:cNvSpPr>
+            <a:spLocks noGrp="1"/>
+          </p:cNvSpPr>
+          <p:nvPr>
+            <p:ph type="subTitle" idx="1"/>
+          </p:nvPr>
+        </p:nvSpPr>
+        <p:spPr>
+          <a:xfrm>
+            <a:off x="1524000" y="4325042"/>
+            <a:ext cx="9144000" cy="1655762"/>
+          </a:xfrm>
+        </p:spPr>
+        <p:txBody>
+          <a:bodyPr/>
+          <a:lstStyle/>
+          <a:p>
+            <a:r>
+              <a:rPr lang="zh-TW" altLang="en-US" b="1" dirty="0"/>
+              <a:t>謝謝各位的聆聽。</a:t>
+            </a:r>
+          </a:p>
+        </p:txBody>
+      </p:sp>
+    </p:spTree>
+    <p:extLst>
+      <p:ext uri="{BB962C8B-B14F-4D97-AF65-F5344CB8AC3E}">
+        <p14:creationId xmlns:p14="http://schemas.microsoft.com/office/powerpoint/2010/main" val="4069481057"/>
       </p:ext>
     </p:extLst>
   </p:cSld>
@@ -4066,7 +6719,7 @@
                 <a:latin typeface="Times New Roman" panose="02020603050405020304" pitchFamily="18" charset="0"/>
                 <a:cs typeface="Times New Roman" panose="02020603050405020304" pitchFamily="18" charset="0"/>
               </a:rPr>
-              <a:t>Current Related Works of Bandwidth Estimation</a:t>
+              <a:t>Current Status of Bandwidth Estimation</a:t>
             </a:r>
           </a:p>
           <a:p>
@@ -4075,27 +6728,7 @@
                 <a:latin typeface="Times New Roman" panose="02020603050405020304" pitchFamily="18" charset="0"/>
                 <a:cs typeface="Times New Roman" panose="02020603050405020304" pitchFamily="18" charset="0"/>
               </a:rPr>
-              <a:t>Our Works on the Problem</a:t>
-            </a:r>
-          </a:p>
-          <a:p>
-            <a:pPr lvl="1"/>
-            <a:r>
-              <a:rPr kumimoji="1" lang="en-US" altLang="zh-TW" sz="3000" dirty="0">
-                <a:latin typeface="Times New Roman" panose="02020603050405020304" pitchFamily="18" charset="0"/>
-                <a:cs typeface="Times New Roman" panose="02020603050405020304" pitchFamily="18" charset="0"/>
-              </a:rPr>
-              <a:t>Motivations of Our Model </a:t>
-            </a:r>
-          </a:p>
-          <a:p>
-            <a:pPr lvl="1"/>
-            <a:r>
-              <a:rPr kumimoji="1" lang="en-US" altLang="zh-TW" sz="3000" dirty="0">
-                <a:latin typeface="Times New Roman" panose="02020603050405020304" pitchFamily="18" charset="0"/>
-                <a:cs typeface="Times New Roman" panose="02020603050405020304" pitchFamily="18" charset="0"/>
-              </a:rPr>
-              <a:t>Method in Details</a:t>
+              <a:t>Our Solution</a:t>
             </a:r>
           </a:p>
           <a:p>
@@ -5398,25 +8031,25 @@
         </p:nvSpPr>
         <p:spPr>
           <a:xfrm>
-            <a:off x="838199" y="1748426"/>
-            <a:ext cx="10515600" cy="1977587"/>
+            <a:off x="738315" y="1590979"/>
+            <a:ext cx="10715369" cy="2253344"/>
           </a:xfrm>
         </p:spPr>
         <p:txBody>
           <a:bodyPr>
-            <a:normAutofit/>
+            <a:noAutofit/>
           </a:bodyPr>
           <a:lstStyle/>
           <a:p>
             <a:r>
-              <a:rPr lang="en-US" altLang="zh-TW" dirty="0">
+              <a:rPr lang="en-US" altLang="zh-TW" sz="2200" dirty="0">
                 <a:ea typeface="Tahoma" panose="020B0604030504040204" pitchFamily="34" charset="0"/>
                 <a:cs typeface="Arial" panose="020B0604020202020204" pitchFamily="34" charset="0"/>
               </a:rPr>
               <a:t>Video frames generated at the </a:t>
             </a:r>
             <a:r>
-              <a:rPr lang="en-US" altLang="zh-TW" i="1" dirty="0">
+              <a:rPr lang="en-US" altLang="zh-TW" sz="2200" i="1" dirty="0">
                 <a:solidFill>
                   <a:srgbClr val="7030A0"/>
                 </a:solidFill>
@@ -5426,14 +8059,14 @@
               <a:t>uploader</a:t>
             </a:r>
             <a:r>
-              <a:rPr lang="en-US" altLang="zh-TW" dirty="0">
+              <a:rPr lang="en-US" altLang="zh-TW" sz="2200" dirty="0">
                 <a:ea typeface="Tahoma" panose="020B0604030504040204" pitchFamily="34" charset="0"/>
                 <a:cs typeface="Arial" panose="020B0604020202020204" pitchFamily="34" charset="0"/>
               </a:rPr>
               <a:t> side are sent to the </a:t>
             </a:r>
             <a:r>
-              <a:rPr lang="en-US" altLang="zh-TW" i="1" dirty="0">
+              <a:rPr lang="en-US" altLang="zh-TW" sz="2200" i="1" dirty="0">
                 <a:solidFill>
                   <a:srgbClr val="C00000"/>
                 </a:solidFill>
@@ -5443,27 +8076,27 @@
               <a:t>server</a:t>
             </a:r>
             <a:r>
-              <a:rPr lang="en-US" altLang="zh-TW" dirty="0">
+              <a:rPr lang="en-US" altLang="zh-TW" sz="2200" dirty="0">
                 <a:ea typeface="Tahoma" panose="020B0604030504040204" pitchFamily="34" charset="0"/>
                 <a:cs typeface="Arial" panose="020B0604020202020204" pitchFamily="34" charset="0"/>
               </a:rPr>
               <a:t>.</a:t>
             </a:r>
-            <a:endParaRPr kumimoji="1" lang="en-US" altLang="zh-TW" dirty="0">
+            <a:endParaRPr kumimoji="1" lang="en-US" altLang="zh-TW" sz="2200" dirty="0">
               <a:ea typeface="Tahoma" panose="020B0604030504040204" pitchFamily="34" charset="0"/>
               <a:cs typeface="Arial" panose="020B0604020202020204" pitchFamily="34" charset="0"/>
             </a:endParaRPr>
           </a:p>
           <a:p>
             <a:r>
-              <a:rPr kumimoji="1" lang="en-US" altLang="zh-TW" dirty="0">
+              <a:rPr kumimoji="1" lang="en-US" altLang="zh-TW" sz="2200" dirty="0">
                 <a:ea typeface="Tahoma" panose="020B0604030504040204" pitchFamily="34" charset="0"/>
                 <a:cs typeface="Arial" panose="020B0604020202020204" pitchFamily="34" charset="0"/>
               </a:rPr>
               <a:t>The server then made the video trace received into different copies as different players may have different </a:t>
             </a:r>
             <a:r>
-              <a:rPr kumimoji="1" lang="en-US" altLang="zh-TW" dirty="0">
+              <a:rPr kumimoji="1" lang="en-US" altLang="zh-TW" sz="2200" dirty="0">
                 <a:solidFill>
                   <a:schemeClr val="accent2"/>
                 </a:solidFill>
@@ -5473,20 +8106,29 @@
               <a:t>network</a:t>
             </a:r>
             <a:r>
-              <a:rPr kumimoji="1" lang="en-US" altLang="zh-TW" dirty="0">
+              <a:rPr kumimoji="1" lang="en-US" altLang="zh-TW" sz="2200" dirty="0">
                 <a:ea typeface="Tahoma" panose="020B0604030504040204" pitchFamily="34" charset="0"/>
                 <a:cs typeface="Arial" panose="020B0604020202020204" pitchFamily="34" charset="0"/>
               </a:rPr>
-              <a:t> quality and demands.</a:t>
+              <a:t> quality and demands. </a:t>
             </a:r>
           </a:p>
           <a:p>
             <a:r>
-              <a:rPr kumimoji="1" lang="en-US" altLang="zh-TW" dirty="0">
+              <a:rPr kumimoji="1" lang="en-US" altLang="zh-TW" sz="2200" dirty="0">
                 <a:ea typeface="Tahoma" panose="020B0604030504040204" pitchFamily="34" charset="0"/>
                 <a:cs typeface="Arial" panose="020B0604020202020204" pitchFamily="34" charset="0"/>
               </a:rPr>
               <a:t>We will mainly focus on the uploading part.</a:t>
+            </a:r>
+          </a:p>
+          <a:p>
+            <a:r>
+              <a:rPr kumimoji="1" lang="en-US" altLang="zh-TW" sz="2200" dirty="0">
+                <a:ea typeface="Tahoma" panose="020B0604030504040204" pitchFamily="34" charset="0"/>
+                <a:cs typeface="Arial" panose="020B0604020202020204" pitchFamily="34" charset="0"/>
+              </a:rPr>
+              <a:t>Bandwidth estimation matters because poorly estimated bandwidth will lead to either a low bitrate of video or a high frame loss rate.</a:t>
             </a:r>
           </a:p>
         </p:txBody>
@@ -5505,14 +8147,14 @@
         </p:nvSpPr>
         <p:spPr>
           <a:xfrm>
-            <a:off x="5154874" y="3149569"/>
-            <a:ext cx="2280829" cy="456139"/>
+            <a:off x="4195481" y="2729967"/>
+            <a:ext cx="1797323" cy="422687"/>
           </a:xfrm>
           <a:prstGeom prst="rect">
             <a:avLst/>
           </a:prstGeom>
           <a:noFill/>
-          <a:ln w="19050" cap="rnd">
+          <a:ln w="25400" cap="rnd">
             <a:solidFill>
               <a:schemeClr val="accent6">
                 <a:lumMod val="60000"/>
@@ -5548,10 +8190,7 @@
             <a:pPr algn="ctr"/>
             <a:endParaRPr kumimoji="1" lang="zh-TW" altLang="en-US">
               <a:solidFill>
-                <a:schemeClr val="accent6">
-                  <a:lumMod val="60000"/>
-                  <a:lumOff val="40000"/>
-                </a:schemeClr>
+                <a:srgbClr val="C00000"/>
               </a:solidFill>
             </a:endParaRPr>
           </a:p>
@@ -5607,8 +8246,8 @@
             </p:nvSpPr>
             <p:spPr>
               <a:xfrm>
-                <a:off x="656499" y="1825625"/>
-                <a:ext cx="10879002" cy="1603375"/>
+                <a:off x="656498" y="1667129"/>
+                <a:ext cx="10697303" cy="1603375"/>
               </a:xfrm>
             </p:spPr>
             <p:txBody>
@@ -5619,7 +8258,14 @@
               <a:p>
                 <a:r>
                   <a:rPr kumimoji="1" lang="en-US" altLang="zh-TW" dirty="0"/>
-                  <a:t>The uploader side can record the frame sizes in an ordered array </a:t>
+                  <a:t>The uploader can record  </a:t>
+                </a:r>
+              </a:p>
+              <a:p>
+                <a:pPr lvl="1"/>
+                <a:r>
+                  <a:rPr kumimoji="1" lang="en-US" altLang="zh-TW" dirty="0"/>
+                  <a:t>the frame sizes in an ordered array </a:t>
                 </a:r>
                 <a14:m>
                   <m:oMath xmlns:m="http://schemas.openxmlformats.org/officeDocument/2006/math">
@@ -5648,7 +8294,14 @@
                 </a:r>
                 <a:r>
                   <a:rPr kumimoji="1" lang="en-US" altLang="zh-TW" dirty="0"/>
-                  <a:t>and their corresponding transmission time cost in an ordered array </a:t>
+                  <a:t>and </a:t>
+                </a:r>
+              </a:p>
+              <a:p>
+                <a:pPr lvl="1"/>
+                <a:r>
+                  <a:rPr kumimoji="1" lang="en-US" altLang="zh-TW" dirty="0"/>
+                  <a:t>their corresponding transmission time cost in an ordered array </a:t>
                 </a:r>
                 <a14:m>
                   <m:oMath xmlns:m="http://schemas.openxmlformats.org/officeDocument/2006/math">
@@ -5698,13 +8351,13 @@
             </p:nvSpPr>
             <p:spPr>
               <a:xfrm>
-                <a:off x="656499" y="1825625"/>
-                <a:ext cx="10879002" cy="1603375"/>
+                <a:off x="656498" y="1667129"/>
+                <a:ext cx="10697303" cy="1603375"/>
               </a:xfrm>
               <a:blipFill>
                 <a:blip r:embed="rId2"/>
                 <a:stretch>
-                  <a:fillRect l="-932" t="-5469"/>
+                  <a:fillRect l="-948" t="-6299"/>
                 </a:stretch>
               </a:blipFill>
             </p:spPr>
@@ -5810,8 +8463,8 @@
             </p:nvSpPr>
             <p:spPr>
               <a:xfrm>
-                <a:off x="656498" y="2820425"/>
-                <a:ext cx="5960293" cy="3812712"/>
+                <a:off x="656498" y="2952528"/>
+                <a:ext cx="5335228" cy="3812712"/>
               </a:xfrm>
               <a:prstGeom prst="rect">
                 <a:avLst/>
@@ -6032,18 +8685,17 @@
                         </m:r>
                       </m:e>
                     </m:bar>
-                  </m:oMath>
-                </a14:m>
-                <a:r>
-                  <a:rPr kumimoji="1" lang="en-US" altLang="zh-TW" dirty="0"/>
-                  <a:t> entry-wisely divide </a:t>
-                </a:r>
-                <a14:m>
-                  <m:oMath xmlns:m="http://schemas.openxmlformats.org/officeDocument/2006/math">
+                    <m:r>
+                      <a:rPr kumimoji="1" lang="en-US" altLang="zh-TW" b="1" i="1" smtClean="0">
+                        <a:latin typeface="Cambria Math" panose="02040503050406030204" pitchFamily="18" charset="0"/>
+                        <a:ea typeface="Cambria Math" panose="02040503050406030204" pitchFamily="18" charset="0"/>
+                      </a:rPr>
+                      <m:t>÷</m:t>
+                    </m:r>
                     <m:bar>
                       <m:barPr>
                         <m:ctrlPr>
-                          <a:rPr kumimoji="1" lang="en-US" altLang="zh-TW" b="1" i="1">
+                          <a:rPr kumimoji="1" lang="en-US" altLang="zh-TW" b="1" i="1" smtClean="0">
                             <a:latin typeface="Cambria Math" panose="02040503050406030204" pitchFamily="18" charset="0"/>
                           </a:rPr>
                         </m:ctrlPr>
@@ -6061,13 +8713,21 @@
                 </a14:m>
                 <a:r>
                   <a:rPr kumimoji="1" lang="en-US" altLang="zh-TW" dirty="0"/>
-                  <a:t>, is an array of past throughputs.</a:t>
+                  <a:t>, is an array of past throughputs. </a:t>
                 </a:r>
               </a:p>
               <a:p>
                 <a:r>
                   <a:rPr kumimoji="1" lang="en-US" altLang="zh-TW" dirty="0"/>
-                  <a:t>We proposed in ESTR4998 that suppose the values in </a:t>
+                  <a:t>We proposed in </a:t>
+                </a:r>
+                <a:r>
+                  <a:rPr kumimoji="1" lang="en-US" altLang="zh-TW" i="1" dirty="0"/>
+                  <a:t>ESTR4998</a:t>
+                </a:r>
+                <a:r>
+                  <a:rPr kumimoji="1" lang="en-US" altLang="zh-TW" dirty="0"/>
+                  <a:t> that suppose the values in </a:t>
                 </a:r>
                 <a14:m>
                   <m:oMath xmlns:m="http://schemas.openxmlformats.org/officeDocument/2006/math">
@@ -6148,8 +8808,8 @@
             </p:nvSpPr>
             <p:spPr>
               <a:xfrm>
-                <a:off x="656498" y="2820425"/>
-                <a:ext cx="5960293" cy="3812712"/>
+                <a:off x="656498" y="2952528"/>
+                <a:ext cx="5335228" cy="3812712"/>
               </a:xfrm>
               <a:prstGeom prst="rect">
                 <a:avLst/>
@@ -6157,7 +8817,7 @@
               <a:blipFill>
                 <a:blip r:embed="rId3"/>
                 <a:stretch>
-                  <a:fillRect l="-1702" t="-2326" r="-1277"/>
+                  <a:fillRect l="-1900" t="-2326" r="-2375"/>
                 </a:stretch>
               </a:blipFill>
             </p:spPr>
@@ -6198,8 +8858,8 @@
         </p:blipFill>
         <p:spPr>
           <a:xfrm>
-            <a:off x="6476421" y="2820425"/>
-            <a:ext cx="5211753" cy="3672450"/>
+            <a:off x="6096000" y="2952528"/>
+            <a:ext cx="5410806" cy="3812712"/>
           </a:xfrm>
           <a:prstGeom prst="rect">
             <a:avLst/>
@@ -6264,9 +8924,43 @@
                 <a:latin typeface="Times New Roman" panose="02020603050405020304" pitchFamily="18" charset="0"/>
                 <a:cs typeface="Times New Roman" panose="02020603050405020304" pitchFamily="18" charset="0"/>
               </a:rPr>
-              <a:t>Current Related Works of Bandwidth Estimation</a:t>
+              <a:t>Current Status of Bandwidth Estimation</a:t>
             </a:r>
-            <a:endParaRPr kumimoji="1" lang="zh-TW" altLang="en-US" sz="3500" b="1" dirty="0"/>
+            <a:br>
+              <a:rPr kumimoji="1" lang="en-US" altLang="zh-TW" sz="3500" b="1" dirty="0">
+                <a:latin typeface="Times New Roman" panose="02020603050405020304" pitchFamily="18" charset="0"/>
+                <a:cs typeface="Times New Roman" panose="02020603050405020304" pitchFamily="18" charset="0"/>
+              </a:rPr>
+            </a:br>
+            <a:r>
+              <a:rPr kumimoji="1" lang="en-US" altLang="zh-TW" sz="3500" b="1" dirty="0">
+                <a:latin typeface="Times New Roman" panose="02020603050405020304" pitchFamily="18" charset="0"/>
+                <a:cs typeface="Times New Roman" panose="02020603050405020304" pitchFamily="18" charset="0"/>
+              </a:rPr>
+              <a:t>- </a:t>
+            </a:r>
+            <a:r>
+              <a:rPr kumimoji="1" lang="en-US" altLang="zh-TW" sz="3500" b="1" i="1" dirty="0">
+                <a:latin typeface="Times New Roman" panose="02020603050405020304" pitchFamily="18" charset="0"/>
+                <a:cs typeface="Times New Roman" panose="02020603050405020304" pitchFamily="18" charset="0"/>
+              </a:rPr>
+              <a:t>LSTM</a:t>
+            </a:r>
+            <a:r>
+              <a:rPr kumimoji="1" lang="en-US" altLang="zh-TW" sz="3500" b="1" dirty="0">
+                <a:latin typeface="Times New Roman" panose="02020603050405020304" pitchFamily="18" charset="0"/>
+                <a:cs typeface="Times New Roman" panose="02020603050405020304" pitchFamily="18" charset="0"/>
+              </a:rPr>
+              <a:t> and </a:t>
+            </a:r>
+            <a:r>
+              <a:rPr kumimoji="1" lang="en-US" altLang="zh-TW" sz="3500" b="1" i="1" dirty="0">
+                <a:latin typeface="Times New Roman" panose="02020603050405020304" pitchFamily="18" charset="0"/>
+                <a:cs typeface="Times New Roman" panose="02020603050405020304" pitchFamily="18" charset="0"/>
+              </a:rPr>
+              <a:t>ARIMA</a:t>
+            </a:r>
+            <a:endParaRPr kumimoji="1" lang="zh-TW" altLang="en-US" sz="3500" b="1" i="1" dirty="0"/>
           </a:p>
         </p:txBody>
       </p:sp>
@@ -6290,30 +8984,34 @@
             </p:nvSpPr>
             <p:spPr>
               <a:xfrm>
-                <a:off x="488950" y="1357948"/>
-                <a:ext cx="11214100" cy="5260170"/>
+                <a:off x="488950" y="1357947"/>
+                <a:ext cx="11214100" cy="5500053"/>
               </a:xfrm>
             </p:spPr>
             <p:txBody>
               <a:bodyPr>
-                <a:normAutofit lnSpcReduction="10000"/>
+                <a:normAutofit fontScale="92500" lnSpcReduction="10000"/>
               </a:bodyPr>
               <a:lstStyle/>
               <a:p>
                 <a:r>
                   <a:rPr kumimoji="1" lang="en-US" altLang="zh-TW" dirty="0"/>
-                  <a:t>The metric we use is normalized RMSE</a:t>
+                  <a:t>The metric we use is </a:t>
+                </a:r>
+                <a:r>
+                  <a:rPr kumimoji="1" lang="en-US" altLang="zh-TW" b="1" dirty="0"/>
+                  <a:t>normalized RMSE</a:t>
                 </a:r>
                 <a14:m>
                   <m:oMath xmlns:m="http://schemas.openxmlformats.org/officeDocument/2006/math">
                     <m:r>
-                      <a:rPr kumimoji="1" lang="en-US" altLang="zh-TW" b="0" i="0" smtClean="0">
+                      <a:rPr kumimoji="1" lang="en-US" altLang="zh-TW" sz="2200" b="0" i="0" smtClean="0">
                         <a:latin typeface="Cambria Math" panose="02040503050406030204" pitchFamily="18" charset="0"/>
                       </a:rPr>
                       <m:t>:</m:t>
                     </m:r>
                     <m:r>
-                      <a:rPr kumimoji="1" lang="en-US" altLang="zh-TW" b="0" i="1" smtClean="0">
+                      <a:rPr kumimoji="1" lang="en-US" altLang="zh-TW" sz="2200" b="0" i="1" smtClean="0">
                         <a:latin typeface="Cambria Math" panose="02040503050406030204" pitchFamily="18" charset="0"/>
                       </a:rPr>
                       <m:t>=</m:t>
@@ -6321,14 +9019,14 @@
                     <m:f>
                       <m:fPr>
                         <m:ctrlPr>
-                          <a:rPr kumimoji="1" lang="en-US" altLang="zh-TW" b="0" i="1" smtClean="0">
+                          <a:rPr kumimoji="1" lang="en-US" altLang="zh-TW" sz="2200" b="0" i="1" smtClean="0">
                             <a:latin typeface="Cambria Math" panose="02040503050406030204" pitchFamily="18" charset="0"/>
                           </a:rPr>
                         </m:ctrlPr>
                       </m:fPr>
                       <m:num>
                         <m:r>
-                          <a:rPr kumimoji="1" lang="en-US" altLang="zh-TW" b="0" i="1" smtClean="0">
+                          <a:rPr kumimoji="1" lang="en-US" altLang="zh-TW" sz="2200" b="0" i="1" smtClean="0">
                             <a:latin typeface="Cambria Math" panose="02040503050406030204" pitchFamily="18" charset="0"/>
                           </a:rPr>
                           <m:t>1</m:t>
@@ -6336,25 +9034,25 @@
                       </m:num>
                       <m:den>
                         <m:r>
-                          <a:rPr kumimoji="1" lang="en-US" altLang="zh-TW" b="0" i="1" smtClean="0">
+                          <a:rPr kumimoji="1" lang="en-US" altLang="zh-TW" sz="2200" b="0" i="1" smtClean="0">
                             <a:latin typeface="Cambria Math" panose="02040503050406030204" pitchFamily="18" charset="0"/>
                           </a:rPr>
                           <m:t>𝐸</m:t>
                         </m:r>
                         <m:r>
-                          <a:rPr kumimoji="1" lang="en-US" altLang="zh-TW" b="0" i="1" smtClean="0">
+                          <a:rPr kumimoji="1" lang="en-US" altLang="zh-TW" sz="2200" b="0" i="1" smtClean="0">
                             <a:latin typeface="Cambria Math" panose="02040503050406030204" pitchFamily="18" charset="0"/>
                           </a:rPr>
                           <m:t>[</m:t>
                         </m:r>
                         <m:r>
-                          <a:rPr kumimoji="1" lang="en-US" altLang="zh-TW" b="0" i="1" smtClean="0">
+                          <a:rPr kumimoji="1" lang="en-US" altLang="zh-TW" sz="2200" b="0" i="1" smtClean="0">
                             <a:latin typeface="Cambria Math" panose="02040503050406030204" pitchFamily="18" charset="0"/>
                           </a:rPr>
                           <m:t>𝑌</m:t>
                         </m:r>
                         <m:r>
-                          <a:rPr kumimoji="1" lang="en-US" altLang="zh-TW" b="0" i="1" smtClean="0">
+                          <a:rPr kumimoji="1" lang="en-US" altLang="zh-TW" sz="2200" b="0" i="1" smtClean="0">
                             <a:latin typeface="Cambria Math" panose="02040503050406030204" pitchFamily="18" charset="0"/>
                           </a:rPr>
                           <m:t>]</m:t>
@@ -6365,7 +9063,7 @@
                       <m:radPr>
                         <m:degHide m:val="on"/>
                         <m:ctrlPr>
-                          <a:rPr kumimoji="1" lang="en-US" altLang="zh-TW" b="0" i="1" smtClean="0">
+                          <a:rPr kumimoji="1" lang="en-US" altLang="zh-TW" sz="2200" b="0" i="1" smtClean="0">
                             <a:latin typeface="Cambria Math" panose="02040503050406030204" pitchFamily="18" charset="0"/>
                           </a:rPr>
                         </m:ctrlPr>
@@ -6375,7 +9073,7 @@
                         <m:f>
                           <m:fPr>
                             <m:ctrlPr>
-                              <a:rPr kumimoji="1" lang="en-US" altLang="zh-TW" b="0" i="1" smtClean="0">
+                              <a:rPr kumimoji="1" lang="en-US" altLang="zh-TW" sz="2200" b="0" i="1" smtClean="0">
                                 <a:latin typeface="Cambria Math" panose="02040503050406030204" pitchFamily="18" charset="0"/>
                               </a:rPr>
                             </m:ctrlPr>
@@ -6385,7 +9083,7 @@
                               <m:naryPr>
                                 <m:chr m:val="∑"/>
                                 <m:ctrlPr>
-                                  <a:rPr kumimoji="1" lang="en-US" altLang="zh-TW" b="0" i="1" smtClean="0">
+                                  <a:rPr kumimoji="1" lang="en-US" altLang="zh-TW" sz="2200" b="0" i="1" smtClean="0">
                                     <a:latin typeface="Cambria Math" panose="02040503050406030204" pitchFamily="18" charset="0"/>
                                   </a:rPr>
                                 </m:ctrlPr>
@@ -6395,13 +9093,13 @@
                                   <m:rPr>
                                     <m:brk m:alnAt="23"/>
                                   </m:rPr>
-                                  <a:rPr kumimoji="1" lang="en-US" altLang="zh-TW" b="0" i="1" smtClean="0">
+                                  <a:rPr kumimoji="1" lang="en-US" altLang="zh-TW" sz="2200" b="0" i="1" smtClean="0">
                                     <a:latin typeface="Cambria Math" panose="02040503050406030204" pitchFamily="18" charset="0"/>
                                   </a:rPr>
                                   <m:t>𝑖</m:t>
                                 </m:r>
                                 <m:r>
-                                  <a:rPr kumimoji="1" lang="en-US" altLang="zh-TW" b="0" i="1" smtClean="0">
+                                  <a:rPr kumimoji="1" lang="en-US" altLang="zh-TW" sz="2200" b="0" i="1" smtClean="0">
                                     <a:latin typeface="Cambria Math" panose="02040503050406030204" pitchFamily="18" charset="0"/>
                                   </a:rPr>
                                   <m:t>=1</m:t>
@@ -6409,7 +9107,7 @@
                               </m:sub>
                               <m:sup>
                                 <m:r>
-                                  <a:rPr kumimoji="1" lang="en-US" altLang="zh-TW" b="0" i="1" smtClean="0">
+                                  <a:rPr kumimoji="1" lang="en-US" altLang="zh-TW" sz="2200" b="0" i="1" smtClean="0">
                                     <a:latin typeface="Cambria Math" panose="02040503050406030204" pitchFamily="18" charset="0"/>
                                   </a:rPr>
                                   <m:t>𝑁</m:t>
@@ -6419,14 +9117,14 @@
                                 <m:sSup>
                                   <m:sSupPr>
                                     <m:ctrlPr>
-                                      <a:rPr kumimoji="1" lang="en-US" altLang="zh-TW" b="0" i="1" smtClean="0">
+                                      <a:rPr kumimoji="1" lang="en-US" altLang="zh-TW" sz="2200" b="0" i="1" smtClean="0">
                                         <a:latin typeface="Cambria Math" panose="02040503050406030204" pitchFamily="18" charset="0"/>
                                       </a:rPr>
                                     </m:ctrlPr>
                                   </m:sSupPr>
                                   <m:e>
                                     <m:r>
-                                      <a:rPr kumimoji="1" lang="en-US" altLang="zh-TW" b="0" i="1" smtClean="0">
+                                      <a:rPr kumimoji="1" lang="en-US" altLang="zh-TW" sz="2200" b="0" i="1" smtClean="0">
                                         <a:latin typeface="Cambria Math" panose="02040503050406030204" pitchFamily="18" charset="0"/>
                                       </a:rPr>
                                       <m:t>(</m:t>
@@ -6434,14 +9132,14 @@
                                     <m:sSub>
                                       <m:sSubPr>
                                         <m:ctrlPr>
-                                          <a:rPr kumimoji="1" lang="en-US" altLang="zh-TW" b="0" i="1" smtClean="0">
+                                          <a:rPr kumimoji="1" lang="en-US" altLang="zh-TW" sz="2200" b="0" i="1" smtClean="0">
                                             <a:latin typeface="Cambria Math" panose="02040503050406030204" pitchFamily="18" charset="0"/>
                                           </a:rPr>
                                         </m:ctrlPr>
                                       </m:sSubPr>
                                       <m:e>
                                         <m:r>
-                                          <a:rPr kumimoji="1" lang="en-US" altLang="zh-TW" b="0" i="1" smtClean="0">
+                                          <a:rPr kumimoji="1" lang="en-US" altLang="zh-TW" sz="2200" b="0" i="1" smtClean="0">
                                             <a:latin typeface="Cambria Math" panose="02040503050406030204" pitchFamily="18" charset="0"/>
                                           </a:rPr>
                                           <m:t>𝑌</m:t>
@@ -6449,7 +9147,7 @@
                                       </m:e>
                                       <m:sub>
                                         <m:r>
-                                          <a:rPr kumimoji="1" lang="en-US" altLang="zh-TW" b="0" i="1" smtClean="0">
+                                          <a:rPr kumimoji="1" lang="en-US" altLang="zh-TW" sz="2200" b="0" i="1" smtClean="0">
                                             <a:latin typeface="Cambria Math" panose="02040503050406030204" pitchFamily="18" charset="0"/>
                                           </a:rPr>
                                           <m:t>𝑖</m:t>
@@ -6457,7 +9155,7 @@
                                       </m:sub>
                                     </m:sSub>
                                     <m:r>
-                                      <a:rPr kumimoji="1" lang="en-US" altLang="zh-TW" b="0" i="1" smtClean="0">
+                                      <a:rPr kumimoji="1" lang="en-US" altLang="zh-TW" sz="2200" b="0" i="1" smtClean="0">
                                         <a:latin typeface="Cambria Math" panose="02040503050406030204" pitchFamily="18" charset="0"/>
                                       </a:rPr>
                                       <m:t>−</m:t>
@@ -6466,7 +9164,7 @@
                                       <m:accPr>
                                         <m:chr m:val="̂"/>
                                         <m:ctrlPr>
-                                          <a:rPr kumimoji="1" lang="en-US" altLang="zh-TW" b="0" i="1" smtClean="0">
+                                          <a:rPr kumimoji="1" lang="en-US" altLang="zh-TW" sz="2200" b="0" i="1" smtClean="0">
                                             <a:latin typeface="Cambria Math" panose="02040503050406030204" pitchFamily="18" charset="0"/>
                                           </a:rPr>
                                         </m:ctrlPr>
@@ -6475,14 +9173,14 @@
                                         <m:sSub>
                                           <m:sSubPr>
                                             <m:ctrlPr>
-                                              <a:rPr kumimoji="1" lang="en-US" altLang="zh-TW" b="0" i="1" smtClean="0">
+                                              <a:rPr kumimoji="1" lang="en-US" altLang="zh-TW" sz="2200" b="0" i="1" smtClean="0">
                                                 <a:latin typeface="Cambria Math" panose="02040503050406030204" pitchFamily="18" charset="0"/>
                                               </a:rPr>
                                             </m:ctrlPr>
                                           </m:sSubPr>
                                           <m:e>
                                             <m:r>
-                                              <a:rPr kumimoji="1" lang="en-US" altLang="zh-TW" b="0" i="1" smtClean="0">
+                                              <a:rPr kumimoji="1" lang="en-US" altLang="zh-TW" sz="2200" b="0" i="1" smtClean="0">
                                                 <a:latin typeface="Cambria Math" panose="02040503050406030204" pitchFamily="18" charset="0"/>
                                               </a:rPr>
                                               <m:t>𝑌</m:t>
@@ -6490,7 +9188,7 @@
                                           </m:e>
                                           <m:sub>
                                             <m:r>
-                                              <a:rPr kumimoji="1" lang="en-US" altLang="zh-TW" b="0" i="1" smtClean="0">
+                                              <a:rPr kumimoji="1" lang="en-US" altLang="zh-TW" sz="2200" b="0" i="1" smtClean="0">
                                                 <a:latin typeface="Cambria Math" panose="02040503050406030204" pitchFamily="18" charset="0"/>
                                               </a:rPr>
                                               <m:t>𝑖</m:t>
@@ -6500,7 +9198,7 @@
                                       </m:e>
                                     </m:acc>
                                     <m:r>
-                                      <a:rPr kumimoji="1" lang="en-US" altLang="zh-TW" b="0" i="1" smtClean="0">
+                                      <a:rPr kumimoji="1" lang="en-US" altLang="zh-TW" sz="2200" b="0" i="1" smtClean="0">
                                         <a:latin typeface="Cambria Math" panose="02040503050406030204" pitchFamily="18" charset="0"/>
                                       </a:rPr>
                                       <m:t>)</m:t>
@@ -6508,7 +9206,7 @@
                                   </m:e>
                                   <m:sup>
                                     <m:r>
-                                      <a:rPr kumimoji="1" lang="en-US" altLang="zh-TW" b="0" i="1" smtClean="0">
+                                      <a:rPr kumimoji="1" lang="en-US" altLang="zh-TW" sz="2200" b="0" i="1" smtClean="0">
                                         <a:latin typeface="Cambria Math" panose="02040503050406030204" pitchFamily="18" charset="0"/>
                                       </a:rPr>
                                       <m:t>2</m:t>
@@ -6520,7 +9218,7 @@
                           </m:num>
                           <m:den>
                             <m:r>
-                              <a:rPr kumimoji="1" lang="en-US" altLang="zh-TW" b="0" i="1" smtClean="0">
+                              <a:rPr kumimoji="1" lang="en-US" altLang="zh-TW" sz="2200" b="0" i="1" smtClean="0">
                                 <a:latin typeface="Cambria Math" panose="02040503050406030204" pitchFamily="18" charset="0"/>
                               </a:rPr>
                               <m:t>𝑁</m:t>
@@ -6547,7 +9245,7 @@
                 </a14:m>
                 <a:r>
                   <a:rPr kumimoji="1" lang="en-US" altLang="zh-TW" dirty="0"/>
-                  <a:t> is some quantity one wants to estimate. </a:t>
+                  <a:t> is some variable one wants to estimate. </a:t>
                 </a:r>
               </a:p>
               <a:p>
@@ -6556,7 +9254,7 @@
                   <a:t>The followings are some recent bandwidth/throughput estimation research results using the famous </a:t>
                 </a:r>
                 <a:r>
-                  <a:rPr kumimoji="1" lang="en-US" altLang="zh-TW" i="1" dirty="0"/>
+                  <a:rPr kumimoji="1" lang="en-US" altLang="zh-TW" b="1" i="1" dirty="0"/>
                   <a:t>LSTM</a:t>
                 </a:r>
                 <a:r>
@@ -6564,7 +9262,7 @@
                   <a:t> and </a:t>
                 </a:r>
                 <a:r>
-                  <a:rPr kumimoji="1" lang="en-US" altLang="zh-TW" i="1" dirty="0"/>
+                  <a:rPr kumimoji="1" lang="en-US" altLang="zh-TW" b="1" i="1" dirty="0"/>
                   <a:t>ARIMA</a:t>
                 </a:r>
                 <a:r>
@@ -6573,8 +9271,9 @@
                 </a:r>
               </a:p>
               <a:p>
+                <a:pPr lvl="1"/>
                 <a:r>
-                  <a:rPr kumimoji="1" lang="en-US" altLang="zh-TW" i="1" dirty="0"/>
+                  <a:rPr kumimoji="1" lang="en-US" altLang="zh-TW" b="1" i="1" dirty="0"/>
                   <a:t>LSTM</a:t>
                 </a:r>
                 <a:r>
@@ -6583,13 +9282,16 @@
                 </a:r>
               </a:p>
               <a:p>
-                <a:pPr lvl="1"/>
+                <a:pPr lvl="2"/>
                 <a14:m>
                   <m:oMath xmlns:m="http://schemas.openxmlformats.org/officeDocument/2006/math">
                     <m:sSup>
                       <m:sSupPr>
                         <m:ctrlPr>
                           <a:rPr kumimoji="1" lang="en-US" altLang="zh-TW" i="1" smtClean="0">
+                            <a:solidFill>
+                              <a:srgbClr val="C00000"/>
+                            </a:solidFill>
                             <a:latin typeface="Cambria Math" panose="02040503050406030204" pitchFamily="18" charset="0"/>
                           </a:rPr>
                         </m:ctrlPr>
@@ -6597,6 +9299,9 @@
                       <m:e>
                         <m:r>
                           <a:rPr kumimoji="1" lang="en-US" altLang="zh-TW" b="0" i="1" smtClean="0">
+                            <a:solidFill>
+                              <a:srgbClr val="C00000"/>
+                            </a:solidFill>
                             <a:latin typeface="Cambria Math" panose="02040503050406030204" pitchFamily="18" charset="0"/>
                           </a:rPr>
                           <m:t>𝑅</m:t>
@@ -6605,6 +9310,9 @@
                       <m:sup>
                         <m:r>
                           <a:rPr kumimoji="1" lang="en-US" altLang="zh-TW" b="0" i="1" smtClean="0">
+                            <a:solidFill>
+                              <a:srgbClr val="C00000"/>
+                            </a:solidFill>
                             <a:latin typeface="Cambria Math" panose="02040503050406030204" pitchFamily="18" charset="0"/>
                           </a:rPr>
                           <m:t>2</m:t>
@@ -6613,9 +9321,18 @@
                     </m:sSup>
                     <m:r>
                       <a:rPr kumimoji="1" lang="en-US" altLang="zh-TW" b="0" i="1" smtClean="0">
+                        <a:solidFill>
+                          <a:srgbClr val="C00000"/>
+                        </a:solidFill>
                         <a:latin typeface="Cambria Math" panose="02040503050406030204" pitchFamily="18" charset="0"/>
                       </a:rPr>
-                      <m:t>=0.62.</m:t>
+                      <m:t>=0.62</m:t>
+                    </m:r>
+                    <m:r>
+                      <a:rPr kumimoji="1" lang="en-US" altLang="zh-TW" b="0" i="1" smtClean="0">
+                        <a:latin typeface="Cambria Math" panose="02040503050406030204" pitchFamily="18" charset="0"/>
+                      </a:rPr>
+                      <m:t>.</m:t>
                     </m:r>
                   </m:oMath>
                 </a14:m>
@@ -6625,15 +9342,26 @@
                 </a:r>
               </a:p>
               <a:p>
-                <a:pPr lvl="1"/>
+                <a:pPr lvl="2"/>
+                <a:r>
+                  <a:rPr kumimoji="1" lang="en-US" altLang="zh-TW" dirty="0">
+                    <a:solidFill>
+                      <a:srgbClr val="C00000"/>
+                    </a:solidFill>
+                  </a:rPr>
+                  <a:t>Normalized RMSE</a:t>
+                </a:r>
                 <a:r>
                   <a:rPr kumimoji="1" lang="en-US" altLang="zh-TW" dirty="0"/>
-                  <a:t>Normalized RMSE of ranges from </a:t>
+                  <a:t> of ranges in between </a:t>
                 </a:r>
                 <a14:m>
                   <m:oMath xmlns:m="http://schemas.openxmlformats.org/officeDocument/2006/math">
                     <m:r>
                       <a:rPr kumimoji="1" lang="en-US" altLang="zh-TW" b="0" i="1" smtClean="0">
+                        <a:solidFill>
+                          <a:srgbClr val="C00000"/>
+                        </a:solidFill>
                         <a:latin typeface="Cambria Math" panose="02040503050406030204" pitchFamily="18" charset="0"/>
                       </a:rPr>
                       <m:t>14.10% ~ 15.38%</m:t>
@@ -6641,13 +9369,22 @@
                   </m:oMath>
                 </a14:m>
                 <a:r>
+                  <a:rPr kumimoji="1" lang="en-US" altLang="zh-TW" dirty="0">
+                    <a:solidFill>
+                      <a:srgbClr val="C00000"/>
+                    </a:solidFill>
+                  </a:rPr>
+                  <a:t>. </a:t>
+                </a:r>
+                <a:r>
                   <a:rPr kumimoji="1" lang="en-US" altLang="zh-TW" dirty="0"/>
-                  <a:t>. [ICT Express, 2021]</a:t>
+                  <a:t>[ICT Express, 2021]</a:t>
                 </a:r>
               </a:p>
               <a:p>
+                <a:pPr lvl="1"/>
                 <a:r>
-                  <a:rPr kumimoji="1" lang="en-US" altLang="zh-TW" i="1" dirty="0"/>
+                  <a:rPr kumimoji="1" lang="en-US" altLang="zh-TW" b="1" i="1" dirty="0"/>
                   <a:t>ARIMA</a:t>
                 </a:r>
                 <a:r>
@@ -6656,13 +9393,16 @@
                 </a:r>
               </a:p>
               <a:p>
-                <a:pPr lvl="1"/>
+                <a:pPr lvl="2"/>
                 <a14:m>
                   <m:oMath xmlns:m="http://schemas.openxmlformats.org/officeDocument/2006/math">
                     <m:sSup>
                       <m:sSupPr>
                         <m:ctrlPr>
                           <a:rPr kumimoji="1" lang="en-US" altLang="zh-TW" i="1" smtClean="0">
+                            <a:solidFill>
+                              <a:srgbClr val="C00000"/>
+                            </a:solidFill>
                             <a:latin typeface="Cambria Math" panose="02040503050406030204" pitchFamily="18" charset="0"/>
                           </a:rPr>
                         </m:ctrlPr>
@@ -6670,6 +9410,9 @@
                       <m:e>
                         <m:r>
                           <a:rPr kumimoji="1" lang="en-US" altLang="zh-TW" b="0" i="1" smtClean="0">
+                            <a:solidFill>
+                              <a:srgbClr val="C00000"/>
+                            </a:solidFill>
                             <a:latin typeface="Cambria Math" panose="02040503050406030204" pitchFamily="18" charset="0"/>
                           </a:rPr>
                           <m:t>𝑅</m:t>
@@ -6678,6 +9421,9 @@
                       <m:sup>
                         <m:r>
                           <a:rPr kumimoji="1" lang="en-US" altLang="zh-TW" b="0" i="1" smtClean="0">
+                            <a:solidFill>
+                              <a:srgbClr val="C00000"/>
+                            </a:solidFill>
                             <a:latin typeface="Cambria Math" panose="02040503050406030204" pitchFamily="18" charset="0"/>
                           </a:rPr>
                           <m:t>2</m:t>
@@ -6686,9 +9432,18 @@
                     </m:sSup>
                     <m:r>
                       <a:rPr kumimoji="1" lang="en-US" altLang="zh-TW" b="0" i="1" smtClean="0">
+                        <a:solidFill>
+                          <a:srgbClr val="C00000"/>
+                        </a:solidFill>
                         <a:latin typeface="Cambria Math" panose="02040503050406030204" pitchFamily="18" charset="0"/>
                       </a:rPr>
-                      <m:t>=0.59.</m:t>
+                      <m:t>=0.59</m:t>
+                    </m:r>
+                    <m:r>
+                      <a:rPr kumimoji="1" lang="en-US" altLang="zh-TW" b="0" i="1" smtClean="0">
+                        <a:latin typeface="Cambria Math" panose="02040503050406030204" pitchFamily="18" charset="0"/>
+                      </a:rPr>
+                      <m:t>.</m:t>
                     </m:r>
                   </m:oMath>
                 </a14:m>
@@ -6701,15 +9456,48 @@
               <a:p>
                 <a:r>
                   <a:rPr kumimoji="1" lang="en-US" altLang="zh-TW" dirty="0"/>
-                  <a:t>However, these complicated methods do not take the lead. As even the most trivial arithmetic mean method gives an </a:t>
+                  <a:t>These complicated methods do not take the lead. Because </a:t>
+                </a:r>
+              </a:p>
+              <a:p>
+                <a:pPr lvl="1"/>
+                <a:r>
+                  <a:rPr kumimoji="1" lang="en-US" altLang="zh-TW" dirty="0"/>
+                  <a:t>1) even some trivial methods, like the arithmetic mean method gives an </a:t>
                 </a:r>
                 <a:r>
-                  <a:rPr kumimoji="1" lang="en-US" altLang="zh-TW" dirty="0" err="1"/>
+                  <a:rPr kumimoji="1" lang="en-US" altLang="zh-TW" b="1" i="1" dirty="0" err="1"/>
                   <a:t>nRMSE</a:t>
                 </a:r>
                 <a:r>
                   <a:rPr kumimoji="1" lang="en-US" altLang="zh-TW" dirty="0"/>
-                  <a:t> around (sometimes even below) that range. Hence, the above results are far from satisfactory.</a:t>
+                  <a:t> around that range. And</a:t>
+                </a:r>
+              </a:p>
+              <a:p>
+                <a:pPr lvl="1"/>
+                <a:r>
+                  <a:rPr kumimoji="1" lang="en-US" altLang="zh-TW" dirty="0"/>
+                  <a:t>2) their results cannot g</a:t>
+                </a:r>
+                <a:r>
+                  <a:rPr lang="en-US" altLang="zh-TW" dirty="0"/>
+                  <a:t>uarantee some given targets, say, loss rate &lt;5% or 2.5%. </a:t>
+                </a:r>
+              </a:p>
+              <a:p>
+                <a:pPr marL="457200" lvl="1" indent="0">
+                  <a:buNone/>
+                </a:pPr>
+                <a:endParaRPr kumimoji="1" lang="en-US" altLang="zh-TW" sz="500" dirty="0"/>
+              </a:p>
+              <a:p>
+                <a:pPr marL="0" indent="0" algn="ctr">
+                  <a:buNone/>
+                </a:pPr>
+                <a:r>
+                  <a:rPr kumimoji="1" lang="en-US" altLang="zh-TW" b="1" i="1" dirty="0"/>
+                  <a:t>THEREFORE, WE DEFINITELY CAN DO SOMETHING TO IMPROVE!</a:t>
                 </a:r>
               </a:p>
             </p:txBody>
@@ -6734,13 +9522,13 @@
             </p:nvSpPr>
             <p:spPr>
               <a:xfrm>
-                <a:off x="488950" y="1357948"/>
-                <a:ext cx="11214100" cy="5260170"/>
+                <a:off x="488950" y="1357947"/>
+                <a:ext cx="11214100" cy="5500053"/>
               </a:xfrm>
               <a:blipFill>
                 <a:blip r:embed="rId2"/>
                 <a:stretch>
-                  <a:fillRect l="-1018" t="-8434" b="-241"/>
+                  <a:fillRect l="-792" t="-6005"/>
                 </a:stretch>
               </a:blipFill>
             </p:spPr>
@@ -6822,7 +9610,7 @@
                 <a:latin typeface="Times New Roman" panose="02020603050405020304" pitchFamily="18" charset="0"/>
                 <a:cs typeface="Times New Roman" panose="02020603050405020304" pitchFamily="18" charset="0"/>
               </a:rPr>
-              <a:t>Preliminaries (Re-visit) </a:t>
+              <a:t>Our Solution</a:t>
             </a:r>
             <a:br>
               <a:rPr kumimoji="1" lang="en-US" altLang="zh-TW" sz="3500" b="1" dirty="0">
@@ -6835,7 +9623,7 @@
                 <a:latin typeface="Times New Roman" panose="02020603050405020304" pitchFamily="18" charset="0"/>
                 <a:cs typeface="Times New Roman" panose="02020603050405020304" pitchFamily="18" charset="0"/>
               </a:rPr>
-              <a:t>- How Do Frames Transmit?</a:t>
+              <a:t>- Analysis on Frame Droppings</a:t>
             </a:r>
             <a:endParaRPr kumimoji="1" lang="zh-TW" altLang="en-US" sz="3500" b="1" dirty="0">
               <a:latin typeface="Times New Roman" panose="02020603050405020304" pitchFamily="18" charset="0"/>
@@ -6864,46 +9652,146 @@
             </p:nvSpPr>
             <p:spPr>
               <a:xfrm>
-                <a:off x="474798" y="1569947"/>
-                <a:ext cx="11624605" cy="2687882"/>
+                <a:off x="465397" y="1644850"/>
+                <a:ext cx="11624605" cy="2758491"/>
               </a:xfrm>
             </p:spPr>
             <p:txBody>
               <a:bodyPr>
-                <a:normAutofit fontScale="92500" lnSpcReduction="10000"/>
+                <a:noAutofit/>
               </a:bodyPr>
               <a:lstStyle/>
               <a:p>
                 <a:r>
-                  <a:rPr lang="en-US" altLang="zh-TW" dirty="0"/>
-                  <a:t>Frames get generated one by one with an equal time difference.</a:t>
+                  <a:rPr lang="en-US" altLang="zh-TW" sz="2200" dirty="0"/>
+                  <a:t>Assume TCP is used, no Stop-and-Wait anymore! </a:t>
+                </a:r>
+                <a:r>
+                  <a:rPr lang="en-US" altLang="zh-TW" sz="1800" i="1" dirty="0"/>
+                  <a:t>(Once a frame is transmitted, we move on) </a:t>
                 </a:r>
               </a:p>
               <a:p>
                 <a:r>
-                  <a:rPr lang="en-US" altLang="zh-TW" dirty="0"/>
-                  <a:t>Assume TCP is used, once a frame is transmitted, we move on to future frames. </a:t>
+                  <a:rPr lang="en-US" altLang="zh-TW" sz="2200" dirty="0"/>
+                  <a:t>We define </a:t>
                 </a:r>
+                <a14:m>
+                  <m:oMath xmlns:m="http://schemas.openxmlformats.org/officeDocument/2006/math">
+                    <m:sSub>
+                      <m:sSubPr>
+                        <m:ctrlPr>
+                          <a:rPr lang="en-US" altLang="zh-TW" sz="2200" i="1" smtClean="0">
+                            <a:latin typeface="Cambria Math" panose="02040503050406030204" pitchFamily="18" charset="0"/>
+                          </a:rPr>
+                        </m:ctrlPr>
+                      </m:sSubPr>
+                      <m:e>
+                        <m:r>
+                          <a:rPr lang="en-US" altLang="zh-TW" sz="2200" b="0" i="1" smtClean="0">
+                            <a:latin typeface="Cambria Math" panose="02040503050406030204" pitchFamily="18" charset="0"/>
+                          </a:rPr>
+                          <m:t>𝑡</m:t>
+                        </m:r>
+                      </m:e>
+                      <m:sub>
+                        <m:r>
+                          <a:rPr lang="en-US" altLang="zh-TW" sz="2200" b="0" i="1" smtClean="0">
+                            <a:latin typeface="Cambria Math" panose="02040503050406030204" pitchFamily="18" charset="0"/>
+                          </a:rPr>
+                          <m:t>𝐵</m:t>
+                        </m:r>
+                      </m:sub>
+                    </m:sSub>
+                  </m:oMath>
+                </a14:m>
                 <a:r>
-                  <a:rPr lang="en-US" altLang="zh-TW" sz="2200" i="1" dirty="0"/>
-                  <a:t>(No Stop-and-Wait anymore!)</a:t>
+                  <a:rPr lang="en-US" altLang="zh-TW" sz="2200" dirty="0"/>
+                  <a:t> as initial buffer time. When a delay/frame dropping occurs, it eats up/compensates some buffer. Hence available buffer time varies for each frame </a:t>
+                </a:r>
+                <a14:m>
+                  <m:oMath xmlns:m="http://schemas.openxmlformats.org/officeDocument/2006/math">
+                    <m:r>
+                      <a:rPr lang="en-US" altLang="zh-TW" sz="2200" b="0" i="1" smtClean="0">
+                        <a:latin typeface="Cambria Math" panose="02040503050406030204" pitchFamily="18" charset="0"/>
+                      </a:rPr>
+                      <m:t>𝑖</m:t>
+                    </m:r>
+                  </m:oMath>
+                </a14:m>
+                <a:r>
+                  <a:rPr lang="en-US" altLang="zh-TW" sz="2200" dirty="0"/>
+                  <a:t>, denoted as </a:t>
+                </a:r>
+                <a14:m>
+                  <m:oMath xmlns:m="http://schemas.openxmlformats.org/officeDocument/2006/math">
+                    <m:sSubSup>
+                      <m:sSubSupPr>
+                        <m:ctrlPr>
+                          <a:rPr lang="en-US" altLang="zh-TW" sz="2200" i="1">
+                            <a:latin typeface="Cambria Math" panose="02040503050406030204" pitchFamily="18" charset="0"/>
+                          </a:rPr>
+                        </m:ctrlPr>
+                      </m:sSubSupPr>
+                      <m:e>
+                        <m:r>
+                          <a:rPr lang="en-US" altLang="zh-TW" sz="2200" i="1">
+                            <a:latin typeface="Cambria Math" panose="02040503050406030204" pitchFamily="18" charset="0"/>
+                          </a:rPr>
+                          <m:t>𝑡</m:t>
+                        </m:r>
+                      </m:e>
+                      <m:sub>
+                        <m:r>
+                          <a:rPr lang="en-US" altLang="zh-TW" sz="2200" i="1">
+                            <a:latin typeface="Cambria Math" panose="02040503050406030204" pitchFamily="18" charset="0"/>
+                          </a:rPr>
+                          <m:t>𝑏</m:t>
+                        </m:r>
+                      </m:sub>
+                      <m:sup>
+                        <m:r>
+                          <a:rPr lang="en-US" altLang="zh-TW" sz="2200" i="1">
+                            <a:latin typeface="Cambria Math" panose="02040503050406030204" pitchFamily="18" charset="0"/>
+                          </a:rPr>
+                          <m:t>(</m:t>
+                        </m:r>
+                        <m:r>
+                          <a:rPr lang="en-US" altLang="zh-TW" sz="2200" i="1">
+                            <a:latin typeface="Cambria Math" panose="02040503050406030204" pitchFamily="18" charset="0"/>
+                          </a:rPr>
+                          <m:t>𝑖</m:t>
+                        </m:r>
+                        <m:r>
+                          <a:rPr lang="en-US" altLang="zh-TW" sz="2200" i="1">
+                            <a:latin typeface="Cambria Math" panose="02040503050406030204" pitchFamily="18" charset="0"/>
+                          </a:rPr>
+                          <m:t>)</m:t>
+                        </m:r>
+                      </m:sup>
+                    </m:sSubSup>
+                  </m:oMath>
+                </a14:m>
+                <a:r>
+                  <a:rPr lang="en-US" altLang="zh-TW" sz="2200" dirty="0"/>
+                  <a:t>.</a:t>
                 </a:r>
               </a:p>
               <a:p>
                 <a:r>
-                  <a:rPr lang="en-US" altLang="zh-TW" dirty="0"/>
+                  <a:rPr lang="en-US" altLang="zh-TW" sz="2200" dirty="0"/>
                   <a:t>Frame </a:t>
                 </a:r>
                 <a14:m>
                   <m:oMath xmlns:m="http://schemas.openxmlformats.org/officeDocument/2006/math">
                     <m:r>
-                      <a:rPr lang="en-US" altLang="zh-TW" b="0" i="1" smtClean="0">
+                      <a:rPr lang="en-US" altLang="zh-TW" sz="2200" b="0" i="1" smtClean="0">
                         <a:latin typeface="Cambria Math" panose="02040503050406030204" pitchFamily="18" charset="0"/>
                       </a:rPr>
                       <m:t>𝑖</m:t>
                     </m:r>
                     <m:r>
-                      <a:rPr lang="en-US" altLang="zh-TW" b="0" i="1" smtClean="0">
+                      <a:rPr lang="en-US" altLang="zh-TW" sz="2200" b="0" i="1" smtClean="0">
                         <a:latin typeface="Cambria Math" panose="02040503050406030204" pitchFamily="18" charset="0"/>
                       </a:rPr>
                       <m:t>+1</m:t>
@@ -6911,19 +9799,19 @@
                   </m:oMath>
                 </a14:m>
                 <a:r>
-                  <a:rPr lang="en-US" altLang="zh-TW" dirty="0"/>
+                  <a:rPr lang="en-US" altLang="zh-TW" sz="2200" dirty="0"/>
                   <a:t> will be dropped if </a:t>
                 </a:r>
                 <a:r>
-                  <a:rPr lang="en-US" altLang="zh-TW" sz="2200" dirty="0"/>
+                  <a:rPr lang="en-US" altLang="zh-TW" sz="1800" dirty="0"/>
                   <a:t>(</a:t>
                 </a:r>
                 <a:r>
-                  <a:rPr lang="en-US" altLang="zh-TW" sz="2200" i="1" dirty="0"/>
+                  <a:rPr lang="en-US" altLang="zh-TW" sz="1800" i="1" dirty="0"/>
                   <a:t>there is a  huge delay introduced by previous frames</a:t>
                 </a:r>
                 <a:r>
-                  <a:rPr lang="en-US" altLang="zh-TW" sz="2200" dirty="0"/>
+                  <a:rPr lang="en-US" altLang="zh-TW" sz="1800" dirty="0"/>
                   <a:t>)</a:t>
                 </a:r>
               </a:p>
@@ -6936,7 +9824,7 @@
                     <m:d>
                       <m:dPr>
                         <m:ctrlPr>
-                          <a:rPr lang="en-US" altLang="zh-TW" b="0" i="1" smtClean="0">
+                          <a:rPr lang="en-US" altLang="zh-TW" sz="2200" b="1" i="1" smtClean="0">
                             <a:solidFill>
                               <a:srgbClr val="FF0000"/>
                             </a:solidFill>
@@ -6948,7 +9836,7 @@
                         <m:sSubSup>
                           <m:sSubSupPr>
                             <m:ctrlPr>
-                              <a:rPr lang="en-US" altLang="zh-TW" i="1" smtClean="0">
+                              <a:rPr lang="en-US" altLang="zh-TW" sz="2200" b="1" i="1" smtClean="0">
                                 <a:solidFill>
                                   <a:srgbClr val="FF0000"/>
                                 </a:solidFill>
@@ -6958,31 +9846,31 @@
                           </m:sSubSupPr>
                           <m:e>
                             <m:r>
-                              <a:rPr lang="en-US" altLang="zh-TW" b="0" i="1" smtClean="0">
+                              <a:rPr lang="en-US" altLang="zh-TW" sz="2200" b="1" i="1" smtClean="0">
                                 <a:solidFill>
                                   <a:srgbClr val="FF0000"/>
                                 </a:solidFill>
                                 <a:latin typeface="Cambria Math" panose="02040503050406030204" pitchFamily="18" charset="0"/>
                               </a:rPr>
-                              <m:t>𝑡</m:t>
+                              <m:t>𝒕</m:t>
                             </m:r>
                           </m:e>
                           <m:sub>
                             <m:r>
-                              <a:rPr lang="en-US" altLang="zh-TW" b="0" i="1" smtClean="0">
+                              <a:rPr lang="en-US" altLang="zh-TW" sz="2200" b="1" i="1" smtClean="0">
                                 <a:solidFill>
                                   <a:srgbClr val="FF0000"/>
                                 </a:solidFill>
                                 <a:latin typeface="Cambria Math" panose="02040503050406030204" pitchFamily="18" charset="0"/>
                               </a:rPr>
-                              <m:t>𝑓</m:t>
+                              <m:t>𝒇</m:t>
                             </m:r>
                           </m:sub>
                           <m:sup>
                             <m:d>
                               <m:dPr>
                                 <m:ctrlPr>
-                                  <a:rPr lang="en-US" altLang="zh-TW" b="0" i="1" smtClean="0">
+                                  <a:rPr lang="en-US" altLang="zh-TW" sz="2200" b="1" i="1" smtClean="0">
                                     <a:solidFill>
                                       <a:srgbClr val="FF0000"/>
                                     </a:solidFill>
@@ -6992,20 +9880,20 @@
                               </m:dPr>
                               <m:e>
                                 <m:r>
-                                  <a:rPr lang="en-US" altLang="zh-TW" b="0" i="1" smtClean="0">
+                                  <a:rPr lang="en-US" altLang="zh-TW" sz="2200" b="1" i="1" smtClean="0">
                                     <a:solidFill>
                                       <a:srgbClr val="FF0000"/>
                                     </a:solidFill>
                                     <a:latin typeface="Cambria Math" panose="02040503050406030204" pitchFamily="18" charset="0"/>
                                   </a:rPr>
-                                  <m:t>𝑖</m:t>
+                                  <m:t>𝒊</m:t>
                                 </m:r>
                               </m:e>
                             </m:d>
                           </m:sup>
                         </m:sSubSup>
                         <m:r>
-                          <a:rPr lang="en-US" altLang="zh-TW" b="0" i="1" smtClean="0">
+                          <a:rPr lang="en-US" altLang="zh-TW" sz="2200" b="1" i="1" smtClean="0">
                             <a:solidFill>
                               <a:srgbClr val="FF0000"/>
                             </a:solidFill>
@@ -7016,7 +9904,7 @@
                         <m:sSubSup>
                           <m:sSubSupPr>
                             <m:ctrlPr>
-                              <a:rPr lang="en-US" altLang="zh-TW" i="1" smtClean="0">
+                              <a:rPr lang="en-US" altLang="zh-TW" sz="2200" b="1" i="1" smtClean="0">
                                 <a:solidFill>
                                   <a:srgbClr val="FF0000"/>
                                 </a:solidFill>
@@ -7026,31 +9914,31 @@
                           </m:sSubSupPr>
                           <m:e>
                             <m:r>
-                              <a:rPr lang="en-US" altLang="zh-TW" b="0" i="1" smtClean="0">
+                              <a:rPr lang="en-US" altLang="zh-TW" sz="2200" b="1" i="1" smtClean="0">
                                 <a:solidFill>
                                   <a:srgbClr val="FF0000"/>
                                 </a:solidFill>
                                 <a:latin typeface="Cambria Math" panose="02040503050406030204" pitchFamily="18" charset="0"/>
                               </a:rPr>
-                              <m:t>𝑡</m:t>
+                              <m:t>𝒕</m:t>
                             </m:r>
                           </m:e>
                           <m:sub>
                             <m:r>
-                              <a:rPr lang="en-US" altLang="zh-TW" b="0" i="1" smtClean="0">
+                              <a:rPr lang="en-US" altLang="zh-TW" sz="2200" b="1" i="1" smtClean="0">
                                 <a:solidFill>
                                   <a:srgbClr val="FF0000"/>
                                 </a:solidFill>
                                 <a:latin typeface="Cambria Math" panose="02040503050406030204" pitchFamily="18" charset="0"/>
                               </a:rPr>
-                              <m:t>𝑠</m:t>
+                              <m:t>𝒔</m:t>
                             </m:r>
                           </m:sub>
                           <m:sup>
                             <m:d>
                               <m:dPr>
                                 <m:ctrlPr>
-                                  <a:rPr lang="en-US" altLang="zh-TW" b="0" i="1" smtClean="0">
+                                  <a:rPr lang="en-US" altLang="zh-TW" sz="2200" b="1" i="1" smtClean="0">
                                     <a:solidFill>
                                       <a:srgbClr val="FF0000"/>
                                     </a:solidFill>
@@ -7060,20 +9948,20 @@
                               </m:dPr>
                               <m:e>
                                 <m:r>
-                                  <a:rPr lang="en-US" altLang="zh-TW" b="0" i="1" smtClean="0">
+                                  <a:rPr lang="en-US" altLang="zh-TW" sz="2200" b="1" i="1" smtClean="0">
                                     <a:solidFill>
                                       <a:srgbClr val="FF0000"/>
                                     </a:solidFill>
                                     <a:latin typeface="Cambria Math" panose="02040503050406030204" pitchFamily="18" charset="0"/>
                                   </a:rPr>
-                                  <m:t>𝑖</m:t>
+                                  <m:t>𝒊</m:t>
                                 </m:r>
                               </m:e>
                             </m:d>
                           </m:sup>
                         </m:sSubSup>
                         <m:r>
-                          <a:rPr lang="en-US" altLang="zh-TW" b="0" i="1" smtClean="0">
+                          <a:rPr lang="en-US" altLang="zh-TW" sz="2200" b="1" i="1" smtClean="0">
                             <a:solidFill>
                               <a:srgbClr val="FF0000"/>
                             </a:solidFill>
@@ -7084,7 +9972,7 @@
                         <m:sSub>
                           <m:sSubPr>
                             <m:ctrlPr>
-                              <a:rPr lang="en-US" altLang="zh-TW" i="1" dirty="0" smtClean="0">
+                              <a:rPr lang="en-US" altLang="zh-TW" sz="2200" b="1" i="1" dirty="0" smtClean="0">
                                 <a:solidFill>
                                   <a:srgbClr val="FF0000"/>
                                 </a:solidFill>
@@ -7094,29 +9982,29 @@
                           </m:sSubPr>
                           <m:e>
                             <m:r>
-                              <a:rPr lang="en-US" altLang="zh-TW" b="0" i="1" dirty="0" smtClean="0">
+                              <a:rPr lang="en-US" altLang="zh-TW" sz="2200" b="1" i="1" dirty="0" smtClean="0">
                                 <a:solidFill>
                                   <a:srgbClr val="FF0000"/>
                                 </a:solidFill>
                                 <a:latin typeface="Cambria Math" panose="02040503050406030204" pitchFamily="18" charset="0"/>
                               </a:rPr>
-                              <m:t>𝑡</m:t>
+                              <m:t>𝒕</m:t>
                             </m:r>
                           </m:e>
                           <m:sub>
                             <m:r>
-                              <a:rPr lang="en-US" altLang="zh-TW" b="0" i="1" dirty="0" smtClean="0">
+                              <a:rPr lang="en-US" altLang="zh-TW" sz="2200" b="1" i="1" dirty="0" smtClean="0">
                                 <a:solidFill>
                                   <a:srgbClr val="FF0000"/>
                                 </a:solidFill>
                                 <a:latin typeface="Cambria Math" panose="02040503050406030204" pitchFamily="18" charset="0"/>
                               </a:rPr>
-                              <m:t>𝑖</m:t>
+                              <m:t>𝒊</m:t>
                             </m:r>
                           </m:sub>
                         </m:sSub>
                         <m:r>
-                          <a:rPr lang="en-US" altLang="zh-TW" b="0" i="1" dirty="0" smtClean="0">
+                          <a:rPr lang="en-US" altLang="zh-TW" sz="2200" b="1" i="1" dirty="0" smtClean="0">
                             <a:solidFill>
                               <a:srgbClr val="FF0000"/>
                             </a:solidFill>
@@ -7127,7 +10015,7 @@
                       </m:e>
                     </m:d>
                     <m:r>
-                      <a:rPr lang="en-US" altLang="zh-TW" b="0" i="1" dirty="0" smtClean="0">
+                      <a:rPr lang="en-US" altLang="zh-TW" sz="2200" b="1" i="1" dirty="0" smtClean="0">
                         <a:solidFill>
                           <a:srgbClr val="FF0000"/>
                         </a:solidFill>
@@ -7138,42 +10026,42 @@
                     <m:sSubSup>
                       <m:sSubSupPr>
                         <m:ctrlPr>
-                          <a:rPr lang="en-US" altLang="zh-TW" i="1" smtClean="0">
+                          <a:rPr lang="en-US" altLang="zh-TW" sz="2200" b="1" i="1" smtClean="0">
                             <a:latin typeface="Cambria Math" panose="02040503050406030204" pitchFamily="18" charset="0"/>
                           </a:rPr>
                         </m:ctrlPr>
                       </m:sSubSupPr>
                       <m:e>
                         <m:r>
-                          <a:rPr lang="en-US" altLang="zh-TW" b="0" i="1" smtClean="0">
+                          <a:rPr lang="en-US" altLang="zh-TW" sz="2200" b="1" i="1" smtClean="0">
                             <a:latin typeface="Cambria Math" panose="02040503050406030204" pitchFamily="18" charset="0"/>
                           </a:rPr>
-                          <m:t>𝑡</m:t>
+                          <m:t>𝒕</m:t>
                         </m:r>
                       </m:e>
                       <m:sub>
                         <m:r>
-                          <a:rPr lang="en-US" altLang="zh-TW" b="0" i="1" smtClean="0">
+                          <a:rPr lang="en-US" altLang="zh-TW" sz="2200" b="1" i="1" smtClean="0">
                             <a:latin typeface="Cambria Math" panose="02040503050406030204" pitchFamily="18" charset="0"/>
                           </a:rPr>
-                          <m:t>𝑠</m:t>
+                          <m:t>𝒔</m:t>
                         </m:r>
                       </m:sub>
                       <m:sup>
                         <m:r>
-                          <a:rPr lang="en-US" altLang="zh-TW" b="0" i="1" smtClean="0">
+                          <a:rPr lang="en-US" altLang="zh-TW" sz="2200" b="1" i="1" smtClean="0">
                             <a:latin typeface="Cambria Math" panose="02040503050406030204" pitchFamily="18" charset="0"/>
                           </a:rPr>
                           <m:t>(</m:t>
                         </m:r>
                         <m:r>
-                          <a:rPr lang="en-US" altLang="zh-TW" b="0" i="1" smtClean="0">
+                          <a:rPr lang="en-US" altLang="zh-TW" sz="2200" b="1" i="1" smtClean="0">
                             <a:latin typeface="Cambria Math" panose="02040503050406030204" pitchFamily="18" charset="0"/>
                           </a:rPr>
-                          <m:t>𝑖</m:t>
+                          <m:t>𝒊</m:t>
                         </m:r>
                         <m:r>
-                          <a:rPr lang="en-US" altLang="zh-TW" b="0" i="1" smtClean="0">
+                          <a:rPr lang="en-US" altLang="zh-TW" sz="2200" b="1" i="1" smtClean="0">
                             <a:latin typeface="Cambria Math" panose="02040503050406030204" pitchFamily="18" charset="0"/>
                           </a:rPr>
                           <m:t>)</m:t>
@@ -7181,7 +10069,7 @@
                       </m:sup>
                     </m:sSubSup>
                     <m:r>
-                      <a:rPr lang="en-US" altLang="zh-TW" b="0" i="1" smtClean="0">
+                      <a:rPr lang="en-US" altLang="zh-TW" sz="2200" b="1" i="1" smtClean="0">
                         <a:latin typeface="Cambria Math" panose="02040503050406030204" pitchFamily="18" charset="0"/>
                       </a:rPr>
                       <m:t>+</m:t>
@@ -7189,30 +10077,30 @@
                     <m:sSub>
                       <m:sSubPr>
                         <m:ctrlPr>
-                          <a:rPr lang="en-US" altLang="zh-TW" b="0" i="1" smtClean="0">
+                          <a:rPr lang="en-US" altLang="zh-TW" sz="2200" b="1" i="1" smtClean="0">
                             <a:latin typeface="Cambria Math" panose="02040503050406030204" pitchFamily="18" charset="0"/>
                           </a:rPr>
                         </m:ctrlPr>
                       </m:sSubPr>
                       <m:e>
                         <m:r>
-                          <a:rPr lang="en-US" altLang="zh-TW" b="0" i="1" smtClean="0">
+                          <a:rPr lang="en-US" altLang="zh-TW" sz="2200" b="1" i="1" smtClean="0">
                             <a:latin typeface="Cambria Math" panose="02040503050406030204" pitchFamily="18" charset="0"/>
                           </a:rPr>
-                          <m:t>𝑠</m:t>
+                          <m:t>𝒔</m:t>
                         </m:r>
                       </m:e>
                       <m:sub>
                         <m:r>
-                          <a:rPr lang="en-US" altLang="zh-TW" b="0" i="1" smtClean="0">
+                          <a:rPr lang="en-US" altLang="zh-TW" sz="2200" b="1" i="1" smtClean="0">
                             <a:latin typeface="Cambria Math" panose="02040503050406030204" pitchFamily="18" charset="0"/>
                           </a:rPr>
-                          <m:t>𝑖</m:t>
+                          <m:t>𝒊</m:t>
                         </m:r>
                       </m:sub>
                     </m:sSub>
                     <m:r>
-                      <a:rPr lang="en-US" altLang="zh-TW" b="0" i="1" smtClean="0">
+                      <a:rPr lang="en-US" altLang="zh-TW" sz="2200" b="1" i="1" smtClean="0">
                         <a:latin typeface="Cambria Math" panose="02040503050406030204" pitchFamily="18" charset="0"/>
                       </a:rPr>
                       <m:t>/</m:t>
@@ -7220,30 +10108,30 @@
                     <m:sSub>
                       <m:sSubPr>
                         <m:ctrlPr>
-                          <a:rPr lang="en-US" altLang="zh-TW" b="0" i="1" smtClean="0">
+                          <a:rPr lang="en-US" altLang="zh-TW" sz="2200" b="1" i="1" smtClean="0">
                             <a:latin typeface="Cambria Math" panose="02040503050406030204" pitchFamily="18" charset="0"/>
                           </a:rPr>
                         </m:ctrlPr>
                       </m:sSubPr>
                       <m:e>
                         <m:r>
-                          <a:rPr lang="en-US" altLang="zh-TW" b="0" i="1" smtClean="0">
+                          <a:rPr lang="en-US" altLang="zh-TW" sz="2200" b="1" i="1" smtClean="0">
                             <a:latin typeface="Cambria Math" panose="02040503050406030204" pitchFamily="18" charset="0"/>
                           </a:rPr>
-                          <m:t>𝐶</m:t>
+                          <m:t>𝑪</m:t>
                         </m:r>
                       </m:e>
                       <m:sub>
                         <m:r>
-                          <a:rPr lang="en-US" altLang="zh-TW" b="0" i="1" smtClean="0">
+                          <a:rPr lang="en-US" altLang="zh-TW" sz="2200" b="1" i="1" smtClean="0">
                             <a:latin typeface="Cambria Math" panose="02040503050406030204" pitchFamily="18" charset="0"/>
                           </a:rPr>
-                          <m:t>𝑖</m:t>
+                          <m:t>𝒊</m:t>
                         </m:r>
                       </m:sub>
                     </m:sSub>
                     <m:r>
-                      <a:rPr lang="en-US" altLang="zh-TW" i="1" smtClean="0">
+                      <a:rPr lang="en-US" altLang="zh-TW" sz="2200" b="1" i="1" smtClean="0">
                         <a:latin typeface="Cambria Math" panose="02040503050406030204" pitchFamily="18" charset="0"/>
                         <a:ea typeface="Cambria Math" panose="02040503050406030204" pitchFamily="18" charset="0"/>
                       </a:rPr>
@@ -7252,7 +10140,7 @@
                     <m:sSubSup>
                       <m:sSubSupPr>
                         <m:ctrlPr>
-                          <a:rPr lang="en-US" altLang="zh-TW" i="1" smtClean="0">
+                          <a:rPr lang="en-US" altLang="zh-TW" sz="2200" b="1" i="1" smtClean="0">
                             <a:latin typeface="Cambria Math" panose="02040503050406030204" pitchFamily="18" charset="0"/>
                             <a:ea typeface="Cambria Math" panose="02040503050406030204" pitchFamily="18" charset="0"/>
                           </a:rPr>
@@ -7260,27 +10148,27 @@
                       </m:sSubSupPr>
                       <m:e>
                         <m:r>
-                          <a:rPr lang="en-US" altLang="zh-TW" b="0" i="1" smtClean="0">
+                          <a:rPr lang="en-US" altLang="zh-TW" sz="2200" b="1" i="1" smtClean="0">
                             <a:latin typeface="Cambria Math" panose="02040503050406030204" pitchFamily="18" charset="0"/>
                             <a:ea typeface="Cambria Math" panose="02040503050406030204" pitchFamily="18" charset="0"/>
                           </a:rPr>
-                          <m:t>𝑡</m:t>
+                          <m:t>𝒕</m:t>
                         </m:r>
                       </m:e>
                       <m:sub>
                         <m:r>
-                          <a:rPr lang="en-US" altLang="zh-TW" b="0" i="1" smtClean="0">
+                          <a:rPr lang="en-US" altLang="zh-TW" sz="2200" b="1" i="1" smtClean="0">
                             <a:latin typeface="Cambria Math" panose="02040503050406030204" pitchFamily="18" charset="0"/>
                             <a:ea typeface="Cambria Math" panose="02040503050406030204" pitchFamily="18" charset="0"/>
                           </a:rPr>
-                          <m:t>𝑔</m:t>
+                          <m:t>𝒈</m:t>
                         </m:r>
                       </m:sub>
                       <m:sup>
                         <m:d>
                           <m:dPr>
                             <m:ctrlPr>
-                              <a:rPr lang="en-US" altLang="zh-TW" b="0" i="1" smtClean="0">
+                              <a:rPr lang="en-US" altLang="zh-TW" sz="2200" b="1" i="1" smtClean="0">
                                 <a:latin typeface="Cambria Math" panose="02040503050406030204" pitchFamily="18" charset="0"/>
                                 <a:ea typeface="Cambria Math" panose="02040503050406030204" pitchFamily="18" charset="0"/>
                               </a:rPr>
@@ -7288,25 +10176,32 @@
                           </m:dPr>
                           <m:e>
                             <m:r>
-                              <a:rPr lang="en-US" altLang="zh-TW" b="0" i="1" smtClean="0">
+                              <a:rPr lang="en-US" altLang="zh-TW" sz="2200" b="1" i="1" smtClean="0">
                                 <a:latin typeface="Cambria Math" panose="02040503050406030204" pitchFamily="18" charset="0"/>
                                 <a:ea typeface="Cambria Math" panose="02040503050406030204" pitchFamily="18" charset="0"/>
                               </a:rPr>
-                              <m:t>𝑖</m:t>
+                              <m:t>𝒊</m:t>
                             </m:r>
                             <m:r>
-                              <a:rPr lang="en-US" altLang="zh-TW" b="0" i="1" smtClean="0">
+                              <a:rPr lang="en-US" altLang="zh-TW" sz="2200" b="1" i="1" smtClean="0">
                                 <a:latin typeface="Cambria Math" panose="02040503050406030204" pitchFamily="18" charset="0"/>
                                 <a:ea typeface="Cambria Math" panose="02040503050406030204" pitchFamily="18" charset="0"/>
                               </a:rPr>
-                              <m:t>+1</m:t>
+                              <m:t>+</m:t>
+                            </m:r>
+                            <m:r>
+                              <a:rPr lang="en-US" altLang="zh-TW" sz="2200" b="1" i="1" smtClean="0">
+                                <a:latin typeface="Cambria Math" panose="02040503050406030204" pitchFamily="18" charset="0"/>
+                                <a:ea typeface="Cambria Math" panose="02040503050406030204" pitchFamily="18" charset="0"/>
+                              </a:rPr>
+                              <m:t>𝟏</m:t>
                             </m:r>
                           </m:e>
                         </m:d>
                       </m:sup>
                     </m:sSubSup>
                     <m:r>
-                      <a:rPr lang="en-US" altLang="zh-TW" b="0" i="1" smtClean="0">
+                      <a:rPr lang="en-US" altLang="zh-TW" sz="2200" b="1" i="1" smtClean="0">
                         <a:latin typeface="Cambria Math" panose="02040503050406030204" pitchFamily="18" charset="0"/>
                         <a:ea typeface="Cambria Math" panose="02040503050406030204" pitchFamily="18" charset="0"/>
                       </a:rPr>
@@ -7315,7 +10210,7 @@
                     <m:sSubSup>
                       <m:sSubSupPr>
                         <m:ctrlPr>
-                          <a:rPr lang="en-US" altLang="zh-TW" b="0" i="1" smtClean="0">
+                          <a:rPr lang="en-US" altLang="zh-TW" sz="2200" b="1" i="1" smtClean="0">
                             <a:latin typeface="Cambria Math" panose="02040503050406030204" pitchFamily="18" charset="0"/>
                             <a:ea typeface="Cambria Math" panose="02040503050406030204" pitchFamily="18" charset="0"/>
                           </a:rPr>
@@ -7323,39 +10218,39 @@
                       </m:sSubSupPr>
                       <m:e>
                         <m:r>
-                          <a:rPr lang="en-US" altLang="zh-TW" b="0" i="1" smtClean="0">
+                          <a:rPr lang="en-US" altLang="zh-TW" sz="2200" b="1" i="1" smtClean="0">
                             <a:latin typeface="Cambria Math" panose="02040503050406030204" pitchFamily="18" charset="0"/>
                             <a:ea typeface="Cambria Math" panose="02040503050406030204" pitchFamily="18" charset="0"/>
                           </a:rPr>
-                          <m:t>𝑡</m:t>
+                          <m:t>𝒕</m:t>
                         </m:r>
                       </m:e>
                       <m:sub>
                         <m:r>
-                          <a:rPr lang="en-US" altLang="zh-TW" b="0" i="1" smtClean="0">
+                          <a:rPr lang="en-US" altLang="zh-TW" sz="2200" b="1" i="1" smtClean="0">
                             <a:latin typeface="Cambria Math" panose="02040503050406030204" pitchFamily="18" charset="0"/>
                             <a:ea typeface="Cambria Math" panose="02040503050406030204" pitchFamily="18" charset="0"/>
                           </a:rPr>
-                          <m:t>𝑏</m:t>
+                          <m:t>𝒃</m:t>
                         </m:r>
                       </m:sub>
                       <m:sup>
                         <m:r>
-                          <a:rPr lang="en-US" altLang="zh-TW" b="0" i="1" smtClean="0">
+                          <a:rPr lang="en-US" altLang="zh-TW" sz="2200" b="1" i="1" smtClean="0">
                             <a:latin typeface="Cambria Math" panose="02040503050406030204" pitchFamily="18" charset="0"/>
                             <a:ea typeface="Cambria Math" panose="02040503050406030204" pitchFamily="18" charset="0"/>
                           </a:rPr>
                           <m:t>(</m:t>
                         </m:r>
                         <m:r>
-                          <a:rPr lang="en-US" altLang="zh-TW" b="0" i="1" smtClean="0">
+                          <a:rPr lang="en-US" altLang="zh-TW" sz="2200" b="1" i="1" smtClean="0">
                             <a:latin typeface="Cambria Math" panose="02040503050406030204" pitchFamily="18" charset="0"/>
                             <a:ea typeface="Cambria Math" panose="02040503050406030204" pitchFamily="18" charset="0"/>
                           </a:rPr>
-                          <m:t>𝑖</m:t>
+                          <m:t>𝒊</m:t>
                         </m:r>
                         <m:r>
-                          <a:rPr lang="en-US" altLang="zh-TW" b="0" i="1" smtClean="0">
+                          <a:rPr lang="en-US" altLang="zh-TW" sz="2200" b="1" i="1" smtClean="0">
                             <a:latin typeface="Cambria Math" panose="02040503050406030204" pitchFamily="18" charset="0"/>
                             <a:ea typeface="Cambria Math" panose="02040503050406030204" pitchFamily="18" charset="0"/>
                           </a:rPr>
@@ -7366,7 +10261,7 @@
                   </m:oMath>
                 </a14:m>
                 <a:r>
-                  <a:rPr lang="en-US" altLang="zh-TW" dirty="0"/>
+                  <a:rPr lang="en-US" altLang="zh-TW" sz="2200" b="1" dirty="0"/>
                   <a:t>,</a:t>
                 </a:r>
               </a:p>
@@ -7375,7 +10270,7 @@
                   <a:buNone/>
                 </a:pPr>
                 <a:r>
-                  <a:rPr lang="en-US" altLang="zh-TW" dirty="0"/>
+                  <a:rPr lang="en-US" altLang="zh-TW" sz="2200" dirty="0"/>
                   <a:t>where </a:t>
                 </a:r>
                 <a14:m>
@@ -7383,14 +10278,14 @@
                     <m:sSubSup>
                       <m:sSubSupPr>
                         <m:ctrlPr>
-                          <a:rPr lang="en-US" altLang="zh-TW" i="1" smtClean="0">
+                          <a:rPr lang="en-US" altLang="zh-TW" sz="2200" i="1" smtClean="0">
                             <a:latin typeface="Cambria Math" panose="02040503050406030204" pitchFamily="18" charset="0"/>
                           </a:rPr>
                         </m:ctrlPr>
                       </m:sSubSupPr>
                       <m:e>
                         <m:r>
-                          <a:rPr lang="en-US" altLang="zh-TW" b="0" i="1" smtClean="0">
+                          <a:rPr lang="en-US" altLang="zh-TW" sz="2200" b="0" i="1" smtClean="0">
                             <a:latin typeface="Cambria Math" panose="02040503050406030204" pitchFamily="18" charset="0"/>
                           </a:rPr>
                           <m:t>𝑡</m:t>
@@ -7398,7 +10293,7 @@
                       </m:e>
                       <m:sub>
                         <m:r>
-                          <a:rPr lang="en-US" altLang="zh-TW" b="0" i="1" smtClean="0">
+                          <a:rPr lang="en-US" altLang="zh-TW" sz="2200" b="0" i="1" smtClean="0">
                             <a:latin typeface="Cambria Math" panose="02040503050406030204" pitchFamily="18" charset="0"/>
                           </a:rPr>
                           <m:t>𝑏</m:t>
@@ -7406,19 +10301,19 @@
                       </m:sub>
                       <m:sup>
                         <m:r>
-                          <a:rPr lang="en-US" altLang="zh-TW" b="0" i="1" smtClean="0">
+                          <a:rPr lang="en-US" altLang="zh-TW" sz="2200" b="0" i="1" smtClean="0">
                             <a:latin typeface="Cambria Math" panose="02040503050406030204" pitchFamily="18" charset="0"/>
                           </a:rPr>
                           <m:t>(</m:t>
                         </m:r>
                         <m:r>
-                          <a:rPr lang="en-US" altLang="zh-TW" b="0" i="1" smtClean="0">
+                          <a:rPr lang="en-US" altLang="zh-TW" sz="2200" b="0" i="1" smtClean="0">
                             <a:latin typeface="Cambria Math" panose="02040503050406030204" pitchFamily="18" charset="0"/>
                           </a:rPr>
                           <m:t>𝑖</m:t>
                         </m:r>
                         <m:r>
-                          <a:rPr lang="en-US" altLang="zh-TW" b="0" i="1" smtClean="0">
+                          <a:rPr lang="en-US" altLang="zh-TW" sz="2200" b="0" i="1" smtClean="0">
                             <a:latin typeface="Cambria Math" panose="02040503050406030204" pitchFamily="18" charset="0"/>
                           </a:rPr>
                           <m:t>)</m:t>
@@ -7426,19 +10321,13 @@
                       </m:sup>
                     </m:sSubSup>
                     <m:r>
-                      <a:rPr lang="en-US" altLang="zh-TW" b="0" i="1" smtClean="0">
+                      <a:rPr lang="en-US" altLang="zh-TW" sz="2200" b="0" i="1" smtClean="0">
                         <a:latin typeface="Cambria Math" panose="02040503050406030204" pitchFamily="18" charset="0"/>
                       </a:rPr>
-                      <m:t>=</m:t>
+                      <m:t>=1/</m:t>
                     </m:r>
                     <m:r>
-                      <a:rPr lang="en-US" altLang="zh-TW" b="0" i="1" smtClean="0">
-                        <a:latin typeface="Cambria Math" panose="02040503050406030204" pitchFamily="18" charset="0"/>
-                      </a:rPr>
-                      <m:t>1/</m:t>
-                    </m:r>
-                    <m:r>
-                      <a:rPr lang="en-US" altLang="zh-TW" b="0" i="1" smtClean="0">
+                      <a:rPr lang="en-US" altLang="zh-TW" sz="2200" b="0" i="1" smtClean="0">
                         <a:latin typeface="Cambria Math" panose="02040503050406030204" pitchFamily="18" charset="0"/>
                       </a:rPr>
                       <m:t>𝐹𝑃𝑆</m:t>
@@ -7446,7 +10335,7 @@
                   </m:oMath>
                 </a14:m>
                 <a:r>
-                  <a:rPr lang="en-US" altLang="zh-TW" dirty="0"/>
+                  <a:rPr lang="en-US" altLang="zh-TW" sz="2200" dirty="0"/>
                   <a:t> is a baseline case. Generally, we can have </a:t>
                 </a:r>
                 <a14:m>
@@ -7454,14 +10343,14 @@
                     <m:sSubSup>
                       <m:sSubSupPr>
                         <m:ctrlPr>
-                          <a:rPr lang="en-US" altLang="zh-TW" i="1" smtClean="0">
+                          <a:rPr lang="en-US" altLang="zh-TW" sz="2200" i="1" smtClean="0">
                             <a:latin typeface="Cambria Math" panose="02040503050406030204" pitchFamily="18" charset="0"/>
                           </a:rPr>
                         </m:ctrlPr>
                       </m:sSubSupPr>
                       <m:e>
                         <m:r>
-                          <a:rPr lang="en-US" altLang="zh-TW" b="0" i="1" smtClean="0">
+                          <a:rPr lang="en-US" altLang="zh-TW" sz="2200" b="0" i="1" smtClean="0">
                             <a:latin typeface="Cambria Math" panose="02040503050406030204" pitchFamily="18" charset="0"/>
                           </a:rPr>
                           <m:t>𝑡</m:t>
@@ -7469,7 +10358,7 @@
                       </m:e>
                       <m:sub>
                         <m:r>
-                          <a:rPr lang="en-US" altLang="zh-TW" b="0" i="1" smtClean="0">
+                          <a:rPr lang="en-US" altLang="zh-TW" sz="2200" b="0" i="1" smtClean="0">
                             <a:latin typeface="Cambria Math" panose="02040503050406030204" pitchFamily="18" charset="0"/>
                           </a:rPr>
                           <m:t>𝑏</m:t>
@@ -7477,19 +10366,19 @@
                       </m:sub>
                       <m:sup>
                         <m:r>
-                          <a:rPr lang="en-US" altLang="zh-TW" b="0" i="1" smtClean="0">
+                          <a:rPr lang="en-US" altLang="zh-TW" sz="2200" b="0" i="1" smtClean="0">
                             <a:latin typeface="Cambria Math" panose="02040503050406030204" pitchFamily="18" charset="0"/>
                           </a:rPr>
                           <m:t>(</m:t>
                         </m:r>
                         <m:r>
-                          <a:rPr lang="en-US" altLang="zh-TW" b="0" i="1" smtClean="0">
+                          <a:rPr lang="en-US" altLang="zh-TW" sz="2200" b="0" i="1" smtClean="0">
                             <a:latin typeface="Cambria Math" panose="02040503050406030204" pitchFamily="18" charset="0"/>
                           </a:rPr>
                           <m:t>𝑖</m:t>
                         </m:r>
                         <m:r>
-                          <a:rPr lang="en-US" altLang="zh-TW" b="0" i="1" smtClean="0">
+                          <a:rPr lang="en-US" altLang="zh-TW" sz="2200" b="0" i="1" smtClean="0">
                             <a:latin typeface="Cambria Math" panose="02040503050406030204" pitchFamily="18" charset="0"/>
                           </a:rPr>
                           <m:t>)</m:t>
@@ -7497,20 +10386,20 @@
                       </m:sup>
                     </m:sSubSup>
                     <m:r>
-                      <a:rPr lang="en-US" altLang="zh-TW" b="0" i="1" smtClean="0">
+                      <a:rPr lang="en-US" altLang="zh-TW" sz="2200" b="0" i="1" smtClean="0">
                         <a:latin typeface="Cambria Math" panose="02040503050406030204" pitchFamily="18" charset="0"/>
                         <a:ea typeface="Cambria Math" panose="02040503050406030204" pitchFamily="18" charset="0"/>
                       </a:rPr>
                       <m:t>≥</m:t>
                     </m:r>
                     <m:r>
-                      <a:rPr lang="en-US" altLang="zh-TW" b="0" i="1" smtClean="0">
+                      <a:rPr lang="en-US" altLang="zh-TW" sz="2200" b="0" i="1" smtClean="0">
                         <a:latin typeface="Cambria Math" panose="02040503050406030204" pitchFamily="18" charset="0"/>
                       </a:rPr>
                       <m:t>1/</m:t>
                     </m:r>
                     <m:r>
-                      <a:rPr lang="en-US" altLang="zh-TW" b="0" i="1" smtClean="0">
+                      <a:rPr lang="en-US" altLang="zh-TW" sz="2200" b="0" i="1" smtClean="0">
                         <a:latin typeface="Cambria Math" panose="02040503050406030204" pitchFamily="18" charset="0"/>
                       </a:rPr>
                       <m:t>𝐹𝑃𝑆</m:t>
@@ -7518,15 +10407,15 @@
                   </m:oMath>
                 </a14:m>
                 <a:r>
-                  <a:rPr lang="en-US" altLang="zh-TW" dirty="0"/>
+                  <a:rPr lang="en-US" altLang="zh-TW" sz="2200" dirty="0"/>
                   <a:t>. </a:t>
                 </a:r>
               </a:p>
               <a:p>
-                <a:endParaRPr lang="en-US" altLang="zh-TW" dirty="0"/>
+                <a:endParaRPr lang="en-US" altLang="zh-TW" sz="2200" dirty="0"/>
               </a:p>
               <a:p>
-                <a:endParaRPr kumimoji="1" lang="en-US" altLang="zh-TW" dirty="0">
+                <a:endParaRPr kumimoji="1" lang="en-US" altLang="zh-TW" sz="2200" dirty="0">
                   <a:cs typeface="Times New Roman" panose="02020603050405020304" pitchFamily="18" charset="0"/>
                 </a:endParaRPr>
               </a:p>
@@ -7552,13 +10441,13 @@
             </p:nvSpPr>
             <p:spPr>
               <a:xfrm>
-                <a:off x="474798" y="1569947"/>
-                <a:ext cx="11624605" cy="2687882"/>
+                <a:off x="465397" y="1644850"/>
+                <a:ext cx="11624605" cy="2758491"/>
               </a:xfrm>
               <a:blipFill>
                 <a:blip r:embed="rId3"/>
                 <a:stretch>
-                  <a:fillRect l="-983" t="-4225" b="-4695"/>
+                  <a:fillRect l="-655" t="-2752" b="-2752"/>
                 </a:stretch>
               </a:blipFill>
             </p:spPr>
@@ -7591,7 +10480,7 @@
         </p:nvGrpSpPr>
         <p:grpSpPr>
           <a:xfrm>
-            <a:off x="236157" y="4677293"/>
+            <a:off x="236157" y="4592939"/>
             <a:ext cx="8412481" cy="2021191"/>
             <a:chOff x="221642" y="4471684"/>
             <a:chExt cx="8412481" cy="2021191"/>
@@ -8078,8 +10967,8 @@
                     </a:fontRef>
                   </p:style>
                 </p:cxnSp>
-                <mc:AlternateContent xmlns:mc="http://schemas.openxmlformats.org/markup-compatibility/2006">
-                  <mc:Choice xmlns:a14="http://schemas.microsoft.com/office/drawing/2010/main" Requires="a14">
+                <mc:AlternateContent xmlns:mc="http://schemas.openxmlformats.org/markup-compatibility/2006" xmlns:a14="http://schemas.microsoft.com/office/drawing/2010/main">
+                  <mc:Choice Requires="a14">
                     <p:sp>
                       <p:nvSpPr>
                         <p:cNvPr id="41" name="TextBox 37">
@@ -8168,7 +11057,7 @@
                       </p:txBody>
                     </p:sp>
                   </mc:Choice>
-                  <mc:Fallback>
+                  <mc:Fallback xmlns="">
                     <p:sp>
                       <p:nvSpPr>
                         <p:cNvPr id="41" name="TextBox 37">
@@ -8389,8 +11278,8 @@
                     </a:fontRef>
                   </p:style>
                 </p:cxnSp>
-                <mc:AlternateContent xmlns:mc="http://schemas.openxmlformats.org/markup-compatibility/2006">
-                  <mc:Choice xmlns:a14="http://schemas.microsoft.com/office/drawing/2010/main" Requires="a14">
+                <mc:AlternateContent xmlns:mc="http://schemas.openxmlformats.org/markup-compatibility/2006" xmlns:a14="http://schemas.microsoft.com/office/drawing/2010/main">
+                  <mc:Choice Requires="a14">
                     <p:sp>
                       <p:nvSpPr>
                         <p:cNvPr id="46" name="TextBox 37">
@@ -8479,7 +11368,7 @@
                       </p:txBody>
                     </p:sp>
                   </mc:Choice>
-                  <mc:Fallback>
+                  <mc:Fallback xmlns="">
                     <p:sp>
                       <p:nvSpPr>
                         <p:cNvPr id="46" name="TextBox 37">
@@ -8525,8 +11414,8 @@
                   </mc:Fallback>
                 </mc:AlternateContent>
               </p:grpSp>
-              <mc:AlternateContent xmlns:mc="http://schemas.openxmlformats.org/markup-compatibility/2006">
-                <mc:Choice xmlns:a14="http://schemas.microsoft.com/office/drawing/2010/main" Requires="a14">
+              <mc:AlternateContent xmlns:mc="http://schemas.openxmlformats.org/markup-compatibility/2006" xmlns:a14="http://schemas.microsoft.com/office/drawing/2010/main">
+                <mc:Choice Requires="a14">
                   <p:sp>
                     <p:nvSpPr>
                       <p:cNvPr id="34" name="TextBox 37">
@@ -8615,7 +11504,7 @@
                     </p:txBody>
                   </p:sp>
                 </mc:Choice>
-                <mc:Fallback>
+                <mc:Fallback xmlns="">
                   <p:sp>
                     <p:nvSpPr>
                       <p:cNvPr id="34" name="TextBox 37">
@@ -8660,8 +11549,8 @@
                   </p:sp>
                 </mc:Fallback>
               </mc:AlternateContent>
-              <mc:AlternateContent xmlns:mc="http://schemas.openxmlformats.org/markup-compatibility/2006">
-                <mc:Choice xmlns:a14="http://schemas.microsoft.com/office/drawing/2010/main" Requires="a14">
+              <mc:AlternateContent xmlns:mc="http://schemas.openxmlformats.org/markup-compatibility/2006" xmlns:a14="http://schemas.microsoft.com/office/drawing/2010/main">
+                <mc:Choice Requires="a14">
                   <p:sp>
                     <p:nvSpPr>
                       <p:cNvPr id="35" name="TextBox 37">
@@ -8750,7 +11639,7 @@
                     </p:txBody>
                   </p:sp>
                 </mc:Choice>
-                <mc:Fallback>
+                <mc:Fallback xmlns="">
                   <p:sp>
                     <p:nvSpPr>
                       <p:cNvPr id="35" name="TextBox 37">
@@ -8796,8 +11685,8 @@
                 </mc:Fallback>
               </mc:AlternateContent>
             </p:grpSp>
-            <mc:AlternateContent xmlns:mc="http://schemas.openxmlformats.org/markup-compatibility/2006">
-              <mc:Choice xmlns:a14="http://schemas.microsoft.com/office/drawing/2010/main" Requires="a14">
+            <mc:AlternateContent xmlns:mc="http://schemas.openxmlformats.org/markup-compatibility/2006" xmlns:a14="http://schemas.microsoft.com/office/drawing/2010/main">
+              <mc:Choice Requires="a14">
                 <p:sp>
                   <p:nvSpPr>
                     <p:cNvPr id="47" name="TextBox 37">
@@ -8886,7 +11775,7 @@
                   </p:txBody>
                 </p:sp>
               </mc:Choice>
-              <mc:Fallback>
+              <mc:Fallback xmlns="">
                 <p:sp>
                   <p:nvSpPr>
                     <p:cNvPr id="47" name="TextBox 37">
@@ -9129,7 +12018,7 @@
         </p:nvCxnSpPr>
         <p:spPr>
           <a:xfrm>
-            <a:off x="0" y="4351941"/>
+            <a:off x="0" y="4476485"/>
             <a:ext cx="12192000" cy="0"/>
           </a:xfrm>
           <a:prstGeom prst="line">
@@ -9168,7 +12057,7 @@
             </p:nvSpPr>
             <p:spPr>
               <a:xfrm>
-                <a:off x="8862229" y="4633751"/>
+                <a:off x="8862229" y="4574606"/>
                 <a:ext cx="3278182" cy="2357697"/>
               </a:xfrm>
               <a:prstGeom prst="rect">
@@ -9182,7 +12071,6 @@
               </a:bodyPr>
               <a:lstStyle/>
               <a:p>
-                <a:pPr/>
                 <a14:m>
                   <m:oMath xmlns:m="http://schemas.openxmlformats.org/officeDocument/2006/math">
                     <m:sSubSup>
@@ -9295,7 +12183,6 @@
                 </a:endParaRPr>
               </a:p>
               <a:p>
-                <a:pPr/>
                 <a:endParaRPr lang="en-US" sz="500" dirty="0">
                   <a:solidFill>
                     <a:srgbClr val="FF0000"/>
@@ -9697,7 +12584,6 @@
                 </a:endParaRPr>
               </a:p>
               <a:p>
-                <a:pPr/>
                 <a:endParaRPr lang="en-US" sz="1400" dirty="0">
                   <a:solidFill>
                     <a:srgbClr val="FF0000"/>
@@ -9724,7 +12610,7 @@
             </p:nvSpPr>
             <p:spPr>
               <a:xfrm>
-                <a:off x="8862229" y="4633751"/>
+                <a:off x="8862229" y="4574606"/>
                 <a:ext cx="3278182" cy="2357697"/>
               </a:xfrm>
               <a:prstGeom prst="rect">
@@ -9800,38 +12686,1291 @@
         </p:nvSpPr>
         <p:spPr/>
         <p:txBody>
-          <a:bodyPr/>
+          <a:bodyPr>
+            <a:normAutofit/>
+          </a:bodyPr>
           <a:lstStyle/>
           <a:p>
-            <a:endParaRPr kumimoji="1" lang="zh-TW" altLang="en-US"/>
+            <a:r>
+              <a:rPr kumimoji="1" lang="en-US" altLang="zh-TW" sz="3500" b="1" dirty="0">
+                <a:latin typeface="Times New Roman" panose="02020603050405020304" pitchFamily="18" charset="0"/>
+                <a:cs typeface="Times New Roman" panose="02020603050405020304" pitchFamily="18" charset="0"/>
+              </a:rPr>
+              <a:t>Our Solution</a:t>
+            </a:r>
+            <a:br>
+              <a:rPr kumimoji="1" lang="en-US" altLang="zh-TW" sz="3500" b="1" dirty="0">
+                <a:latin typeface="Times New Roman" panose="02020603050405020304" pitchFamily="18" charset="0"/>
+                <a:cs typeface="Times New Roman" panose="02020603050405020304" pitchFamily="18" charset="0"/>
+              </a:rPr>
+            </a:br>
+            <a:r>
+              <a:rPr kumimoji="1" lang="en-US" altLang="zh-TW" sz="3500" b="1" dirty="0">
+                <a:latin typeface="Times New Roman" panose="02020603050405020304" pitchFamily="18" charset="0"/>
+                <a:cs typeface="Times New Roman" panose="02020603050405020304" pitchFamily="18" charset="0"/>
+              </a:rPr>
+              <a:t>- Derive a Probability Formula</a:t>
+            </a:r>
+            <a:endParaRPr kumimoji="1" lang="zh-TW" altLang="en-US" sz="3500" b="1" dirty="0">
+              <a:latin typeface="Times New Roman" panose="02020603050405020304" pitchFamily="18" charset="0"/>
+              <a:cs typeface="Times New Roman" panose="02020603050405020304" pitchFamily="18" charset="0"/>
+            </a:endParaRPr>
           </a:p>
         </p:txBody>
       </p:sp>
-      <p:sp>
-        <p:nvSpPr>
-          <p:cNvPr id="3" name="內容版面配置區 2">
-            <a:extLst>
-              <a:ext uri="{FF2B5EF4-FFF2-40B4-BE49-F238E27FC236}">
-                <a16:creationId xmlns:a16="http://schemas.microsoft.com/office/drawing/2014/main" id="{FBFAA863-310F-1303-D153-50DD7630A44D}"/>
-              </a:ext>
-            </a:extLst>
-          </p:cNvPr>
-          <p:cNvSpPr>
-            <a:spLocks noGrp="1"/>
-          </p:cNvSpPr>
-          <p:nvPr>
-            <p:ph idx="1"/>
-          </p:nvPr>
-        </p:nvSpPr>
-        <p:spPr/>
-        <p:txBody>
-          <a:bodyPr/>
-          <a:lstStyle/>
-          <a:p>
-            <a:endParaRPr kumimoji="1" lang="zh-TW" altLang="en-US"/>
-          </a:p>
-        </p:txBody>
-      </p:sp>
+      <mc:AlternateContent xmlns:mc="http://schemas.openxmlformats.org/markup-compatibility/2006">
+        <mc:Choice xmlns:a14="http://schemas.microsoft.com/office/drawing/2010/main" Requires="a14">
+          <p:sp>
+            <p:nvSpPr>
+              <p:cNvPr id="3" name="內容版面配置區 2">
+                <a:extLst>
+                  <a:ext uri="{FF2B5EF4-FFF2-40B4-BE49-F238E27FC236}">
+                    <a16:creationId xmlns:a16="http://schemas.microsoft.com/office/drawing/2014/main" id="{FBFAA863-310F-1303-D153-50DD7630A44D}"/>
+                  </a:ext>
+                </a:extLst>
+              </p:cNvPr>
+              <p:cNvSpPr>
+                <a:spLocks noGrp="1"/>
+              </p:cNvSpPr>
+              <p:nvPr>
+                <p:ph idx="1"/>
+              </p:nvPr>
+            </p:nvSpPr>
+            <p:spPr>
+              <a:xfrm>
+                <a:off x="838200" y="1825624"/>
+                <a:ext cx="10515600" cy="4778375"/>
+              </a:xfrm>
+            </p:spPr>
+            <p:txBody>
+              <a:bodyPr>
+                <a:noAutofit/>
+              </a:bodyPr>
+              <a:lstStyle/>
+              <a:p>
+                <a:r>
+                  <a:rPr kumimoji="1" lang="en-US" altLang="zh-TW" sz="2400" dirty="0"/>
+                  <a:t>We want the total frame loss rate to be bounded by </a:t>
+                </a:r>
+                <a14:m>
+                  <m:oMath xmlns:m="http://schemas.openxmlformats.org/officeDocument/2006/math">
+                    <m:r>
+                      <a:rPr kumimoji="1" lang="en-US" altLang="zh-TW" sz="2400" i="1" smtClean="0">
+                        <a:latin typeface="Cambria Math" panose="02040503050406030204" pitchFamily="18" charset="0"/>
+                        <a:ea typeface="Cambria Math" panose="02040503050406030204" pitchFamily="18" charset="0"/>
+                      </a:rPr>
+                      <m:t>𝜀</m:t>
+                    </m:r>
+                    <m:r>
+                      <a:rPr kumimoji="1" lang="en-US" altLang="zh-TW" sz="2400" b="0" i="1" smtClean="0">
+                        <a:latin typeface="Cambria Math" panose="02040503050406030204" pitchFamily="18" charset="0"/>
+                        <a:ea typeface="Cambria Math" panose="02040503050406030204" pitchFamily="18" charset="0"/>
+                      </a:rPr>
+                      <m:t>.</m:t>
+                    </m:r>
+                  </m:oMath>
+                </a14:m>
+                <a:r>
+                  <a:rPr kumimoji="1" lang="en-US" altLang="zh-TW" sz="2400" dirty="0"/>
+                  <a:t> Then for any frame </a:t>
+                </a:r>
+                <a14:m>
+                  <m:oMath xmlns:m="http://schemas.openxmlformats.org/officeDocument/2006/math">
+                    <m:r>
+                      <a:rPr kumimoji="1" lang="en-US" altLang="zh-TW" sz="2400" b="0" i="1" smtClean="0">
+                        <a:latin typeface="Cambria Math" panose="02040503050406030204" pitchFamily="18" charset="0"/>
+                      </a:rPr>
+                      <m:t>𝑖</m:t>
+                    </m:r>
+                  </m:oMath>
+                </a14:m>
+                <a:r>
+                  <a:rPr kumimoji="1" lang="en-US" altLang="zh-TW" sz="2400" dirty="0"/>
+                  <a:t>, we let the probability that it won’t affect its successor be large. I.e., </a:t>
+                </a:r>
+              </a:p>
+              <a:p>
+                <a:endParaRPr kumimoji="1" lang="en-US" altLang="zh-TW" sz="1000" dirty="0"/>
+              </a:p>
+              <a:p>
+                <a:pPr marL="0" indent="0">
+                  <a:buNone/>
+                </a:pPr>
+                <a14:m>
+                  <m:oMathPara xmlns:m="http://schemas.openxmlformats.org/officeDocument/2006/math">
+                    <m:oMathParaPr>
+                      <m:jc m:val="centerGroup"/>
+                    </m:oMathParaPr>
+                    <m:oMath xmlns:m="http://schemas.openxmlformats.org/officeDocument/2006/math">
+                      <m:r>
+                        <a:rPr lang="en-US" altLang="zh-TW" sz="2400" b="1" i="1" dirty="0">
+                          <a:latin typeface="Cambria Math" panose="02040503050406030204" pitchFamily="18" charset="0"/>
+                        </a:rPr>
+                        <m:t>𝑷</m:t>
+                      </m:r>
+                      <m:d>
+                        <m:dPr>
+                          <m:ctrlPr>
+                            <a:rPr lang="en-US" altLang="zh-TW" sz="2400" b="1" i="1" dirty="0" smtClean="0">
+                              <a:latin typeface="Cambria Math" panose="02040503050406030204" pitchFamily="18" charset="0"/>
+                            </a:rPr>
+                          </m:ctrlPr>
+                        </m:dPr>
+                        <m:e>
+                          <m:sSubSup>
+                            <m:sSubSupPr>
+                              <m:ctrlPr>
+                                <a:rPr lang="en-US" altLang="zh-TW" sz="2400" b="1" i="1">
+                                  <a:latin typeface="Cambria Math" panose="02040503050406030204" pitchFamily="18" charset="0"/>
+                                </a:rPr>
+                              </m:ctrlPr>
+                            </m:sSubSupPr>
+                            <m:e>
+                              <m:r>
+                                <a:rPr lang="en-US" altLang="zh-TW" sz="2400" b="1" i="1">
+                                  <a:latin typeface="Cambria Math" panose="02040503050406030204" pitchFamily="18" charset="0"/>
+                                </a:rPr>
+                                <m:t>𝒕</m:t>
+                              </m:r>
+                            </m:e>
+                            <m:sub>
+                              <m:r>
+                                <a:rPr lang="en-US" altLang="zh-TW" sz="2400" b="1" i="1">
+                                  <a:latin typeface="Cambria Math" panose="02040503050406030204" pitchFamily="18" charset="0"/>
+                                </a:rPr>
+                                <m:t>𝒔</m:t>
+                              </m:r>
+                            </m:sub>
+                            <m:sup>
+                              <m:d>
+                                <m:dPr>
+                                  <m:ctrlPr>
+                                    <a:rPr lang="en-US" altLang="zh-TW" sz="2400" b="1" i="1">
+                                      <a:latin typeface="Cambria Math" panose="02040503050406030204" pitchFamily="18" charset="0"/>
+                                    </a:rPr>
+                                  </m:ctrlPr>
+                                </m:dPr>
+                                <m:e>
+                                  <m:r>
+                                    <a:rPr lang="en-US" altLang="zh-TW" sz="2400" b="1" i="1">
+                                      <a:latin typeface="Cambria Math" panose="02040503050406030204" pitchFamily="18" charset="0"/>
+                                    </a:rPr>
+                                    <m:t>𝒊</m:t>
+                                  </m:r>
+                                </m:e>
+                              </m:d>
+                            </m:sup>
+                          </m:sSubSup>
+                          <m:r>
+                            <a:rPr lang="en-US" altLang="zh-TW" sz="2400" b="1" i="1">
+                              <a:latin typeface="Cambria Math" panose="02040503050406030204" pitchFamily="18" charset="0"/>
+                            </a:rPr>
+                            <m:t>+</m:t>
+                          </m:r>
+                          <m:f>
+                            <m:fPr>
+                              <m:ctrlPr>
+                                <a:rPr lang="en-US" altLang="zh-TW" sz="2400" b="1" i="1">
+                                  <a:latin typeface="Cambria Math" panose="02040503050406030204" pitchFamily="18" charset="0"/>
+                                </a:rPr>
+                              </m:ctrlPr>
+                            </m:fPr>
+                            <m:num>
+                              <m:sSub>
+                                <m:sSubPr>
+                                  <m:ctrlPr>
+                                    <a:rPr lang="en-US" altLang="zh-TW" sz="2400" b="1" i="1">
+                                      <a:latin typeface="Cambria Math" panose="02040503050406030204" pitchFamily="18" charset="0"/>
+                                    </a:rPr>
+                                  </m:ctrlPr>
+                                </m:sSubPr>
+                                <m:e>
+                                  <m:r>
+                                    <a:rPr lang="en-US" altLang="zh-TW" sz="2400" b="1" i="1">
+                                      <a:latin typeface="Cambria Math" panose="02040503050406030204" pitchFamily="18" charset="0"/>
+                                    </a:rPr>
+                                    <m:t>𝒔</m:t>
+                                  </m:r>
+                                </m:e>
+                                <m:sub>
+                                  <m:r>
+                                    <a:rPr lang="en-US" altLang="zh-TW" sz="2400" b="1" i="1">
+                                      <a:latin typeface="Cambria Math" panose="02040503050406030204" pitchFamily="18" charset="0"/>
+                                    </a:rPr>
+                                    <m:t>𝒊</m:t>
+                                  </m:r>
+                                </m:sub>
+                              </m:sSub>
+                            </m:num>
+                            <m:den>
+                              <m:sSub>
+                                <m:sSubPr>
+                                  <m:ctrlPr>
+                                    <a:rPr lang="en-US" altLang="zh-TW" sz="2400" b="1" i="1">
+                                      <a:latin typeface="Cambria Math" panose="02040503050406030204" pitchFamily="18" charset="0"/>
+                                    </a:rPr>
+                                  </m:ctrlPr>
+                                </m:sSubPr>
+                                <m:e>
+                                  <m:r>
+                                    <a:rPr lang="en-US" altLang="zh-TW" sz="2400" b="1" i="1">
+                                      <a:latin typeface="Cambria Math" panose="02040503050406030204" pitchFamily="18" charset="0"/>
+                                    </a:rPr>
+                                    <m:t>𝑪</m:t>
+                                  </m:r>
+                                </m:e>
+                                <m:sub>
+                                  <m:r>
+                                    <a:rPr lang="en-US" altLang="zh-TW" sz="2400" b="1" i="1">
+                                      <a:latin typeface="Cambria Math" panose="02040503050406030204" pitchFamily="18" charset="0"/>
+                                    </a:rPr>
+                                    <m:t>𝒊</m:t>
+                                  </m:r>
+                                </m:sub>
+                              </m:sSub>
+                            </m:den>
+                          </m:f>
+                          <m:r>
+                            <a:rPr lang="en-US" altLang="zh-TW" sz="2400" b="1" i="1" smtClean="0">
+                              <a:latin typeface="Cambria Math" panose="02040503050406030204" pitchFamily="18" charset="0"/>
+                              <a:ea typeface="Cambria Math" panose="02040503050406030204" pitchFamily="18" charset="0"/>
+                            </a:rPr>
+                            <m:t>≤</m:t>
+                          </m:r>
+                          <m:sSubSup>
+                            <m:sSubSupPr>
+                              <m:ctrlPr>
+                                <a:rPr lang="en-US" altLang="zh-TW" sz="2400" b="1" i="1">
+                                  <a:latin typeface="Cambria Math" panose="02040503050406030204" pitchFamily="18" charset="0"/>
+                                  <a:ea typeface="Cambria Math" panose="02040503050406030204" pitchFamily="18" charset="0"/>
+                                </a:rPr>
+                              </m:ctrlPr>
+                            </m:sSubSupPr>
+                            <m:e>
+                              <m:r>
+                                <a:rPr lang="en-US" altLang="zh-TW" sz="2400" b="1" i="1">
+                                  <a:latin typeface="Cambria Math" panose="02040503050406030204" pitchFamily="18" charset="0"/>
+                                  <a:ea typeface="Cambria Math" panose="02040503050406030204" pitchFamily="18" charset="0"/>
+                                </a:rPr>
+                                <m:t>𝒕</m:t>
+                              </m:r>
+                            </m:e>
+                            <m:sub>
+                              <m:r>
+                                <a:rPr lang="en-US" altLang="zh-TW" sz="2400" b="1" i="1">
+                                  <a:latin typeface="Cambria Math" panose="02040503050406030204" pitchFamily="18" charset="0"/>
+                                  <a:ea typeface="Cambria Math" panose="02040503050406030204" pitchFamily="18" charset="0"/>
+                                </a:rPr>
+                                <m:t>𝒈</m:t>
+                              </m:r>
+                            </m:sub>
+                            <m:sup>
+                              <m:d>
+                                <m:dPr>
+                                  <m:ctrlPr>
+                                    <a:rPr lang="en-US" altLang="zh-TW" sz="2400" b="1" i="1">
+                                      <a:latin typeface="Cambria Math" panose="02040503050406030204" pitchFamily="18" charset="0"/>
+                                      <a:ea typeface="Cambria Math" panose="02040503050406030204" pitchFamily="18" charset="0"/>
+                                    </a:rPr>
+                                  </m:ctrlPr>
+                                </m:dPr>
+                                <m:e>
+                                  <m:r>
+                                    <a:rPr lang="en-US" altLang="zh-TW" sz="2400" b="1" i="1">
+                                      <a:latin typeface="Cambria Math" panose="02040503050406030204" pitchFamily="18" charset="0"/>
+                                      <a:ea typeface="Cambria Math" panose="02040503050406030204" pitchFamily="18" charset="0"/>
+                                    </a:rPr>
+                                    <m:t>𝒊</m:t>
+                                  </m:r>
+                                  <m:r>
+                                    <a:rPr lang="en-US" altLang="zh-TW" sz="2400" b="1" i="1">
+                                      <a:latin typeface="Cambria Math" panose="02040503050406030204" pitchFamily="18" charset="0"/>
+                                      <a:ea typeface="Cambria Math" panose="02040503050406030204" pitchFamily="18" charset="0"/>
+                                    </a:rPr>
+                                    <m:t>+</m:t>
+                                  </m:r>
+                                  <m:r>
+                                    <a:rPr lang="en-US" altLang="zh-TW" sz="2400" b="1" i="1">
+                                      <a:latin typeface="Cambria Math" panose="02040503050406030204" pitchFamily="18" charset="0"/>
+                                      <a:ea typeface="Cambria Math" panose="02040503050406030204" pitchFamily="18" charset="0"/>
+                                    </a:rPr>
+                                    <m:t>𝟏</m:t>
+                                  </m:r>
+                                </m:e>
+                              </m:d>
+                            </m:sup>
+                          </m:sSubSup>
+                          <m:r>
+                            <a:rPr lang="en-US" altLang="zh-TW" sz="2400" b="1" i="1">
+                              <a:latin typeface="Cambria Math" panose="02040503050406030204" pitchFamily="18" charset="0"/>
+                              <a:ea typeface="Cambria Math" panose="02040503050406030204" pitchFamily="18" charset="0"/>
+                            </a:rPr>
+                            <m:t>+</m:t>
+                          </m:r>
+                          <m:sSubSup>
+                            <m:sSubSupPr>
+                              <m:ctrlPr>
+                                <a:rPr lang="en-US" altLang="zh-TW" sz="2400" b="1" i="1">
+                                  <a:latin typeface="Cambria Math" panose="02040503050406030204" pitchFamily="18" charset="0"/>
+                                  <a:ea typeface="Cambria Math" panose="02040503050406030204" pitchFamily="18" charset="0"/>
+                                </a:rPr>
+                              </m:ctrlPr>
+                            </m:sSubSupPr>
+                            <m:e>
+                              <m:r>
+                                <a:rPr lang="en-US" altLang="zh-TW" sz="2400" b="1" i="1">
+                                  <a:latin typeface="Cambria Math" panose="02040503050406030204" pitchFamily="18" charset="0"/>
+                                  <a:ea typeface="Cambria Math" panose="02040503050406030204" pitchFamily="18" charset="0"/>
+                                </a:rPr>
+                                <m:t>𝒕</m:t>
+                              </m:r>
+                            </m:e>
+                            <m:sub>
+                              <m:r>
+                                <a:rPr lang="en-US" altLang="zh-TW" sz="2400" b="1" i="1">
+                                  <a:latin typeface="Cambria Math" panose="02040503050406030204" pitchFamily="18" charset="0"/>
+                                  <a:ea typeface="Cambria Math" panose="02040503050406030204" pitchFamily="18" charset="0"/>
+                                </a:rPr>
+                                <m:t>𝒃</m:t>
+                              </m:r>
+                            </m:sub>
+                            <m:sup>
+                              <m:d>
+                                <m:dPr>
+                                  <m:ctrlPr>
+                                    <a:rPr lang="en-US" altLang="zh-TW" sz="2400" b="1" i="1">
+                                      <a:latin typeface="Cambria Math" panose="02040503050406030204" pitchFamily="18" charset="0"/>
+                                      <a:ea typeface="Cambria Math" panose="02040503050406030204" pitchFamily="18" charset="0"/>
+                                    </a:rPr>
+                                  </m:ctrlPr>
+                                </m:dPr>
+                                <m:e>
+                                  <m:r>
+                                    <a:rPr lang="en-US" altLang="zh-TW" sz="2400" b="1" i="1">
+                                      <a:latin typeface="Cambria Math" panose="02040503050406030204" pitchFamily="18" charset="0"/>
+                                      <a:ea typeface="Cambria Math" panose="02040503050406030204" pitchFamily="18" charset="0"/>
+                                    </a:rPr>
+                                    <m:t>𝒊</m:t>
+                                  </m:r>
+                                </m:e>
+                              </m:d>
+                            </m:sup>
+                          </m:sSubSup>
+                        </m:e>
+                      </m:d>
+                      <m:r>
+                        <a:rPr lang="en-US" altLang="zh-TW" sz="2400" b="1" i="1" smtClean="0">
+                          <a:latin typeface="Cambria Math" panose="02040503050406030204" pitchFamily="18" charset="0"/>
+                          <a:ea typeface="Cambria Math" panose="02040503050406030204" pitchFamily="18" charset="0"/>
+                        </a:rPr>
+                        <m:t>≥</m:t>
+                      </m:r>
+                      <m:r>
+                        <a:rPr lang="en-US" altLang="zh-TW" sz="2400" b="1" i="1" smtClean="0">
+                          <a:latin typeface="Cambria Math" panose="02040503050406030204" pitchFamily="18" charset="0"/>
+                          <a:ea typeface="Cambria Math" panose="02040503050406030204" pitchFamily="18" charset="0"/>
+                        </a:rPr>
+                        <m:t>𝟏</m:t>
+                      </m:r>
+                      <m:r>
+                        <a:rPr lang="en-US" altLang="zh-TW" sz="2400" b="1" i="1" smtClean="0">
+                          <a:latin typeface="Cambria Math" panose="02040503050406030204" pitchFamily="18" charset="0"/>
+                          <a:ea typeface="Cambria Math" panose="02040503050406030204" pitchFamily="18" charset="0"/>
+                        </a:rPr>
+                        <m:t>−</m:t>
+                      </m:r>
+                      <m:r>
+                        <a:rPr lang="en-US" altLang="zh-TW" sz="2400" b="1" i="1" smtClean="0">
+                          <a:latin typeface="Cambria Math" panose="02040503050406030204" pitchFamily="18" charset="0"/>
+                          <a:ea typeface="Cambria Math" panose="02040503050406030204" pitchFamily="18" charset="0"/>
+                        </a:rPr>
+                        <m:t>𝜺</m:t>
+                      </m:r>
+                      <m:r>
+                        <a:rPr lang="en-US" altLang="zh-TW" sz="2400" b="1" i="1" smtClean="0">
+                          <a:latin typeface="Cambria Math" panose="02040503050406030204" pitchFamily="18" charset="0"/>
+                          <a:ea typeface="Cambria Math" panose="02040503050406030204" pitchFamily="18" charset="0"/>
+                        </a:rPr>
+                        <m:t>.</m:t>
+                      </m:r>
+                    </m:oMath>
+                  </m:oMathPara>
+                </a14:m>
+                <a:endParaRPr kumimoji="1" lang="en-US" altLang="zh-TW" sz="2400" b="1" i="1" dirty="0"/>
+              </a:p>
+              <a:p>
+                <a:r>
+                  <a:rPr kumimoji="1" lang="en-US" altLang="zh-TW" sz="2400" dirty="0"/>
+                  <a:t>Define </a:t>
+                </a:r>
+                <a14:m>
+                  <m:oMath xmlns:m="http://schemas.openxmlformats.org/officeDocument/2006/math">
+                    <m:sSub>
+                      <m:sSubPr>
+                        <m:ctrlPr>
+                          <a:rPr kumimoji="1" lang="en-US" altLang="zh-TW" sz="2400" i="1" smtClean="0">
+                            <a:latin typeface="Cambria Math" panose="02040503050406030204" pitchFamily="18" charset="0"/>
+                          </a:rPr>
+                        </m:ctrlPr>
+                      </m:sSubPr>
+                      <m:e>
+                        <m:r>
+                          <a:rPr kumimoji="1" lang="en-US" altLang="zh-TW" sz="2400" b="0" i="1" smtClean="0">
+                            <a:latin typeface="Cambria Math" panose="02040503050406030204" pitchFamily="18" charset="0"/>
+                          </a:rPr>
+                          <m:t>𝑇</m:t>
+                        </m:r>
+                      </m:e>
+                      <m:sub>
+                        <m:r>
+                          <a:rPr kumimoji="1" lang="en-US" altLang="zh-TW" sz="2400" b="0" i="1" smtClean="0">
+                            <a:latin typeface="Cambria Math" panose="02040503050406030204" pitchFamily="18" charset="0"/>
+                          </a:rPr>
+                          <m:t>𝑖</m:t>
+                        </m:r>
+                      </m:sub>
+                    </m:sSub>
+                    <m:r>
+                      <a:rPr kumimoji="1" lang="en-US" altLang="zh-TW" sz="2400" b="0" i="1" smtClean="0">
+                        <a:latin typeface="Cambria Math" panose="02040503050406030204" pitchFamily="18" charset="0"/>
+                      </a:rPr>
+                      <m:t>≔</m:t>
+                    </m:r>
+                    <m:sSup>
+                      <m:sSupPr>
+                        <m:ctrlPr>
+                          <a:rPr kumimoji="1" lang="en-US" altLang="zh-TW" sz="2400" b="0" i="1" smtClean="0">
+                            <a:latin typeface="Cambria Math" panose="02040503050406030204" pitchFamily="18" charset="0"/>
+                          </a:rPr>
+                        </m:ctrlPr>
+                      </m:sSupPr>
+                      <m:e>
+                        <m:r>
+                          <a:rPr kumimoji="1" lang="en-US" altLang="zh-TW" sz="2400" i="1">
+                            <a:latin typeface="Cambria Math" panose="02040503050406030204" pitchFamily="18" charset="0"/>
+                          </a:rPr>
+                          <m:t>[</m:t>
+                        </m:r>
+                        <m:sSubSup>
+                          <m:sSubSupPr>
+                            <m:ctrlPr>
+                              <a:rPr kumimoji="1" lang="en-US" altLang="zh-TW" sz="2400" i="1">
+                                <a:latin typeface="Cambria Math" panose="02040503050406030204" pitchFamily="18" charset="0"/>
+                              </a:rPr>
+                            </m:ctrlPr>
+                          </m:sSubSupPr>
+                          <m:e>
+                            <m:r>
+                              <a:rPr kumimoji="1" lang="en-US" altLang="zh-TW" sz="2400" i="1">
+                                <a:latin typeface="Cambria Math" panose="02040503050406030204" pitchFamily="18" charset="0"/>
+                              </a:rPr>
+                              <m:t>𝑡</m:t>
+                            </m:r>
+                          </m:e>
+                          <m:sub>
+                            <m:r>
+                              <a:rPr kumimoji="1" lang="en-US" altLang="zh-TW" sz="2400" i="1">
+                                <a:latin typeface="Cambria Math" panose="02040503050406030204" pitchFamily="18" charset="0"/>
+                              </a:rPr>
+                              <m:t>𝑔</m:t>
+                            </m:r>
+                          </m:sub>
+                          <m:sup>
+                            <m:d>
+                              <m:dPr>
+                                <m:ctrlPr>
+                                  <a:rPr kumimoji="1" lang="en-US" altLang="zh-TW" sz="2400" i="1">
+                                    <a:latin typeface="Cambria Math" panose="02040503050406030204" pitchFamily="18" charset="0"/>
+                                  </a:rPr>
+                                </m:ctrlPr>
+                              </m:dPr>
+                              <m:e>
+                                <m:r>
+                                  <a:rPr kumimoji="1" lang="en-US" altLang="zh-TW" sz="2400" i="1">
+                                    <a:latin typeface="Cambria Math" panose="02040503050406030204" pitchFamily="18" charset="0"/>
+                                  </a:rPr>
+                                  <m:t>𝑖</m:t>
+                                </m:r>
+                                <m:r>
+                                  <a:rPr kumimoji="1" lang="en-US" altLang="zh-TW" sz="2400" i="1">
+                                    <a:latin typeface="Cambria Math" panose="02040503050406030204" pitchFamily="18" charset="0"/>
+                                  </a:rPr>
+                                  <m:t>+1</m:t>
+                                </m:r>
+                              </m:e>
+                            </m:d>
+                          </m:sup>
+                        </m:sSubSup>
+                        <m:r>
+                          <a:rPr kumimoji="1" lang="en-US" altLang="zh-TW" sz="2400" i="1">
+                            <a:latin typeface="Cambria Math" panose="02040503050406030204" pitchFamily="18" charset="0"/>
+                          </a:rPr>
+                          <m:t>−</m:t>
+                        </m:r>
+                        <m:sSubSup>
+                          <m:sSubSupPr>
+                            <m:ctrlPr>
+                              <a:rPr kumimoji="1" lang="en-US" altLang="zh-TW" sz="2400" i="1">
+                                <a:latin typeface="Cambria Math" panose="02040503050406030204" pitchFamily="18" charset="0"/>
+                              </a:rPr>
+                            </m:ctrlPr>
+                          </m:sSubSupPr>
+                          <m:e>
+                            <m:r>
+                              <a:rPr kumimoji="1" lang="en-US" altLang="zh-TW" sz="2400" i="1">
+                                <a:latin typeface="Cambria Math" panose="02040503050406030204" pitchFamily="18" charset="0"/>
+                              </a:rPr>
+                              <m:t>𝑡</m:t>
+                            </m:r>
+                          </m:e>
+                          <m:sub>
+                            <m:r>
+                              <a:rPr kumimoji="1" lang="en-US" altLang="zh-TW" sz="2400" i="1">
+                                <a:latin typeface="Cambria Math" panose="02040503050406030204" pitchFamily="18" charset="0"/>
+                              </a:rPr>
+                              <m:t>𝑠</m:t>
+                            </m:r>
+                          </m:sub>
+                          <m:sup>
+                            <m:r>
+                              <a:rPr kumimoji="1" lang="en-US" altLang="zh-TW" sz="2400" i="1">
+                                <a:latin typeface="Cambria Math" panose="02040503050406030204" pitchFamily="18" charset="0"/>
+                              </a:rPr>
+                              <m:t>(</m:t>
+                            </m:r>
+                            <m:r>
+                              <a:rPr kumimoji="1" lang="en-US" altLang="zh-TW" sz="2400" i="1">
+                                <a:latin typeface="Cambria Math" panose="02040503050406030204" pitchFamily="18" charset="0"/>
+                              </a:rPr>
+                              <m:t>𝑖</m:t>
+                            </m:r>
+                            <m:r>
+                              <a:rPr kumimoji="1" lang="en-US" altLang="zh-TW" sz="2400" i="1">
+                                <a:latin typeface="Cambria Math" panose="02040503050406030204" pitchFamily="18" charset="0"/>
+                              </a:rPr>
+                              <m:t>)</m:t>
+                            </m:r>
+                          </m:sup>
+                        </m:sSubSup>
+                        <m:r>
+                          <a:rPr kumimoji="1" lang="en-US" altLang="zh-TW" sz="2400" i="1">
+                            <a:latin typeface="Cambria Math" panose="02040503050406030204" pitchFamily="18" charset="0"/>
+                          </a:rPr>
+                          <m:t>]</m:t>
+                        </m:r>
+                      </m:e>
+                      <m:sup>
+                        <m:r>
+                          <a:rPr kumimoji="1" lang="en-US" altLang="zh-TW" sz="2400" b="0" i="1" smtClean="0">
+                            <a:latin typeface="Cambria Math" panose="02040503050406030204" pitchFamily="18" charset="0"/>
+                          </a:rPr>
+                          <m:t>+</m:t>
+                        </m:r>
+                      </m:sup>
+                    </m:sSup>
+                  </m:oMath>
+                </a14:m>
+                <a:r>
+                  <a:rPr kumimoji="1" lang="en-US" altLang="zh-TW" sz="2400" dirty="0"/>
+                  <a:t>, thus the above changes to </a:t>
+                </a:r>
+              </a:p>
+              <a:p>
+                <a:pPr marL="0" indent="0">
+                  <a:buNone/>
+                </a:pPr>
+                <a:endParaRPr lang="en-US" altLang="zh-TW" sz="1000" dirty="0">
+                  <a:latin typeface="Cambria Math" panose="02040503050406030204" pitchFamily="18" charset="0"/>
+                </a:endParaRPr>
+              </a:p>
+              <a:p>
+                <a:pPr marL="0" indent="0">
+                  <a:buNone/>
+                </a:pPr>
+                <a14:m>
+                  <m:oMathPara xmlns:m="http://schemas.openxmlformats.org/officeDocument/2006/math">
+                    <m:oMathParaPr>
+                      <m:jc m:val="centerGroup"/>
+                    </m:oMathParaPr>
+                    <m:oMath xmlns:m="http://schemas.openxmlformats.org/officeDocument/2006/math">
+                      <m:r>
+                        <a:rPr lang="en-US" altLang="zh-TW" sz="2400" b="1" i="1" dirty="0">
+                          <a:latin typeface="Cambria Math" panose="02040503050406030204" pitchFamily="18" charset="0"/>
+                        </a:rPr>
+                        <m:t>𝑷</m:t>
+                      </m:r>
+                      <m:d>
+                        <m:dPr>
+                          <m:ctrlPr>
+                            <a:rPr lang="en-US" altLang="zh-TW" sz="2400" b="1" i="1" dirty="0">
+                              <a:latin typeface="Cambria Math" panose="02040503050406030204" pitchFamily="18" charset="0"/>
+                            </a:rPr>
+                          </m:ctrlPr>
+                        </m:dPr>
+                        <m:e>
+                          <m:sSub>
+                            <m:sSubPr>
+                              <m:ctrlPr>
+                                <a:rPr lang="en-US" altLang="zh-TW" sz="2400" b="1" i="1" dirty="0" smtClean="0">
+                                  <a:latin typeface="Cambria Math" panose="02040503050406030204" pitchFamily="18" charset="0"/>
+                                </a:rPr>
+                              </m:ctrlPr>
+                            </m:sSubPr>
+                            <m:e>
+                              <m:r>
+                                <a:rPr lang="en-US" altLang="zh-TW" sz="2400" b="1" i="1" dirty="0" smtClean="0">
+                                  <a:latin typeface="Cambria Math" panose="02040503050406030204" pitchFamily="18" charset="0"/>
+                                </a:rPr>
+                                <m:t>𝑪</m:t>
+                              </m:r>
+                            </m:e>
+                            <m:sub>
+                              <m:r>
+                                <a:rPr lang="en-US" altLang="zh-TW" sz="2400" b="1" i="1" dirty="0" smtClean="0">
+                                  <a:latin typeface="Cambria Math" panose="02040503050406030204" pitchFamily="18" charset="0"/>
+                                </a:rPr>
+                                <m:t>𝒊</m:t>
+                              </m:r>
+                            </m:sub>
+                          </m:sSub>
+                          <m:r>
+                            <a:rPr lang="en-US" altLang="zh-TW" sz="2400" b="1" i="1" dirty="0" smtClean="0">
+                              <a:latin typeface="Cambria Math" panose="02040503050406030204" pitchFamily="18" charset="0"/>
+                              <a:ea typeface="Cambria Math" panose="02040503050406030204" pitchFamily="18" charset="0"/>
+                            </a:rPr>
+                            <m:t>∙</m:t>
+                          </m:r>
+                          <m:r>
+                            <a:rPr lang="en-US" altLang="zh-TW" sz="2400" b="1" i="1" dirty="0" smtClean="0">
+                              <a:latin typeface="Cambria Math" panose="02040503050406030204" pitchFamily="18" charset="0"/>
+                            </a:rPr>
+                            <m:t>(</m:t>
+                          </m:r>
+                          <m:sSub>
+                            <m:sSubPr>
+                              <m:ctrlPr>
+                                <a:rPr lang="en-US" altLang="zh-TW" sz="2400" b="1" i="1" smtClean="0">
+                                  <a:latin typeface="Cambria Math" panose="02040503050406030204" pitchFamily="18" charset="0"/>
+                                  <a:ea typeface="Cambria Math" panose="02040503050406030204" pitchFamily="18" charset="0"/>
+                                </a:rPr>
+                              </m:ctrlPr>
+                            </m:sSubPr>
+                            <m:e>
+                              <m:r>
+                                <a:rPr lang="en-US" altLang="zh-TW" sz="2400" b="1" i="1" smtClean="0">
+                                  <a:latin typeface="Cambria Math" panose="02040503050406030204" pitchFamily="18" charset="0"/>
+                                  <a:ea typeface="Cambria Math" panose="02040503050406030204" pitchFamily="18" charset="0"/>
+                                </a:rPr>
+                                <m:t>𝑻</m:t>
+                              </m:r>
+                            </m:e>
+                            <m:sub>
+                              <m:r>
+                                <a:rPr lang="en-US" altLang="zh-TW" sz="2400" b="1" i="1" smtClean="0">
+                                  <a:latin typeface="Cambria Math" panose="02040503050406030204" pitchFamily="18" charset="0"/>
+                                  <a:ea typeface="Cambria Math" panose="02040503050406030204" pitchFamily="18" charset="0"/>
+                                </a:rPr>
+                                <m:t>𝒊</m:t>
+                              </m:r>
+                            </m:sub>
+                          </m:sSub>
+                          <m:r>
+                            <a:rPr lang="en-US" altLang="zh-TW" sz="2400" b="1" i="1">
+                              <a:latin typeface="Cambria Math" panose="02040503050406030204" pitchFamily="18" charset="0"/>
+                              <a:ea typeface="Cambria Math" panose="02040503050406030204" pitchFamily="18" charset="0"/>
+                            </a:rPr>
+                            <m:t>+</m:t>
+                          </m:r>
+                          <m:sSubSup>
+                            <m:sSubSupPr>
+                              <m:ctrlPr>
+                                <a:rPr lang="en-US" altLang="zh-TW" sz="2400" b="1" i="1">
+                                  <a:latin typeface="Cambria Math" panose="02040503050406030204" pitchFamily="18" charset="0"/>
+                                  <a:ea typeface="Cambria Math" panose="02040503050406030204" pitchFamily="18" charset="0"/>
+                                </a:rPr>
+                              </m:ctrlPr>
+                            </m:sSubSupPr>
+                            <m:e>
+                              <m:r>
+                                <a:rPr lang="en-US" altLang="zh-TW" sz="2400" b="1" i="1">
+                                  <a:latin typeface="Cambria Math" panose="02040503050406030204" pitchFamily="18" charset="0"/>
+                                  <a:ea typeface="Cambria Math" panose="02040503050406030204" pitchFamily="18" charset="0"/>
+                                </a:rPr>
+                                <m:t>𝒕</m:t>
+                              </m:r>
+                            </m:e>
+                            <m:sub>
+                              <m:r>
+                                <a:rPr lang="en-US" altLang="zh-TW" sz="2400" b="1" i="1">
+                                  <a:latin typeface="Cambria Math" panose="02040503050406030204" pitchFamily="18" charset="0"/>
+                                  <a:ea typeface="Cambria Math" panose="02040503050406030204" pitchFamily="18" charset="0"/>
+                                </a:rPr>
+                                <m:t>𝒃</m:t>
+                              </m:r>
+                            </m:sub>
+                            <m:sup>
+                              <m:d>
+                                <m:dPr>
+                                  <m:ctrlPr>
+                                    <a:rPr lang="en-US" altLang="zh-TW" sz="2400" b="1" i="1">
+                                      <a:latin typeface="Cambria Math" panose="02040503050406030204" pitchFamily="18" charset="0"/>
+                                      <a:ea typeface="Cambria Math" panose="02040503050406030204" pitchFamily="18" charset="0"/>
+                                    </a:rPr>
+                                  </m:ctrlPr>
+                                </m:dPr>
+                                <m:e>
+                                  <m:r>
+                                    <a:rPr lang="en-US" altLang="zh-TW" sz="2400" b="1" i="1">
+                                      <a:latin typeface="Cambria Math" panose="02040503050406030204" pitchFamily="18" charset="0"/>
+                                      <a:ea typeface="Cambria Math" panose="02040503050406030204" pitchFamily="18" charset="0"/>
+                                    </a:rPr>
+                                    <m:t>𝒊</m:t>
+                                  </m:r>
+                                </m:e>
+                              </m:d>
+                            </m:sup>
+                          </m:sSubSup>
+                          <m:r>
+                            <a:rPr lang="en-US" altLang="zh-TW" sz="2400" b="1" i="1" smtClean="0">
+                              <a:latin typeface="Cambria Math" panose="02040503050406030204" pitchFamily="18" charset="0"/>
+                              <a:ea typeface="Cambria Math" panose="02040503050406030204" pitchFamily="18" charset="0"/>
+                            </a:rPr>
+                            <m:t>)≥</m:t>
+                          </m:r>
+                          <m:sSub>
+                            <m:sSubPr>
+                              <m:ctrlPr>
+                                <a:rPr lang="en-US" altLang="zh-TW" sz="2400" b="1" i="1" smtClean="0">
+                                  <a:latin typeface="Cambria Math" panose="02040503050406030204" pitchFamily="18" charset="0"/>
+                                  <a:ea typeface="Cambria Math" panose="02040503050406030204" pitchFamily="18" charset="0"/>
+                                </a:rPr>
+                              </m:ctrlPr>
+                            </m:sSubPr>
+                            <m:e>
+                              <m:r>
+                                <a:rPr lang="en-US" altLang="zh-TW" sz="2400" b="1" i="1" smtClean="0">
+                                  <a:latin typeface="Cambria Math" panose="02040503050406030204" pitchFamily="18" charset="0"/>
+                                  <a:ea typeface="Cambria Math" panose="02040503050406030204" pitchFamily="18" charset="0"/>
+                                </a:rPr>
+                                <m:t>𝒔</m:t>
+                              </m:r>
+                            </m:e>
+                            <m:sub>
+                              <m:r>
+                                <a:rPr lang="en-US" altLang="zh-TW" sz="2400" b="1" i="1" smtClean="0">
+                                  <a:latin typeface="Cambria Math" panose="02040503050406030204" pitchFamily="18" charset="0"/>
+                                  <a:ea typeface="Cambria Math" panose="02040503050406030204" pitchFamily="18" charset="0"/>
+                                </a:rPr>
+                                <m:t>𝒊</m:t>
+                              </m:r>
+                            </m:sub>
+                          </m:sSub>
+                        </m:e>
+                      </m:d>
+                      <m:r>
+                        <a:rPr lang="en-US" altLang="zh-TW" sz="2400" b="1" i="1">
+                          <a:latin typeface="Cambria Math" panose="02040503050406030204" pitchFamily="18" charset="0"/>
+                          <a:ea typeface="Cambria Math" panose="02040503050406030204" pitchFamily="18" charset="0"/>
+                        </a:rPr>
+                        <m:t>≥</m:t>
+                      </m:r>
+                      <m:r>
+                        <a:rPr lang="en-US" altLang="zh-TW" sz="2400" b="1" i="1">
+                          <a:latin typeface="Cambria Math" panose="02040503050406030204" pitchFamily="18" charset="0"/>
+                          <a:ea typeface="Cambria Math" panose="02040503050406030204" pitchFamily="18" charset="0"/>
+                        </a:rPr>
+                        <m:t>𝟏</m:t>
+                      </m:r>
+                      <m:r>
+                        <a:rPr lang="en-US" altLang="zh-TW" sz="2400" b="1" i="1">
+                          <a:latin typeface="Cambria Math" panose="02040503050406030204" pitchFamily="18" charset="0"/>
+                          <a:ea typeface="Cambria Math" panose="02040503050406030204" pitchFamily="18" charset="0"/>
+                        </a:rPr>
+                        <m:t>−</m:t>
+                      </m:r>
+                      <m:r>
+                        <a:rPr lang="en-US" altLang="zh-TW" sz="2400" b="1" i="1">
+                          <a:latin typeface="Cambria Math" panose="02040503050406030204" pitchFamily="18" charset="0"/>
+                          <a:ea typeface="Cambria Math" panose="02040503050406030204" pitchFamily="18" charset="0"/>
+                        </a:rPr>
+                        <m:t>𝜺</m:t>
+                      </m:r>
+                      <m:r>
+                        <a:rPr lang="en-US" altLang="zh-TW" sz="2400" b="1" i="1" smtClean="0">
+                          <a:latin typeface="Cambria Math" panose="02040503050406030204" pitchFamily="18" charset="0"/>
+                          <a:ea typeface="Cambria Math" panose="02040503050406030204" pitchFamily="18" charset="0"/>
+                        </a:rPr>
+                        <m:t>.</m:t>
+                      </m:r>
+                    </m:oMath>
+                  </m:oMathPara>
+                </a14:m>
+                <a:endParaRPr lang="en-US" altLang="zh-TW" sz="2400" b="1" i="1" dirty="0">
+                  <a:ea typeface="Cambria Math" panose="02040503050406030204" pitchFamily="18" charset="0"/>
+                </a:endParaRPr>
+              </a:p>
+              <a:p>
+                <a:r>
+                  <a:rPr kumimoji="1" lang="en-US" altLang="zh-TW" sz="2400" dirty="0"/>
+                  <a:t>Then the LHS has the meaning of “how many data is able to be sent in </a:t>
+                </a:r>
+                <a14:m>
+                  <m:oMath xmlns:m="http://schemas.openxmlformats.org/officeDocument/2006/math">
+                    <m:sSub>
+                      <m:sSubPr>
+                        <m:ctrlPr>
+                          <a:rPr lang="en-US" altLang="zh-TW" sz="2400" i="1">
+                            <a:latin typeface="Cambria Math" panose="02040503050406030204" pitchFamily="18" charset="0"/>
+                            <a:ea typeface="Cambria Math" panose="02040503050406030204" pitchFamily="18" charset="0"/>
+                          </a:rPr>
+                        </m:ctrlPr>
+                      </m:sSubPr>
+                      <m:e>
+                        <m:r>
+                          <a:rPr lang="en-US" altLang="zh-TW" sz="2400" i="1">
+                            <a:latin typeface="Cambria Math" panose="02040503050406030204" pitchFamily="18" charset="0"/>
+                            <a:ea typeface="Cambria Math" panose="02040503050406030204" pitchFamily="18" charset="0"/>
+                          </a:rPr>
+                          <m:t>𝑇</m:t>
+                        </m:r>
+                      </m:e>
+                      <m:sub>
+                        <m:r>
+                          <a:rPr lang="en-US" altLang="zh-TW" sz="2400" i="1">
+                            <a:latin typeface="Cambria Math" panose="02040503050406030204" pitchFamily="18" charset="0"/>
+                            <a:ea typeface="Cambria Math" panose="02040503050406030204" pitchFamily="18" charset="0"/>
+                          </a:rPr>
+                          <m:t>𝑖</m:t>
+                        </m:r>
+                      </m:sub>
+                    </m:sSub>
+                    <m:r>
+                      <a:rPr lang="en-US" altLang="zh-TW" sz="2400" i="1">
+                        <a:latin typeface="Cambria Math" panose="02040503050406030204" pitchFamily="18" charset="0"/>
+                        <a:ea typeface="Cambria Math" panose="02040503050406030204" pitchFamily="18" charset="0"/>
+                      </a:rPr>
+                      <m:t>+</m:t>
+                    </m:r>
+                    <m:sSubSup>
+                      <m:sSubSupPr>
+                        <m:ctrlPr>
+                          <a:rPr lang="en-US" altLang="zh-TW" sz="2400" i="1">
+                            <a:latin typeface="Cambria Math" panose="02040503050406030204" pitchFamily="18" charset="0"/>
+                            <a:ea typeface="Cambria Math" panose="02040503050406030204" pitchFamily="18" charset="0"/>
+                          </a:rPr>
+                        </m:ctrlPr>
+                      </m:sSubSupPr>
+                      <m:e>
+                        <m:r>
+                          <a:rPr lang="en-US" altLang="zh-TW" sz="2400" i="1">
+                            <a:latin typeface="Cambria Math" panose="02040503050406030204" pitchFamily="18" charset="0"/>
+                            <a:ea typeface="Cambria Math" panose="02040503050406030204" pitchFamily="18" charset="0"/>
+                          </a:rPr>
+                          <m:t>𝑡</m:t>
+                        </m:r>
+                      </m:e>
+                      <m:sub>
+                        <m:r>
+                          <a:rPr lang="en-US" altLang="zh-TW" sz="2400" i="1">
+                            <a:latin typeface="Cambria Math" panose="02040503050406030204" pitchFamily="18" charset="0"/>
+                            <a:ea typeface="Cambria Math" panose="02040503050406030204" pitchFamily="18" charset="0"/>
+                          </a:rPr>
+                          <m:t>𝑏</m:t>
+                        </m:r>
+                      </m:sub>
+                      <m:sup>
+                        <m:d>
+                          <m:dPr>
+                            <m:ctrlPr>
+                              <a:rPr lang="en-US" altLang="zh-TW" sz="2400" i="1">
+                                <a:latin typeface="Cambria Math" panose="02040503050406030204" pitchFamily="18" charset="0"/>
+                                <a:ea typeface="Cambria Math" panose="02040503050406030204" pitchFamily="18" charset="0"/>
+                              </a:rPr>
+                            </m:ctrlPr>
+                          </m:dPr>
+                          <m:e>
+                            <m:r>
+                              <a:rPr lang="en-US" altLang="zh-TW" sz="2400" i="1">
+                                <a:latin typeface="Cambria Math" panose="02040503050406030204" pitchFamily="18" charset="0"/>
+                                <a:ea typeface="Cambria Math" panose="02040503050406030204" pitchFamily="18" charset="0"/>
+                              </a:rPr>
+                              <m:t>𝑖</m:t>
+                            </m:r>
+                          </m:e>
+                        </m:d>
+                      </m:sup>
+                    </m:sSubSup>
+                  </m:oMath>
+                </a14:m>
+                <a:r>
+                  <a:rPr kumimoji="1" lang="en-US" altLang="zh-TW" sz="2400" dirty="0"/>
+                  <a:t> time interval”. Define LHS as a random variable </a:t>
+                </a:r>
+                <a14:m>
+                  <m:oMath xmlns:m="http://schemas.openxmlformats.org/officeDocument/2006/math">
+                    <m:sSub>
+                      <m:sSubPr>
+                        <m:ctrlPr>
+                          <a:rPr kumimoji="1" lang="en-US" altLang="zh-TW" sz="2400" i="1" smtClean="0">
+                            <a:latin typeface="Cambria Math" panose="02040503050406030204" pitchFamily="18" charset="0"/>
+                          </a:rPr>
+                        </m:ctrlPr>
+                      </m:sSubPr>
+                      <m:e>
+                        <m:r>
+                          <a:rPr kumimoji="1" lang="en-US" altLang="zh-TW" sz="2400" b="0" i="1" smtClean="0">
+                            <a:latin typeface="Cambria Math" panose="02040503050406030204" pitchFamily="18" charset="0"/>
+                          </a:rPr>
+                          <m:t>𝑆</m:t>
+                        </m:r>
+                      </m:e>
+                      <m:sub>
+                        <m:sSub>
+                          <m:sSubPr>
+                            <m:ctrlPr>
+                              <a:rPr lang="en-US" altLang="zh-TW" sz="2400" i="1">
+                                <a:latin typeface="Cambria Math" panose="02040503050406030204" pitchFamily="18" charset="0"/>
+                                <a:ea typeface="Cambria Math" panose="02040503050406030204" pitchFamily="18" charset="0"/>
+                              </a:rPr>
+                            </m:ctrlPr>
+                          </m:sSubPr>
+                          <m:e>
+                            <m:r>
+                              <a:rPr lang="en-US" altLang="zh-TW" sz="2400" i="1">
+                                <a:latin typeface="Cambria Math" panose="02040503050406030204" pitchFamily="18" charset="0"/>
+                                <a:ea typeface="Cambria Math" panose="02040503050406030204" pitchFamily="18" charset="0"/>
+                              </a:rPr>
+                              <m:t>𝑇</m:t>
+                            </m:r>
+                          </m:e>
+                          <m:sub>
+                            <m:r>
+                              <a:rPr lang="en-US" altLang="zh-TW" sz="2400" i="1">
+                                <a:latin typeface="Cambria Math" panose="02040503050406030204" pitchFamily="18" charset="0"/>
+                                <a:ea typeface="Cambria Math" panose="02040503050406030204" pitchFamily="18" charset="0"/>
+                              </a:rPr>
+                              <m:t>𝑖</m:t>
+                            </m:r>
+                          </m:sub>
+                        </m:sSub>
+                        <m:r>
+                          <a:rPr lang="en-US" altLang="zh-TW" sz="2400" i="1">
+                            <a:latin typeface="Cambria Math" panose="02040503050406030204" pitchFamily="18" charset="0"/>
+                            <a:ea typeface="Cambria Math" panose="02040503050406030204" pitchFamily="18" charset="0"/>
+                          </a:rPr>
+                          <m:t>+</m:t>
+                        </m:r>
+                        <m:sSubSup>
+                          <m:sSubSupPr>
+                            <m:ctrlPr>
+                              <a:rPr lang="en-US" altLang="zh-TW" sz="2400" i="1">
+                                <a:latin typeface="Cambria Math" panose="02040503050406030204" pitchFamily="18" charset="0"/>
+                                <a:ea typeface="Cambria Math" panose="02040503050406030204" pitchFamily="18" charset="0"/>
+                              </a:rPr>
+                            </m:ctrlPr>
+                          </m:sSubSupPr>
+                          <m:e>
+                            <m:r>
+                              <a:rPr lang="en-US" altLang="zh-TW" sz="2400" i="1">
+                                <a:latin typeface="Cambria Math" panose="02040503050406030204" pitchFamily="18" charset="0"/>
+                                <a:ea typeface="Cambria Math" panose="02040503050406030204" pitchFamily="18" charset="0"/>
+                              </a:rPr>
+                              <m:t>𝑡</m:t>
+                            </m:r>
+                          </m:e>
+                          <m:sub>
+                            <m:r>
+                              <a:rPr lang="en-US" altLang="zh-TW" sz="2400" i="1">
+                                <a:latin typeface="Cambria Math" panose="02040503050406030204" pitchFamily="18" charset="0"/>
+                                <a:ea typeface="Cambria Math" panose="02040503050406030204" pitchFamily="18" charset="0"/>
+                              </a:rPr>
+                              <m:t>𝑏</m:t>
+                            </m:r>
+                          </m:sub>
+                          <m:sup>
+                            <m:d>
+                              <m:dPr>
+                                <m:ctrlPr>
+                                  <a:rPr lang="en-US" altLang="zh-TW" sz="2400" i="1">
+                                    <a:latin typeface="Cambria Math" panose="02040503050406030204" pitchFamily="18" charset="0"/>
+                                    <a:ea typeface="Cambria Math" panose="02040503050406030204" pitchFamily="18" charset="0"/>
+                                  </a:rPr>
+                                </m:ctrlPr>
+                              </m:dPr>
+                              <m:e>
+                                <m:r>
+                                  <a:rPr lang="en-US" altLang="zh-TW" sz="2400" i="1">
+                                    <a:latin typeface="Cambria Math" panose="02040503050406030204" pitchFamily="18" charset="0"/>
+                                    <a:ea typeface="Cambria Math" panose="02040503050406030204" pitchFamily="18" charset="0"/>
+                                  </a:rPr>
+                                  <m:t>𝑖</m:t>
+                                </m:r>
+                              </m:e>
+                            </m:d>
+                          </m:sup>
+                        </m:sSubSup>
+                      </m:sub>
+                    </m:sSub>
+                  </m:oMath>
+                </a14:m>
+                <a:r>
+                  <a:rPr kumimoji="1" lang="en-US" altLang="zh-TW" sz="2400" dirty="0"/>
+                  <a:t>. Then formula becomes</a:t>
+                </a:r>
+              </a:p>
+              <a:p>
+                <a:pPr marL="0" indent="0" algn="ctr">
+                  <a:buNone/>
+                </a:pPr>
+                <a:r>
+                  <a:rPr kumimoji="1" lang="en-US" altLang="zh-TW" sz="2400" b="1" dirty="0"/>
+                  <a:t> </a:t>
+                </a:r>
+                <a14:m>
+                  <m:oMath xmlns:m="http://schemas.openxmlformats.org/officeDocument/2006/math">
+                    <m:r>
+                      <a:rPr lang="en-US" altLang="zh-TW" sz="2400" b="1" i="1" dirty="0">
+                        <a:latin typeface="Cambria Math" panose="02040503050406030204" pitchFamily="18" charset="0"/>
+                      </a:rPr>
+                      <m:t>𝑷</m:t>
+                    </m:r>
+                    <m:d>
+                      <m:dPr>
+                        <m:ctrlPr>
+                          <a:rPr lang="en-US" altLang="zh-TW" sz="2400" b="1" i="1" dirty="0">
+                            <a:latin typeface="Cambria Math" panose="02040503050406030204" pitchFamily="18" charset="0"/>
+                          </a:rPr>
+                        </m:ctrlPr>
+                      </m:dPr>
+                      <m:e>
+                        <m:sSub>
+                          <m:sSubPr>
+                            <m:ctrlPr>
+                              <a:rPr kumimoji="1" lang="en-US" altLang="zh-TW" sz="2400" b="1" i="1">
+                                <a:latin typeface="Cambria Math" panose="02040503050406030204" pitchFamily="18" charset="0"/>
+                              </a:rPr>
+                            </m:ctrlPr>
+                          </m:sSubPr>
+                          <m:e>
+                            <m:r>
+                              <a:rPr kumimoji="1" lang="en-US" altLang="zh-TW" sz="2400" b="1" i="1">
+                                <a:latin typeface="Cambria Math" panose="02040503050406030204" pitchFamily="18" charset="0"/>
+                              </a:rPr>
+                              <m:t>𝑺</m:t>
+                            </m:r>
+                          </m:e>
+                          <m:sub>
+                            <m:sSub>
+                              <m:sSubPr>
+                                <m:ctrlPr>
+                                  <a:rPr lang="en-US" altLang="zh-TW" sz="2400" b="1" i="1">
+                                    <a:latin typeface="Cambria Math" panose="02040503050406030204" pitchFamily="18" charset="0"/>
+                                    <a:ea typeface="Cambria Math" panose="02040503050406030204" pitchFamily="18" charset="0"/>
+                                  </a:rPr>
+                                </m:ctrlPr>
+                              </m:sSubPr>
+                              <m:e>
+                                <m:r>
+                                  <a:rPr lang="en-US" altLang="zh-TW" sz="2400" b="1" i="1">
+                                    <a:latin typeface="Cambria Math" panose="02040503050406030204" pitchFamily="18" charset="0"/>
+                                    <a:ea typeface="Cambria Math" panose="02040503050406030204" pitchFamily="18" charset="0"/>
+                                  </a:rPr>
+                                  <m:t>𝑻</m:t>
+                                </m:r>
+                              </m:e>
+                              <m:sub>
+                                <m:r>
+                                  <a:rPr lang="en-US" altLang="zh-TW" sz="2400" b="1" i="1">
+                                    <a:latin typeface="Cambria Math" panose="02040503050406030204" pitchFamily="18" charset="0"/>
+                                    <a:ea typeface="Cambria Math" panose="02040503050406030204" pitchFamily="18" charset="0"/>
+                                  </a:rPr>
+                                  <m:t>𝒊</m:t>
+                                </m:r>
+                              </m:sub>
+                            </m:sSub>
+                            <m:r>
+                              <a:rPr lang="en-US" altLang="zh-TW" sz="2400" b="1" i="1">
+                                <a:latin typeface="Cambria Math" panose="02040503050406030204" pitchFamily="18" charset="0"/>
+                                <a:ea typeface="Cambria Math" panose="02040503050406030204" pitchFamily="18" charset="0"/>
+                              </a:rPr>
+                              <m:t>+</m:t>
+                            </m:r>
+                            <m:sSubSup>
+                              <m:sSubSupPr>
+                                <m:ctrlPr>
+                                  <a:rPr lang="en-US" altLang="zh-TW" sz="2400" b="1" i="1">
+                                    <a:latin typeface="Cambria Math" panose="02040503050406030204" pitchFamily="18" charset="0"/>
+                                    <a:ea typeface="Cambria Math" panose="02040503050406030204" pitchFamily="18" charset="0"/>
+                                  </a:rPr>
+                                </m:ctrlPr>
+                              </m:sSubSupPr>
+                              <m:e>
+                                <m:r>
+                                  <a:rPr lang="en-US" altLang="zh-TW" sz="2400" b="1" i="1">
+                                    <a:latin typeface="Cambria Math" panose="02040503050406030204" pitchFamily="18" charset="0"/>
+                                    <a:ea typeface="Cambria Math" panose="02040503050406030204" pitchFamily="18" charset="0"/>
+                                  </a:rPr>
+                                  <m:t>𝒕</m:t>
+                                </m:r>
+                              </m:e>
+                              <m:sub>
+                                <m:r>
+                                  <a:rPr lang="en-US" altLang="zh-TW" sz="2400" b="1" i="1">
+                                    <a:latin typeface="Cambria Math" panose="02040503050406030204" pitchFamily="18" charset="0"/>
+                                    <a:ea typeface="Cambria Math" panose="02040503050406030204" pitchFamily="18" charset="0"/>
+                                  </a:rPr>
+                                  <m:t>𝒃</m:t>
+                                </m:r>
+                              </m:sub>
+                              <m:sup>
+                                <m:d>
+                                  <m:dPr>
+                                    <m:ctrlPr>
+                                      <a:rPr lang="en-US" altLang="zh-TW" sz="2400" b="1" i="1">
+                                        <a:latin typeface="Cambria Math" panose="02040503050406030204" pitchFamily="18" charset="0"/>
+                                        <a:ea typeface="Cambria Math" panose="02040503050406030204" pitchFamily="18" charset="0"/>
+                                      </a:rPr>
+                                    </m:ctrlPr>
+                                  </m:dPr>
+                                  <m:e>
+                                    <m:r>
+                                      <a:rPr lang="en-US" altLang="zh-TW" sz="2400" b="1" i="1">
+                                        <a:latin typeface="Cambria Math" panose="02040503050406030204" pitchFamily="18" charset="0"/>
+                                        <a:ea typeface="Cambria Math" panose="02040503050406030204" pitchFamily="18" charset="0"/>
+                                      </a:rPr>
+                                      <m:t>𝒊</m:t>
+                                    </m:r>
+                                  </m:e>
+                                </m:d>
+                              </m:sup>
+                            </m:sSubSup>
+                          </m:sub>
+                        </m:sSub>
+                        <m:r>
+                          <a:rPr lang="en-US" altLang="zh-TW" sz="2400" b="1" i="1">
+                            <a:latin typeface="Cambria Math" panose="02040503050406030204" pitchFamily="18" charset="0"/>
+                            <a:ea typeface="Cambria Math" panose="02040503050406030204" pitchFamily="18" charset="0"/>
+                          </a:rPr>
+                          <m:t>≥</m:t>
+                        </m:r>
+                        <m:sSub>
+                          <m:sSubPr>
+                            <m:ctrlPr>
+                              <a:rPr lang="en-US" altLang="zh-TW" sz="2400" b="1" i="1">
+                                <a:latin typeface="Cambria Math" panose="02040503050406030204" pitchFamily="18" charset="0"/>
+                                <a:ea typeface="Cambria Math" panose="02040503050406030204" pitchFamily="18" charset="0"/>
+                              </a:rPr>
+                            </m:ctrlPr>
+                          </m:sSubPr>
+                          <m:e>
+                            <m:r>
+                              <a:rPr lang="en-US" altLang="zh-TW" sz="2400" b="1" i="1">
+                                <a:latin typeface="Cambria Math" panose="02040503050406030204" pitchFamily="18" charset="0"/>
+                                <a:ea typeface="Cambria Math" panose="02040503050406030204" pitchFamily="18" charset="0"/>
+                              </a:rPr>
+                              <m:t>𝒔</m:t>
+                            </m:r>
+                          </m:e>
+                          <m:sub>
+                            <m:r>
+                              <a:rPr lang="en-US" altLang="zh-TW" sz="2400" b="1" i="1">
+                                <a:latin typeface="Cambria Math" panose="02040503050406030204" pitchFamily="18" charset="0"/>
+                                <a:ea typeface="Cambria Math" panose="02040503050406030204" pitchFamily="18" charset="0"/>
+                              </a:rPr>
+                              <m:t>𝒊</m:t>
+                            </m:r>
+                          </m:sub>
+                        </m:sSub>
+                      </m:e>
+                    </m:d>
+                    <m:r>
+                      <a:rPr lang="en-US" altLang="zh-TW" sz="2400" b="1" i="1">
+                        <a:latin typeface="Cambria Math" panose="02040503050406030204" pitchFamily="18" charset="0"/>
+                        <a:ea typeface="Cambria Math" panose="02040503050406030204" pitchFamily="18" charset="0"/>
+                      </a:rPr>
+                      <m:t>≥</m:t>
+                    </m:r>
+                    <m:r>
+                      <a:rPr lang="en-US" altLang="zh-TW" sz="2400" b="1" i="1">
+                        <a:latin typeface="Cambria Math" panose="02040503050406030204" pitchFamily="18" charset="0"/>
+                        <a:ea typeface="Cambria Math" panose="02040503050406030204" pitchFamily="18" charset="0"/>
+                      </a:rPr>
+                      <m:t>𝟏</m:t>
+                    </m:r>
+                    <m:r>
+                      <a:rPr lang="en-US" altLang="zh-TW" sz="2400" b="1" i="1">
+                        <a:latin typeface="Cambria Math" panose="02040503050406030204" pitchFamily="18" charset="0"/>
+                        <a:ea typeface="Cambria Math" panose="02040503050406030204" pitchFamily="18" charset="0"/>
+                      </a:rPr>
+                      <m:t>−</m:t>
+                    </m:r>
+                    <m:r>
+                      <a:rPr lang="en-US" altLang="zh-TW" sz="2400" b="1" i="1">
+                        <a:latin typeface="Cambria Math" panose="02040503050406030204" pitchFamily="18" charset="0"/>
+                        <a:ea typeface="Cambria Math" panose="02040503050406030204" pitchFamily="18" charset="0"/>
+                      </a:rPr>
+                      <m:t>𝜺</m:t>
+                    </m:r>
+                    <m:r>
+                      <a:rPr lang="en-US" altLang="zh-TW" sz="2400" b="1" i="1">
+                        <a:latin typeface="Cambria Math" panose="02040503050406030204" pitchFamily="18" charset="0"/>
+                        <a:ea typeface="Cambria Math" panose="02040503050406030204" pitchFamily="18" charset="0"/>
+                      </a:rPr>
+                      <m:t>.</m:t>
+                    </m:r>
+                  </m:oMath>
+                </a14:m>
+                <a:endParaRPr lang="en-US" altLang="zh-TW" sz="2400" b="1" i="1" dirty="0">
+                  <a:ea typeface="Cambria Math" panose="02040503050406030204" pitchFamily="18" charset="0"/>
+                </a:endParaRPr>
+              </a:p>
+            </p:txBody>
+          </p:sp>
+        </mc:Choice>
+        <mc:Fallback>
+          <p:sp>
+            <p:nvSpPr>
+              <p:cNvPr id="3" name="內容版面配置區 2">
+                <a:extLst>
+                  <a:ext uri="{FF2B5EF4-FFF2-40B4-BE49-F238E27FC236}">
+                    <a16:creationId xmlns:a16="http://schemas.microsoft.com/office/drawing/2014/main" id="{FBFAA863-310F-1303-D153-50DD7630A44D}"/>
+                  </a:ext>
+                </a:extLst>
+              </p:cNvPr>
+              <p:cNvSpPr>
+                <a:spLocks noGrp="1" noRot="1" noChangeAspect="1" noMove="1" noResize="1" noEditPoints="1" noAdjustHandles="1" noChangeArrowheads="1" noChangeShapeType="1" noTextEdit="1"/>
+              </p:cNvSpPr>
+              <p:nvPr>
+                <p:ph idx="1"/>
+              </p:nvPr>
+            </p:nvSpPr>
+            <p:spPr>
+              <a:xfrm>
+                <a:off x="838200" y="1825624"/>
+                <a:ext cx="10515600" cy="4778375"/>
+              </a:xfrm>
+              <a:blipFill>
+                <a:blip r:embed="rId2"/>
+                <a:stretch>
+                  <a:fillRect l="-844" t="-1592"/>
+                </a:stretch>
+              </a:blipFill>
+            </p:spPr>
+            <p:txBody>
+              <a:bodyPr/>
+              <a:lstStyle/>
+              <a:p>
+                <a:r>
+                  <a:rPr lang="zh-TW" altLang="en-US">
+                    <a:noFill/>
+                  </a:rPr>
+                  <a:t> </a:t>
+                </a:r>
+              </a:p>
+            </p:txBody>
+          </p:sp>
+        </mc:Fallback>
+      </mc:AlternateContent>
     </p:spTree>
     <p:extLst>
       <p:ext uri="{BB962C8B-B14F-4D97-AF65-F5344CB8AC3E}">
@@ -9867,7 +14006,7 @@
           <p:cNvPr id="2" name="標題 1">
             <a:extLst>
               <a:ext uri="{FF2B5EF4-FFF2-40B4-BE49-F238E27FC236}">
-                <a16:creationId xmlns:a16="http://schemas.microsoft.com/office/drawing/2014/main" id="{8275DE66-D990-8309-12A5-8098361EC482}"/>
+                <a16:creationId xmlns:a16="http://schemas.microsoft.com/office/drawing/2014/main" id="{3E3AB562-9ADF-8FD7-3ED0-7881F3CC1B34}"/>
               </a:ext>
             </a:extLst>
           </p:cNvPr>
@@ -9890,7 +14029,7 @@
                 <a:latin typeface="Times New Roman" panose="02020603050405020304" pitchFamily="18" charset="0"/>
                 <a:cs typeface="Times New Roman" panose="02020603050405020304" pitchFamily="18" charset="0"/>
               </a:rPr>
-              <a:t>Introduction</a:t>
+              <a:t>Our Solution</a:t>
             </a:r>
             <a:br>
               <a:rPr kumimoji="1" lang="en-US" altLang="zh-TW" sz="3500" b="1" dirty="0">
@@ -9903,21 +14042,7 @@
                 <a:latin typeface="Times New Roman" panose="02020603050405020304" pitchFamily="18" charset="0"/>
                 <a:cs typeface="Times New Roman" panose="02020603050405020304" pitchFamily="18" charset="0"/>
               </a:rPr>
-              <a:t>- A Brief Recap of </a:t>
-            </a:r>
-            <a:r>
-              <a:rPr kumimoji="1" lang="en-US" altLang="zh-TW" sz="3500" b="1" i="1" dirty="0">
-                <a:latin typeface="Times New Roman" panose="02020603050405020304" pitchFamily="18" charset="0"/>
-                <a:cs typeface="Times New Roman" panose="02020603050405020304" pitchFamily="18" charset="0"/>
-              </a:rPr>
-              <a:t>ESTR4998</a:t>
-            </a:r>
-            <a:r>
-              <a:rPr kumimoji="1" lang="en-US" altLang="zh-TW" sz="3500" b="1" dirty="0">
-                <a:latin typeface="Times New Roman" panose="02020603050405020304" pitchFamily="18" charset="0"/>
-                <a:cs typeface="Times New Roman" panose="02020603050405020304" pitchFamily="18" charset="0"/>
-              </a:rPr>
-              <a:t> Presentation</a:t>
+              <a:t>- Derive a Probability Formula</a:t>
             </a:r>
             <a:endParaRPr kumimoji="1" lang="zh-TW" altLang="en-US" sz="3500" b="1" dirty="0">
               <a:latin typeface="Times New Roman" panose="02020603050405020304" pitchFamily="18" charset="0"/>
@@ -9926,12 +14051,1166 @@
           </a:p>
         </p:txBody>
       </p:sp>
+      <mc:AlternateContent xmlns:mc="http://schemas.openxmlformats.org/markup-compatibility/2006">
+        <mc:Choice xmlns:a14="http://schemas.microsoft.com/office/drawing/2010/main" Requires="a14">
+          <p:sp>
+            <p:nvSpPr>
+              <p:cNvPr id="3" name="內容版面配置區 2">
+                <a:extLst>
+                  <a:ext uri="{FF2B5EF4-FFF2-40B4-BE49-F238E27FC236}">
+                    <a16:creationId xmlns:a16="http://schemas.microsoft.com/office/drawing/2014/main" id="{FBFAA863-310F-1303-D153-50DD7630A44D}"/>
+                  </a:ext>
+                </a:extLst>
+              </p:cNvPr>
+              <p:cNvSpPr>
+                <a:spLocks noGrp="1"/>
+              </p:cNvSpPr>
+              <p:nvPr>
+                <p:ph idx="1"/>
+              </p:nvPr>
+            </p:nvSpPr>
+            <p:spPr>
+              <a:xfrm>
+                <a:off x="838200" y="1621087"/>
+                <a:ext cx="10515600" cy="5236913"/>
+              </a:xfrm>
+            </p:spPr>
+            <p:txBody>
+              <a:bodyPr>
+                <a:normAutofit fontScale="85000" lnSpcReduction="10000"/>
+              </a:bodyPr>
+              <a:lstStyle/>
+              <a:p>
+                <a:r>
+                  <a:rPr kumimoji="1" lang="en-US" altLang="zh-TW" dirty="0"/>
+                  <a:t>In the following formula, the probability of </a:t>
+                </a:r>
+                <a14:m>
+                  <m:oMath xmlns:m="http://schemas.openxmlformats.org/officeDocument/2006/math">
+                    <m:sSub>
+                      <m:sSubPr>
+                        <m:ctrlPr>
+                          <a:rPr kumimoji="1" lang="en-US" altLang="zh-TW" i="1">
+                            <a:latin typeface="Cambria Math" panose="02040503050406030204" pitchFamily="18" charset="0"/>
+                          </a:rPr>
+                        </m:ctrlPr>
+                      </m:sSubPr>
+                      <m:e>
+                        <m:r>
+                          <a:rPr kumimoji="1" lang="en-US" altLang="zh-TW" i="1">
+                            <a:latin typeface="Cambria Math" panose="02040503050406030204" pitchFamily="18" charset="0"/>
+                          </a:rPr>
+                          <m:t>𝑆</m:t>
+                        </m:r>
+                      </m:e>
+                      <m:sub>
+                        <m:sSub>
+                          <m:sSubPr>
+                            <m:ctrlPr>
+                              <a:rPr lang="en-US" altLang="zh-TW" i="1">
+                                <a:latin typeface="Cambria Math" panose="02040503050406030204" pitchFamily="18" charset="0"/>
+                                <a:ea typeface="Cambria Math" panose="02040503050406030204" pitchFamily="18" charset="0"/>
+                              </a:rPr>
+                            </m:ctrlPr>
+                          </m:sSubPr>
+                          <m:e>
+                            <m:r>
+                              <a:rPr lang="en-US" altLang="zh-TW" i="1">
+                                <a:latin typeface="Cambria Math" panose="02040503050406030204" pitchFamily="18" charset="0"/>
+                                <a:ea typeface="Cambria Math" panose="02040503050406030204" pitchFamily="18" charset="0"/>
+                              </a:rPr>
+                              <m:t>𝑇</m:t>
+                            </m:r>
+                          </m:e>
+                          <m:sub>
+                            <m:r>
+                              <a:rPr lang="en-US" altLang="zh-TW" i="1">
+                                <a:latin typeface="Cambria Math" panose="02040503050406030204" pitchFamily="18" charset="0"/>
+                                <a:ea typeface="Cambria Math" panose="02040503050406030204" pitchFamily="18" charset="0"/>
+                              </a:rPr>
+                              <m:t>𝑖</m:t>
+                            </m:r>
+                          </m:sub>
+                        </m:sSub>
+                        <m:r>
+                          <a:rPr lang="en-US" altLang="zh-TW" i="1">
+                            <a:latin typeface="Cambria Math" panose="02040503050406030204" pitchFamily="18" charset="0"/>
+                            <a:ea typeface="Cambria Math" panose="02040503050406030204" pitchFamily="18" charset="0"/>
+                          </a:rPr>
+                          <m:t>+</m:t>
+                        </m:r>
+                        <m:sSubSup>
+                          <m:sSubSupPr>
+                            <m:ctrlPr>
+                              <a:rPr lang="en-US" altLang="zh-TW" i="1">
+                                <a:latin typeface="Cambria Math" panose="02040503050406030204" pitchFamily="18" charset="0"/>
+                                <a:ea typeface="Cambria Math" panose="02040503050406030204" pitchFamily="18" charset="0"/>
+                              </a:rPr>
+                            </m:ctrlPr>
+                          </m:sSubSupPr>
+                          <m:e>
+                            <m:r>
+                              <a:rPr lang="en-US" altLang="zh-TW" i="1">
+                                <a:latin typeface="Cambria Math" panose="02040503050406030204" pitchFamily="18" charset="0"/>
+                                <a:ea typeface="Cambria Math" panose="02040503050406030204" pitchFamily="18" charset="0"/>
+                              </a:rPr>
+                              <m:t>𝑡</m:t>
+                            </m:r>
+                          </m:e>
+                          <m:sub>
+                            <m:r>
+                              <a:rPr lang="en-US" altLang="zh-TW" i="1">
+                                <a:latin typeface="Cambria Math" panose="02040503050406030204" pitchFamily="18" charset="0"/>
+                                <a:ea typeface="Cambria Math" panose="02040503050406030204" pitchFamily="18" charset="0"/>
+                              </a:rPr>
+                              <m:t>𝑏</m:t>
+                            </m:r>
+                          </m:sub>
+                          <m:sup>
+                            <m:d>
+                              <m:dPr>
+                                <m:ctrlPr>
+                                  <a:rPr lang="en-US" altLang="zh-TW" i="1">
+                                    <a:latin typeface="Cambria Math" panose="02040503050406030204" pitchFamily="18" charset="0"/>
+                                    <a:ea typeface="Cambria Math" panose="02040503050406030204" pitchFamily="18" charset="0"/>
+                                  </a:rPr>
+                                </m:ctrlPr>
+                              </m:dPr>
+                              <m:e>
+                                <m:r>
+                                  <a:rPr lang="en-US" altLang="zh-TW" i="1">
+                                    <a:latin typeface="Cambria Math" panose="02040503050406030204" pitchFamily="18" charset="0"/>
+                                    <a:ea typeface="Cambria Math" panose="02040503050406030204" pitchFamily="18" charset="0"/>
+                                  </a:rPr>
+                                  <m:t>𝑖</m:t>
+                                </m:r>
+                              </m:e>
+                            </m:d>
+                          </m:sup>
+                        </m:sSubSup>
+                      </m:sub>
+                    </m:sSub>
+                  </m:oMath>
+                </a14:m>
+                <a:r>
+                  <a:rPr kumimoji="1" lang="en-US" altLang="zh-TW" dirty="0"/>
+                  <a:t> can be constructed by counting how many data was sent in each </a:t>
+                </a:r>
+                <a14:m>
+                  <m:oMath xmlns:m="http://schemas.openxmlformats.org/officeDocument/2006/math">
+                    <m:r>
+                      <a:rPr lang="en-US" altLang="zh-TW" b="0" i="0" smtClean="0">
+                        <a:latin typeface="Cambria Math" panose="02040503050406030204" pitchFamily="18" charset="0"/>
+                        <a:ea typeface="Cambria Math" panose="02040503050406030204" pitchFamily="18" charset="0"/>
+                      </a:rPr>
+                      <m:t> </m:t>
+                    </m:r>
+                    <m:r>
+                      <a:rPr lang="en-US" altLang="zh-TW" b="0" i="1" smtClean="0">
+                        <a:latin typeface="Cambria Math" panose="02040503050406030204" pitchFamily="18" charset="0"/>
+                        <a:ea typeface="Cambria Math" panose="02040503050406030204" pitchFamily="18" charset="0"/>
+                      </a:rPr>
+                      <m:t>  </m:t>
+                    </m:r>
+                    <m:sSub>
+                      <m:sSubPr>
+                        <m:ctrlPr>
+                          <a:rPr lang="en-US" altLang="zh-TW" i="1">
+                            <a:latin typeface="Cambria Math" panose="02040503050406030204" pitchFamily="18" charset="0"/>
+                            <a:ea typeface="Cambria Math" panose="02040503050406030204" pitchFamily="18" charset="0"/>
+                          </a:rPr>
+                        </m:ctrlPr>
+                      </m:sSubPr>
+                      <m:e>
+                        <m:r>
+                          <a:rPr lang="en-US" altLang="zh-TW" i="1">
+                            <a:latin typeface="Cambria Math" panose="02040503050406030204" pitchFamily="18" charset="0"/>
+                            <a:ea typeface="Cambria Math" panose="02040503050406030204" pitchFamily="18" charset="0"/>
+                          </a:rPr>
+                          <m:t>𝑇</m:t>
+                        </m:r>
+                      </m:e>
+                      <m:sub>
+                        <m:r>
+                          <a:rPr lang="en-US" altLang="zh-TW" i="1">
+                            <a:latin typeface="Cambria Math" panose="02040503050406030204" pitchFamily="18" charset="0"/>
+                            <a:ea typeface="Cambria Math" panose="02040503050406030204" pitchFamily="18" charset="0"/>
+                          </a:rPr>
+                          <m:t>𝑖</m:t>
+                        </m:r>
+                      </m:sub>
+                    </m:sSub>
+                    <m:r>
+                      <a:rPr lang="en-US" altLang="zh-TW" i="1">
+                        <a:latin typeface="Cambria Math" panose="02040503050406030204" pitchFamily="18" charset="0"/>
+                        <a:ea typeface="Cambria Math" panose="02040503050406030204" pitchFamily="18" charset="0"/>
+                      </a:rPr>
+                      <m:t>+</m:t>
+                    </m:r>
+                    <m:r>
+                      <a:rPr lang="en-US" altLang="zh-TW" b="0" i="1" smtClean="0">
+                        <a:latin typeface="Cambria Math" panose="02040503050406030204" pitchFamily="18" charset="0"/>
+                        <a:ea typeface="Cambria Math" panose="02040503050406030204" pitchFamily="18" charset="0"/>
+                      </a:rPr>
+                      <m:t> </m:t>
+                    </m:r>
+                    <m:sSubSup>
+                      <m:sSubSupPr>
+                        <m:ctrlPr>
+                          <a:rPr lang="en-US" altLang="zh-TW" i="1">
+                            <a:latin typeface="Cambria Math" panose="02040503050406030204" pitchFamily="18" charset="0"/>
+                            <a:ea typeface="Cambria Math" panose="02040503050406030204" pitchFamily="18" charset="0"/>
+                          </a:rPr>
+                        </m:ctrlPr>
+                      </m:sSubSupPr>
+                      <m:e>
+                        <m:r>
+                          <a:rPr lang="en-US" altLang="zh-TW" i="1">
+                            <a:latin typeface="Cambria Math" panose="02040503050406030204" pitchFamily="18" charset="0"/>
+                            <a:ea typeface="Cambria Math" panose="02040503050406030204" pitchFamily="18" charset="0"/>
+                          </a:rPr>
+                          <m:t>𝑡</m:t>
+                        </m:r>
+                      </m:e>
+                      <m:sub>
+                        <m:r>
+                          <a:rPr lang="en-US" altLang="zh-TW" i="1">
+                            <a:latin typeface="Cambria Math" panose="02040503050406030204" pitchFamily="18" charset="0"/>
+                            <a:ea typeface="Cambria Math" panose="02040503050406030204" pitchFamily="18" charset="0"/>
+                          </a:rPr>
+                          <m:t>𝑏</m:t>
+                        </m:r>
+                      </m:sub>
+                      <m:sup>
+                        <m:d>
+                          <m:dPr>
+                            <m:ctrlPr>
+                              <a:rPr lang="en-US" altLang="zh-TW" i="1">
+                                <a:latin typeface="Cambria Math" panose="02040503050406030204" pitchFamily="18" charset="0"/>
+                                <a:ea typeface="Cambria Math" panose="02040503050406030204" pitchFamily="18" charset="0"/>
+                              </a:rPr>
+                            </m:ctrlPr>
+                          </m:dPr>
+                          <m:e>
+                            <m:r>
+                              <a:rPr lang="en-US" altLang="zh-TW" i="1">
+                                <a:latin typeface="Cambria Math" panose="02040503050406030204" pitchFamily="18" charset="0"/>
+                                <a:ea typeface="Cambria Math" panose="02040503050406030204" pitchFamily="18" charset="0"/>
+                              </a:rPr>
+                              <m:t>𝑖</m:t>
+                            </m:r>
+                          </m:e>
+                        </m:d>
+                      </m:sup>
+                    </m:sSubSup>
+                    <m:r>
+                      <a:rPr lang="en-US" altLang="zh-TW" b="0" i="1" smtClean="0">
+                        <a:latin typeface="Cambria Math" panose="02040503050406030204" pitchFamily="18" charset="0"/>
+                        <a:ea typeface="Cambria Math" panose="02040503050406030204" pitchFamily="18" charset="0"/>
+                      </a:rPr>
+                      <m:t> </m:t>
+                    </m:r>
+                  </m:oMath>
+                </a14:m>
+                <a:r>
+                  <a:rPr kumimoji="1" lang="en-US" altLang="zh-TW" dirty="0"/>
+                  <a:t> intervals.</a:t>
+                </a:r>
+              </a:p>
+              <a:p>
+                <a:pPr marL="0" indent="0">
+                  <a:buNone/>
+                </a:pPr>
+                <a:endParaRPr kumimoji="1" lang="en-US" altLang="zh-TW" sz="1000" dirty="0"/>
+              </a:p>
+              <a:p>
+                <a:pPr marL="0" indent="0">
+                  <a:buNone/>
+                </a:pPr>
+                <a14:m>
+                  <m:oMathPara xmlns:m="http://schemas.openxmlformats.org/officeDocument/2006/math">
+                    <m:oMathParaPr>
+                      <m:jc m:val="centerGroup"/>
+                    </m:oMathParaPr>
+                    <m:oMath xmlns:m="http://schemas.openxmlformats.org/officeDocument/2006/math">
+                      <m:r>
+                        <a:rPr lang="en-US" altLang="zh-TW" b="1" i="1" dirty="0">
+                          <a:latin typeface="Cambria Math" panose="02040503050406030204" pitchFamily="18" charset="0"/>
+                        </a:rPr>
+                        <m:t>𝑷</m:t>
+                      </m:r>
+                      <m:d>
+                        <m:dPr>
+                          <m:ctrlPr>
+                            <a:rPr lang="en-US" altLang="zh-TW" b="1" i="1" dirty="0">
+                              <a:latin typeface="Cambria Math" panose="02040503050406030204" pitchFamily="18" charset="0"/>
+                            </a:rPr>
+                          </m:ctrlPr>
+                        </m:dPr>
+                        <m:e>
+                          <m:sSub>
+                            <m:sSubPr>
+                              <m:ctrlPr>
+                                <a:rPr kumimoji="1" lang="en-US" altLang="zh-TW" b="1" i="1">
+                                  <a:latin typeface="Cambria Math" panose="02040503050406030204" pitchFamily="18" charset="0"/>
+                                </a:rPr>
+                              </m:ctrlPr>
+                            </m:sSubPr>
+                            <m:e>
+                              <m:r>
+                                <a:rPr kumimoji="1" lang="en-US" altLang="zh-TW" b="1" i="1">
+                                  <a:latin typeface="Cambria Math" panose="02040503050406030204" pitchFamily="18" charset="0"/>
+                                </a:rPr>
+                                <m:t>𝑺</m:t>
+                              </m:r>
+                            </m:e>
+                            <m:sub>
+                              <m:sSub>
+                                <m:sSubPr>
+                                  <m:ctrlPr>
+                                    <a:rPr lang="en-US" altLang="zh-TW" b="1" i="1">
+                                      <a:latin typeface="Cambria Math" panose="02040503050406030204" pitchFamily="18" charset="0"/>
+                                      <a:ea typeface="Cambria Math" panose="02040503050406030204" pitchFamily="18" charset="0"/>
+                                    </a:rPr>
+                                  </m:ctrlPr>
+                                </m:sSubPr>
+                                <m:e>
+                                  <m:r>
+                                    <a:rPr lang="en-US" altLang="zh-TW" b="1" i="1">
+                                      <a:latin typeface="Cambria Math" panose="02040503050406030204" pitchFamily="18" charset="0"/>
+                                      <a:ea typeface="Cambria Math" panose="02040503050406030204" pitchFamily="18" charset="0"/>
+                                    </a:rPr>
+                                    <m:t>𝑻</m:t>
+                                  </m:r>
+                                </m:e>
+                                <m:sub>
+                                  <m:r>
+                                    <a:rPr lang="en-US" altLang="zh-TW" b="1" i="1">
+                                      <a:latin typeface="Cambria Math" panose="02040503050406030204" pitchFamily="18" charset="0"/>
+                                      <a:ea typeface="Cambria Math" panose="02040503050406030204" pitchFamily="18" charset="0"/>
+                                    </a:rPr>
+                                    <m:t>𝒊</m:t>
+                                  </m:r>
+                                </m:sub>
+                              </m:sSub>
+                              <m:r>
+                                <a:rPr lang="en-US" altLang="zh-TW" b="1" i="1">
+                                  <a:latin typeface="Cambria Math" panose="02040503050406030204" pitchFamily="18" charset="0"/>
+                                  <a:ea typeface="Cambria Math" panose="02040503050406030204" pitchFamily="18" charset="0"/>
+                                </a:rPr>
+                                <m:t>+</m:t>
+                              </m:r>
+                              <m:sSubSup>
+                                <m:sSubSupPr>
+                                  <m:ctrlPr>
+                                    <a:rPr lang="en-US" altLang="zh-TW" b="1" i="1">
+                                      <a:latin typeface="Cambria Math" panose="02040503050406030204" pitchFamily="18" charset="0"/>
+                                      <a:ea typeface="Cambria Math" panose="02040503050406030204" pitchFamily="18" charset="0"/>
+                                    </a:rPr>
+                                  </m:ctrlPr>
+                                </m:sSubSupPr>
+                                <m:e>
+                                  <m:r>
+                                    <a:rPr lang="en-US" altLang="zh-TW" b="1" i="1">
+                                      <a:latin typeface="Cambria Math" panose="02040503050406030204" pitchFamily="18" charset="0"/>
+                                      <a:ea typeface="Cambria Math" panose="02040503050406030204" pitchFamily="18" charset="0"/>
+                                    </a:rPr>
+                                    <m:t>𝒕</m:t>
+                                  </m:r>
+                                </m:e>
+                                <m:sub>
+                                  <m:r>
+                                    <a:rPr lang="en-US" altLang="zh-TW" b="1" i="1">
+                                      <a:latin typeface="Cambria Math" panose="02040503050406030204" pitchFamily="18" charset="0"/>
+                                      <a:ea typeface="Cambria Math" panose="02040503050406030204" pitchFamily="18" charset="0"/>
+                                    </a:rPr>
+                                    <m:t>𝒃</m:t>
+                                  </m:r>
+                                </m:sub>
+                                <m:sup>
+                                  <m:d>
+                                    <m:dPr>
+                                      <m:ctrlPr>
+                                        <a:rPr lang="en-US" altLang="zh-TW" b="1" i="1">
+                                          <a:latin typeface="Cambria Math" panose="02040503050406030204" pitchFamily="18" charset="0"/>
+                                          <a:ea typeface="Cambria Math" panose="02040503050406030204" pitchFamily="18" charset="0"/>
+                                        </a:rPr>
+                                      </m:ctrlPr>
+                                    </m:dPr>
+                                    <m:e>
+                                      <m:r>
+                                        <a:rPr lang="en-US" altLang="zh-TW" b="1" i="1">
+                                          <a:latin typeface="Cambria Math" panose="02040503050406030204" pitchFamily="18" charset="0"/>
+                                          <a:ea typeface="Cambria Math" panose="02040503050406030204" pitchFamily="18" charset="0"/>
+                                        </a:rPr>
+                                        <m:t>𝒊</m:t>
+                                      </m:r>
+                                    </m:e>
+                                  </m:d>
+                                </m:sup>
+                              </m:sSubSup>
+                            </m:sub>
+                          </m:sSub>
+                          <m:r>
+                            <a:rPr lang="en-US" altLang="zh-TW" b="1" i="1">
+                              <a:latin typeface="Cambria Math" panose="02040503050406030204" pitchFamily="18" charset="0"/>
+                              <a:ea typeface="Cambria Math" panose="02040503050406030204" pitchFamily="18" charset="0"/>
+                            </a:rPr>
+                            <m:t>≥</m:t>
+                          </m:r>
+                          <m:sSub>
+                            <m:sSubPr>
+                              <m:ctrlPr>
+                                <a:rPr lang="en-US" altLang="zh-TW" b="1" i="1">
+                                  <a:latin typeface="Cambria Math" panose="02040503050406030204" pitchFamily="18" charset="0"/>
+                                  <a:ea typeface="Cambria Math" panose="02040503050406030204" pitchFamily="18" charset="0"/>
+                                </a:rPr>
+                              </m:ctrlPr>
+                            </m:sSubPr>
+                            <m:e>
+                              <m:r>
+                                <a:rPr lang="en-US" altLang="zh-TW" b="1" i="1">
+                                  <a:latin typeface="Cambria Math" panose="02040503050406030204" pitchFamily="18" charset="0"/>
+                                  <a:ea typeface="Cambria Math" panose="02040503050406030204" pitchFamily="18" charset="0"/>
+                                </a:rPr>
+                                <m:t>𝒔</m:t>
+                              </m:r>
+                            </m:e>
+                            <m:sub>
+                              <m:r>
+                                <a:rPr lang="en-US" altLang="zh-TW" b="1" i="1">
+                                  <a:latin typeface="Cambria Math" panose="02040503050406030204" pitchFamily="18" charset="0"/>
+                                  <a:ea typeface="Cambria Math" panose="02040503050406030204" pitchFamily="18" charset="0"/>
+                                </a:rPr>
+                                <m:t>𝒊</m:t>
+                              </m:r>
+                            </m:sub>
+                          </m:sSub>
+                        </m:e>
+                      </m:d>
+                      <m:r>
+                        <a:rPr lang="en-US" altLang="zh-TW" b="1" i="1">
+                          <a:latin typeface="Cambria Math" panose="02040503050406030204" pitchFamily="18" charset="0"/>
+                          <a:ea typeface="Cambria Math" panose="02040503050406030204" pitchFamily="18" charset="0"/>
+                        </a:rPr>
+                        <m:t>≥</m:t>
+                      </m:r>
+                      <m:r>
+                        <a:rPr lang="en-US" altLang="zh-TW" b="1" i="1">
+                          <a:latin typeface="Cambria Math" panose="02040503050406030204" pitchFamily="18" charset="0"/>
+                          <a:ea typeface="Cambria Math" panose="02040503050406030204" pitchFamily="18" charset="0"/>
+                        </a:rPr>
+                        <m:t>𝟏</m:t>
+                      </m:r>
+                      <m:r>
+                        <a:rPr lang="en-US" altLang="zh-TW" b="1" i="1">
+                          <a:latin typeface="Cambria Math" panose="02040503050406030204" pitchFamily="18" charset="0"/>
+                          <a:ea typeface="Cambria Math" panose="02040503050406030204" pitchFamily="18" charset="0"/>
+                        </a:rPr>
+                        <m:t>−</m:t>
+                      </m:r>
+                      <m:r>
+                        <a:rPr lang="en-US" altLang="zh-TW" b="1" i="1">
+                          <a:latin typeface="Cambria Math" panose="02040503050406030204" pitchFamily="18" charset="0"/>
+                          <a:ea typeface="Cambria Math" panose="02040503050406030204" pitchFamily="18" charset="0"/>
+                        </a:rPr>
+                        <m:t>𝜺</m:t>
+                      </m:r>
+                      <m:r>
+                        <a:rPr lang="en-US" altLang="zh-TW" b="1" i="1">
+                          <a:latin typeface="Cambria Math" panose="02040503050406030204" pitchFamily="18" charset="0"/>
+                          <a:ea typeface="Cambria Math" panose="02040503050406030204" pitchFamily="18" charset="0"/>
+                        </a:rPr>
+                        <m:t>.</m:t>
+                      </m:r>
+                    </m:oMath>
+                  </m:oMathPara>
+                </a14:m>
+                <a:endParaRPr lang="en-US" altLang="zh-TW" b="1" i="1" dirty="0">
+                  <a:ea typeface="Cambria Math" panose="02040503050406030204" pitchFamily="18" charset="0"/>
+                </a:endParaRPr>
+              </a:p>
+              <a:p>
+                <a:r>
+                  <a:rPr lang="en-US" altLang="zh-TW" dirty="0">
+                    <a:ea typeface="Cambria Math" panose="02040503050406030204" pitchFamily="18" charset="0"/>
+                  </a:rPr>
+                  <a:t>We can then apply the conditional trick, i.e., let </a:t>
+                </a:r>
+              </a:p>
+              <a:p>
+                <a:pPr marL="0" indent="0">
+                  <a:buNone/>
+                </a:pPr>
+                <a:endParaRPr lang="en-US" altLang="zh-TW" sz="1000" i="1" dirty="0">
+                  <a:latin typeface="Cambria Math" panose="02040503050406030204" pitchFamily="18" charset="0"/>
+                </a:endParaRPr>
+              </a:p>
+              <a:p>
+                <a:pPr marL="0" indent="0">
+                  <a:buNone/>
+                </a:pPr>
+                <a14:m>
+                  <m:oMathPara xmlns:m="http://schemas.openxmlformats.org/officeDocument/2006/math">
+                    <m:oMathParaPr>
+                      <m:jc m:val="centerGroup"/>
+                    </m:oMathParaPr>
+                    <m:oMath xmlns:m="http://schemas.openxmlformats.org/officeDocument/2006/math">
+                      <m:r>
+                        <a:rPr lang="en-US" altLang="zh-TW" b="1" i="1" dirty="0">
+                          <a:latin typeface="Cambria Math" panose="02040503050406030204" pitchFamily="18" charset="0"/>
+                        </a:rPr>
+                        <m:t>𝑷</m:t>
+                      </m:r>
+                      <m:d>
+                        <m:dPr>
+                          <m:ctrlPr>
+                            <a:rPr lang="en-US" altLang="zh-TW" b="1" i="1" dirty="0">
+                              <a:latin typeface="Cambria Math" panose="02040503050406030204" pitchFamily="18" charset="0"/>
+                            </a:rPr>
+                          </m:ctrlPr>
+                        </m:dPr>
+                        <m:e>
+                          <m:sSub>
+                            <m:sSubPr>
+                              <m:ctrlPr>
+                                <a:rPr kumimoji="1" lang="en-US" altLang="zh-TW" b="1" i="1">
+                                  <a:latin typeface="Cambria Math" panose="02040503050406030204" pitchFamily="18" charset="0"/>
+                                </a:rPr>
+                              </m:ctrlPr>
+                            </m:sSubPr>
+                            <m:e>
+                              <m:r>
+                                <a:rPr kumimoji="1" lang="en-US" altLang="zh-TW" b="1" i="1">
+                                  <a:latin typeface="Cambria Math" panose="02040503050406030204" pitchFamily="18" charset="0"/>
+                                </a:rPr>
+                                <m:t>𝑺</m:t>
+                              </m:r>
+                            </m:e>
+                            <m:sub>
+                              <m:sSub>
+                                <m:sSubPr>
+                                  <m:ctrlPr>
+                                    <a:rPr lang="en-US" altLang="zh-TW" b="1" i="1">
+                                      <a:latin typeface="Cambria Math" panose="02040503050406030204" pitchFamily="18" charset="0"/>
+                                      <a:ea typeface="Cambria Math" panose="02040503050406030204" pitchFamily="18" charset="0"/>
+                                    </a:rPr>
+                                  </m:ctrlPr>
+                                </m:sSubPr>
+                                <m:e>
+                                  <m:r>
+                                    <a:rPr lang="en-US" altLang="zh-TW" b="1" i="1">
+                                      <a:latin typeface="Cambria Math" panose="02040503050406030204" pitchFamily="18" charset="0"/>
+                                      <a:ea typeface="Cambria Math" panose="02040503050406030204" pitchFamily="18" charset="0"/>
+                                    </a:rPr>
+                                    <m:t>𝑻</m:t>
+                                  </m:r>
+                                </m:e>
+                                <m:sub>
+                                  <m:r>
+                                    <a:rPr lang="en-US" altLang="zh-TW" b="1" i="1">
+                                      <a:latin typeface="Cambria Math" panose="02040503050406030204" pitchFamily="18" charset="0"/>
+                                      <a:ea typeface="Cambria Math" panose="02040503050406030204" pitchFamily="18" charset="0"/>
+                                    </a:rPr>
+                                    <m:t>𝒊</m:t>
+                                  </m:r>
+                                </m:sub>
+                              </m:sSub>
+                              <m:r>
+                                <a:rPr lang="en-US" altLang="zh-TW" b="1" i="1">
+                                  <a:latin typeface="Cambria Math" panose="02040503050406030204" pitchFamily="18" charset="0"/>
+                                  <a:ea typeface="Cambria Math" panose="02040503050406030204" pitchFamily="18" charset="0"/>
+                                </a:rPr>
+                                <m:t>+</m:t>
+                              </m:r>
+                              <m:sSubSup>
+                                <m:sSubSupPr>
+                                  <m:ctrlPr>
+                                    <a:rPr lang="en-US" altLang="zh-TW" b="1" i="1">
+                                      <a:latin typeface="Cambria Math" panose="02040503050406030204" pitchFamily="18" charset="0"/>
+                                      <a:ea typeface="Cambria Math" panose="02040503050406030204" pitchFamily="18" charset="0"/>
+                                    </a:rPr>
+                                  </m:ctrlPr>
+                                </m:sSubSupPr>
+                                <m:e>
+                                  <m:r>
+                                    <a:rPr lang="en-US" altLang="zh-TW" b="1" i="1">
+                                      <a:latin typeface="Cambria Math" panose="02040503050406030204" pitchFamily="18" charset="0"/>
+                                      <a:ea typeface="Cambria Math" panose="02040503050406030204" pitchFamily="18" charset="0"/>
+                                    </a:rPr>
+                                    <m:t>𝒕</m:t>
+                                  </m:r>
+                                </m:e>
+                                <m:sub>
+                                  <m:r>
+                                    <a:rPr lang="en-US" altLang="zh-TW" b="1" i="1">
+                                      <a:latin typeface="Cambria Math" panose="02040503050406030204" pitchFamily="18" charset="0"/>
+                                      <a:ea typeface="Cambria Math" panose="02040503050406030204" pitchFamily="18" charset="0"/>
+                                    </a:rPr>
+                                    <m:t>𝒃</m:t>
+                                  </m:r>
+                                </m:sub>
+                                <m:sup>
+                                  <m:d>
+                                    <m:dPr>
+                                      <m:ctrlPr>
+                                        <a:rPr lang="en-US" altLang="zh-TW" b="1" i="1">
+                                          <a:latin typeface="Cambria Math" panose="02040503050406030204" pitchFamily="18" charset="0"/>
+                                          <a:ea typeface="Cambria Math" panose="02040503050406030204" pitchFamily="18" charset="0"/>
+                                        </a:rPr>
+                                      </m:ctrlPr>
+                                    </m:dPr>
+                                    <m:e>
+                                      <m:r>
+                                        <a:rPr lang="en-US" altLang="zh-TW" b="1" i="1">
+                                          <a:latin typeface="Cambria Math" panose="02040503050406030204" pitchFamily="18" charset="0"/>
+                                          <a:ea typeface="Cambria Math" panose="02040503050406030204" pitchFamily="18" charset="0"/>
+                                        </a:rPr>
+                                        <m:t>𝒊</m:t>
+                                      </m:r>
+                                    </m:e>
+                                  </m:d>
+                                </m:sup>
+                              </m:sSubSup>
+                            </m:sub>
+                          </m:sSub>
+                          <m:r>
+                            <a:rPr lang="en-US" altLang="zh-TW" b="1" i="1">
+                              <a:latin typeface="Cambria Math" panose="02040503050406030204" pitchFamily="18" charset="0"/>
+                              <a:ea typeface="Cambria Math" panose="02040503050406030204" pitchFamily="18" charset="0"/>
+                            </a:rPr>
+                            <m:t>≥</m:t>
+                          </m:r>
+                          <m:sSub>
+                            <m:sSubPr>
+                              <m:ctrlPr>
+                                <a:rPr lang="en-US" altLang="zh-TW" b="1" i="1">
+                                  <a:latin typeface="Cambria Math" panose="02040503050406030204" pitchFamily="18" charset="0"/>
+                                  <a:ea typeface="Cambria Math" panose="02040503050406030204" pitchFamily="18" charset="0"/>
+                                </a:rPr>
+                              </m:ctrlPr>
+                            </m:sSubPr>
+                            <m:e>
+                              <m:r>
+                                <a:rPr lang="en-US" altLang="zh-TW" b="1" i="1">
+                                  <a:latin typeface="Cambria Math" panose="02040503050406030204" pitchFamily="18" charset="0"/>
+                                  <a:ea typeface="Cambria Math" panose="02040503050406030204" pitchFamily="18" charset="0"/>
+                                </a:rPr>
+                                <m:t>𝒔</m:t>
+                              </m:r>
+                            </m:e>
+                            <m:sub>
+                              <m:r>
+                                <a:rPr lang="en-US" altLang="zh-TW" b="1" i="1">
+                                  <a:latin typeface="Cambria Math" panose="02040503050406030204" pitchFamily="18" charset="0"/>
+                                  <a:ea typeface="Cambria Math" panose="02040503050406030204" pitchFamily="18" charset="0"/>
+                                </a:rPr>
+                                <m:t>𝒊</m:t>
+                              </m:r>
+                            </m:sub>
+                          </m:sSub>
+                          <m:r>
+                            <a:rPr lang="en-US" altLang="zh-TW" b="1" i="1" smtClean="0">
+                              <a:latin typeface="Cambria Math" panose="02040503050406030204" pitchFamily="18" charset="0"/>
+                              <a:ea typeface="Cambria Math" panose="02040503050406030204" pitchFamily="18" charset="0"/>
+                            </a:rPr>
+                            <m:t>|</m:t>
+                          </m:r>
+                          <m:r>
+                            <a:rPr lang="en-US" altLang="zh-TW" b="1" i="0" smtClean="0">
+                              <a:latin typeface="Cambria Math" panose="02040503050406030204" pitchFamily="18" charset="0"/>
+                              <a:ea typeface="Cambria Math" panose="02040503050406030204" pitchFamily="18" charset="0"/>
+                            </a:rPr>
+                            <m:t> </m:t>
+                          </m:r>
+                          <m:r>
+                            <m:rPr>
+                              <m:sty m:val="p"/>
+                            </m:rPr>
+                            <a:rPr lang="en-US" altLang="zh-TW" b="0" i="0" smtClean="0">
+                              <a:latin typeface="Cambria Math" panose="02040503050406030204" pitchFamily="18" charset="0"/>
+                              <a:ea typeface="Cambria Math" panose="02040503050406030204" pitchFamily="18" charset="0"/>
+                            </a:rPr>
+                            <m:t>the</m:t>
+                          </m:r>
+                          <m:r>
+                            <a:rPr lang="en-US" altLang="zh-TW" b="0" i="0" smtClean="0">
+                              <a:latin typeface="Cambria Math" panose="02040503050406030204" pitchFamily="18" charset="0"/>
+                              <a:ea typeface="Cambria Math" panose="02040503050406030204" pitchFamily="18" charset="0"/>
+                            </a:rPr>
+                            <m:t> </m:t>
+                          </m:r>
+                          <m:r>
+                            <m:rPr>
+                              <m:sty m:val="p"/>
+                            </m:rPr>
+                            <a:rPr lang="en-US" altLang="zh-TW" b="0" i="0" smtClean="0">
+                              <a:latin typeface="Cambria Math" panose="02040503050406030204" pitchFamily="18" charset="0"/>
+                              <a:ea typeface="Cambria Math" panose="02040503050406030204" pitchFamily="18" charset="0"/>
+                            </a:rPr>
+                            <m:t>latest</m:t>
+                          </m:r>
+                          <m:r>
+                            <a:rPr lang="en-US" altLang="zh-TW" b="0" i="1" smtClean="0">
+                              <a:latin typeface="Cambria Math" panose="02040503050406030204" pitchFamily="18" charset="0"/>
+                              <a:ea typeface="Cambria Math" panose="02040503050406030204" pitchFamily="18" charset="0"/>
+                            </a:rPr>
+                            <m:t> </m:t>
+                          </m:r>
+                          <m:sSub>
+                            <m:sSubPr>
+                              <m:ctrlPr>
+                                <a:rPr kumimoji="1" lang="en-US" altLang="zh-TW" b="1" i="1">
+                                  <a:latin typeface="Cambria Math" panose="02040503050406030204" pitchFamily="18" charset="0"/>
+                                </a:rPr>
+                              </m:ctrlPr>
+                            </m:sSubPr>
+                            <m:e>
+                              <m:r>
+                                <a:rPr kumimoji="1" lang="en-US" altLang="zh-TW" b="1" i="1">
+                                  <a:latin typeface="Cambria Math" panose="02040503050406030204" pitchFamily="18" charset="0"/>
+                                </a:rPr>
+                                <m:t>𝑺</m:t>
+                              </m:r>
+                            </m:e>
+                            <m:sub>
+                              <m:sSub>
+                                <m:sSubPr>
+                                  <m:ctrlPr>
+                                    <a:rPr lang="en-US" altLang="zh-TW" b="1" i="1">
+                                      <a:latin typeface="Cambria Math" panose="02040503050406030204" pitchFamily="18" charset="0"/>
+                                      <a:ea typeface="Cambria Math" panose="02040503050406030204" pitchFamily="18" charset="0"/>
+                                    </a:rPr>
+                                  </m:ctrlPr>
+                                </m:sSubPr>
+                                <m:e>
+                                  <m:r>
+                                    <a:rPr lang="en-US" altLang="zh-TW" b="1" i="1">
+                                      <a:latin typeface="Cambria Math" panose="02040503050406030204" pitchFamily="18" charset="0"/>
+                                      <a:ea typeface="Cambria Math" panose="02040503050406030204" pitchFamily="18" charset="0"/>
+                                    </a:rPr>
+                                    <m:t>𝑻</m:t>
+                                  </m:r>
+                                </m:e>
+                                <m:sub>
+                                  <m:r>
+                                    <a:rPr lang="en-US" altLang="zh-TW" b="1" i="1">
+                                      <a:latin typeface="Cambria Math" panose="02040503050406030204" pitchFamily="18" charset="0"/>
+                                      <a:ea typeface="Cambria Math" panose="02040503050406030204" pitchFamily="18" charset="0"/>
+                                    </a:rPr>
+                                    <m:t>𝒊</m:t>
+                                  </m:r>
+                                </m:sub>
+                              </m:sSub>
+                              <m:r>
+                                <a:rPr lang="en-US" altLang="zh-TW" b="1" i="1">
+                                  <a:latin typeface="Cambria Math" panose="02040503050406030204" pitchFamily="18" charset="0"/>
+                                  <a:ea typeface="Cambria Math" panose="02040503050406030204" pitchFamily="18" charset="0"/>
+                                </a:rPr>
+                                <m:t>+</m:t>
+                              </m:r>
+                              <m:sSubSup>
+                                <m:sSubSupPr>
+                                  <m:ctrlPr>
+                                    <a:rPr lang="en-US" altLang="zh-TW" b="1" i="1">
+                                      <a:latin typeface="Cambria Math" panose="02040503050406030204" pitchFamily="18" charset="0"/>
+                                      <a:ea typeface="Cambria Math" panose="02040503050406030204" pitchFamily="18" charset="0"/>
+                                    </a:rPr>
+                                  </m:ctrlPr>
+                                </m:sSubSupPr>
+                                <m:e>
+                                  <m:r>
+                                    <a:rPr lang="en-US" altLang="zh-TW" b="1" i="1">
+                                      <a:latin typeface="Cambria Math" panose="02040503050406030204" pitchFamily="18" charset="0"/>
+                                      <a:ea typeface="Cambria Math" panose="02040503050406030204" pitchFamily="18" charset="0"/>
+                                    </a:rPr>
+                                    <m:t>𝒕</m:t>
+                                  </m:r>
+                                </m:e>
+                                <m:sub>
+                                  <m:r>
+                                    <a:rPr lang="en-US" altLang="zh-TW" b="1" i="1">
+                                      <a:latin typeface="Cambria Math" panose="02040503050406030204" pitchFamily="18" charset="0"/>
+                                      <a:ea typeface="Cambria Math" panose="02040503050406030204" pitchFamily="18" charset="0"/>
+                                    </a:rPr>
+                                    <m:t>𝒃</m:t>
+                                  </m:r>
+                                </m:sub>
+                                <m:sup>
+                                  <m:d>
+                                    <m:dPr>
+                                      <m:ctrlPr>
+                                        <a:rPr lang="en-US" altLang="zh-TW" b="1" i="1">
+                                          <a:latin typeface="Cambria Math" panose="02040503050406030204" pitchFamily="18" charset="0"/>
+                                          <a:ea typeface="Cambria Math" panose="02040503050406030204" pitchFamily="18" charset="0"/>
+                                        </a:rPr>
+                                      </m:ctrlPr>
+                                    </m:dPr>
+                                    <m:e>
+                                      <m:r>
+                                        <a:rPr lang="en-US" altLang="zh-TW" b="1" i="1">
+                                          <a:latin typeface="Cambria Math" panose="02040503050406030204" pitchFamily="18" charset="0"/>
+                                          <a:ea typeface="Cambria Math" panose="02040503050406030204" pitchFamily="18" charset="0"/>
+                                        </a:rPr>
+                                        <m:t>𝒊</m:t>
+                                      </m:r>
+                                    </m:e>
+                                  </m:d>
+                                </m:sup>
+                              </m:sSubSup>
+                            </m:sub>
+                          </m:sSub>
+                          <m:r>
+                            <a:rPr lang="en-US" altLang="zh-TW" b="1" i="1" smtClean="0">
+                              <a:latin typeface="Cambria Math" panose="02040503050406030204" pitchFamily="18" charset="0"/>
+                              <a:ea typeface="Cambria Math" panose="02040503050406030204" pitchFamily="18" charset="0"/>
+                            </a:rPr>
+                            <m:t> </m:t>
+                          </m:r>
+                          <m:r>
+                            <m:rPr>
+                              <m:sty m:val="p"/>
+                            </m:rPr>
+                            <a:rPr lang="en-US" altLang="zh-TW" b="0" i="0" smtClean="0">
+                              <a:latin typeface="Cambria Math" panose="02040503050406030204" pitchFamily="18" charset="0"/>
+                              <a:ea typeface="Cambria Math" panose="02040503050406030204" pitchFamily="18" charset="0"/>
+                            </a:rPr>
+                            <m:t>value</m:t>
+                          </m:r>
+                          <m:r>
+                            <a:rPr lang="en-US" altLang="zh-TW" b="1" i="0" smtClean="0">
+                              <a:latin typeface="Cambria Math" panose="02040503050406030204" pitchFamily="18" charset="0"/>
+                              <a:ea typeface="Cambria Math" panose="02040503050406030204" pitchFamily="18" charset="0"/>
+                            </a:rPr>
+                            <m:t> </m:t>
+                          </m:r>
+                        </m:e>
+                      </m:d>
+                      <m:r>
+                        <a:rPr lang="en-US" altLang="zh-TW" b="1" i="1">
+                          <a:latin typeface="Cambria Math" panose="02040503050406030204" pitchFamily="18" charset="0"/>
+                          <a:ea typeface="Cambria Math" panose="02040503050406030204" pitchFamily="18" charset="0"/>
+                        </a:rPr>
+                        <m:t>≥</m:t>
+                      </m:r>
+                      <m:r>
+                        <a:rPr lang="en-US" altLang="zh-TW" b="1" i="1">
+                          <a:latin typeface="Cambria Math" panose="02040503050406030204" pitchFamily="18" charset="0"/>
+                          <a:ea typeface="Cambria Math" panose="02040503050406030204" pitchFamily="18" charset="0"/>
+                        </a:rPr>
+                        <m:t>𝟏</m:t>
+                      </m:r>
+                      <m:r>
+                        <a:rPr lang="en-US" altLang="zh-TW" b="1" i="1">
+                          <a:latin typeface="Cambria Math" panose="02040503050406030204" pitchFamily="18" charset="0"/>
+                          <a:ea typeface="Cambria Math" panose="02040503050406030204" pitchFamily="18" charset="0"/>
+                        </a:rPr>
+                        <m:t>−</m:t>
+                      </m:r>
+                      <m:r>
+                        <a:rPr lang="en-US" altLang="zh-TW" b="1" i="1">
+                          <a:latin typeface="Cambria Math" panose="02040503050406030204" pitchFamily="18" charset="0"/>
+                          <a:ea typeface="Cambria Math" panose="02040503050406030204" pitchFamily="18" charset="0"/>
+                        </a:rPr>
+                        <m:t>𝜺</m:t>
+                      </m:r>
+                      <m:r>
+                        <a:rPr lang="en-US" altLang="zh-TW" b="1" i="1">
+                          <a:latin typeface="Cambria Math" panose="02040503050406030204" pitchFamily="18" charset="0"/>
+                          <a:ea typeface="Cambria Math" panose="02040503050406030204" pitchFamily="18" charset="0"/>
+                        </a:rPr>
+                        <m:t>.</m:t>
+                      </m:r>
+                    </m:oMath>
+                  </m:oMathPara>
+                </a14:m>
+                <a:endParaRPr lang="en-US" altLang="zh-TW" b="1" dirty="0">
+                  <a:ea typeface="Cambria Math" panose="02040503050406030204" pitchFamily="18" charset="0"/>
+                </a:endParaRPr>
+              </a:p>
+              <a:p>
+                <a:r>
+                  <a:rPr lang="en-US" altLang="zh-TW" dirty="0">
+                    <a:ea typeface="Cambria Math" panose="02040503050406030204" pitchFamily="18" charset="0"/>
+                  </a:rPr>
+                  <a:t>We use the conditional relative frequency of </a:t>
+                </a:r>
+                <a14:m>
+                  <m:oMath xmlns:m="http://schemas.openxmlformats.org/officeDocument/2006/math">
+                    <m:sSub>
+                      <m:sSubPr>
+                        <m:ctrlPr>
+                          <a:rPr kumimoji="1" lang="en-US" altLang="zh-TW" i="1">
+                            <a:latin typeface="Cambria Math" panose="02040503050406030204" pitchFamily="18" charset="0"/>
+                          </a:rPr>
+                        </m:ctrlPr>
+                      </m:sSubPr>
+                      <m:e>
+                        <m:r>
+                          <a:rPr kumimoji="1" lang="en-US" altLang="zh-TW" i="1">
+                            <a:latin typeface="Cambria Math" panose="02040503050406030204" pitchFamily="18" charset="0"/>
+                          </a:rPr>
+                          <m:t>𝑆</m:t>
+                        </m:r>
+                      </m:e>
+                      <m:sub>
+                        <m:sSub>
+                          <m:sSubPr>
+                            <m:ctrlPr>
+                              <a:rPr lang="en-US" altLang="zh-TW" i="1">
+                                <a:latin typeface="Cambria Math" panose="02040503050406030204" pitchFamily="18" charset="0"/>
+                                <a:ea typeface="Cambria Math" panose="02040503050406030204" pitchFamily="18" charset="0"/>
+                              </a:rPr>
+                            </m:ctrlPr>
+                          </m:sSubPr>
+                          <m:e>
+                            <m:r>
+                              <a:rPr lang="en-US" altLang="zh-TW" i="1">
+                                <a:latin typeface="Cambria Math" panose="02040503050406030204" pitchFamily="18" charset="0"/>
+                                <a:ea typeface="Cambria Math" panose="02040503050406030204" pitchFamily="18" charset="0"/>
+                              </a:rPr>
+                              <m:t>𝑇</m:t>
+                            </m:r>
+                          </m:e>
+                          <m:sub>
+                            <m:r>
+                              <a:rPr lang="en-US" altLang="zh-TW" i="1">
+                                <a:latin typeface="Cambria Math" panose="02040503050406030204" pitchFamily="18" charset="0"/>
+                                <a:ea typeface="Cambria Math" panose="02040503050406030204" pitchFamily="18" charset="0"/>
+                              </a:rPr>
+                              <m:t>𝑖</m:t>
+                            </m:r>
+                          </m:sub>
+                        </m:sSub>
+                        <m:r>
+                          <a:rPr lang="en-US" altLang="zh-TW" i="1">
+                            <a:latin typeface="Cambria Math" panose="02040503050406030204" pitchFamily="18" charset="0"/>
+                            <a:ea typeface="Cambria Math" panose="02040503050406030204" pitchFamily="18" charset="0"/>
+                          </a:rPr>
+                          <m:t>+</m:t>
+                        </m:r>
+                        <m:sSubSup>
+                          <m:sSubSupPr>
+                            <m:ctrlPr>
+                              <a:rPr lang="en-US" altLang="zh-TW" i="1">
+                                <a:latin typeface="Cambria Math" panose="02040503050406030204" pitchFamily="18" charset="0"/>
+                                <a:ea typeface="Cambria Math" panose="02040503050406030204" pitchFamily="18" charset="0"/>
+                              </a:rPr>
+                            </m:ctrlPr>
+                          </m:sSubSupPr>
+                          <m:e>
+                            <m:r>
+                              <a:rPr lang="en-US" altLang="zh-TW" i="1">
+                                <a:latin typeface="Cambria Math" panose="02040503050406030204" pitchFamily="18" charset="0"/>
+                                <a:ea typeface="Cambria Math" panose="02040503050406030204" pitchFamily="18" charset="0"/>
+                              </a:rPr>
+                              <m:t>𝑡</m:t>
+                            </m:r>
+                          </m:e>
+                          <m:sub>
+                            <m:r>
+                              <a:rPr lang="en-US" altLang="zh-TW" i="1">
+                                <a:latin typeface="Cambria Math" panose="02040503050406030204" pitchFamily="18" charset="0"/>
+                                <a:ea typeface="Cambria Math" panose="02040503050406030204" pitchFamily="18" charset="0"/>
+                              </a:rPr>
+                              <m:t>𝑏</m:t>
+                            </m:r>
+                          </m:sub>
+                          <m:sup>
+                            <m:d>
+                              <m:dPr>
+                                <m:ctrlPr>
+                                  <a:rPr lang="en-US" altLang="zh-TW" i="1">
+                                    <a:latin typeface="Cambria Math" panose="02040503050406030204" pitchFamily="18" charset="0"/>
+                                    <a:ea typeface="Cambria Math" panose="02040503050406030204" pitchFamily="18" charset="0"/>
+                                  </a:rPr>
+                                </m:ctrlPr>
+                              </m:dPr>
+                              <m:e>
+                                <m:r>
+                                  <a:rPr lang="en-US" altLang="zh-TW" i="1">
+                                    <a:latin typeface="Cambria Math" panose="02040503050406030204" pitchFamily="18" charset="0"/>
+                                    <a:ea typeface="Cambria Math" panose="02040503050406030204" pitchFamily="18" charset="0"/>
+                                  </a:rPr>
+                                  <m:t>𝑖</m:t>
+                                </m:r>
+                              </m:e>
+                            </m:d>
+                          </m:sup>
+                        </m:sSubSup>
+                      </m:sub>
+                    </m:sSub>
+                  </m:oMath>
+                </a14:m>
+                <a:r>
+                  <a:rPr lang="en-US" altLang="zh-TW" dirty="0">
+                    <a:ea typeface="Cambria Math" panose="02040503050406030204" pitchFamily="18" charset="0"/>
+                  </a:rPr>
+                  <a:t> to mimic the probability distribution of it. Then we choose </a:t>
+                </a:r>
+                <a14:m>
+                  <m:oMath xmlns:m="http://schemas.openxmlformats.org/officeDocument/2006/math">
+                    <m:sSub>
+                      <m:sSubPr>
+                        <m:ctrlPr>
+                          <a:rPr lang="en-US" altLang="zh-TW" i="1" smtClean="0">
+                            <a:latin typeface="Cambria Math" panose="02040503050406030204" pitchFamily="18" charset="0"/>
+                            <a:ea typeface="Cambria Math" panose="02040503050406030204" pitchFamily="18" charset="0"/>
+                          </a:rPr>
+                        </m:ctrlPr>
+                      </m:sSubPr>
+                      <m:e>
+                        <m:r>
+                          <a:rPr lang="en-US" altLang="zh-TW" b="0" i="1" smtClean="0">
+                            <a:latin typeface="Cambria Math" panose="02040503050406030204" pitchFamily="18" charset="0"/>
+                            <a:ea typeface="Cambria Math" panose="02040503050406030204" pitchFamily="18" charset="0"/>
+                          </a:rPr>
+                          <m:t>𝑠</m:t>
+                        </m:r>
+                      </m:e>
+                      <m:sub>
+                        <m:r>
+                          <a:rPr lang="en-US" altLang="zh-TW" b="0" i="1" smtClean="0">
+                            <a:latin typeface="Cambria Math" panose="02040503050406030204" pitchFamily="18" charset="0"/>
+                            <a:ea typeface="Cambria Math" panose="02040503050406030204" pitchFamily="18" charset="0"/>
+                          </a:rPr>
+                          <m:t>𝑖</m:t>
+                        </m:r>
+                      </m:sub>
+                    </m:sSub>
+                  </m:oMath>
+                </a14:m>
+                <a:r>
+                  <a:rPr lang="en-US" altLang="zh-TW" dirty="0">
+                    <a:ea typeface="Cambria Math" panose="02040503050406030204" pitchFamily="18" charset="0"/>
+                  </a:rPr>
+                  <a:t> to be its </a:t>
+                </a:r>
+                <a14:m>
+                  <m:oMath xmlns:m="http://schemas.openxmlformats.org/officeDocument/2006/math">
+                    <m:r>
+                      <a:rPr lang="en-US" altLang="zh-TW" i="1" smtClean="0">
+                        <a:latin typeface="Cambria Math" panose="02040503050406030204" pitchFamily="18" charset="0"/>
+                        <a:ea typeface="Cambria Math" panose="02040503050406030204" pitchFamily="18" charset="0"/>
+                      </a:rPr>
+                      <m:t>𝜀</m:t>
+                    </m:r>
+                  </m:oMath>
+                </a14:m>
+                <a:r>
+                  <a:rPr lang="en-US" altLang="zh-TW" dirty="0">
+                    <a:ea typeface="Cambria Math" panose="02040503050406030204" pitchFamily="18" charset="0"/>
+                  </a:rPr>
+                  <a:t>-quantile.</a:t>
+                </a:r>
+              </a:p>
+              <a:p>
+                <a:r>
+                  <a:rPr lang="en-US" altLang="zh-TW" dirty="0">
+                    <a:ea typeface="Cambria Math" panose="02040503050406030204" pitchFamily="18" charset="0"/>
+                  </a:rPr>
+                  <a:t>Thus, we place our method to a position different from other approaches that dedicated to get an accurate point estimate. </a:t>
+                </a:r>
+              </a:p>
+              <a:p>
+                <a:r>
+                  <a:rPr lang="en-US" altLang="zh-TW" b="1" i="1" dirty="0">
+                    <a:solidFill>
+                      <a:srgbClr val="C00000"/>
+                    </a:solidFill>
+                    <a:ea typeface="Cambria Math" panose="02040503050406030204" pitchFamily="18" charset="0"/>
+                  </a:rPr>
+                  <a:t>We aim to control the loss rate to a certain level, at the same time trying to transmit more data to balance the trade off between loss rate and bitrate.</a:t>
+                </a:r>
+              </a:p>
+              <a:p>
+                <a:endParaRPr lang="en-US" altLang="zh-TW" dirty="0">
+                  <a:ea typeface="Cambria Math" panose="02040503050406030204" pitchFamily="18" charset="0"/>
+                </a:endParaRPr>
+              </a:p>
+            </p:txBody>
+          </p:sp>
+        </mc:Choice>
+        <mc:Fallback>
+          <p:sp>
+            <p:nvSpPr>
+              <p:cNvPr id="3" name="內容版面配置區 2">
+                <a:extLst>
+                  <a:ext uri="{FF2B5EF4-FFF2-40B4-BE49-F238E27FC236}">
+                    <a16:creationId xmlns:a16="http://schemas.microsoft.com/office/drawing/2014/main" id="{FBFAA863-310F-1303-D153-50DD7630A44D}"/>
+                  </a:ext>
+                </a:extLst>
+              </p:cNvPr>
+              <p:cNvSpPr>
+                <a:spLocks noGrp="1" noRot="1" noChangeAspect="1" noMove="1" noResize="1" noEditPoints="1" noAdjustHandles="1" noChangeArrowheads="1" noChangeShapeType="1" noTextEdit="1"/>
+              </p:cNvSpPr>
+              <p:nvPr>
+                <p:ph idx="1"/>
+              </p:nvPr>
+            </p:nvSpPr>
+            <p:spPr>
+              <a:xfrm>
+                <a:off x="838200" y="1621087"/>
+                <a:ext cx="10515600" cy="5236913"/>
+              </a:xfrm>
+              <a:blipFill>
+                <a:blip r:embed="rId2"/>
+                <a:stretch>
+                  <a:fillRect l="-844" t="-2179"/>
+                </a:stretch>
+              </a:blipFill>
+            </p:spPr>
+            <p:txBody>
+              <a:bodyPr/>
+              <a:lstStyle/>
+              <a:p>
+                <a:r>
+                  <a:rPr lang="zh-TW" altLang="en-US">
+                    <a:noFill/>
+                  </a:rPr>
+                  <a:t> </a:t>
+                </a:r>
+              </a:p>
+            </p:txBody>
+          </p:sp>
+        </mc:Fallback>
+      </mc:AlternateContent>
+    </p:spTree>
+    <p:extLst>
+      <p:ext uri="{BB962C8B-B14F-4D97-AF65-F5344CB8AC3E}">
+        <p14:creationId xmlns:p14="http://schemas.microsoft.com/office/powerpoint/2010/main" val="978772840"/>
+      </p:ext>
+    </p:extLst>
+  </p:cSld>
+  <p:clrMapOvr>
+    <a:masterClrMapping/>
+  </p:clrMapOvr>
+</p:sld>
+</file>
+
+<file path=ppt/slides/slide9.xml><?xml version="1.0" encoding="utf-8"?>
+<p:sld xmlns:a="http://schemas.openxmlformats.org/drawingml/2006/main" xmlns:r="http://schemas.openxmlformats.org/officeDocument/2006/relationships" xmlns:p="http://schemas.openxmlformats.org/presentationml/2006/main">
+  <p:cSld>
+    <p:spTree>
+      <p:nvGrpSpPr>
+        <p:cNvPr id="1" name=""/>
+        <p:cNvGrpSpPr/>
+        <p:nvPr/>
+      </p:nvGrpSpPr>
+      <p:grpSpPr>
+        <a:xfrm>
+          <a:off x="0" y="0"/>
+          <a:ext cx="0" cy="0"/>
+          <a:chOff x="0" y="0"/>
+          <a:chExt cx="0" cy="0"/>
+        </a:xfrm>
+      </p:grpSpPr>
       <p:sp>
         <p:nvSpPr>
-          <p:cNvPr id="3" name="內容版面配置區 2">
+          <p:cNvPr id="2" name="標題 1">
             <a:extLst>
               <a:ext uri="{FF2B5EF4-FFF2-40B4-BE49-F238E27FC236}">
-                <a16:creationId xmlns:a16="http://schemas.microsoft.com/office/drawing/2014/main" id="{939FBC9A-AFF8-2E0E-DE72-FA9B7E2CA202}"/>
+                <a16:creationId xmlns:a16="http://schemas.microsoft.com/office/drawing/2014/main" id="{5FBAF32E-EDA2-5567-B28A-BD23B3A5D8C1}"/>
               </a:ext>
             </a:extLst>
           </p:cNvPr>
@@ -9939,26 +15218,618 @@
             <a:spLocks noGrp="1"/>
           </p:cNvSpPr>
           <p:nvPr>
-            <p:ph idx="1"/>
+            <p:ph type="title"/>
           </p:nvPr>
         </p:nvSpPr>
         <p:spPr/>
         <p:txBody>
-          <a:bodyPr/>
+          <a:bodyPr>
+            <a:normAutofit fontScale="90000"/>
+          </a:bodyPr>
           <a:lstStyle/>
           <a:p>
             <a:r>
-              <a:rPr kumimoji="1" lang="en-US" altLang="zh-TW" dirty="0"/>
-              <a:t>In the presentation of ESTR4998, we talked about how do video frames get transmitted to the server. </a:t>
+              <a:rPr kumimoji="1" lang="en-US" altLang="zh-TW" b="1" dirty="0">
+                <a:latin typeface="Times New Roman" panose="02020603050405020304" pitchFamily="18" charset="0"/>
+                <a:cs typeface="Times New Roman" panose="02020603050405020304" pitchFamily="18" charset="0"/>
+              </a:rPr>
+              <a:t>Our Solution</a:t>
             </a:r>
-            <a:endParaRPr kumimoji="1" lang="zh-TW" altLang="en-US" dirty="0"/>
+            <a:br>
+              <a:rPr kumimoji="1" lang="en-US" altLang="zh-TW" b="1" dirty="0">
+                <a:latin typeface="Times New Roman" panose="02020603050405020304" pitchFamily="18" charset="0"/>
+                <a:cs typeface="Times New Roman" panose="02020603050405020304" pitchFamily="18" charset="0"/>
+              </a:rPr>
+            </a:br>
+            <a:r>
+              <a:rPr kumimoji="1" lang="en-US" altLang="zh-TW" b="1" dirty="0">
+                <a:latin typeface="Times New Roman" panose="02020603050405020304" pitchFamily="18" charset="0"/>
+                <a:cs typeface="Times New Roman" panose="02020603050405020304" pitchFamily="18" charset="0"/>
+              </a:rPr>
+              <a:t>- A Demo Picture of Conditional Distribution</a:t>
+            </a:r>
+            <a:endParaRPr kumimoji="1" lang="zh-TW" altLang="en-US" b="1" dirty="0">
+              <a:latin typeface="Times New Roman" panose="02020603050405020304" pitchFamily="18" charset="0"/>
+              <a:cs typeface="Times New Roman" panose="02020603050405020304" pitchFamily="18" charset="0"/>
+            </a:endParaRPr>
+          </a:p>
+        </p:txBody>
+      </p:sp>
+      <p:pic>
+        <p:nvPicPr>
+          <p:cNvPr id="15" name="圖片 14">
+            <a:extLst>
+              <a:ext uri="{FF2B5EF4-FFF2-40B4-BE49-F238E27FC236}">
+                <a16:creationId xmlns:a16="http://schemas.microsoft.com/office/drawing/2014/main" id="{69E76F6F-B539-6722-980A-B4910004E210}"/>
+              </a:ext>
+            </a:extLst>
+          </p:cNvPr>
+          <p:cNvPicPr>
+            <a:picLocks noChangeAspect="1"/>
+          </p:cNvPicPr>
+          <p:nvPr/>
+        </p:nvPicPr>
+        <p:blipFill>
+          <a:blip r:embed="rId2"/>
+          <a:stretch>
+            <a:fillRect/>
+          </a:stretch>
+        </p:blipFill>
+        <p:spPr>
+          <a:xfrm>
+            <a:off x="577088" y="1694181"/>
+            <a:ext cx="5424932" cy="4122558"/>
+          </a:xfrm>
+          <a:prstGeom prst="rect">
+            <a:avLst/>
+          </a:prstGeom>
+        </p:spPr>
+      </p:pic>
+      <p:pic>
+        <p:nvPicPr>
+          <p:cNvPr id="17" name="圖片 16">
+            <a:extLst>
+              <a:ext uri="{FF2B5EF4-FFF2-40B4-BE49-F238E27FC236}">
+                <a16:creationId xmlns:a16="http://schemas.microsoft.com/office/drawing/2014/main" id="{9D38A8B0-C3D6-5461-043E-DDA3310D2DCB}"/>
+              </a:ext>
+            </a:extLst>
+          </p:cNvPr>
+          <p:cNvPicPr>
+            <a:picLocks noChangeAspect="1"/>
+          </p:cNvPicPr>
+          <p:nvPr/>
+        </p:nvPicPr>
+        <p:blipFill>
+          <a:blip r:embed="rId3"/>
+          <a:stretch>
+            <a:fillRect/>
+          </a:stretch>
+        </p:blipFill>
+        <p:spPr>
+          <a:xfrm>
+            <a:off x="6120384" y="1743805"/>
+            <a:ext cx="5424932" cy="4056392"/>
+          </a:xfrm>
+          <a:prstGeom prst="rect">
+            <a:avLst/>
+          </a:prstGeom>
+        </p:spPr>
+      </p:pic>
+      <p:sp>
+        <p:nvSpPr>
+          <p:cNvPr id="18" name="內容版面配置區 2">
+            <a:extLst>
+              <a:ext uri="{FF2B5EF4-FFF2-40B4-BE49-F238E27FC236}">
+                <a16:creationId xmlns:a16="http://schemas.microsoft.com/office/drawing/2014/main" id="{57A183A6-C359-ABFA-76DC-BAF2CF96DD56}"/>
+              </a:ext>
+            </a:extLst>
+          </p:cNvPr>
+          <p:cNvSpPr txBox="1">
+            <a:spLocks/>
+          </p:cNvSpPr>
+          <p:nvPr/>
+        </p:nvSpPr>
+        <p:spPr>
+          <a:xfrm>
+            <a:off x="808736" y="5662299"/>
+            <a:ext cx="5287264" cy="376797"/>
+          </a:xfrm>
+          <a:prstGeom prst="rect">
+            <a:avLst/>
+          </a:prstGeom>
+        </p:spPr>
+        <p:txBody>
+          <a:bodyPr vert="horz" lIns="91440" tIns="45720" rIns="91440" bIns="45720" rtlCol="0">
+            <a:noAutofit/>
+          </a:bodyPr>
+          <a:lstStyle>
+            <a:lvl1pPr marL="228600" indent="-228600" algn="l" defTabSz="914400" rtl="0" eaLnBrk="1" latinLnBrk="0" hangingPunct="1">
+              <a:lnSpc>
+                <a:spcPct val="90000"/>
+              </a:lnSpc>
+              <a:spcBef>
+                <a:spcPts val="1000"/>
+              </a:spcBef>
+              <a:buFont typeface="Arial" panose="020B0604020202020204" pitchFamily="34" charset="0"/>
+              <a:buChar char="•"/>
+              <a:defRPr sz="2800" kern="1200">
+                <a:solidFill>
+                  <a:schemeClr val="tx1"/>
+                </a:solidFill>
+                <a:latin typeface="+mn-lt"/>
+                <a:ea typeface="+mn-ea"/>
+                <a:cs typeface="+mn-cs"/>
+              </a:defRPr>
+            </a:lvl1pPr>
+            <a:lvl2pPr marL="685800" indent="-228600" algn="l" defTabSz="914400" rtl="0" eaLnBrk="1" latinLnBrk="0" hangingPunct="1">
+              <a:lnSpc>
+                <a:spcPct val="90000"/>
+              </a:lnSpc>
+              <a:spcBef>
+                <a:spcPts val="500"/>
+              </a:spcBef>
+              <a:buFont typeface="Arial" panose="020B0604020202020204" pitchFamily="34" charset="0"/>
+              <a:buChar char="•"/>
+              <a:defRPr sz="2400" kern="1200">
+                <a:solidFill>
+                  <a:schemeClr val="tx1"/>
+                </a:solidFill>
+                <a:latin typeface="+mn-lt"/>
+                <a:ea typeface="+mn-ea"/>
+                <a:cs typeface="+mn-cs"/>
+              </a:defRPr>
+            </a:lvl2pPr>
+            <a:lvl3pPr marL="1143000" indent="-228600" algn="l" defTabSz="914400" rtl="0" eaLnBrk="1" latinLnBrk="0" hangingPunct="1">
+              <a:lnSpc>
+                <a:spcPct val="90000"/>
+              </a:lnSpc>
+              <a:spcBef>
+                <a:spcPts val="500"/>
+              </a:spcBef>
+              <a:buFont typeface="Arial" panose="020B0604020202020204" pitchFamily="34" charset="0"/>
+              <a:buChar char="•"/>
+              <a:defRPr sz="2000" kern="1200">
+                <a:solidFill>
+                  <a:schemeClr val="tx1"/>
+                </a:solidFill>
+                <a:latin typeface="+mn-lt"/>
+                <a:ea typeface="+mn-ea"/>
+                <a:cs typeface="+mn-cs"/>
+              </a:defRPr>
+            </a:lvl3pPr>
+            <a:lvl4pPr marL="1600200" indent="-228600" algn="l" defTabSz="914400" rtl="0" eaLnBrk="1" latinLnBrk="0" hangingPunct="1">
+              <a:lnSpc>
+                <a:spcPct val="90000"/>
+              </a:lnSpc>
+              <a:spcBef>
+                <a:spcPts val="500"/>
+              </a:spcBef>
+              <a:buFont typeface="Arial" panose="020B0604020202020204" pitchFamily="34" charset="0"/>
+              <a:buChar char="•"/>
+              <a:defRPr sz="1800" kern="1200">
+                <a:solidFill>
+                  <a:schemeClr val="tx1"/>
+                </a:solidFill>
+                <a:latin typeface="+mn-lt"/>
+                <a:ea typeface="+mn-ea"/>
+                <a:cs typeface="+mn-cs"/>
+              </a:defRPr>
+            </a:lvl4pPr>
+            <a:lvl5pPr marL="2057400" indent="-228600" algn="l" defTabSz="914400" rtl="0" eaLnBrk="1" latinLnBrk="0" hangingPunct="1">
+              <a:lnSpc>
+                <a:spcPct val="90000"/>
+              </a:lnSpc>
+              <a:spcBef>
+                <a:spcPts val="500"/>
+              </a:spcBef>
+              <a:buFont typeface="Arial" panose="020B0604020202020204" pitchFamily="34" charset="0"/>
+              <a:buChar char="•"/>
+              <a:defRPr sz="1800" kern="1200">
+                <a:solidFill>
+                  <a:schemeClr val="tx1"/>
+                </a:solidFill>
+                <a:latin typeface="+mn-lt"/>
+                <a:ea typeface="+mn-ea"/>
+                <a:cs typeface="+mn-cs"/>
+              </a:defRPr>
+            </a:lvl5pPr>
+            <a:lvl6pPr marL="2514600" indent="-228600" algn="l" defTabSz="914400" rtl="0" eaLnBrk="1" latinLnBrk="0" hangingPunct="1">
+              <a:lnSpc>
+                <a:spcPct val="90000"/>
+              </a:lnSpc>
+              <a:spcBef>
+                <a:spcPts val="500"/>
+              </a:spcBef>
+              <a:buFont typeface="Arial" panose="020B0604020202020204" pitchFamily="34" charset="0"/>
+              <a:buChar char="•"/>
+              <a:defRPr sz="1800" kern="1200">
+                <a:solidFill>
+                  <a:schemeClr val="tx1"/>
+                </a:solidFill>
+                <a:latin typeface="+mn-lt"/>
+                <a:ea typeface="+mn-ea"/>
+                <a:cs typeface="+mn-cs"/>
+              </a:defRPr>
+            </a:lvl6pPr>
+            <a:lvl7pPr marL="2971800" indent="-228600" algn="l" defTabSz="914400" rtl="0" eaLnBrk="1" latinLnBrk="0" hangingPunct="1">
+              <a:lnSpc>
+                <a:spcPct val="90000"/>
+              </a:lnSpc>
+              <a:spcBef>
+                <a:spcPts val="500"/>
+              </a:spcBef>
+              <a:buFont typeface="Arial" panose="020B0604020202020204" pitchFamily="34" charset="0"/>
+              <a:buChar char="•"/>
+              <a:defRPr sz="1800" kern="1200">
+                <a:solidFill>
+                  <a:schemeClr val="tx1"/>
+                </a:solidFill>
+                <a:latin typeface="+mn-lt"/>
+                <a:ea typeface="+mn-ea"/>
+                <a:cs typeface="+mn-cs"/>
+              </a:defRPr>
+            </a:lvl7pPr>
+            <a:lvl8pPr marL="3429000" indent="-228600" algn="l" defTabSz="914400" rtl="0" eaLnBrk="1" latinLnBrk="0" hangingPunct="1">
+              <a:lnSpc>
+                <a:spcPct val="90000"/>
+              </a:lnSpc>
+              <a:spcBef>
+                <a:spcPts val="500"/>
+              </a:spcBef>
+              <a:buFont typeface="Arial" panose="020B0604020202020204" pitchFamily="34" charset="0"/>
+              <a:buChar char="•"/>
+              <a:defRPr sz="1800" kern="1200">
+                <a:solidFill>
+                  <a:schemeClr val="tx1"/>
+                </a:solidFill>
+                <a:latin typeface="+mn-lt"/>
+                <a:ea typeface="+mn-ea"/>
+                <a:cs typeface="+mn-cs"/>
+              </a:defRPr>
+            </a:lvl8pPr>
+            <a:lvl9pPr marL="3886200" indent="-228600" algn="l" defTabSz="914400" rtl="0" eaLnBrk="1" latinLnBrk="0" hangingPunct="1">
+              <a:lnSpc>
+                <a:spcPct val="90000"/>
+              </a:lnSpc>
+              <a:spcBef>
+                <a:spcPts val="500"/>
+              </a:spcBef>
+              <a:buFont typeface="Arial" panose="020B0604020202020204" pitchFamily="34" charset="0"/>
+              <a:buChar char="•"/>
+              <a:defRPr sz="1800" kern="1200">
+                <a:solidFill>
+                  <a:schemeClr val="tx1"/>
+                </a:solidFill>
+                <a:latin typeface="+mn-lt"/>
+                <a:ea typeface="+mn-ea"/>
+                <a:cs typeface="+mn-cs"/>
+              </a:defRPr>
+            </a:lvl9pPr>
+          </a:lstStyle>
+          <a:p>
+            <a:r>
+              <a:rPr kumimoji="1" lang="en-US" altLang="zh-TW" sz="1600" dirty="0"/>
+              <a:t>An example of marginal empirical probability distribution.</a:t>
+            </a:r>
+          </a:p>
+        </p:txBody>
+      </p:sp>
+      <p:sp>
+        <p:nvSpPr>
+          <p:cNvPr id="19" name="內容版面配置區 2">
+            <a:extLst>
+              <a:ext uri="{FF2B5EF4-FFF2-40B4-BE49-F238E27FC236}">
+                <a16:creationId xmlns:a16="http://schemas.microsoft.com/office/drawing/2014/main" id="{DFC33640-BE19-0ABA-364B-5BCAE38ADC2E}"/>
+              </a:ext>
+            </a:extLst>
+          </p:cNvPr>
+          <p:cNvSpPr txBox="1">
+            <a:spLocks/>
+          </p:cNvSpPr>
+          <p:nvPr/>
+        </p:nvSpPr>
+        <p:spPr>
+          <a:xfrm>
+            <a:off x="6799580" y="5987506"/>
+            <a:ext cx="4745736" cy="376797"/>
+          </a:xfrm>
+          <a:prstGeom prst="rect">
+            <a:avLst/>
+          </a:prstGeom>
+        </p:spPr>
+        <p:txBody>
+          <a:bodyPr vert="horz" lIns="91440" tIns="45720" rIns="91440" bIns="45720" rtlCol="0">
+            <a:noAutofit/>
+          </a:bodyPr>
+          <a:lstStyle>
+            <a:lvl1pPr marL="228600" indent="-228600" algn="l" defTabSz="914400" rtl="0" eaLnBrk="1" latinLnBrk="0" hangingPunct="1">
+              <a:lnSpc>
+                <a:spcPct val="90000"/>
+              </a:lnSpc>
+              <a:spcBef>
+                <a:spcPts val="1000"/>
+              </a:spcBef>
+              <a:buFont typeface="Arial" panose="020B0604020202020204" pitchFamily="34" charset="0"/>
+              <a:buChar char="•"/>
+              <a:defRPr sz="2800" kern="1200">
+                <a:solidFill>
+                  <a:schemeClr val="tx1"/>
+                </a:solidFill>
+                <a:latin typeface="+mn-lt"/>
+                <a:ea typeface="+mn-ea"/>
+                <a:cs typeface="+mn-cs"/>
+              </a:defRPr>
+            </a:lvl1pPr>
+            <a:lvl2pPr marL="685800" indent="-228600" algn="l" defTabSz="914400" rtl="0" eaLnBrk="1" latinLnBrk="0" hangingPunct="1">
+              <a:lnSpc>
+                <a:spcPct val="90000"/>
+              </a:lnSpc>
+              <a:spcBef>
+                <a:spcPts val="500"/>
+              </a:spcBef>
+              <a:buFont typeface="Arial" panose="020B0604020202020204" pitchFamily="34" charset="0"/>
+              <a:buChar char="•"/>
+              <a:defRPr sz="2400" kern="1200">
+                <a:solidFill>
+                  <a:schemeClr val="tx1"/>
+                </a:solidFill>
+                <a:latin typeface="+mn-lt"/>
+                <a:ea typeface="+mn-ea"/>
+                <a:cs typeface="+mn-cs"/>
+              </a:defRPr>
+            </a:lvl2pPr>
+            <a:lvl3pPr marL="1143000" indent="-228600" algn="l" defTabSz="914400" rtl="0" eaLnBrk="1" latinLnBrk="0" hangingPunct="1">
+              <a:lnSpc>
+                <a:spcPct val="90000"/>
+              </a:lnSpc>
+              <a:spcBef>
+                <a:spcPts val="500"/>
+              </a:spcBef>
+              <a:buFont typeface="Arial" panose="020B0604020202020204" pitchFamily="34" charset="0"/>
+              <a:buChar char="•"/>
+              <a:defRPr sz="2000" kern="1200">
+                <a:solidFill>
+                  <a:schemeClr val="tx1"/>
+                </a:solidFill>
+                <a:latin typeface="+mn-lt"/>
+                <a:ea typeface="+mn-ea"/>
+                <a:cs typeface="+mn-cs"/>
+              </a:defRPr>
+            </a:lvl3pPr>
+            <a:lvl4pPr marL="1600200" indent="-228600" algn="l" defTabSz="914400" rtl="0" eaLnBrk="1" latinLnBrk="0" hangingPunct="1">
+              <a:lnSpc>
+                <a:spcPct val="90000"/>
+              </a:lnSpc>
+              <a:spcBef>
+                <a:spcPts val="500"/>
+              </a:spcBef>
+              <a:buFont typeface="Arial" panose="020B0604020202020204" pitchFamily="34" charset="0"/>
+              <a:buChar char="•"/>
+              <a:defRPr sz="1800" kern="1200">
+                <a:solidFill>
+                  <a:schemeClr val="tx1"/>
+                </a:solidFill>
+                <a:latin typeface="+mn-lt"/>
+                <a:ea typeface="+mn-ea"/>
+                <a:cs typeface="+mn-cs"/>
+              </a:defRPr>
+            </a:lvl4pPr>
+            <a:lvl5pPr marL="2057400" indent="-228600" algn="l" defTabSz="914400" rtl="0" eaLnBrk="1" latinLnBrk="0" hangingPunct="1">
+              <a:lnSpc>
+                <a:spcPct val="90000"/>
+              </a:lnSpc>
+              <a:spcBef>
+                <a:spcPts val="500"/>
+              </a:spcBef>
+              <a:buFont typeface="Arial" panose="020B0604020202020204" pitchFamily="34" charset="0"/>
+              <a:buChar char="•"/>
+              <a:defRPr sz="1800" kern="1200">
+                <a:solidFill>
+                  <a:schemeClr val="tx1"/>
+                </a:solidFill>
+                <a:latin typeface="+mn-lt"/>
+                <a:ea typeface="+mn-ea"/>
+                <a:cs typeface="+mn-cs"/>
+              </a:defRPr>
+            </a:lvl5pPr>
+            <a:lvl6pPr marL="2514600" indent="-228600" algn="l" defTabSz="914400" rtl="0" eaLnBrk="1" latinLnBrk="0" hangingPunct="1">
+              <a:lnSpc>
+                <a:spcPct val="90000"/>
+              </a:lnSpc>
+              <a:spcBef>
+                <a:spcPts val="500"/>
+              </a:spcBef>
+              <a:buFont typeface="Arial" panose="020B0604020202020204" pitchFamily="34" charset="0"/>
+              <a:buChar char="•"/>
+              <a:defRPr sz="1800" kern="1200">
+                <a:solidFill>
+                  <a:schemeClr val="tx1"/>
+                </a:solidFill>
+                <a:latin typeface="+mn-lt"/>
+                <a:ea typeface="+mn-ea"/>
+                <a:cs typeface="+mn-cs"/>
+              </a:defRPr>
+            </a:lvl6pPr>
+            <a:lvl7pPr marL="2971800" indent="-228600" algn="l" defTabSz="914400" rtl="0" eaLnBrk="1" latinLnBrk="0" hangingPunct="1">
+              <a:lnSpc>
+                <a:spcPct val="90000"/>
+              </a:lnSpc>
+              <a:spcBef>
+                <a:spcPts val="500"/>
+              </a:spcBef>
+              <a:buFont typeface="Arial" panose="020B0604020202020204" pitchFamily="34" charset="0"/>
+              <a:buChar char="•"/>
+              <a:defRPr sz="1800" kern="1200">
+                <a:solidFill>
+                  <a:schemeClr val="tx1"/>
+                </a:solidFill>
+                <a:latin typeface="+mn-lt"/>
+                <a:ea typeface="+mn-ea"/>
+                <a:cs typeface="+mn-cs"/>
+              </a:defRPr>
+            </a:lvl7pPr>
+            <a:lvl8pPr marL="3429000" indent="-228600" algn="l" defTabSz="914400" rtl="0" eaLnBrk="1" latinLnBrk="0" hangingPunct="1">
+              <a:lnSpc>
+                <a:spcPct val="90000"/>
+              </a:lnSpc>
+              <a:spcBef>
+                <a:spcPts val="500"/>
+              </a:spcBef>
+              <a:buFont typeface="Arial" panose="020B0604020202020204" pitchFamily="34" charset="0"/>
+              <a:buChar char="•"/>
+              <a:defRPr sz="1800" kern="1200">
+                <a:solidFill>
+                  <a:schemeClr val="tx1"/>
+                </a:solidFill>
+                <a:latin typeface="+mn-lt"/>
+                <a:ea typeface="+mn-ea"/>
+                <a:cs typeface="+mn-cs"/>
+              </a:defRPr>
+            </a:lvl8pPr>
+            <a:lvl9pPr marL="3886200" indent="-228600" algn="l" defTabSz="914400" rtl="0" eaLnBrk="1" latinLnBrk="0" hangingPunct="1">
+              <a:lnSpc>
+                <a:spcPct val="90000"/>
+              </a:lnSpc>
+              <a:spcBef>
+                <a:spcPts val="500"/>
+              </a:spcBef>
+              <a:buFont typeface="Arial" panose="020B0604020202020204" pitchFamily="34" charset="0"/>
+              <a:buChar char="•"/>
+              <a:defRPr sz="1800" kern="1200">
+                <a:solidFill>
+                  <a:schemeClr val="tx1"/>
+                </a:solidFill>
+                <a:latin typeface="+mn-lt"/>
+                <a:ea typeface="+mn-ea"/>
+                <a:cs typeface="+mn-cs"/>
+              </a:defRPr>
+            </a:lvl9pPr>
+          </a:lstStyle>
+          <a:p>
+            <a:r>
+              <a:rPr kumimoji="1" lang="en-US" altLang="zh-TW" sz="1600" dirty="0"/>
+              <a:t>The corresponding conditional empirical distribution.</a:t>
+            </a:r>
+          </a:p>
+        </p:txBody>
+      </p:sp>
+      <p:cxnSp>
+        <p:nvCxnSpPr>
+          <p:cNvPr id="23" name="直線箭頭接點 22">
+            <a:extLst>
+              <a:ext uri="{FF2B5EF4-FFF2-40B4-BE49-F238E27FC236}">
+                <a16:creationId xmlns:a16="http://schemas.microsoft.com/office/drawing/2014/main" id="{2A038201-D989-B777-FC2C-C254BE19E985}"/>
+              </a:ext>
+            </a:extLst>
+          </p:cNvPr>
+          <p:cNvCxnSpPr>
+            <a:cxnSpLocks/>
+          </p:cNvCxnSpPr>
+          <p:nvPr/>
+        </p:nvCxnSpPr>
+        <p:spPr>
+          <a:xfrm>
+            <a:off x="5057583" y="6544510"/>
+            <a:ext cx="1669415" cy="0"/>
+          </a:xfrm>
+          <a:prstGeom prst="straightConnector1">
+            <a:avLst/>
+          </a:prstGeom>
+          <a:ln w="63500">
+            <a:tailEnd type="triangle"/>
+          </a:ln>
+        </p:spPr>
+        <p:style>
+          <a:lnRef idx="1">
+            <a:schemeClr val="accent2"/>
+          </a:lnRef>
+          <a:fillRef idx="0">
+            <a:schemeClr val="accent2"/>
+          </a:fillRef>
+          <a:effectRef idx="0">
+            <a:schemeClr val="accent2"/>
+          </a:effectRef>
+          <a:fontRef idx="minor">
+            <a:schemeClr val="tx1"/>
+          </a:fontRef>
+        </p:style>
+      </p:cxnSp>
+      <p:sp>
+        <p:nvSpPr>
+          <p:cNvPr id="27" name="文字方塊 26">
+            <a:extLst>
+              <a:ext uri="{FF2B5EF4-FFF2-40B4-BE49-F238E27FC236}">
+                <a16:creationId xmlns:a16="http://schemas.microsoft.com/office/drawing/2014/main" id="{487A6DA9-BCE6-2E71-D899-6DD8E90178E4}"/>
+              </a:ext>
+            </a:extLst>
+          </p:cNvPr>
+          <p:cNvSpPr txBox="1"/>
+          <p:nvPr/>
+        </p:nvSpPr>
+        <p:spPr>
+          <a:xfrm>
+            <a:off x="5203096" y="6064296"/>
+            <a:ext cx="1378391" cy="369332"/>
+          </a:xfrm>
+          <a:prstGeom prst="rect">
+            <a:avLst/>
+          </a:prstGeom>
+          <a:noFill/>
+        </p:spPr>
+        <p:txBody>
+          <a:bodyPr wrap="none" rtlCol="0">
+            <a:spAutoFit/>
+          </a:bodyPr>
+          <a:lstStyle/>
+          <a:p>
+            <a:r>
+              <a:rPr kumimoji="1" lang="en-US" altLang="zh-TW" b="1" i="1" dirty="0"/>
+              <a:t>conditioning</a:t>
+            </a:r>
+            <a:endParaRPr kumimoji="1" lang="zh-TW" altLang="en-US" b="1" i="1" dirty="0"/>
+          </a:p>
+        </p:txBody>
+      </p:sp>
+      <p:sp>
+        <p:nvSpPr>
+          <p:cNvPr id="29" name="文字方塊 28">
+            <a:extLst>
+              <a:ext uri="{FF2B5EF4-FFF2-40B4-BE49-F238E27FC236}">
+                <a16:creationId xmlns:a16="http://schemas.microsoft.com/office/drawing/2014/main" id="{C5D39DC8-74FE-0013-DE88-E4203B6915F6}"/>
+              </a:ext>
+            </a:extLst>
+          </p:cNvPr>
+          <p:cNvSpPr txBox="1"/>
+          <p:nvPr/>
+        </p:nvSpPr>
+        <p:spPr>
+          <a:xfrm>
+            <a:off x="7160615" y="5691921"/>
+            <a:ext cx="1611275" cy="307777"/>
+          </a:xfrm>
+          <a:prstGeom prst="rect">
+            <a:avLst/>
+          </a:prstGeom>
+          <a:noFill/>
+        </p:spPr>
+        <p:txBody>
+          <a:bodyPr wrap="none" rtlCol="0">
+            <a:spAutoFit/>
+          </a:bodyPr>
+          <a:lstStyle/>
+          <a:p>
+            <a:r>
+              <a:rPr kumimoji="1" lang="en-US" altLang="zh-TW" sz="1400" b="1" i="1" dirty="0"/>
+              <a:t>0.05 quantile value</a:t>
+            </a:r>
+            <a:endParaRPr kumimoji="1" lang="zh-TW" altLang="en-US" sz="1400" b="1" i="1" dirty="0"/>
           </a:p>
         </p:txBody>
       </p:sp>
     </p:spTree>
     <p:extLst>
       <p:ext uri="{BB962C8B-B14F-4D97-AF65-F5344CB8AC3E}">
-        <p14:creationId xmlns:p14="http://schemas.microsoft.com/office/powerpoint/2010/main" val="4197248599"/>
+        <p14:creationId xmlns:p14="http://schemas.microsoft.com/office/powerpoint/2010/main" val="2351825874"/>
       </p:ext>
     </p:extLst>
   </p:cSld>
@@ -10253,7 +16124,51 @@
       </a:bgFillStyleLst>
     </a:fmtScheme>
   </a:themeElements>
-  <a:objectDefaults/>
+  <a:objectDefaults>
+    <a:spDef>
+      <a:spPr>
+        <a:noFill/>
+        <a:ln w="19050" cap="rnd">
+          <a:solidFill>
+            <a:schemeClr val="accent6">
+              <a:lumMod val="60000"/>
+              <a:lumOff val="40000"/>
+            </a:schemeClr>
+          </a:solidFill>
+          <a:prstDash val="dash"/>
+        </a:ln>
+        <a:effectLst>
+          <a:softEdge rad="0"/>
+        </a:effectLst>
+      </a:spPr>
+      <a:bodyPr rtlCol="0" anchor="ctr"/>
+      <a:lstStyle>
+        <a:defPPr algn="ctr">
+          <a:defRPr kumimoji="1">
+            <a:solidFill>
+              <a:srgbClr val="C00000"/>
+            </a:solidFill>
+          </a:defRPr>
+        </a:defPPr>
+      </a:lstStyle>
+      <a:style>
+        <a:lnRef idx="2">
+          <a:schemeClr val="accent1">
+            <a:shade val="50000"/>
+          </a:schemeClr>
+        </a:lnRef>
+        <a:fillRef idx="1">
+          <a:schemeClr val="accent1"/>
+        </a:fillRef>
+        <a:effectRef idx="0">
+          <a:schemeClr val="accent1"/>
+        </a:effectRef>
+        <a:fontRef idx="minor">
+          <a:schemeClr val="lt1"/>
+        </a:fontRef>
+      </a:style>
+    </a:spDef>
+  </a:objectDefaults>
   <a:extraClrSchemeLst/>
   <a:extLst>
     <a:ext uri="{05A4C25C-085E-4340-85A3-A5531E510DB2}">

--- a/ESTR4999_Notes/ESTR4999_Presentation.pptx
+++ b/ESTR4999_Notes/ESTR4999_Presentation.pptx
@@ -212,7 +212,7 @@
           <a:p>
             <a:fld id="{F4ED34D4-68D4-F84A-A096-0BF2FC5915EC}" type="datetimeFigureOut">
               <a:rPr kumimoji="1" lang="zh-TW" altLang="en-US" smtClean="0"/>
-              <a:t>2022/4/24</a:t>
+              <a:t>2022/4/25</a:t>
             </a:fld>
             <a:endParaRPr kumimoji="1" lang="zh-TW" altLang="en-US"/>
           </a:p>
@@ -710,7 +710,7 @@
           <a:p>
             <a:fld id="{7FDDC6AA-96B8-3D44-8022-0838F1FEEFFE}" type="datetimeFigureOut">
               <a:rPr kumimoji="1" lang="zh-TW" altLang="en-US" smtClean="0"/>
-              <a:t>2022/4/24</a:t>
+              <a:t>2022/4/25</a:t>
             </a:fld>
             <a:endParaRPr kumimoji="1" lang="zh-TW" altLang="en-US"/>
           </a:p>
@@ -908,7 +908,7 @@
           <a:p>
             <a:fld id="{7FDDC6AA-96B8-3D44-8022-0838F1FEEFFE}" type="datetimeFigureOut">
               <a:rPr kumimoji="1" lang="zh-TW" altLang="en-US" smtClean="0"/>
-              <a:t>2022/4/24</a:t>
+              <a:t>2022/4/25</a:t>
             </a:fld>
             <a:endParaRPr kumimoji="1" lang="zh-TW" altLang="en-US"/>
           </a:p>
@@ -1116,7 +1116,7 @@
           <a:p>
             <a:fld id="{7FDDC6AA-96B8-3D44-8022-0838F1FEEFFE}" type="datetimeFigureOut">
               <a:rPr kumimoji="1" lang="zh-TW" altLang="en-US" smtClean="0"/>
-              <a:t>2022/4/24</a:t>
+              <a:t>2022/4/25</a:t>
             </a:fld>
             <a:endParaRPr kumimoji="1" lang="zh-TW" altLang="en-US"/>
           </a:p>
@@ -1314,7 +1314,7 @@
           <a:p>
             <a:fld id="{7FDDC6AA-96B8-3D44-8022-0838F1FEEFFE}" type="datetimeFigureOut">
               <a:rPr kumimoji="1" lang="zh-TW" altLang="en-US" smtClean="0"/>
-              <a:t>2022/4/24</a:t>
+              <a:t>2022/4/25</a:t>
             </a:fld>
             <a:endParaRPr kumimoji="1" lang="zh-TW" altLang="en-US"/>
           </a:p>
@@ -1589,7 +1589,7 @@
           <a:p>
             <a:fld id="{7FDDC6AA-96B8-3D44-8022-0838F1FEEFFE}" type="datetimeFigureOut">
               <a:rPr kumimoji="1" lang="zh-TW" altLang="en-US" smtClean="0"/>
-              <a:t>2022/4/24</a:t>
+              <a:t>2022/4/25</a:t>
             </a:fld>
             <a:endParaRPr kumimoji="1" lang="zh-TW" altLang="en-US"/>
           </a:p>
@@ -1854,7 +1854,7 @@
           <a:p>
             <a:fld id="{7FDDC6AA-96B8-3D44-8022-0838F1FEEFFE}" type="datetimeFigureOut">
               <a:rPr kumimoji="1" lang="zh-TW" altLang="en-US" smtClean="0"/>
-              <a:t>2022/4/24</a:t>
+              <a:t>2022/4/25</a:t>
             </a:fld>
             <a:endParaRPr kumimoji="1" lang="zh-TW" altLang="en-US"/>
           </a:p>
@@ -2266,7 +2266,7 @@
           <a:p>
             <a:fld id="{7FDDC6AA-96B8-3D44-8022-0838F1FEEFFE}" type="datetimeFigureOut">
               <a:rPr kumimoji="1" lang="zh-TW" altLang="en-US" smtClean="0"/>
-              <a:t>2022/4/24</a:t>
+              <a:t>2022/4/25</a:t>
             </a:fld>
             <a:endParaRPr kumimoji="1" lang="zh-TW" altLang="en-US"/>
           </a:p>
@@ -2407,7 +2407,7 @@
           <a:p>
             <a:fld id="{7FDDC6AA-96B8-3D44-8022-0838F1FEEFFE}" type="datetimeFigureOut">
               <a:rPr kumimoji="1" lang="zh-TW" altLang="en-US" smtClean="0"/>
-              <a:t>2022/4/24</a:t>
+              <a:t>2022/4/25</a:t>
             </a:fld>
             <a:endParaRPr kumimoji="1" lang="zh-TW" altLang="en-US"/>
           </a:p>
@@ -2520,7 +2520,7 @@
           <a:p>
             <a:fld id="{7FDDC6AA-96B8-3D44-8022-0838F1FEEFFE}" type="datetimeFigureOut">
               <a:rPr kumimoji="1" lang="zh-TW" altLang="en-US" smtClean="0"/>
-              <a:t>2022/4/24</a:t>
+              <a:t>2022/4/25</a:t>
             </a:fld>
             <a:endParaRPr kumimoji="1" lang="zh-TW" altLang="en-US"/>
           </a:p>
@@ -2831,7 +2831,7 @@
           <a:p>
             <a:fld id="{7FDDC6AA-96B8-3D44-8022-0838F1FEEFFE}" type="datetimeFigureOut">
               <a:rPr kumimoji="1" lang="zh-TW" altLang="en-US" smtClean="0"/>
-              <a:t>2022/4/24</a:t>
+              <a:t>2022/4/25</a:t>
             </a:fld>
             <a:endParaRPr kumimoji="1" lang="zh-TW" altLang="en-US"/>
           </a:p>
@@ -3119,7 +3119,7 @@
           <a:p>
             <a:fld id="{7FDDC6AA-96B8-3D44-8022-0838F1FEEFFE}" type="datetimeFigureOut">
               <a:rPr kumimoji="1" lang="zh-TW" altLang="en-US" smtClean="0"/>
-              <a:t>2022/4/24</a:t>
+              <a:t>2022/4/25</a:t>
             </a:fld>
             <a:endParaRPr kumimoji="1" lang="zh-TW" altLang="en-US"/>
           </a:p>
@@ -3360,7 +3360,7 @@
           <a:p>
             <a:fld id="{7FDDC6AA-96B8-3D44-8022-0838F1FEEFFE}" type="datetimeFigureOut">
               <a:rPr kumimoji="1" lang="zh-TW" altLang="en-US" smtClean="0"/>
-              <a:t>2022/4/24</a:t>
+              <a:t>2022/4/25</a:t>
             </a:fld>
             <a:endParaRPr kumimoji="1" lang="zh-TW" altLang="en-US"/>
           </a:p>
@@ -4300,8 +4300,8 @@
           </a:prstGeom>
         </p:spPr>
       </p:pic>
-      <mc:AlternateContent xmlns:mc="http://schemas.openxmlformats.org/markup-compatibility/2006">
-        <mc:Choice xmlns:a14="http://schemas.microsoft.com/office/drawing/2010/main" Requires="a14">
+      <mc:AlternateContent xmlns:mc="http://schemas.openxmlformats.org/markup-compatibility/2006" xmlns:a14="http://schemas.microsoft.com/office/drawing/2010/main">
+        <mc:Choice Requires="a14">
           <p:sp>
             <p:nvSpPr>
               <p:cNvPr id="2" name="標題 1">
@@ -4411,7 +4411,7 @@
             </p:txBody>
           </p:sp>
         </mc:Choice>
-        <mc:Fallback>
+        <mc:Fallback xmlns="">
           <p:sp>
             <p:nvSpPr>
               <p:cNvPr id="2" name="標題 1">
@@ -4451,8 +4451,8 @@
           </p:sp>
         </mc:Fallback>
       </mc:AlternateContent>
-      <mc:AlternateContent xmlns:mc="http://schemas.openxmlformats.org/markup-compatibility/2006">
-        <mc:Choice xmlns:a14="http://schemas.microsoft.com/office/drawing/2010/main" Requires="a14">
+      <mc:AlternateContent xmlns:mc="http://schemas.openxmlformats.org/markup-compatibility/2006" xmlns:a14="http://schemas.microsoft.com/office/drawing/2010/main">
+        <mc:Choice Requires="a14">
           <p:sp>
             <p:nvSpPr>
               <p:cNvPr id="20" name="內容版面配置區 2">
@@ -4703,7 +4703,7 @@
             </p:txBody>
           </p:sp>
         </mc:Choice>
-        <mc:Fallback>
+        <mc:Fallback xmlns="">
           <p:sp>
             <p:nvSpPr>
               <p:cNvPr id="20" name="內容版面配置區 2">
@@ -4958,8 +4958,8 @@
           </a:prstGeom>
         </p:spPr>
       </p:pic>
-      <mc:AlternateContent xmlns:mc="http://schemas.openxmlformats.org/markup-compatibility/2006">
-        <mc:Choice xmlns:a14="http://schemas.microsoft.com/office/drawing/2010/main" Requires="a14">
+      <mc:AlternateContent xmlns:mc="http://schemas.openxmlformats.org/markup-compatibility/2006" xmlns:a14="http://schemas.microsoft.com/office/drawing/2010/main">
+        <mc:Choice Requires="a14">
           <p:sp>
             <p:nvSpPr>
               <p:cNvPr id="2" name="標題 1">
@@ -5030,7 +5030,7 @@
             </p:txBody>
           </p:sp>
         </mc:Choice>
-        <mc:Fallback>
+        <mc:Fallback xmlns="">
           <p:sp>
             <p:nvSpPr>
               <p:cNvPr id="2" name="標題 1">
@@ -5070,8 +5070,8 @@
           </p:sp>
         </mc:Fallback>
       </mc:AlternateContent>
-      <mc:AlternateContent xmlns:mc="http://schemas.openxmlformats.org/markup-compatibility/2006">
-        <mc:Choice xmlns:a14="http://schemas.microsoft.com/office/drawing/2010/main" Requires="a14">
+      <mc:AlternateContent xmlns:mc="http://schemas.openxmlformats.org/markup-compatibility/2006" xmlns:a14="http://schemas.microsoft.com/office/drawing/2010/main">
+        <mc:Choice Requires="a14">
           <p:sp>
             <p:nvSpPr>
               <p:cNvPr id="20" name="內容版面配置區 2">
@@ -5323,7 +5323,7 @@
             </p:txBody>
           </p:sp>
         </mc:Choice>
-        <mc:Fallback>
+        <mc:Fallback xmlns="">
           <p:sp>
             <p:nvSpPr>
               <p:cNvPr id="20" name="內容版面配置區 2">
@@ -5458,8 +5458,8 @@
           </a:prstGeom>
         </p:spPr>
       </p:pic>
-      <mc:AlternateContent xmlns:mc="http://schemas.openxmlformats.org/markup-compatibility/2006">
-        <mc:Choice xmlns:a14="http://schemas.microsoft.com/office/drawing/2010/main" Requires="a14">
+      <mc:AlternateContent xmlns:mc="http://schemas.openxmlformats.org/markup-compatibility/2006" xmlns:a14="http://schemas.microsoft.com/office/drawing/2010/main">
+        <mc:Choice Requires="a14">
           <p:sp>
             <p:nvSpPr>
               <p:cNvPr id="4" name="標題 1">
@@ -5574,7 +5574,7 @@
             </p:txBody>
           </p:sp>
         </mc:Choice>
-        <mc:Fallback>
+        <mc:Fallback xmlns="">
           <p:sp>
             <p:nvSpPr>
               <p:cNvPr id="4" name="標題 1">
@@ -6027,8 +6027,8 @@
           </a:prstGeom>
         </p:spPr>
       </p:pic>
-      <mc:AlternateContent xmlns:mc="http://schemas.openxmlformats.org/markup-compatibility/2006">
-        <mc:Choice xmlns:a14="http://schemas.microsoft.com/office/drawing/2010/main" Requires="a14">
+      <mc:AlternateContent xmlns:mc="http://schemas.openxmlformats.org/markup-compatibility/2006" xmlns:a14="http://schemas.microsoft.com/office/drawing/2010/main">
+        <mc:Choice Requires="a14">
           <p:sp>
             <p:nvSpPr>
               <p:cNvPr id="4" name="標題 1">
@@ -6104,7 +6104,7 @@
             </p:txBody>
           </p:sp>
         </mc:Choice>
-        <mc:Fallback>
+        <mc:Fallback xmlns="">
           <p:sp>
             <p:nvSpPr>
               <p:cNvPr id="4" name="標題 1">
@@ -6448,7 +6448,7 @@
           <a:p>
             <a:r>
               <a:rPr lang="en-US" altLang="zh-TW" dirty="0"/>
-              <a:t>Our method uses the empirical conditional relative frequency to find a largest frame size while eliminating the probability of introducing delay under </a:t>
+              <a:t>Our method uses the empirical conditional relative frequency to find the largest frame size while eliminating the probability of introducing delay under </a:t>
             </a:r>
             <a:r>
               <a:rPr lang="en-US" altLang="zh-TW" i="1" dirty="0"/>
@@ -6485,7 +6485,15 @@
               <a:rPr lang="en-US" altLang="zh-TW" dirty="0"/>
               <a:t>ways to obtain more reliable past data</a:t>
             </a:r>
-            <a:endParaRPr kumimoji="1" lang="zh-TW" altLang="en-US" dirty="0"/>
+            <a:endParaRPr kumimoji="1" lang="en-US" altLang="zh-TW" dirty="0"/>
+          </a:p>
+          <a:p>
+            <a:pPr lvl="1"/>
+            <a:r>
+              <a:rPr kumimoji="1" lang="en-US" altLang="zh-TW" dirty="0"/>
+              <a:t>Etc.</a:t>
+            </a:r>
+            <a:endParaRPr lang="en-US" altLang="zh-TW" dirty="0"/>
           </a:p>
         </p:txBody>
       </p:sp>
@@ -8226,8 +8234,8 @@
           <a:chExt cx="0" cy="0"/>
         </a:xfrm>
       </p:grpSpPr>
-      <mc:AlternateContent xmlns:mc="http://schemas.openxmlformats.org/markup-compatibility/2006">
-        <mc:Choice xmlns:a14="http://schemas.microsoft.com/office/drawing/2010/main" Requires="a14">
+      <mc:AlternateContent xmlns:mc="http://schemas.openxmlformats.org/markup-compatibility/2006" xmlns:a14="http://schemas.microsoft.com/office/drawing/2010/main">
+        <mc:Choice Requires="a14">
           <p:sp>
             <p:nvSpPr>
               <p:cNvPr id="3" name="內容版面配置區 2">
@@ -8332,7 +8340,7 @@
             </p:txBody>
           </p:sp>
         </mc:Choice>
-        <mc:Fallback>
+        <mc:Fallback xmlns="">
           <p:sp>
             <p:nvSpPr>
               <p:cNvPr id="3" name="內容版面配置區 2">
@@ -8445,8 +8453,8 @@
           </a:p>
         </p:txBody>
       </p:sp>
-      <mc:AlternateContent xmlns:mc="http://schemas.openxmlformats.org/markup-compatibility/2006">
-        <mc:Choice xmlns:a14="http://schemas.microsoft.com/office/drawing/2010/main" Requires="a14">
+      <mc:AlternateContent xmlns:mc="http://schemas.openxmlformats.org/markup-compatibility/2006" xmlns:a14="http://schemas.microsoft.com/office/drawing/2010/main">
+        <mc:Choice Requires="a14">
           <p:sp>
             <p:nvSpPr>
               <p:cNvPr id="7" name="內容版面配置區 2">
@@ -8791,7 +8799,7 @@
             </p:txBody>
           </p:sp>
         </mc:Choice>
-        <mc:Fallback>
+        <mc:Fallback xmlns="">
           <p:sp>
             <p:nvSpPr>
               <p:cNvPr id="7" name="內容版面配置區 2">
@@ -8964,8 +8972,8 @@
           </a:p>
         </p:txBody>
       </p:sp>
-      <mc:AlternateContent xmlns:mc="http://schemas.openxmlformats.org/markup-compatibility/2006">
-        <mc:Choice xmlns:a14="http://schemas.microsoft.com/office/drawing/2010/main" Requires="a14">
+      <mc:AlternateContent xmlns:mc="http://schemas.openxmlformats.org/markup-compatibility/2006" xmlns:a14="http://schemas.microsoft.com/office/drawing/2010/main">
+        <mc:Choice Requires="a14">
           <p:sp>
             <p:nvSpPr>
               <p:cNvPr id="3" name="內容版面配置區 2">
@@ -9503,7 +9511,7 @@
             </p:txBody>
           </p:sp>
         </mc:Choice>
-        <mc:Fallback>
+        <mc:Fallback xmlns="">
           <p:sp>
             <p:nvSpPr>
               <p:cNvPr id="3" name="內容版面配置區 2">
@@ -9632,8 +9640,8 @@
           </a:p>
         </p:txBody>
       </p:sp>
-      <mc:AlternateContent xmlns:mc="http://schemas.openxmlformats.org/markup-compatibility/2006">
-        <mc:Choice xmlns:a14="http://schemas.microsoft.com/office/drawing/2010/main" Requires="a14">
+      <mc:AlternateContent xmlns:mc="http://schemas.openxmlformats.org/markup-compatibility/2006" xmlns:a14="http://schemas.microsoft.com/office/drawing/2010/main">
+        <mc:Choice Requires="a14">
           <p:sp>
             <p:nvSpPr>
               <p:cNvPr id="52" name="內容版面配置區 2">
@@ -10422,7 +10430,7 @@
             </p:txBody>
           </p:sp>
         </mc:Choice>
-        <mc:Fallback>
+        <mc:Fallback xmlns="">
           <p:sp>
             <p:nvSpPr>
               <p:cNvPr id="52" name="內容版面配置區 2">
@@ -12041,8 +12049,8 @@
           </a:fontRef>
         </p:style>
       </p:cxnSp>
-      <mc:AlternateContent xmlns:mc="http://schemas.openxmlformats.org/markup-compatibility/2006">
-        <mc:Choice xmlns:a14="http://schemas.microsoft.com/office/drawing/2010/main" Requires="a14">
+      <mc:AlternateContent xmlns:mc="http://schemas.openxmlformats.org/markup-compatibility/2006" xmlns:a14="http://schemas.microsoft.com/office/drawing/2010/main">
+        <mc:Choice Requires="a14">
           <p:sp>
             <p:nvSpPr>
               <p:cNvPr id="65" name="TextBox 37">
@@ -12593,7 +12601,7 @@
             </p:txBody>
           </p:sp>
         </mc:Choice>
-        <mc:Fallback>
+        <mc:Fallback xmlns="">
           <p:sp>
             <p:nvSpPr>
               <p:cNvPr id="65" name="TextBox 37">
@@ -12718,8 +12726,8 @@
           </a:p>
         </p:txBody>
       </p:sp>
-      <mc:AlternateContent xmlns:mc="http://schemas.openxmlformats.org/markup-compatibility/2006">
-        <mc:Choice xmlns:a14="http://schemas.microsoft.com/office/drawing/2010/main" Requires="a14">
+      <mc:AlternateContent xmlns:mc="http://schemas.openxmlformats.org/markup-compatibility/2006" xmlns:a14="http://schemas.microsoft.com/office/drawing/2010/main">
+        <mc:Choice Requires="a14">
           <p:sp>
             <p:nvSpPr>
               <p:cNvPr id="3" name="內容版面配置區 2">
@@ -13927,7 +13935,7 @@
             </p:txBody>
           </p:sp>
         </mc:Choice>
-        <mc:Fallback>
+        <mc:Fallback xmlns="">
           <p:sp>
             <p:nvSpPr>
               <p:cNvPr id="3" name="內容版面配置區 2">
@@ -14051,8 +14059,8 @@
           </a:p>
         </p:txBody>
       </p:sp>
-      <mc:AlternateContent xmlns:mc="http://schemas.openxmlformats.org/markup-compatibility/2006">
-        <mc:Choice xmlns:a14="http://schemas.microsoft.com/office/drawing/2010/main" Requires="a14">
+      <mc:AlternateContent xmlns:mc="http://schemas.openxmlformats.org/markup-compatibility/2006" xmlns:a14="http://schemas.microsoft.com/office/drawing/2010/main">
+        <mc:Choice Requires="a14">
           <p:sp>
             <p:nvSpPr>
               <p:cNvPr id="3" name="內容版面配置區 2">
@@ -15131,7 +15139,7 @@
             </p:txBody>
           </p:sp>
         </mc:Choice>
-        <mc:Fallback>
+        <mc:Fallback xmlns="">
           <p:sp>
             <p:nvSpPr>
               <p:cNvPr id="3" name="內容版面配置區 2">

--- a/ESTR4999_Notes/ESTR4999_Presentation.pptx
+++ b/ESTR4999_Notes/ESTR4999_Presentation.pptx
@@ -6469,7 +6469,7 @@
             <a:pPr lvl="1"/>
             <a:r>
               <a:rPr lang="en-US" altLang="zh-TW" dirty="0"/>
-              <a:t>giving a more concrete theoretical proof of this method </a:t>
+              <a:t>giving a more concrete theoretical proof of the conditioning method </a:t>
             </a:r>
           </a:p>
           <a:p>
@@ -8071,7 +8071,7 @@
                 <a:ea typeface="Tahoma" panose="020B0604030504040204" pitchFamily="34" charset="0"/>
                 <a:cs typeface="Arial" panose="020B0604020202020204" pitchFamily="34" charset="0"/>
               </a:rPr>
-              <a:t> side are sent to the </a:t>
+              <a:t> side are transmitted to the </a:t>
             </a:r>
             <a:r>
               <a:rPr lang="en-US" altLang="zh-TW" sz="2200" i="1" dirty="0">
@@ -14059,8 +14059,8 @@
           </a:p>
         </p:txBody>
       </p:sp>
-      <mc:AlternateContent xmlns:mc="http://schemas.openxmlformats.org/markup-compatibility/2006" xmlns:a14="http://schemas.microsoft.com/office/drawing/2010/main">
-        <mc:Choice Requires="a14">
+      <mc:AlternateContent xmlns:mc="http://schemas.openxmlformats.org/markup-compatibility/2006">
+        <mc:Choice xmlns:a14="http://schemas.microsoft.com/office/drawing/2010/main" Requires="a14">
           <p:sp>
             <p:nvSpPr>
               <p:cNvPr id="3" name="內容版面配置區 2">
@@ -14497,11 +14497,11 @@
                         </m:e>
                       </m:d>
                       <m:r>
-                        <a:rPr lang="en-US" altLang="zh-TW" b="1" i="1">
+                        <a:rPr lang="en-US" altLang="zh-TW" b="1" i="1" smtClean="0">
                           <a:latin typeface="Cambria Math" panose="02040503050406030204" pitchFamily="18" charset="0"/>
                           <a:ea typeface="Cambria Math" panose="02040503050406030204" pitchFamily="18" charset="0"/>
                         </a:rPr>
-                        <m:t>≥</m:t>
+                        <m:t>=</m:t>
                       </m:r>
                       <m:r>
                         <a:rPr lang="en-US" altLang="zh-TW" b="1" i="1">
@@ -14895,11 +14895,11 @@
                         </m:e>
                       </m:d>
                       <m:r>
-                        <a:rPr lang="en-US" altLang="zh-TW" b="1" i="1">
+                        <a:rPr lang="en-US" altLang="zh-TW" b="1" i="1" smtClean="0">
                           <a:latin typeface="Cambria Math" panose="02040503050406030204" pitchFamily="18" charset="0"/>
                           <a:ea typeface="Cambria Math" panose="02040503050406030204" pitchFamily="18" charset="0"/>
                         </a:rPr>
-                        <m:t>≥</m:t>
+                        <m:t>=</m:t>
                       </m:r>
                       <m:r>
                         <a:rPr lang="en-US" altLang="zh-TW" b="1" i="1">
@@ -15139,7 +15139,7 @@
             </p:txBody>
           </p:sp>
         </mc:Choice>
-        <mc:Fallback xmlns="">
+        <mc:Fallback>
           <p:sp>
             <p:nvSpPr>
               <p:cNvPr id="3" name="內容版面配置區 2">

--- a/ESTR4999_Notes/ESTR4999_Presentation.pptx
+++ b/ESTR4999_Notes/ESTR4999_Presentation.pptx
@@ -5,7 +5,7 @@
     <p:sldMasterId id="2147483648" r:id="rId1"/>
   </p:sldMasterIdLst>
   <p:notesMasterIdLst>
-    <p:notesMasterId r:id="rId18"/>
+    <p:notesMasterId r:id="rId19"/>
   </p:notesMasterIdLst>
   <p:sldIdLst>
     <p:sldId id="256" r:id="rId2"/>
@@ -13,17 +13,18 @@
     <p:sldId id="260" r:id="rId4"/>
     <p:sldId id="262" r:id="rId5"/>
     <p:sldId id="263" r:id="rId6"/>
-    <p:sldId id="259" r:id="rId7"/>
-    <p:sldId id="261" r:id="rId8"/>
-    <p:sldId id="264" r:id="rId9"/>
-    <p:sldId id="268" r:id="rId10"/>
-    <p:sldId id="265" r:id="rId11"/>
-    <p:sldId id="266" r:id="rId12"/>
-    <p:sldId id="267" r:id="rId13"/>
-    <p:sldId id="269" r:id="rId14"/>
-    <p:sldId id="270" r:id="rId15"/>
-    <p:sldId id="271" r:id="rId16"/>
-    <p:sldId id="272" r:id="rId17"/>
+    <p:sldId id="273" r:id="rId7"/>
+    <p:sldId id="259" r:id="rId8"/>
+    <p:sldId id="261" r:id="rId9"/>
+    <p:sldId id="264" r:id="rId10"/>
+    <p:sldId id="268" r:id="rId11"/>
+    <p:sldId id="265" r:id="rId12"/>
+    <p:sldId id="266" r:id="rId13"/>
+    <p:sldId id="267" r:id="rId14"/>
+    <p:sldId id="269" r:id="rId15"/>
+    <p:sldId id="270" r:id="rId16"/>
+    <p:sldId id="271" r:id="rId17"/>
+    <p:sldId id="272" r:id="rId18"/>
   </p:sldIdLst>
   <p:sldSz cx="12192000" cy="6858000"/>
   <p:notesSz cx="6858000" cy="9144000"/>
@@ -544,7 +545,7 @@
           <a:p>
             <a:fld id="{C8FE534B-9E53-2C41-99F8-577F50FB7840}" type="slidenum">
               <a:rPr kumimoji="1" lang="zh-TW" altLang="en-US" smtClean="0"/>
-              <a:t>6</a:t>
+              <a:t>7</a:t>
             </a:fld>
             <a:endParaRPr kumimoji="1" lang="zh-TW" altLang="en-US"/>
           </a:p>
@@ -708,9 +709,9 @@
           <a:bodyPr/>
           <a:lstStyle/>
           <a:p>
-            <a:fld id="{7FDDC6AA-96B8-3D44-8022-0838F1FEEFFE}" type="datetimeFigureOut">
+            <a:fld id="{25756661-A71E-5B48-ACA3-5BF45D74A230}" type="datetime1">
               <a:rPr kumimoji="1" lang="zh-TW" altLang="en-US" smtClean="0"/>
-              <a:t>2022/4/25</a:t>
+              <a:t>2022/4/26</a:t>
             </a:fld>
             <a:endParaRPr kumimoji="1" lang="zh-TW" altLang="en-US"/>
           </a:p>
@@ -906,9 +907,9 @@
           <a:bodyPr/>
           <a:lstStyle/>
           <a:p>
-            <a:fld id="{7FDDC6AA-96B8-3D44-8022-0838F1FEEFFE}" type="datetimeFigureOut">
+            <a:fld id="{F5A194D8-B59B-7346-9076-D8D64A5FED57}" type="datetime1">
               <a:rPr kumimoji="1" lang="zh-TW" altLang="en-US" smtClean="0"/>
-              <a:t>2022/4/25</a:t>
+              <a:t>2022/4/26</a:t>
             </a:fld>
             <a:endParaRPr kumimoji="1" lang="zh-TW" altLang="en-US"/>
           </a:p>
@@ -1114,9 +1115,9 @@
           <a:bodyPr/>
           <a:lstStyle/>
           <a:p>
-            <a:fld id="{7FDDC6AA-96B8-3D44-8022-0838F1FEEFFE}" type="datetimeFigureOut">
+            <a:fld id="{093AB554-44A8-6749-8C6D-237994429B81}" type="datetime1">
               <a:rPr kumimoji="1" lang="zh-TW" altLang="en-US" smtClean="0"/>
-              <a:t>2022/4/25</a:t>
+              <a:t>2022/4/26</a:t>
             </a:fld>
             <a:endParaRPr kumimoji="1" lang="zh-TW" altLang="en-US"/>
           </a:p>
@@ -1312,9 +1313,9 @@
           <a:bodyPr/>
           <a:lstStyle/>
           <a:p>
-            <a:fld id="{7FDDC6AA-96B8-3D44-8022-0838F1FEEFFE}" type="datetimeFigureOut">
+            <a:fld id="{34965F7F-013B-8240-B945-073682FC974F}" type="datetime1">
               <a:rPr kumimoji="1" lang="zh-TW" altLang="en-US" smtClean="0"/>
-              <a:t>2022/4/25</a:t>
+              <a:t>2022/4/26</a:t>
             </a:fld>
             <a:endParaRPr kumimoji="1" lang="zh-TW" altLang="en-US"/>
           </a:p>
@@ -1587,9 +1588,9 @@
           <a:bodyPr/>
           <a:lstStyle/>
           <a:p>
-            <a:fld id="{7FDDC6AA-96B8-3D44-8022-0838F1FEEFFE}" type="datetimeFigureOut">
+            <a:fld id="{3BCF5FC9-A46A-6147-AEF6-203B216D5947}" type="datetime1">
               <a:rPr kumimoji="1" lang="zh-TW" altLang="en-US" smtClean="0"/>
-              <a:t>2022/4/25</a:t>
+              <a:t>2022/4/26</a:t>
             </a:fld>
             <a:endParaRPr kumimoji="1" lang="zh-TW" altLang="en-US"/>
           </a:p>
@@ -1852,9 +1853,9 @@
           <a:bodyPr/>
           <a:lstStyle/>
           <a:p>
-            <a:fld id="{7FDDC6AA-96B8-3D44-8022-0838F1FEEFFE}" type="datetimeFigureOut">
+            <a:fld id="{39F9A81A-DAF5-E24D-ABA5-A3F878D60B3E}" type="datetime1">
               <a:rPr kumimoji="1" lang="zh-TW" altLang="en-US" smtClean="0"/>
-              <a:t>2022/4/25</a:t>
+              <a:t>2022/4/26</a:t>
             </a:fld>
             <a:endParaRPr kumimoji="1" lang="zh-TW" altLang="en-US"/>
           </a:p>
@@ -2264,9 +2265,9 @@
           <a:bodyPr/>
           <a:lstStyle/>
           <a:p>
-            <a:fld id="{7FDDC6AA-96B8-3D44-8022-0838F1FEEFFE}" type="datetimeFigureOut">
+            <a:fld id="{1142353C-9663-6B40-A21E-8402AB254020}" type="datetime1">
               <a:rPr kumimoji="1" lang="zh-TW" altLang="en-US" smtClean="0"/>
-              <a:t>2022/4/25</a:t>
+              <a:t>2022/4/26</a:t>
             </a:fld>
             <a:endParaRPr kumimoji="1" lang="zh-TW" altLang="en-US"/>
           </a:p>
@@ -2405,9 +2406,9 @@
           <a:bodyPr/>
           <a:lstStyle/>
           <a:p>
-            <a:fld id="{7FDDC6AA-96B8-3D44-8022-0838F1FEEFFE}" type="datetimeFigureOut">
+            <a:fld id="{83AE2B6D-CC27-6042-BADD-1D8ACCE8E3BC}" type="datetime1">
               <a:rPr kumimoji="1" lang="zh-TW" altLang="en-US" smtClean="0"/>
-              <a:t>2022/4/25</a:t>
+              <a:t>2022/4/26</a:t>
             </a:fld>
             <a:endParaRPr kumimoji="1" lang="zh-TW" altLang="en-US"/>
           </a:p>
@@ -2518,9 +2519,9 @@
           <a:bodyPr/>
           <a:lstStyle/>
           <a:p>
-            <a:fld id="{7FDDC6AA-96B8-3D44-8022-0838F1FEEFFE}" type="datetimeFigureOut">
+            <a:fld id="{3962EFF0-E8BB-324C-BAFE-6C5F88F3DE42}" type="datetime1">
               <a:rPr kumimoji="1" lang="zh-TW" altLang="en-US" smtClean="0"/>
-              <a:t>2022/4/25</a:t>
+              <a:t>2022/4/26</a:t>
             </a:fld>
             <a:endParaRPr kumimoji="1" lang="zh-TW" altLang="en-US"/>
           </a:p>
@@ -2829,9 +2830,9 @@
           <a:bodyPr/>
           <a:lstStyle/>
           <a:p>
-            <a:fld id="{7FDDC6AA-96B8-3D44-8022-0838F1FEEFFE}" type="datetimeFigureOut">
+            <a:fld id="{AB6347C7-FD74-D94A-9C09-EC380A6F657C}" type="datetime1">
               <a:rPr kumimoji="1" lang="zh-TW" altLang="en-US" smtClean="0"/>
-              <a:t>2022/4/25</a:t>
+              <a:t>2022/4/26</a:t>
             </a:fld>
             <a:endParaRPr kumimoji="1" lang="zh-TW" altLang="en-US"/>
           </a:p>
@@ -3117,9 +3118,9 @@
           <a:bodyPr/>
           <a:lstStyle/>
           <a:p>
-            <a:fld id="{7FDDC6AA-96B8-3D44-8022-0838F1FEEFFE}" type="datetimeFigureOut">
+            <a:fld id="{DC4C3161-75DC-D440-B170-555BC512478C}" type="datetime1">
               <a:rPr kumimoji="1" lang="zh-TW" altLang="en-US" smtClean="0"/>
-              <a:t>2022/4/25</a:t>
+              <a:t>2022/4/26</a:t>
             </a:fld>
             <a:endParaRPr kumimoji="1" lang="zh-TW" altLang="en-US"/>
           </a:p>
@@ -3358,9 +3359,9 @@
             </a:lvl1pPr>
           </a:lstStyle>
           <a:p>
-            <a:fld id="{7FDDC6AA-96B8-3D44-8022-0838F1FEEFFE}" type="datetimeFigureOut">
+            <a:fld id="{ECD2A1A2-7A04-AF47-9D00-6F6FB3C6DB90}" type="datetime1">
               <a:rPr kumimoji="1" lang="zh-TW" altLang="en-US" smtClean="0"/>
-              <a:t>2022/4/25</a:t>
+              <a:t>2022/4/26</a:t>
             </a:fld>
             <a:endParaRPr kumimoji="1" lang="zh-TW" altLang="en-US"/>
           </a:p>
@@ -3477,6 +3478,7 @@
     <p:sldLayoutId id="2147483658" r:id="rId10"/>
     <p:sldLayoutId id="2147483659" r:id="rId11"/>
   </p:sldLayoutIdLst>
+  <p:hf hdr="0" ftr="0" dt="0"/>
   <p:txStyles>
     <p:titleStyle>
       <a:lvl1pPr algn="l" defTabSz="914400" rtl="0" eaLnBrk="1" latinLnBrk="0" hangingPunct="1">
@@ -4006,6 +4008,35 @@
           </a:p>
         </p:txBody>
       </p:sp>
+      <p:sp>
+        <p:nvSpPr>
+          <p:cNvPr id="2" name="投影片編號版面配置區 1">
+            <a:extLst>
+              <a:ext uri="{FF2B5EF4-FFF2-40B4-BE49-F238E27FC236}">
+                <a16:creationId xmlns:a16="http://schemas.microsoft.com/office/drawing/2014/main" id="{E319D580-D0FC-260E-0F0A-A1DB9E2D99B3}"/>
+              </a:ext>
+            </a:extLst>
+          </p:cNvPr>
+          <p:cNvSpPr>
+            <a:spLocks noGrp="1"/>
+          </p:cNvSpPr>
+          <p:nvPr>
+            <p:ph type="sldNum" sz="quarter" idx="12"/>
+          </p:nvPr>
+        </p:nvSpPr>
+        <p:spPr/>
+        <p:txBody>
+          <a:bodyPr/>
+          <a:lstStyle/>
+          <a:p>
+            <a:fld id="{EBC81C9E-5C6F-BE43-A2DB-9F7FDEA567D5}" type="slidenum">
+              <a:rPr kumimoji="1" lang="zh-TW" altLang="en-US" smtClean="0"/>
+              <a:t>1</a:t>
+            </a:fld>
+            <a:endParaRPr kumimoji="1" lang="zh-TW" altLang="en-US"/>
+          </a:p>
+        </p:txBody>
+      </p:sp>
     </p:spTree>
     <p:extLst>
       <p:ext uri="{BB962C8B-B14F-4D97-AF65-F5344CB8AC3E}">
@@ -4020,6 +4051,691 @@
 </file>
 
 <file path=ppt/slides/slide10.xml><?xml version="1.0" encoding="utf-8"?>
+<p:sld xmlns:a="http://schemas.openxmlformats.org/drawingml/2006/main" xmlns:r="http://schemas.openxmlformats.org/officeDocument/2006/relationships" xmlns:p="http://schemas.openxmlformats.org/presentationml/2006/main">
+  <p:cSld>
+    <p:spTree>
+      <p:nvGrpSpPr>
+        <p:cNvPr id="1" name=""/>
+        <p:cNvGrpSpPr/>
+        <p:nvPr/>
+      </p:nvGrpSpPr>
+      <p:grpSpPr>
+        <a:xfrm>
+          <a:off x="0" y="0"/>
+          <a:ext cx="0" cy="0"/>
+          <a:chOff x="0" y="0"/>
+          <a:chExt cx="0" cy="0"/>
+        </a:xfrm>
+      </p:grpSpPr>
+      <p:pic>
+        <p:nvPicPr>
+          <p:cNvPr id="15" name="圖片 14">
+            <a:extLst>
+              <a:ext uri="{FF2B5EF4-FFF2-40B4-BE49-F238E27FC236}">
+                <a16:creationId xmlns:a16="http://schemas.microsoft.com/office/drawing/2014/main" id="{69E76F6F-B539-6722-980A-B4910004E210}"/>
+              </a:ext>
+            </a:extLst>
+          </p:cNvPr>
+          <p:cNvPicPr>
+            <a:picLocks noChangeAspect="1"/>
+          </p:cNvPicPr>
+          <p:nvPr/>
+        </p:nvPicPr>
+        <p:blipFill>
+          <a:blip r:embed="rId2"/>
+          <a:stretch>
+            <a:fillRect/>
+          </a:stretch>
+        </p:blipFill>
+        <p:spPr>
+          <a:xfrm>
+            <a:off x="577088" y="1694181"/>
+            <a:ext cx="5424932" cy="4122558"/>
+          </a:xfrm>
+          <a:prstGeom prst="rect">
+            <a:avLst/>
+          </a:prstGeom>
+        </p:spPr>
+      </p:pic>
+      <p:pic>
+        <p:nvPicPr>
+          <p:cNvPr id="17" name="圖片 16">
+            <a:extLst>
+              <a:ext uri="{FF2B5EF4-FFF2-40B4-BE49-F238E27FC236}">
+                <a16:creationId xmlns:a16="http://schemas.microsoft.com/office/drawing/2014/main" id="{9D38A8B0-C3D6-5461-043E-DDA3310D2DCB}"/>
+              </a:ext>
+            </a:extLst>
+          </p:cNvPr>
+          <p:cNvPicPr>
+            <a:picLocks noChangeAspect="1"/>
+          </p:cNvPicPr>
+          <p:nvPr/>
+        </p:nvPicPr>
+        <p:blipFill>
+          <a:blip r:embed="rId3"/>
+          <a:stretch>
+            <a:fillRect/>
+          </a:stretch>
+        </p:blipFill>
+        <p:spPr>
+          <a:xfrm>
+            <a:off x="6120384" y="1743805"/>
+            <a:ext cx="5424932" cy="4056392"/>
+          </a:xfrm>
+          <a:prstGeom prst="rect">
+            <a:avLst/>
+          </a:prstGeom>
+        </p:spPr>
+      </p:pic>
+      <p:sp>
+        <p:nvSpPr>
+          <p:cNvPr id="18" name="內容版面配置區 2">
+            <a:extLst>
+              <a:ext uri="{FF2B5EF4-FFF2-40B4-BE49-F238E27FC236}">
+                <a16:creationId xmlns:a16="http://schemas.microsoft.com/office/drawing/2014/main" id="{57A183A6-C359-ABFA-76DC-BAF2CF96DD56}"/>
+              </a:ext>
+            </a:extLst>
+          </p:cNvPr>
+          <p:cNvSpPr txBox="1">
+            <a:spLocks/>
+          </p:cNvSpPr>
+          <p:nvPr/>
+        </p:nvSpPr>
+        <p:spPr>
+          <a:xfrm>
+            <a:off x="808736" y="5662299"/>
+            <a:ext cx="5287264" cy="376797"/>
+          </a:xfrm>
+          <a:prstGeom prst="rect">
+            <a:avLst/>
+          </a:prstGeom>
+        </p:spPr>
+        <p:txBody>
+          <a:bodyPr vert="horz" lIns="91440" tIns="45720" rIns="91440" bIns="45720" rtlCol="0">
+            <a:noAutofit/>
+          </a:bodyPr>
+          <a:lstStyle>
+            <a:lvl1pPr marL="228600" indent="-228600" algn="l" defTabSz="914400" rtl="0" eaLnBrk="1" latinLnBrk="0" hangingPunct="1">
+              <a:lnSpc>
+                <a:spcPct val="90000"/>
+              </a:lnSpc>
+              <a:spcBef>
+                <a:spcPts val="1000"/>
+              </a:spcBef>
+              <a:buFont typeface="Arial" panose="020B0604020202020204" pitchFamily="34" charset="0"/>
+              <a:buChar char="•"/>
+              <a:defRPr sz="2800" kern="1200">
+                <a:solidFill>
+                  <a:schemeClr val="tx1"/>
+                </a:solidFill>
+                <a:latin typeface="+mn-lt"/>
+                <a:ea typeface="+mn-ea"/>
+                <a:cs typeface="+mn-cs"/>
+              </a:defRPr>
+            </a:lvl1pPr>
+            <a:lvl2pPr marL="685800" indent="-228600" algn="l" defTabSz="914400" rtl="0" eaLnBrk="1" latinLnBrk="0" hangingPunct="1">
+              <a:lnSpc>
+                <a:spcPct val="90000"/>
+              </a:lnSpc>
+              <a:spcBef>
+                <a:spcPts val="500"/>
+              </a:spcBef>
+              <a:buFont typeface="Arial" panose="020B0604020202020204" pitchFamily="34" charset="0"/>
+              <a:buChar char="•"/>
+              <a:defRPr sz="2400" kern="1200">
+                <a:solidFill>
+                  <a:schemeClr val="tx1"/>
+                </a:solidFill>
+                <a:latin typeface="+mn-lt"/>
+                <a:ea typeface="+mn-ea"/>
+                <a:cs typeface="+mn-cs"/>
+              </a:defRPr>
+            </a:lvl2pPr>
+            <a:lvl3pPr marL="1143000" indent="-228600" algn="l" defTabSz="914400" rtl="0" eaLnBrk="1" latinLnBrk="0" hangingPunct="1">
+              <a:lnSpc>
+                <a:spcPct val="90000"/>
+              </a:lnSpc>
+              <a:spcBef>
+                <a:spcPts val="500"/>
+              </a:spcBef>
+              <a:buFont typeface="Arial" panose="020B0604020202020204" pitchFamily="34" charset="0"/>
+              <a:buChar char="•"/>
+              <a:defRPr sz="2000" kern="1200">
+                <a:solidFill>
+                  <a:schemeClr val="tx1"/>
+                </a:solidFill>
+                <a:latin typeface="+mn-lt"/>
+                <a:ea typeface="+mn-ea"/>
+                <a:cs typeface="+mn-cs"/>
+              </a:defRPr>
+            </a:lvl3pPr>
+            <a:lvl4pPr marL="1600200" indent="-228600" algn="l" defTabSz="914400" rtl="0" eaLnBrk="1" latinLnBrk="0" hangingPunct="1">
+              <a:lnSpc>
+                <a:spcPct val="90000"/>
+              </a:lnSpc>
+              <a:spcBef>
+                <a:spcPts val="500"/>
+              </a:spcBef>
+              <a:buFont typeface="Arial" panose="020B0604020202020204" pitchFamily="34" charset="0"/>
+              <a:buChar char="•"/>
+              <a:defRPr sz="1800" kern="1200">
+                <a:solidFill>
+                  <a:schemeClr val="tx1"/>
+                </a:solidFill>
+                <a:latin typeface="+mn-lt"/>
+                <a:ea typeface="+mn-ea"/>
+                <a:cs typeface="+mn-cs"/>
+              </a:defRPr>
+            </a:lvl4pPr>
+            <a:lvl5pPr marL="2057400" indent="-228600" algn="l" defTabSz="914400" rtl="0" eaLnBrk="1" latinLnBrk="0" hangingPunct="1">
+              <a:lnSpc>
+                <a:spcPct val="90000"/>
+              </a:lnSpc>
+              <a:spcBef>
+                <a:spcPts val="500"/>
+              </a:spcBef>
+              <a:buFont typeface="Arial" panose="020B0604020202020204" pitchFamily="34" charset="0"/>
+              <a:buChar char="•"/>
+              <a:defRPr sz="1800" kern="1200">
+                <a:solidFill>
+                  <a:schemeClr val="tx1"/>
+                </a:solidFill>
+                <a:latin typeface="+mn-lt"/>
+                <a:ea typeface="+mn-ea"/>
+                <a:cs typeface="+mn-cs"/>
+              </a:defRPr>
+            </a:lvl5pPr>
+            <a:lvl6pPr marL="2514600" indent="-228600" algn="l" defTabSz="914400" rtl="0" eaLnBrk="1" latinLnBrk="0" hangingPunct="1">
+              <a:lnSpc>
+                <a:spcPct val="90000"/>
+              </a:lnSpc>
+              <a:spcBef>
+                <a:spcPts val="500"/>
+              </a:spcBef>
+              <a:buFont typeface="Arial" panose="020B0604020202020204" pitchFamily="34" charset="0"/>
+              <a:buChar char="•"/>
+              <a:defRPr sz="1800" kern="1200">
+                <a:solidFill>
+                  <a:schemeClr val="tx1"/>
+                </a:solidFill>
+                <a:latin typeface="+mn-lt"/>
+                <a:ea typeface="+mn-ea"/>
+                <a:cs typeface="+mn-cs"/>
+              </a:defRPr>
+            </a:lvl6pPr>
+            <a:lvl7pPr marL="2971800" indent="-228600" algn="l" defTabSz="914400" rtl="0" eaLnBrk="1" latinLnBrk="0" hangingPunct="1">
+              <a:lnSpc>
+                <a:spcPct val="90000"/>
+              </a:lnSpc>
+              <a:spcBef>
+                <a:spcPts val="500"/>
+              </a:spcBef>
+              <a:buFont typeface="Arial" panose="020B0604020202020204" pitchFamily="34" charset="0"/>
+              <a:buChar char="•"/>
+              <a:defRPr sz="1800" kern="1200">
+                <a:solidFill>
+                  <a:schemeClr val="tx1"/>
+                </a:solidFill>
+                <a:latin typeface="+mn-lt"/>
+                <a:ea typeface="+mn-ea"/>
+                <a:cs typeface="+mn-cs"/>
+              </a:defRPr>
+            </a:lvl7pPr>
+            <a:lvl8pPr marL="3429000" indent="-228600" algn="l" defTabSz="914400" rtl="0" eaLnBrk="1" latinLnBrk="0" hangingPunct="1">
+              <a:lnSpc>
+                <a:spcPct val="90000"/>
+              </a:lnSpc>
+              <a:spcBef>
+                <a:spcPts val="500"/>
+              </a:spcBef>
+              <a:buFont typeface="Arial" panose="020B0604020202020204" pitchFamily="34" charset="0"/>
+              <a:buChar char="•"/>
+              <a:defRPr sz="1800" kern="1200">
+                <a:solidFill>
+                  <a:schemeClr val="tx1"/>
+                </a:solidFill>
+                <a:latin typeface="+mn-lt"/>
+                <a:ea typeface="+mn-ea"/>
+                <a:cs typeface="+mn-cs"/>
+              </a:defRPr>
+            </a:lvl8pPr>
+            <a:lvl9pPr marL="3886200" indent="-228600" algn="l" defTabSz="914400" rtl="0" eaLnBrk="1" latinLnBrk="0" hangingPunct="1">
+              <a:lnSpc>
+                <a:spcPct val="90000"/>
+              </a:lnSpc>
+              <a:spcBef>
+                <a:spcPts val="500"/>
+              </a:spcBef>
+              <a:buFont typeface="Arial" panose="020B0604020202020204" pitchFamily="34" charset="0"/>
+              <a:buChar char="•"/>
+              <a:defRPr sz="1800" kern="1200">
+                <a:solidFill>
+                  <a:schemeClr val="tx1"/>
+                </a:solidFill>
+                <a:latin typeface="+mn-lt"/>
+                <a:ea typeface="+mn-ea"/>
+                <a:cs typeface="+mn-cs"/>
+              </a:defRPr>
+            </a:lvl9pPr>
+          </a:lstStyle>
+          <a:p>
+            <a:r>
+              <a:rPr kumimoji="1" lang="en-US" altLang="zh-TW" sz="1600" dirty="0"/>
+              <a:t>An example of marginal empirical probability distribution.</a:t>
+            </a:r>
+          </a:p>
+        </p:txBody>
+      </p:sp>
+      <p:sp>
+        <p:nvSpPr>
+          <p:cNvPr id="19" name="內容版面配置區 2">
+            <a:extLst>
+              <a:ext uri="{FF2B5EF4-FFF2-40B4-BE49-F238E27FC236}">
+                <a16:creationId xmlns:a16="http://schemas.microsoft.com/office/drawing/2014/main" id="{DFC33640-BE19-0ABA-364B-5BCAE38ADC2E}"/>
+              </a:ext>
+            </a:extLst>
+          </p:cNvPr>
+          <p:cNvSpPr txBox="1">
+            <a:spLocks/>
+          </p:cNvSpPr>
+          <p:nvPr/>
+        </p:nvSpPr>
+        <p:spPr>
+          <a:xfrm>
+            <a:off x="6799580" y="5987506"/>
+            <a:ext cx="4745736" cy="376797"/>
+          </a:xfrm>
+          <a:prstGeom prst="rect">
+            <a:avLst/>
+          </a:prstGeom>
+        </p:spPr>
+        <p:txBody>
+          <a:bodyPr vert="horz" lIns="91440" tIns="45720" rIns="91440" bIns="45720" rtlCol="0">
+            <a:noAutofit/>
+          </a:bodyPr>
+          <a:lstStyle>
+            <a:lvl1pPr marL="228600" indent="-228600" algn="l" defTabSz="914400" rtl="0" eaLnBrk="1" latinLnBrk="0" hangingPunct="1">
+              <a:lnSpc>
+                <a:spcPct val="90000"/>
+              </a:lnSpc>
+              <a:spcBef>
+                <a:spcPts val="1000"/>
+              </a:spcBef>
+              <a:buFont typeface="Arial" panose="020B0604020202020204" pitchFamily="34" charset="0"/>
+              <a:buChar char="•"/>
+              <a:defRPr sz="2800" kern="1200">
+                <a:solidFill>
+                  <a:schemeClr val="tx1"/>
+                </a:solidFill>
+                <a:latin typeface="+mn-lt"/>
+                <a:ea typeface="+mn-ea"/>
+                <a:cs typeface="+mn-cs"/>
+              </a:defRPr>
+            </a:lvl1pPr>
+            <a:lvl2pPr marL="685800" indent="-228600" algn="l" defTabSz="914400" rtl="0" eaLnBrk="1" latinLnBrk="0" hangingPunct="1">
+              <a:lnSpc>
+                <a:spcPct val="90000"/>
+              </a:lnSpc>
+              <a:spcBef>
+                <a:spcPts val="500"/>
+              </a:spcBef>
+              <a:buFont typeface="Arial" panose="020B0604020202020204" pitchFamily="34" charset="0"/>
+              <a:buChar char="•"/>
+              <a:defRPr sz="2400" kern="1200">
+                <a:solidFill>
+                  <a:schemeClr val="tx1"/>
+                </a:solidFill>
+                <a:latin typeface="+mn-lt"/>
+                <a:ea typeface="+mn-ea"/>
+                <a:cs typeface="+mn-cs"/>
+              </a:defRPr>
+            </a:lvl2pPr>
+            <a:lvl3pPr marL="1143000" indent="-228600" algn="l" defTabSz="914400" rtl="0" eaLnBrk="1" latinLnBrk="0" hangingPunct="1">
+              <a:lnSpc>
+                <a:spcPct val="90000"/>
+              </a:lnSpc>
+              <a:spcBef>
+                <a:spcPts val="500"/>
+              </a:spcBef>
+              <a:buFont typeface="Arial" panose="020B0604020202020204" pitchFamily="34" charset="0"/>
+              <a:buChar char="•"/>
+              <a:defRPr sz="2000" kern="1200">
+                <a:solidFill>
+                  <a:schemeClr val="tx1"/>
+                </a:solidFill>
+                <a:latin typeface="+mn-lt"/>
+                <a:ea typeface="+mn-ea"/>
+                <a:cs typeface="+mn-cs"/>
+              </a:defRPr>
+            </a:lvl3pPr>
+            <a:lvl4pPr marL="1600200" indent="-228600" algn="l" defTabSz="914400" rtl="0" eaLnBrk="1" latinLnBrk="0" hangingPunct="1">
+              <a:lnSpc>
+                <a:spcPct val="90000"/>
+              </a:lnSpc>
+              <a:spcBef>
+                <a:spcPts val="500"/>
+              </a:spcBef>
+              <a:buFont typeface="Arial" panose="020B0604020202020204" pitchFamily="34" charset="0"/>
+              <a:buChar char="•"/>
+              <a:defRPr sz="1800" kern="1200">
+                <a:solidFill>
+                  <a:schemeClr val="tx1"/>
+                </a:solidFill>
+                <a:latin typeface="+mn-lt"/>
+                <a:ea typeface="+mn-ea"/>
+                <a:cs typeface="+mn-cs"/>
+              </a:defRPr>
+            </a:lvl4pPr>
+            <a:lvl5pPr marL="2057400" indent="-228600" algn="l" defTabSz="914400" rtl="0" eaLnBrk="1" latinLnBrk="0" hangingPunct="1">
+              <a:lnSpc>
+                <a:spcPct val="90000"/>
+              </a:lnSpc>
+              <a:spcBef>
+                <a:spcPts val="500"/>
+              </a:spcBef>
+              <a:buFont typeface="Arial" panose="020B0604020202020204" pitchFamily="34" charset="0"/>
+              <a:buChar char="•"/>
+              <a:defRPr sz="1800" kern="1200">
+                <a:solidFill>
+                  <a:schemeClr val="tx1"/>
+                </a:solidFill>
+                <a:latin typeface="+mn-lt"/>
+                <a:ea typeface="+mn-ea"/>
+                <a:cs typeface="+mn-cs"/>
+              </a:defRPr>
+            </a:lvl5pPr>
+            <a:lvl6pPr marL="2514600" indent="-228600" algn="l" defTabSz="914400" rtl="0" eaLnBrk="1" latinLnBrk="0" hangingPunct="1">
+              <a:lnSpc>
+                <a:spcPct val="90000"/>
+              </a:lnSpc>
+              <a:spcBef>
+                <a:spcPts val="500"/>
+              </a:spcBef>
+              <a:buFont typeface="Arial" panose="020B0604020202020204" pitchFamily="34" charset="0"/>
+              <a:buChar char="•"/>
+              <a:defRPr sz="1800" kern="1200">
+                <a:solidFill>
+                  <a:schemeClr val="tx1"/>
+                </a:solidFill>
+                <a:latin typeface="+mn-lt"/>
+                <a:ea typeface="+mn-ea"/>
+                <a:cs typeface="+mn-cs"/>
+              </a:defRPr>
+            </a:lvl6pPr>
+            <a:lvl7pPr marL="2971800" indent="-228600" algn="l" defTabSz="914400" rtl="0" eaLnBrk="1" latinLnBrk="0" hangingPunct="1">
+              <a:lnSpc>
+                <a:spcPct val="90000"/>
+              </a:lnSpc>
+              <a:spcBef>
+                <a:spcPts val="500"/>
+              </a:spcBef>
+              <a:buFont typeface="Arial" panose="020B0604020202020204" pitchFamily="34" charset="0"/>
+              <a:buChar char="•"/>
+              <a:defRPr sz="1800" kern="1200">
+                <a:solidFill>
+                  <a:schemeClr val="tx1"/>
+                </a:solidFill>
+                <a:latin typeface="+mn-lt"/>
+                <a:ea typeface="+mn-ea"/>
+                <a:cs typeface="+mn-cs"/>
+              </a:defRPr>
+            </a:lvl7pPr>
+            <a:lvl8pPr marL="3429000" indent="-228600" algn="l" defTabSz="914400" rtl="0" eaLnBrk="1" latinLnBrk="0" hangingPunct="1">
+              <a:lnSpc>
+                <a:spcPct val="90000"/>
+              </a:lnSpc>
+              <a:spcBef>
+                <a:spcPts val="500"/>
+              </a:spcBef>
+              <a:buFont typeface="Arial" panose="020B0604020202020204" pitchFamily="34" charset="0"/>
+              <a:buChar char="•"/>
+              <a:defRPr sz="1800" kern="1200">
+                <a:solidFill>
+                  <a:schemeClr val="tx1"/>
+                </a:solidFill>
+                <a:latin typeface="+mn-lt"/>
+                <a:ea typeface="+mn-ea"/>
+                <a:cs typeface="+mn-cs"/>
+              </a:defRPr>
+            </a:lvl8pPr>
+            <a:lvl9pPr marL="3886200" indent="-228600" algn="l" defTabSz="914400" rtl="0" eaLnBrk="1" latinLnBrk="0" hangingPunct="1">
+              <a:lnSpc>
+                <a:spcPct val="90000"/>
+              </a:lnSpc>
+              <a:spcBef>
+                <a:spcPts val="500"/>
+              </a:spcBef>
+              <a:buFont typeface="Arial" panose="020B0604020202020204" pitchFamily="34" charset="0"/>
+              <a:buChar char="•"/>
+              <a:defRPr sz="1800" kern="1200">
+                <a:solidFill>
+                  <a:schemeClr val="tx1"/>
+                </a:solidFill>
+                <a:latin typeface="+mn-lt"/>
+                <a:ea typeface="+mn-ea"/>
+                <a:cs typeface="+mn-cs"/>
+              </a:defRPr>
+            </a:lvl9pPr>
+          </a:lstStyle>
+          <a:p>
+            <a:r>
+              <a:rPr kumimoji="1" lang="en-US" altLang="zh-TW" sz="1600" dirty="0"/>
+              <a:t>The corresponding conditional empirical distribution.</a:t>
+            </a:r>
+          </a:p>
+        </p:txBody>
+      </p:sp>
+      <p:cxnSp>
+        <p:nvCxnSpPr>
+          <p:cNvPr id="23" name="直線箭頭接點 22">
+            <a:extLst>
+              <a:ext uri="{FF2B5EF4-FFF2-40B4-BE49-F238E27FC236}">
+                <a16:creationId xmlns:a16="http://schemas.microsoft.com/office/drawing/2014/main" id="{2A038201-D989-B777-FC2C-C254BE19E985}"/>
+              </a:ext>
+            </a:extLst>
+          </p:cNvPr>
+          <p:cNvCxnSpPr>
+            <a:cxnSpLocks/>
+          </p:cNvCxnSpPr>
+          <p:nvPr/>
+        </p:nvCxnSpPr>
+        <p:spPr>
+          <a:xfrm>
+            <a:off x="5057583" y="6544510"/>
+            <a:ext cx="1669415" cy="0"/>
+          </a:xfrm>
+          <a:prstGeom prst="straightConnector1">
+            <a:avLst/>
+          </a:prstGeom>
+          <a:ln w="63500">
+            <a:tailEnd type="triangle"/>
+          </a:ln>
+        </p:spPr>
+        <p:style>
+          <a:lnRef idx="1">
+            <a:schemeClr val="accent2"/>
+          </a:lnRef>
+          <a:fillRef idx="0">
+            <a:schemeClr val="accent2"/>
+          </a:fillRef>
+          <a:effectRef idx="0">
+            <a:schemeClr val="accent2"/>
+          </a:effectRef>
+          <a:fontRef idx="minor">
+            <a:schemeClr val="tx1"/>
+          </a:fontRef>
+        </p:style>
+      </p:cxnSp>
+      <p:sp>
+        <p:nvSpPr>
+          <p:cNvPr id="27" name="文字方塊 26">
+            <a:extLst>
+              <a:ext uri="{FF2B5EF4-FFF2-40B4-BE49-F238E27FC236}">
+                <a16:creationId xmlns:a16="http://schemas.microsoft.com/office/drawing/2014/main" id="{487A6DA9-BCE6-2E71-D899-6DD8E90178E4}"/>
+              </a:ext>
+            </a:extLst>
+          </p:cNvPr>
+          <p:cNvSpPr txBox="1"/>
+          <p:nvPr/>
+        </p:nvSpPr>
+        <p:spPr>
+          <a:xfrm>
+            <a:off x="5203096" y="6064296"/>
+            <a:ext cx="1378391" cy="369332"/>
+          </a:xfrm>
+          <a:prstGeom prst="rect">
+            <a:avLst/>
+          </a:prstGeom>
+          <a:noFill/>
+        </p:spPr>
+        <p:txBody>
+          <a:bodyPr wrap="none" rtlCol="0">
+            <a:spAutoFit/>
+          </a:bodyPr>
+          <a:lstStyle/>
+          <a:p>
+            <a:r>
+              <a:rPr kumimoji="1" lang="en-US" altLang="zh-TW" b="1" i="1" dirty="0"/>
+              <a:t>conditioning</a:t>
+            </a:r>
+            <a:endParaRPr kumimoji="1" lang="zh-TW" altLang="en-US" b="1" i="1" dirty="0"/>
+          </a:p>
+        </p:txBody>
+      </p:sp>
+      <p:sp>
+        <p:nvSpPr>
+          <p:cNvPr id="29" name="文字方塊 28">
+            <a:extLst>
+              <a:ext uri="{FF2B5EF4-FFF2-40B4-BE49-F238E27FC236}">
+                <a16:creationId xmlns:a16="http://schemas.microsoft.com/office/drawing/2014/main" id="{C5D39DC8-74FE-0013-DE88-E4203B6915F6}"/>
+              </a:ext>
+            </a:extLst>
+          </p:cNvPr>
+          <p:cNvSpPr txBox="1"/>
+          <p:nvPr/>
+        </p:nvSpPr>
+        <p:spPr>
+          <a:xfrm>
+            <a:off x="7160615" y="5691921"/>
+            <a:ext cx="1611275" cy="307777"/>
+          </a:xfrm>
+          <a:prstGeom prst="rect">
+            <a:avLst/>
+          </a:prstGeom>
+          <a:noFill/>
+        </p:spPr>
+        <p:txBody>
+          <a:bodyPr wrap="none" rtlCol="0">
+            <a:spAutoFit/>
+          </a:bodyPr>
+          <a:lstStyle/>
+          <a:p>
+            <a:r>
+              <a:rPr kumimoji="1" lang="en-US" altLang="zh-TW" sz="1400" b="1" i="1" dirty="0"/>
+              <a:t>0.05 quantile value</a:t>
+            </a:r>
+            <a:endParaRPr kumimoji="1" lang="zh-TW" altLang="en-US" sz="1400" b="1" i="1" dirty="0"/>
+          </a:p>
+        </p:txBody>
+      </p:sp>
+      <p:sp>
+        <p:nvSpPr>
+          <p:cNvPr id="13" name="標題 1">
+            <a:extLst>
+              <a:ext uri="{FF2B5EF4-FFF2-40B4-BE49-F238E27FC236}">
+                <a16:creationId xmlns:a16="http://schemas.microsoft.com/office/drawing/2014/main" id="{106EF599-A9D4-A501-4275-8E05FFB24634}"/>
+              </a:ext>
+            </a:extLst>
+          </p:cNvPr>
+          <p:cNvSpPr>
+            <a:spLocks noGrp="1"/>
+          </p:cNvSpPr>
+          <p:nvPr>
+            <p:ph type="title"/>
+          </p:nvPr>
+        </p:nvSpPr>
+        <p:spPr>
+          <a:xfrm>
+            <a:off x="838200" y="365125"/>
+            <a:ext cx="10515600" cy="1325563"/>
+          </a:xfrm>
+        </p:spPr>
+        <p:txBody>
+          <a:bodyPr>
+            <a:normAutofit/>
+          </a:bodyPr>
+          <a:lstStyle/>
+          <a:p>
+            <a:r>
+              <a:rPr kumimoji="1" lang="en-US" altLang="zh-TW" sz="3500" b="1" dirty="0">
+                <a:latin typeface="Times New Roman" panose="02020603050405020304" pitchFamily="18" charset="0"/>
+                <a:cs typeface="Times New Roman" panose="02020603050405020304" pitchFamily="18" charset="0"/>
+              </a:rPr>
+              <a:t>Our Solution</a:t>
+            </a:r>
+            <a:br>
+              <a:rPr kumimoji="1" lang="en-US" altLang="zh-TW" sz="3500" b="1" dirty="0">
+                <a:latin typeface="Times New Roman" panose="02020603050405020304" pitchFamily="18" charset="0"/>
+                <a:cs typeface="Times New Roman" panose="02020603050405020304" pitchFamily="18" charset="0"/>
+              </a:rPr>
+            </a:br>
+            <a:r>
+              <a:rPr kumimoji="1" lang="en-US" altLang="zh-TW" sz="3500" b="1" dirty="0">
+                <a:latin typeface="Times New Roman" panose="02020603050405020304" pitchFamily="18" charset="0"/>
+                <a:cs typeface="Times New Roman" panose="02020603050405020304" pitchFamily="18" charset="0"/>
+              </a:rPr>
+              <a:t>- Demo Pictures of Marginal and Conditional PDF</a:t>
+            </a:r>
+            <a:endParaRPr kumimoji="1" lang="zh-TW" altLang="en-US" sz="3500" b="1" dirty="0">
+              <a:latin typeface="Times New Roman" panose="02020603050405020304" pitchFamily="18" charset="0"/>
+              <a:cs typeface="Times New Roman" panose="02020603050405020304" pitchFamily="18" charset="0"/>
+            </a:endParaRPr>
+          </a:p>
+        </p:txBody>
+      </p:sp>
+      <p:sp>
+        <p:nvSpPr>
+          <p:cNvPr id="5" name="投影片編號版面配置區 4">
+            <a:extLst>
+              <a:ext uri="{FF2B5EF4-FFF2-40B4-BE49-F238E27FC236}">
+                <a16:creationId xmlns:a16="http://schemas.microsoft.com/office/drawing/2014/main" id="{34FD7CF4-E64F-D6A6-3FCB-F31F05CE066E}"/>
+              </a:ext>
+            </a:extLst>
+          </p:cNvPr>
+          <p:cNvSpPr>
+            <a:spLocks noGrp="1"/>
+          </p:cNvSpPr>
+          <p:nvPr>
+            <p:ph type="sldNum" sz="quarter" idx="12"/>
+          </p:nvPr>
+        </p:nvSpPr>
+        <p:spPr/>
+        <p:txBody>
+          <a:bodyPr/>
+          <a:lstStyle/>
+          <a:p>
+            <a:fld id="{EBC81C9E-5C6F-BE43-A2DB-9F7FDEA567D5}" type="slidenum">
+              <a:rPr kumimoji="1" lang="zh-TW" altLang="en-US" smtClean="0"/>
+              <a:t>10</a:t>
+            </a:fld>
+            <a:endParaRPr kumimoji="1" lang="zh-TW" altLang="en-US"/>
+          </a:p>
+        </p:txBody>
+      </p:sp>
+    </p:spTree>
+    <p:extLst>
+      <p:ext uri="{BB962C8B-B14F-4D97-AF65-F5344CB8AC3E}">
+        <p14:creationId xmlns:p14="http://schemas.microsoft.com/office/powerpoint/2010/main" val="2351825874"/>
+      </p:ext>
+    </p:extLst>
+  </p:cSld>
+  <p:clrMapOvr>
+    <a:masterClrMapping/>
+  </p:clrMapOvr>
+</p:sld>
+</file>
+
+<file path=ppt/slides/slide11.xml><?xml version="1.0" encoding="utf-8"?>
 <p:sld xmlns:a="http://schemas.openxmlformats.org/drawingml/2006/main" xmlns:r="http://schemas.openxmlformats.org/officeDocument/2006/relationships" xmlns:p="http://schemas.openxmlformats.org/presentationml/2006/main">
   <p:cSld>
     <p:spTree>
@@ -4211,6 +4927,35 @@
           </a:p>
         </p:txBody>
       </p:sp>
+      <p:sp>
+        <p:nvSpPr>
+          <p:cNvPr id="4" name="投影片編號版面配置區 3">
+            <a:extLst>
+              <a:ext uri="{FF2B5EF4-FFF2-40B4-BE49-F238E27FC236}">
+                <a16:creationId xmlns:a16="http://schemas.microsoft.com/office/drawing/2014/main" id="{E24B7315-732D-D908-2129-370EEFD398FC}"/>
+              </a:ext>
+            </a:extLst>
+          </p:cNvPr>
+          <p:cNvSpPr>
+            <a:spLocks noGrp="1"/>
+          </p:cNvSpPr>
+          <p:nvPr>
+            <p:ph type="sldNum" sz="quarter" idx="12"/>
+          </p:nvPr>
+        </p:nvSpPr>
+        <p:spPr/>
+        <p:txBody>
+          <a:bodyPr/>
+          <a:lstStyle/>
+          <a:p>
+            <a:fld id="{EBC81C9E-5C6F-BE43-A2DB-9F7FDEA567D5}" type="slidenum">
+              <a:rPr kumimoji="1" lang="zh-TW" altLang="en-US" smtClean="0"/>
+              <a:t>11</a:t>
+            </a:fld>
+            <a:endParaRPr kumimoji="1" lang="zh-TW" altLang="en-US"/>
+          </a:p>
+        </p:txBody>
+      </p:sp>
     </p:spTree>
     <p:extLst>
       <p:ext uri="{BB962C8B-B14F-4D97-AF65-F5344CB8AC3E}">
@@ -4224,7 +4969,7 @@
 </p:sld>
 </file>
 
-<file path=ppt/slides/slide11.xml><?xml version="1.0" encoding="utf-8"?>
+<file path=ppt/slides/slide12.xml><?xml version="1.0" encoding="utf-8"?>
 <p:sld xmlns:a="http://schemas.openxmlformats.org/drawingml/2006/main" xmlns:r="http://schemas.openxmlformats.org/officeDocument/2006/relationships" xmlns:p="http://schemas.openxmlformats.org/presentationml/2006/main">
   <p:cSld>
     <p:spTree>
@@ -4451,8 +5196,8 @@
           </p:sp>
         </mc:Fallback>
       </mc:AlternateContent>
-      <mc:AlternateContent xmlns:mc="http://schemas.openxmlformats.org/markup-compatibility/2006" xmlns:a14="http://schemas.microsoft.com/office/drawing/2010/main">
-        <mc:Choice Requires="a14">
+      <mc:AlternateContent xmlns:mc="http://schemas.openxmlformats.org/markup-compatibility/2006">
+        <mc:Choice xmlns:a14="http://schemas.microsoft.com/office/drawing/2010/main" Requires="a14">
           <p:sp>
             <p:nvSpPr>
               <p:cNvPr id="20" name="內容版面配置區 2">
@@ -4682,11 +5427,6 @@
                   <a:rPr kumimoji="1" lang="en-US" altLang="zh-TW" sz="1800" dirty="0"/>
                   <a:t>. </a:t>
                 </a:r>
-                <a:r>
-                  <a:rPr kumimoji="1" lang="zh-TW" altLang="en-US" sz="1800" dirty="0"/>
-                  <a:t>提一嘴劉老師的建議我們採納了。</a:t>
-                </a:r>
-                <a:endParaRPr kumimoji="1" lang="en-US" altLang="zh-TW" sz="1800" dirty="0"/>
               </a:p>
               <a:p>
                 <a:r>
@@ -4703,7 +5443,7 @@
             </p:txBody>
           </p:sp>
         </mc:Choice>
-        <mc:Fallback xmlns="">
+        <mc:Fallback>
           <p:sp>
             <p:nvSpPr>
               <p:cNvPr id="20" name="內容版面配置區 2">
@@ -4868,6 +5608,35 @@
           </a:p>
         </p:txBody>
       </p:sp>
+      <p:sp>
+        <p:nvSpPr>
+          <p:cNvPr id="3" name="投影片編號版面配置區 2">
+            <a:extLst>
+              <a:ext uri="{FF2B5EF4-FFF2-40B4-BE49-F238E27FC236}">
+                <a16:creationId xmlns:a16="http://schemas.microsoft.com/office/drawing/2014/main" id="{DE0F84F4-7895-C09F-62B0-00BA256E79DB}"/>
+              </a:ext>
+            </a:extLst>
+          </p:cNvPr>
+          <p:cNvSpPr>
+            <a:spLocks noGrp="1"/>
+          </p:cNvSpPr>
+          <p:nvPr>
+            <p:ph type="sldNum" sz="quarter" idx="12"/>
+          </p:nvPr>
+        </p:nvSpPr>
+        <p:spPr/>
+        <p:txBody>
+          <a:bodyPr/>
+          <a:lstStyle/>
+          <a:p>
+            <a:fld id="{EBC81C9E-5C6F-BE43-A2DB-9F7FDEA567D5}" type="slidenum">
+              <a:rPr kumimoji="1" lang="zh-TW" altLang="en-US" smtClean="0"/>
+              <a:t>12</a:t>
+            </a:fld>
+            <a:endParaRPr kumimoji="1" lang="zh-TW" altLang="en-US"/>
+          </a:p>
+        </p:txBody>
+      </p:sp>
     </p:spTree>
     <p:extLst>
       <p:ext uri="{BB962C8B-B14F-4D97-AF65-F5344CB8AC3E}">
@@ -4881,7 +5650,7 @@
 </p:sld>
 </file>
 
-<file path=ppt/slides/slide12.xml><?xml version="1.0" encoding="utf-8"?>
+<file path=ppt/slides/slide13.xml><?xml version="1.0" encoding="utf-8"?>
 <p:sld xmlns:a="http://schemas.openxmlformats.org/drawingml/2006/main" xmlns:r="http://schemas.openxmlformats.org/officeDocument/2006/relationships" xmlns:p="http://schemas.openxmlformats.org/presentationml/2006/main">
   <p:cSld>
     <p:spTree>
@@ -5368,6 +6137,35 @@
           </p:sp>
         </mc:Fallback>
       </mc:AlternateContent>
+      <p:sp>
+        <p:nvSpPr>
+          <p:cNvPr id="3" name="投影片編號版面配置區 2">
+            <a:extLst>
+              <a:ext uri="{FF2B5EF4-FFF2-40B4-BE49-F238E27FC236}">
+                <a16:creationId xmlns:a16="http://schemas.microsoft.com/office/drawing/2014/main" id="{E3A2083C-1C56-611A-2556-FAFF4EF254C2}"/>
+              </a:ext>
+            </a:extLst>
+          </p:cNvPr>
+          <p:cNvSpPr>
+            <a:spLocks noGrp="1"/>
+          </p:cNvSpPr>
+          <p:nvPr>
+            <p:ph type="sldNum" sz="quarter" idx="12"/>
+          </p:nvPr>
+        </p:nvSpPr>
+        <p:spPr/>
+        <p:txBody>
+          <a:bodyPr/>
+          <a:lstStyle/>
+          <a:p>
+            <a:fld id="{EBC81C9E-5C6F-BE43-A2DB-9F7FDEA567D5}" type="slidenum">
+              <a:rPr kumimoji="1" lang="zh-TW" altLang="en-US" smtClean="0"/>
+              <a:t>13</a:t>
+            </a:fld>
+            <a:endParaRPr kumimoji="1" lang="zh-TW" altLang="en-US"/>
+          </a:p>
+        </p:txBody>
+      </p:sp>
     </p:spTree>
     <p:extLst>
       <p:ext uri="{BB962C8B-B14F-4D97-AF65-F5344CB8AC3E}">
@@ -5381,7 +6179,7 @@
 </p:sld>
 </file>
 
-<file path=ppt/slides/slide13.xml><?xml version="1.0" encoding="utf-8"?>
+<file path=ppt/slides/slide14.xml><?xml version="1.0" encoding="utf-8"?>
 <p:sld xmlns:a="http://schemas.openxmlformats.org/drawingml/2006/main" xmlns:r="http://schemas.openxmlformats.org/officeDocument/2006/relationships" xmlns:p="http://schemas.openxmlformats.org/presentationml/2006/main">
   <p:cSld>
     <p:spTree>
@@ -5937,6 +6735,35 @@
           </a:p>
         </p:txBody>
       </p:sp>
+      <p:sp>
+        <p:nvSpPr>
+          <p:cNvPr id="2" name="投影片編號版面配置區 1">
+            <a:extLst>
+              <a:ext uri="{FF2B5EF4-FFF2-40B4-BE49-F238E27FC236}">
+                <a16:creationId xmlns:a16="http://schemas.microsoft.com/office/drawing/2014/main" id="{59CC3FA5-B9AC-5FEC-6548-F4B6F7A84E24}"/>
+              </a:ext>
+            </a:extLst>
+          </p:cNvPr>
+          <p:cNvSpPr>
+            <a:spLocks noGrp="1"/>
+          </p:cNvSpPr>
+          <p:nvPr>
+            <p:ph type="sldNum" sz="quarter" idx="12"/>
+          </p:nvPr>
+        </p:nvSpPr>
+        <p:spPr/>
+        <p:txBody>
+          <a:bodyPr/>
+          <a:lstStyle/>
+          <a:p>
+            <a:fld id="{EBC81C9E-5C6F-BE43-A2DB-9F7FDEA567D5}" type="slidenum">
+              <a:rPr kumimoji="1" lang="zh-TW" altLang="en-US" smtClean="0"/>
+              <a:t>14</a:t>
+            </a:fld>
+            <a:endParaRPr kumimoji="1" lang="zh-TW" altLang="en-US"/>
+          </a:p>
+        </p:txBody>
+      </p:sp>
     </p:spTree>
     <p:extLst>
       <p:ext uri="{BB962C8B-B14F-4D97-AF65-F5344CB8AC3E}">
@@ -5950,7 +6777,7 @@
 </p:sld>
 </file>
 
-<file path=ppt/slides/slide14.xml><?xml version="1.0" encoding="utf-8"?>
+<file path=ppt/slides/slide15.xml><?xml version="1.0" encoding="utf-8"?>
 <p:sld xmlns:a="http://schemas.openxmlformats.org/drawingml/2006/main" xmlns:r="http://schemas.openxmlformats.org/officeDocument/2006/relationships" xmlns:p="http://schemas.openxmlformats.org/presentationml/2006/main">
   <p:cSld>
     <p:spTree>
@@ -6165,7 +6992,7 @@
         <p:spPr>
           <a:xfrm>
             <a:off x="838200" y="5946859"/>
-            <a:ext cx="9646920" cy="546016"/>
+            <a:ext cx="10192966" cy="546016"/>
           </a:xfrm>
           <a:prstGeom prst="rect">
             <a:avLst/>
@@ -6342,8 +7169,37 @@
           <a:p>
             <a:r>
               <a:rPr kumimoji="1" lang="en-US" altLang="zh-TW" i="1" dirty="0"/>
-              <a:t>Again, everything shows pretty much the same trend as before.</a:t>
+              <a:t>Again, everything shows pretty much the same trade off as before.</a:t>
             </a:r>
+          </a:p>
+        </p:txBody>
+      </p:sp>
+      <p:sp>
+        <p:nvSpPr>
+          <p:cNvPr id="2" name="投影片編號版面配置區 1">
+            <a:extLst>
+              <a:ext uri="{FF2B5EF4-FFF2-40B4-BE49-F238E27FC236}">
+                <a16:creationId xmlns:a16="http://schemas.microsoft.com/office/drawing/2014/main" id="{6B257CF7-DEA7-D1F7-D367-F550FAE9C8A1}"/>
+              </a:ext>
+            </a:extLst>
+          </p:cNvPr>
+          <p:cNvSpPr>
+            <a:spLocks noGrp="1"/>
+          </p:cNvSpPr>
+          <p:nvPr>
+            <p:ph type="sldNum" sz="quarter" idx="12"/>
+          </p:nvPr>
+        </p:nvSpPr>
+        <p:spPr/>
+        <p:txBody>
+          <a:bodyPr/>
+          <a:lstStyle/>
+          <a:p>
+            <a:fld id="{EBC81C9E-5C6F-BE43-A2DB-9F7FDEA567D5}" type="slidenum">
+              <a:rPr kumimoji="1" lang="zh-TW" altLang="en-US" smtClean="0"/>
+              <a:t>15</a:t>
+            </a:fld>
+            <a:endParaRPr kumimoji="1" lang="zh-TW" altLang="en-US"/>
           </a:p>
         </p:txBody>
       </p:sp>
@@ -6360,7 +7216,7 @@
 </p:sld>
 </file>
 
-<file path=ppt/slides/slide15.xml><?xml version="1.0" encoding="utf-8"?>
+<file path=ppt/slides/slide16.xml><?xml version="1.0" encoding="utf-8"?>
 <p:sld xmlns:a="http://schemas.openxmlformats.org/drawingml/2006/main" xmlns:r="http://schemas.openxmlformats.org/officeDocument/2006/relationships" xmlns:p="http://schemas.openxmlformats.org/presentationml/2006/main">
   <p:cSld>
     <p:spTree>
@@ -6442,21 +7298,13 @@
           <a:p>
             <a:r>
               <a:rPr lang="en-US" altLang="zh-TW" dirty="0"/>
-              <a:t>We proposed and demonstrated a history-based short-term bandwidth predicting method called conditional probability distribution, which has practical values in live video streaming. </a:t>
+              <a:t>We proposed and demonstrated a history-based short-term bandwidth predicting method which has its practical value in live video streaming. </a:t>
             </a:r>
           </a:p>
           <a:p>
             <a:r>
               <a:rPr lang="en-US" altLang="zh-TW" dirty="0"/>
-              <a:t>Our method uses the empirical conditional relative frequency to find the largest frame size while eliminating the probability of introducing delay under </a:t>
-            </a:r>
-            <a:r>
-              <a:rPr lang="en-US" altLang="zh-TW" i="1" dirty="0"/>
-              <a:t>any</a:t>
-            </a:r>
-            <a:r>
-              <a:rPr lang="en-US" altLang="zh-TW" dirty="0"/>
-              <a:t> networks. </a:t>
+              <a:t>Our method uses the empirical conditional probability to find the largest frame size while eliminating the probability of introducing a frame dropping under a network. </a:t>
             </a:r>
           </a:p>
           <a:p>
@@ -6476,7 +7324,7 @@
             <a:pPr lvl="1"/>
             <a:r>
               <a:rPr lang="en-US" altLang="zh-TW" dirty="0"/>
-              <a:t>faster implementations of the algorithm in both space and time complexities</a:t>
+              <a:t>better implementations of the algorithm in both space and time complexities</a:t>
             </a:r>
           </a:p>
           <a:p>
@@ -6494,6 +7342,35 @@
               <a:t>Etc.</a:t>
             </a:r>
             <a:endParaRPr lang="en-US" altLang="zh-TW" dirty="0"/>
+          </a:p>
+        </p:txBody>
+      </p:sp>
+      <p:sp>
+        <p:nvSpPr>
+          <p:cNvPr id="4" name="投影片編號版面配置區 3">
+            <a:extLst>
+              <a:ext uri="{FF2B5EF4-FFF2-40B4-BE49-F238E27FC236}">
+                <a16:creationId xmlns:a16="http://schemas.microsoft.com/office/drawing/2014/main" id="{75379283-5E2D-B1C5-99A8-A9ACE16C39F4}"/>
+              </a:ext>
+            </a:extLst>
+          </p:cNvPr>
+          <p:cNvSpPr>
+            <a:spLocks noGrp="1"/>
+          </p:cNvSpPr>
+          <p:nvPr>
+            <p:ph type="sldNum" sz="quarter" idx="12"/>
+          </p:nvPr>
+        </p:nvSpPr>
+        <p:spPr/>
+        <p:txBody>
+          <a:bodyPr/>
+          <a:lstStyle/>
+          <a:p>
+            <a:fld id="{EBC81C9E-5C6F-BE43-A2DB-9F7FDEA567D5}" type="slidenum">
+              <a:rPr kumimoji="1" lang="zh-TW" altLang="en-US" smtClean="0"/>
+              <a:t>16</a:t>
+            </a:fld>
+            <a:endParaRPr kumimoji="1" lang="zh-TW" altLang="en-US"/>
           </a:p>
         </p:txBody>
       </p:sp>
@@ -6510,7 +7387,7 @@
 </p:sld>
 </file>
 
-<file path=ppt/slides/slide16.xml><?xml version="1.0" encoding="utf-8"?>
+<file path=ppt/slides/slide17.xml><?xml version="1.0" encoding="utf-8"?>
 <p:sld xmlns:a="http://schemas.openxmlformats.org/drawingml/2006/main" xmlns:r="http://schemas.openxmlformats.org/officeDocument/2006/relationships" xmlns:p="http://schemas.openxmlformats.org/presentationml/2006/main">
   <p:cSld>
     <p:spTree>
@@ -6612,6 +7489,35 @@
               <a:rPr lang="zh-TW" altLang="en-US" b="1" dirty="0"/>
               <a:t>謝謝各位的聆聽。</a:t>
             </a:r>
+          </a:p>
+        </p:txBody>
+      </p:sp>
+      <p:sp>
+        <p:nvSpPr>
+          <p:cNvPr id="2" name="投影片編號版面配置區 1">
+            <a:extLst>
+              <a:ext uri="{FF2B5EF4-FFF2-40B4-BE49-F238E27FC236}">
+                <a16:creationId xmlns:a16="http://schemas.microsoft.com/office/drawing/2014/main" id="{D7DBA089-DDC5-E4D6-FDD0-C60DB444764E}"/>
+              </a:ext>
+            </a:extLst>
+          </p:cNvPr>
+          <p:cNvSpPr>
+            <a:spLocks noGrp="1"/>
+          </p:cNvSpPr>
+          <p:nvPr>
+            <p:ph type="sldNum" sz="quarter" idx="12"/>
+          </p:nvPr>
+        </p:nvSpPr>
+        <p:spPr/>
+        <p:txBody>
+          <a:bodyPr/>
+          <a:lstStyle/>
+          <a:p>
+            <a:fld id="{EBC81C9E-5C6F-BE43-A2DB-9F7FDEA567D5}" type="slidenum">
+              <a:rPr kumimoji="1" lang="zh-TW" altLang="en-US" smtClean="0"/>
+              <a:t>17</a:t>
+            </a:fld>
+            <a:endParaRPr kumimoji="1" lang="zh-TW" altLang="en-US"/>
           </a:p>
         </p:txBody>
       </p:sp>
@@ -6762,6 +7668,35 @@
               <a:latin typeface="Times New Roman" panose="02020603050405020304" pitchFamily="18" charset="0"/>
               <a:cs typeface="Times New Roman" panose="02020603050405020304" pitchFamily="18" charset="0"/>
             </a:endParaRPr>
+          </a:p>
+        </p:txBody>
+      </p:sp>
+      <p:sp>
+        <p:nvSpPr>
+          <p:cNvPr id="2" name="投影片編號版面配置區 1">
+            <a:extLst>
+              <a:ext uri="{FF2B5EF4-FFF2-40B4-BE49-F238E27FC236}">
+                <a16:creationId xmlns:a16="http://schemas.microsoft.com/office/drawing/2014/main" id="{A2971BE8-4C33-DC73-F005-0B1176303E60}"/>
+              </a:ext>
+            </a:extLst>
+          </p:cNvPr>
+          <p:cNvSpPr>
+            <a:spLocks noGrp="1"/>
+          </p:cNvSpPr>
+          <p:nvPr>
+            <p:ph type="sldNum" sz="quarter" idx="12"/>
+          </p:nvPr>
+        </p:nvSpPr>
+        <p:spPr/>
+        <p:txBody>
+          <a:bodyPr/>
+          <a:lstStyle/>
+          <a:p>
+            <a:fld id="{EBC81C9E-5C6F-BE43-A2DB-9F7FDEA567D5}" type="slidenum">
+              <a:rPr kumimoji="1" lang="zh-TW" altLang="en-US" smtClean="0"/>
+              <a:t>2</a:t>
+            </a:fld>
+            <a:endParaRPr kumimoji="1" lang="zh-TW" altLang="en-US"/>
           </a:p>
         </p:txBody>
       </p:sp>
@@ -6944,7 +7879,7 @@
         </p:nvSpPr>
         <p:spPr>
           <a:xfrm>
-            <a:off x="10763048" y="5282591"/>
+            <a:off x="10763048" y="4820952"/>
             <a:ext cx="954155" cy="313593"/>
           </a:xfrm>
           <a:prstGeom prst="roundRect">
@@ -7099,8 +8034,8 @@
         </p:nvCxnSpPr>
         <p:spPr>
           <a:xfrm flipV="1">
-            <a:off x="10372682" y="5439388"/>
-            <a:ext cx="390366" cy="425182"/>
+            <a:off x="10372682" y="4977749"/>
+            <a:ext cx="390366" cy="886821"/>
           </a:xfrm>
           <a:prstGeom prst="straightConnector1">
             <a:avLst/>
@@ -7669,7 +8604,7 @@
         </p:nvSpPr>
         <p:spPr>
           <a:xfrm>
-            <a:off x="10763048" y="5713305"/>
+            <a:off x="10763048" y="5358196"/>
             <a:ext cx="954155" cy="313593"/>
           </a:xfrm>
           <a:prstGeom prst="roundRect">
@@ -7723,9 +8658,9 @@
           <p:nvPr/>
         </p:nvCxnSpPr>
         <p:spPr>
-          <a:xfrm>
-            <a:off x="10372682" y="5864570"/>
-            <a:ext cx="390366" cy="5532"/>
+          <a:xfrm flipV="1">
+            <a:off x="10372682" y="5514993"/>
+            <a:ext cx="390366" cy="349577"/>
           </a:xfrm>
           <a:prstGeom prst="straightConnector1">
             <a:avLst/>
@@ -7766,7 +8701,7 @@
         </p:nvSpPr>
         <p:spPr>
           <a:xfrm>
-            <a:off x="10763048" y="6198668"/>
+            <a:off x="10763048" y="5852437"/>
             <a:ext cx="954155" cy="313593"/>
           </a:xfrm>
           <a:prstGeom prst="roundRect">
@@ -7822,7 +8757,7 @@
         <p:spPr>
           <a:xfrm>
             <a:off x="10372682" y="5864570"/>
-            <a:ext cx="390366" cy="490895"/>
+            <a:ext cx="390366" cy="144664"/>
           </a:xfrm>
           <a:prstGeom prst="straightConnector1">
             <a:avLst/>
@@ -8204,6 +9139,35 @@
           </a:p>
         </p:txBody>
       </p:sp>
+      <p:sp>
+        <p:nvSpPr>
+          <p:cNvPr id="2" name="投影片編號版面配置區 1">
+            <a:extLst>
+              <a:ext uri="{FF2B5EF4-FFF2-40B4-BE49-F238E27FC236}">
+                <a16:creationId xmlns:a16="http://schemas.microsoft.com/office/drawing/2014/main" id="{50406986-55D8-79F0-64F1-4190C0DB5BD5}"/>
+              </a:ext>
+            </a:extLst>
+          </p:cNvPr>
+          <p:cNvSpPr>
+            <a:spLocks noGrp="1"/>
+          </p:cNvSpPr>
+          <p:nvPr>
+            <p:ph type="sldNum" sz="quarter" idx="12"/>
+          </p:nvPr>
+        </p:nvSpPr>
+        <p:spPr/>
+        <p:txBody>
+          <a:bodyPr/>
+          <a:lstStyle/>
+          <a:p>
+            <a:fld id="{EBC81C9E-5C6F-BE43-A2DB-9F7FDEA567D5}" type="slidenum">
+              <a:rPr kumimoji="1" lang="zh-TW" altLang="en-US" smtClean="0"/>
+              <a:t>3</a:t>
+            </a:fld>
+            <a:endParaRPr kumimoji="1" lang="zh-TW" altLang="en-US"/>
+          </a:p>
+        </p:txBody>
+      </p:sp>
     </p:spTree>
     <p:extLst>
       <p:ext uri="{BB962C8B-B14F-4D97-AF65-F5344CB8AC3E}">
@@ -8234,6 +9198,36 @@
           <a:chExt cx="0" cy="0"/>
         </a:xfrm>
       </p:grpSpPr>
+      <p:pic>
+        <p:nvPicPr>
+          <p:cNvPr id="9" name="圖片 8">
+            <a:extLst>
+              <a:ext uri="{FF2B5EF4-FFF2-40B4-BE49-F238E27FC236}">
+                <a16:creationId xmlns:a16="http://schemas.microsoft.com/office/drawing/2014/main" id="{EF7FE008-49BD-0C11-B7B1-D4F22BC3879F}"/>
+              </a:ext>
+            </a:extLst>
+          </p:cNvPr>
+          <p:cNvPicPr>
+            <a:picLocks noChangeAspect="1"/>
+          </p:cNvPicPr>
+          <p:nvPr/>
+        </p:nvPicPr>
+        <p:blipFill>
+          <a:blip r:embed="rId2"/>
+          <a:stretch>
+            <a:fillRect/>
+          </a:stretch>
+        </p:blipFill>
+        <p:spPr>
+          <a:xfrm>
+            <a:off x="5881995" y="2894163"/>
+            <a:ext cx="5410806" cy="3812712"/>
+          </a:xfrm>
+          <a:prstGeom prst="rect">
+            <a:avLst/>
+          </a:prstGeom>
+        </p:spPr>
+      </p:pic>
       <mc:AlternateContent xmlns:mc="http://schemas.openxmlformats.org/markup-compatibility/2006" xmlns:a14="http://schemas.microsoft.com/office/drawing/2010/main">
         <mc:Choice Requires="a14">
           <p:sp>
@@ -8363,7 +9357,7 @@
                 <a:ext cx="10697303" cy="1603375"/>
               </a:xfrm>
               <a:blipFill>
-                <a:blip r:embed="rId2"/>
+                <a:blip r:embed="rId3"/>
                 <a:stretch>
                   <a:fillRect l="-948" t="-6299"/>
                 </a:stretch>
@@ -8453,8 +9447,8 @@
           </a:p>
         </p:txBody>
       </p:sp>
-      <mc:AlternateContent xmlns:mc="http://schemas.openxmlformats.org/markup-compatibility/2006" xmlns:a14="http://schemas.microsoft.com/office/drawing/2010/main">
-        <mc:Choice Requires="a14">
+      <mc:AlternateContent xmlns:mc="http://schemas.openxmlformats.org/markup-compatibility/2006">
+        <mc:Choice xmlns:a14="http://schemas.microsoft.com/office/drawing/2010/main" Requires="a14">
           <p:sp>
             <p:nvSpPr>
               <p:cNvPr id="7" name="內容版面配置區 2">
@@ -8721,7 +9715,7 @@
                 </a14:m>
                 <a:r>
                   <a:rPr kumimoji="1" lang="en-US" altLang="zh-TW" dirty="0"/>
-                  <a:t>, is an array of past throughputs. </a:t>
+                  <a:t> (entry-wise division), is an array of past throughputs. </a:t>
                 </a:r>
               </a:p>
               <a:p>
@@ -8799,7 +9793,7 @@
             </p:txBody>
           </p:sp>
         </mc:Choice>
-        <mc:Fallback xmlns="">
+        <mc:Fallback>
           <p:sp>
             <p:nvSpPr>
               <p:cNvPr id="7" name="內容版面配置區 2">
@@ -8823,9 +9817,9 @@
                 <a:avLst/>
               </a:prstGeom>
               <a:blipFill>
-                <a:blip r:embed="rId3"/>
+                <a:blip r:embed="rId4"/>
                 <a:stretch>
-                  <a:fillRect l="-1900" t="-2326" r="-2375"/>
+                  <a:fillRect l="-1900" t="-2326" b="-2326"/>
                 </a:stretch>
               </a:blipFill>
             </p:spPr>
@@ -8844,36 +9838,769 @@
           </p:sp>
         </mc:Fallback>
       </mc:AlternateContent>
-      <p:pic>
-        <p:nvPicPr>
-          <p:cNvPr id="9" name="圖片 8">
+      <mc:AlternateContent xmlns:mc="http://schemas.openxmlformats.org/markup-compatibility/2006">
+        <mc:Choice xmlns:a14="http://schemas.microsoft.com/office/drawing/2010/main" Requires="a14">
+          <p:sp>
+            <p:nvSpPr>
+              <p:cNvPr id="2" name="文字方塊 1">
+                <a:extLst>
+                  <a:ext uri="{FF2B5EF4-FFF2-40B4-BE49-F238E27FC236}">
+                    <a16:creationId xmlns:a16="http://schemas.microsoft.com/office/drawing/2014/main" id="{4612332E-D59E-A174-5EE8-EAEC4FCAB261}"/>
+                  </a:ext>
+                </a:extLst>
+              </p:cNvPr>
+              <p:cNvSpPr txBox="1"/>
+              <p:nvPr/>
+            </p:nvSpPr>
+            <p:spPr>
+              <a:xfrm>
+                <a:off x="8326167" y="365125"/>
+                <a:ext cx="3781168" cy="1934056"/>
+              </a:xfrm>
+              <a:prstGeom prst="rect">
+                <a:avLst/>
+              </a:prstGeom>
+              <a:noFill/>
+            </p:spPr>
+            <p:txBody>
+              <a:bodyPr wrap="square" lIns="0" tIns="0" rIns="0" bIns="0" rtlCol="0">
+                <a:spAutoFit/>
+              </a:bodyPr>
+              <a:lstStyle/>
+              <a:p>
+                <a:r>
+                  <a:rPr kumimoji="1" lang="en-US" altLang="zh-TW" sz="2300" b="1" i="1" dirty="0">
+                    <a:solidFill>
+                      <a:srgbClr val="C00000"/>
+                    </a:solidFill>
+                  </a:rPr>
+                  <a:t>ESTR4998</a:t>
+                </a:r>
+                <a:r>
+                  <a:rPr kumimoji="1" lang="en-US" altLang="zh-TW" sz="2300" dirty="0">
+                    <a:solidFill>
+                      <a:srgbClr val="C00000"/>
+                    </a:solidFill>
+                  </a:rPr>
+                  <a:t>:  </a:t>
+                </a:r>
+                <a14:m>
+                  <m:oMath xmlns:m="http://schemas.openxmlformats.org/officeDocument/2006/math">
+                    <m:acc>
+                      <m:accPr>
+                        <m:chr m:val="̂"/>
+                        <m:ctrlPr>
+                          <a:rPr kumimoji="1" lang="zh-TW" altLang="en-US" sz="2300" i="1" smtClean="0">
+                            <a:solidFill>
+                              <a:srgbClr val="C00000"/>
+                            </a:solidFill>
+                            <a:latin typeface="Cambria Math" panose="02040503050406030204" pitchFamily="18" charset="0"/>
+                          </a:rPr>
+                        </m:ctrlPr>
+                      </m:accPr>
+                      <m:e>
+                        <m:sSub>
+                          <m:sSubPr>
+                            <m:ctrlPr>
+                              <a:rPr kumimoji="1" lang="en-US" altLang="zh-TW" sz="2300" i="1" smtClean="0">
+                                <a:solidFill>
+                                  <a:srgbClr val="C00000"/>
+                                </a:solidFill>
+                                <a:latin typeface="Cambria Math" panose="02040503050406030204" pitchFamily="18" charset="0"/>
+                              </a:rPr>
+                            </m:ctrlPr>
+                          </m:sSubPr>
+                          <m:e>
+                            <m:r>
+                              <a:rPr kumimoji="1" lang="en-US" altLang="zh-TW" sz="2300" b="0" i="1" smtClean="0">
+                                <a:solidFill>
+                                  <a:srgbClr val="C00000"/>
+                                </a:solidFill>
+                                <a:latin typeface="Cambria Math" panose="02040503050406030204" pitchFamily="18" charset="0"/>
+                              </a:rPr>
+                              <m:t>𝐶</m:t>
+                            </m:r>
+                          </m:e>
+                          <m:sub>
+                            <m:r>
+                              <a:rPr kumimoji="1" lang="en-US" altLang="zh-TW" sz="2300" b="0" i="1" smtClean="0">
+                                <a:solidFill>
+                                  <a:srgbClr val="C00000"/>
+                                </a:solidFill>
+                                <a:latin typeface="Cambria Math" panose="02040503050406030204" pitchFamily="18" charset="0"/>
+                              </a:rPr>
+                              <m:t>𝑖</m:t>
+                            </m:r>
+                            <m:r>
+                              <a:rPr kumimoji="1" lang="en-US" altLang="zh-TW" sz="2300" b="0" i="1" smtClean="0">
+                                <a:solidFill>
+                                  <a:srgbClr val="C00000"/>
+                                </a:solidFill>
+                                <a:latin typeface="Cambria Math" panose="02040503050406030204" pitchFamily="18" charset="0"/>
+                              </a:rPr>
+                              <m:t>+1</m:t>
+                            </m:r>
+                          </m:sub>
+                        </m:sSub>
+                      </m:e>
+                    </m:acc>
+                    <m:r>
+                      <a:rPr kumimoji="1" lang="en-US" altLang="zh-TW" sz="2300" b="0" i="1" smtClean="0">
+                        <a:solidFill>
+                          <a:srgbClr val="C00000"/>
+                        </a:solidFill>
+                        <a:latin typeface="Cambria Math" panose="02040503050406030204" pitchFamily="18" charset="0"/>
+                      </a:rPr>
+                      <m:t>=</m:t>
+                    </m:r>
+                    <m:f>
+                      <m:fPr>
+                        <m:ctrlPr>
+                          <a:rPr kumimoji="1" lang="en-US" altLang="zh-TW" sz="2300" b="0" i="1" smtClean="0">
+                            <a:solidFill>
+                              <a:srgbClr val="C00000"/>
+                            </a:solidFill>
+                            <a:latin typeface="Cambria Math" panose="02040503050406030204" pitchFamily="18" charset="0"/>
+                          </a:rPr>
+                        </m:ctrlPr>
+                      </m:fPr>
+                      <m:num>
+                        <m:r>
+                          <a:rPr kumimoji="1" lang="en-US" altLang="zh-TW" sz="2300" b="0" i="1" smtClean="0">
+                            <a:solidFill>
+                              <a:srgbClr val="C00000"/>
+                            </a:solidFill>
+                            <a:latin typeface="Cambria Math" panose="02040503050406030204" pitchFamily="18" charset="0"/>
+                          </a:rPr>
+                          <m:t>1</m:t>
+                        </m:r>
+                      </m:num>
+                      <m:den>
+                        <m:r>
+                          <a:rPr kumimoji="1" lang="en-US" altLang="zh-TW" sz="2300" b="0" i="1" smtClean="0">
+                            <a:solidFill>
+                              <a:srgbClr val="C00000"/>
+                            </a:solidFill>
+                            <a:latin typeface="Cambria Math" panose="02040503050406030204" pitchFamily="18" charset="0"/>
+                          </a:rPr>
+                          <m:t>𝐾</m:t>
+                        </m:r>
+                      </m:den>
+                    </m:f>
+                    <m:nary>
+                      <m:naryPr>
+                        <m:chr m:val="∑"/>
+                        <m:ctrlPr>
+                          <a:rPr kumimoji="1" lang="en-US" altLang="zh-TW" sz="2300" b="0" i="1" smtClean="0">
+                            <a:solidFill>
+                              <a:srgbClr val="C00000"/>
+                            </a:solidFill>
+                            <a:latin typeface="Cambria Math" panose="02040503050406030204" pitchFamily="18" charset="0"/>
+                          </a:rPr>
+                        </m:ctrlPr>
+                      </m:naryPr>
+                      <m:sub>
+                        <m:r>
+                          <m:rPr>
+                            <m:brk m:alnAt="23"/>
+                          </m:rPr>
+                          <a:rPr kumimoji="1" lang="en-US" altLang="zh-TW" sz="2300" b="0" i="1" smtClean="0">
+                            <a:solidFill>
+                              <a:srgbClr val="C00000"/>
+                            </a:solidFill>
+                            <a:latin typeface="Cambria Math" panose="02040503050406030204" pitchFamily="18" charset="0"/>
+                          </a:rPr>
+                          <m:t>𝑗</m:t>
+                        </m:r>
+                        <m:r>
+                          <a:rPr kumimoji="1" lang="en-US" altLang="zh-TW" sz="2300" b="0" i="1" smtClean="0">
+                            <a:solidFill>
+                              <a:srgbClr val="C00000"/>
+                            </a:solidFill>
+                            <a:latin typeface="Cambria Math" panose="02040503050406030204" pitchFamily="18" charset="0"/>
+                          </a:rPr>
+                          <m:t>=0</m:t>
+                        </m:r>
+                      </m:sub>
+                      <m:sup>
+                        <m:r>
+                          <a:rPr kumimoji="1" lang="en-US" altLang="zh-TW" sz="2300" b="0" i="1" smtClean="0">
+                            <a:solidFill>
+                              <a:srgbClr val="C00000"/>
+                            </a:solidFill>
+                            <a:latin typeface="Cambria Math" panose="02040503050406030204" pitchFamily="18" charset="0"/>
+                          </a:rPr>
+                          <m:t>𝐾</m:t>
+                        </m:r>
+                        <m:r>
+                          <a:rPr kumimoji="1" lang="en-US" altLang="zh-TW" sz="2300" b="0" i="1" smtClean="0">
+                            <a:solidFill>
+                              <a:srgbClr val="C00000"/>
+                            </a:solidFill>
+                            <a:latin typeface="Cambria Math" panose="02040503050406030204" pitchFamily="18" charset="0"/>
+                          </a:rPr>
+                          <m:t>−1</m:t>
+                        </m:r>
+                      </m:sup>
+                      <m:e>
+                        <m:sSub>
+                          <m:sSubPr>
+                            <m:ctrlPr>
+                              <a:rPr kumimoji="1" lang="en-US" altLang="zh-TW" sz="2300" b="0" i="1" smtClean="0">
+                                <a:solidFill>
+                                  <a:srgbClr val="C00000"/>
+                                </a:solidFill>
+                                <a:latin typeface="Cambria Math" panose="02040503050406030204" pitchFamily="18" charset="0"/>
+                              </a:rPr>
+                            </m:ctrlPr>
+                          </m:sSubPr>
+                          <m:e>
+                            <m:r>
+                              <a:rPr kumimoji="1" lang="en-US" altLang="zh-TW" sz="2300" b="0" i="1" smtClean="0">
+                                <a:solidFill>
+                                  <a:srgbClr val="C00000"/>
+                                </a:solidFill>
+                                <a:latin typeface="Cambria Math" panose="02040503050406030204" pitchFamily="18" charset="0"/>
+                              </a:rPr>
+                              <m:t>𝐶</m:t>
+                            </m:r>
+                          </m:e>
+                          <m:sub>
+                            <m:r>
+                              <a:rPr kumimoji="1" lang="en-US" altLang="zh-TW" sz="2300" b="0" i="1" smtClean="0">
+                                <a:solidFill>
+                                  <a:srgbClr val="C00000"/>
+                                </a:solidFill>
+                                <a:latin typeface="Cambria Math" panose="02040503050406030204" pitchFamily="18" charset="0"/>
+                              </a:rPr>
+                              <m:t>𝑖</m:t>
+                            </m:r>
+                            <m:r>
+                              <a:rPr kumimoji="1" lang="en-US" altLang="zh-TW" sz="2300" b="0" i="1" smtClean="0">
+                                <a:solidFill>
+                                  <a:srgbClr val="C00000"/>
+                                </a:solidFill>
+                                <a:latin typeface="Cambria Math" panose="02040503050406030204" pitchFamily="18" charset="0"/>
+                              </a:rPr>
+                              <m:t>−</m:t>
+                            </m:r>
+                            <m:r>
+                              <a:rPr kumimoji="1" lang="en-US" altLang="zh-TW" sz="2300" b="0" i="1" smtClean="0">
+                                <a:solidFill>
+                                  <a:srgbClr val="C00000"/>
+                                </a:solidFill>
+                                <a:latin typeface="Cambria Math" panose="02040503050406030204" pitchFamily="18" charset="0"/>
+                              </a:rPr>
+                              <m:t>𝑗</m:t>
+                            </m:r>
+                          </m:sub>
+                        </m:sSub>
+                      </m:e>
+                    </m:nary>
+                  </m:oMath>
+                </a14:m>
+                <a:endParaRPr kumimoji="1" lang="en-US" altLang="zh-TW" sz="2300" dirty="0">
+                  <a:solidFill>
+                    <a:srgbClr val="C00000"/>
+                  </a:solidFill>
+                </a:endParaRPr>
+              </a:p>
+              <a:p>
+                <a:endParaRPr kumimoji="1" lang="en-US" altLang="zh-TW" sz="2300" dirty="0">
+                  <a:solidFill>
+                    <a:srgbClr val="C00000"/>
+                  </a:solidFill>
+                </a:endParaRPr>
+              </a:p>
+              <a:p>
+                <a:endParaRPr kumimoji="1" lang="en-US" altLang="zh-TW" sz="2300" dirty="0">
+                  <a:solidFill>
+                    <a:srgbClr val="C00000"/>
+                  </a:solidFill>
+                </a:endParaRPr>
+              </a:p>
+              <a:p>
+                <a:r>
+                  <a:rPr kumimoji="1" lang="en-US" altLang="zh-TW" sz="2300" b="1" i="1" dirty="0">
+                    <a:solidFill>
+                      <a:srgbClr val="C00000"/>
+                    </a:solidFill>
+                  </a:rPr>
+                  <a:t>ESTR4999</a:t>
+                </a:r>
+                <a:r>
+                  <a:rPr kumimoji="1" lang="en-US" altLang="zh-TW" sz="2300" dirty="0">
+                    <a:solidFill>
+                      <a:srgbClr val="C00000"/>
+                    </a:solidFill>
+                  </a:rPr>
+                  <a:t>: </a:t>
+                </a:r>
+                <a14:m>
+                  <m:oMath xmlns:m="http://schemas.openxmlformats.org/officeDocument/2006/math">
+                    <m:acc>
+                      <m:accPr>
+                        <m:chr m:val="̂"/>
+                        <m:ctrlPr>
+                          <a:rPr kumimoji="1" lang="zh-TW" altLang="en-US" sz="2300" i="1">
+                            <a:solidFill>
+                              <a:srgbClr val="C00000"/>
+                            </a:solidFill>
+                            <a:latin typeface="Cambria Math" panose="02040503050406030204" pitchFamily="18" charset="0"/>
+                          </a:rPr>
+                        </m:ctrlPr>
+                      </m:accPr>
+                      <m:e>
+                        <m:sSub>
+                          <m:sSubPr>
+                            <m:ctrlPr>
+                              <a:rPr kumimoji="1" lang="en-US" altLang="zh-TW" sz="2300" i="1">
+                                <a:solidFill>
+                                  <a:srgbClr val="C00000"/>
+                                </a:solidFill>
+                                <a:latin typeface="Cambria Math" panose="02040503050406030204" pitchFamily="18" charset="0"/>
+                              </a:rPr>
+                            </m:ctrlPr>
+                          </m:sSubPr>
+                          <m:e>
+                            <m:r>
+                              <a:rPr kumimoji="1" lang="en-US" altLang="zh-TW" sz="2300" i="1">
+                                <a:solidFill>
+                                  <a:srgbClr val="C00000"/>
+                                </a:solidFill>
+                                <a:latin typeface="Cambria Math" panose="02040503050406030204" pitchFamily="18" charset="0"/>
+                              </a:rPr>
+                              <m:t>𝐶</m:t>
+                            </m:r>
+                          </m:e>
+                          <m:sub>
+                            <m:r>
+                              <a:rPr kumimoji="1" lang="en-US" altLang="zh-TW" sz="2300" i="1">
+                                <a:solidFill>
+                                  <a:srgbClr val="C00000"/>
+                                </a:solidFill>
+                                <a:latin typeface="Cambria Math" panose="02040503050406030204" pitchFamily="18" charset="0"/>
+                              </a:rPr>
+                              <m:t>𝑖</m:t>
+                            </m:r>
+                            <m:r>
+                              <a:rPr kumimoji="1" lang="en-US" altLang="zh-TW" sz="2300" i="1">
+                                <a:solidFill>
+                                  <a:srgbClr val="C00000"/>
+                                </a:solidFill>
+                                <a:latin typeface="Cambria Math" panose="02040503050406030204" pitchFamily="18" charset="0"/>
+                              </a:rPr>
+                              <m:t>+1</m:t>
+                            </m:r>
+                          </m:sub>
+                        </m:sSub>
+                      </m:e>
+                    </m:acc>
+                    <m:r>
+                      <a:rPr kumimoji="1" lang="en-US" altLang="zh-TW" sz="2300" i="1">
+                        <a:solidFill>
+                          <a:srgbClr val="C00000"/>
+                        </a:solidFill>
+                        <a:latin typeface="Cambria Math" panose="02040503050406030204" pitchFamily="18" charset="0"/>
+                      </a:rPr>
+                      <m:t>=</m:t>
+                    </m:r>
+                    <m:f>
+                      <m:fPr>
+                        <m:ctrlPr>
+                          <a:rPr kumimoji="1" lang="en-US" altLang="zh-TW" sz="2300" i="1">
+                            <a:solidFill>
+                              <a:srgbClr val="C00000"/>
+                            </a:solidFill>
+                            <a:latin typeface="Cambria Math" panose="02040503050406030204" pitchFamily="18" charset="0"/>
+                          </a:rPr>
+                        </m:ctrlPr>
+                      </m:fPr>
+                      <m:num>
+                        <m:r>
+                          <a:rPr kumimoji="1" lang="en-US" altLang="zh-TW" sz="2300" i="1">
+                            <a:solidFill>
+                              <a:srgbClr val="C00000"/>
+                            </a:solidFill>
+                            <a:latin typeface="Cambria Math" panose="02040503050406030204" pitchFamily="18" charset="0"/>
+                          </a:rPr>
+                          <m:t>1</m:t>
+                        </m:r>
+                      </m:num>
+                      <m:den>
+                        <m:r>
+                          <a:rPr kumimoji="1" lang="en-US" altLang="zh-TW" sz="2300" i="1">
+                            <a:solidFill>
+                              <a:srgbClr val="C00000"/>
+                            </a:solidFill>
+                            <a:latin typeface="Cambria Math" panose="02040503050406030204" pitchFamily="18" charset="0"/>
+                          </a:rPr>
+                          <m:t>𝐾</m:t>
+                        </m:r>
+                      </m:den>
+                    </m:f>
+                    <m:f>
+                      <m:fPr>
+                        <m:ctrlPr>
+                          <a:rPr kumimoji="1" lang="en-US" altLang="zh-TW" sz="2300" i="1" smtClean="0">
+                            <a:solidFill>
+                              <a:srgbClr val="C00000"/>
+                            </a:solidFill>
+                            <a:latin typeface="Cambria Math" panose="02040503050406030204" pitchFamily="18" charset="0"/>
+                          </a:rPr>
+                        </m:ctrlPr>
+                      </m:fPr>
+                      <m:num>
+                        <m:nary>
+                          <m:naryPr>
+                            <m:chr m:val="∑"/>
+                            <m:ctrlPr>
+                              <a:rPr kumimoji="1" lang="en-US" altLang="zh-TW" sz="2300" i="1">
+                                <a:solidFill>
+                                  <a:srgbClr val="C00000"/>
+                                </a:solidFill>
+                                <a:latin typeface="Cambria Math" panose="02040503050406030204" pitchFamily="18" charset="0"/>
+                              </a:rPr>
+                            </m:ctrlPr>
+                          </m:naryPr>
+                          <m:sub>
+                            <m:r>
+                              <m:rPr>
+                                <m:brk m:alnAt="23"/>
+                              </m:rPr>
+                              <a:rPr kumimoji="1" lang="en-US" altLang="zh-TW" sz="2300" i="1">
+                                <a:solidFill>
+                                  <a:srgbClr val="C00000"/>
+                                </a:solidFill>
+                                <a:latin typeface="Cambria Math" panose="02040503050406030204" pitchFamily="18" charset="0"/>
+                              </a:rPr>
+                              <m:t>𝑗</m:t>
+                            </m:r>
+                            <m:r>
+                              <a:rPr kumimoji="1" lang="en-US" altLang="zh-TW" sz="2300" i="1">
+                                <a:solidFill>
+                                  <a:srgbClr val="C00000"/>
+                                </a:solidFill>
+                                <a:latin typeface="Cambria Math" panose="02040503050406030204" pitchFamily="18" charset="0"/>
+                              </a:rPr>
+                              <m:t>=0</m:t>
+                            </m:r>
+                          </m:sub>
+                          <m:sup>
+                            <m:r>
+                              <a:rPr kumimoji="1" lang="en-US" altLang="zh-TW" sz="2300" i="1">
+                                <a:solidFill>
+                                  <a:srgbClr val="C00000"/>
+                                </a:solidFill>
+                                <a:latin typeface="Cambria Math" panose="02040503050406030204" pitchFamily="18" charset="0"/>
+                              </a:rPr>
+                              <m:t>𝐾</m:t>
+                            </m:r>
+                            <m:r>
+                              <a:rPr kumimoji="1" lang="en-US" altLang="zh-TW" sz="2300" i="1">
+                                <a:solidFill>
+                                  <a:srgbClr val="C00000"/>
+                                </a:solidFill>
+                                <a:latin typeface="Cambria Math" panose="02040503050406030204" pitchFamily="18" charset="0"/>
+                              </a:rPr>
+                              <m:t>−1</m:t>
+                            </m:r>
+                          </m:sup>
+                          <m:e>
+                            <m:sSub>
+                              <m:sSubPr>
+                                <m:ctrlPr>
+                                  <a:rPr kumimoji="1" lang="en-US" altLang="zh-TW" sz="2300" i="1" smtClean="0">
+                                    <a:solidFill>
+                                      <a:srgbClr val="C00000"/>
+                                    </a:solidFill>
+                                    <a:latin typeface="Cambria Math" panose="02040503050406030204" pitchFamily="18" charset="0"/>
+                                  </a:rPr>
+                                </m:ctrlPr>
+                              </m:sSubPr>
+                              <m:e>
+                                <m:r>
+                                  <a:rPr kumimoji="1" lang="en-US" altLang="zh-TW" sz="2300" b="0" i="1" smtClean="0">
+                                    <a:solidFill>
+                                      <a:srgbClr val="C00000"/>
+                                    </a:solidFill>
+                                    <a:latin typeface="Cambria Math" panose="02040503050406030204" pitchFamily="18" charset="0"/>
+                                  </a:rPr>
+                                  <m:t>𝑠</m:t>
+                                </m:r>
+                              </m:e>
+                              <m:sub>
+                                <m:r>
+                                  <a:rPr kumimoji="1" lang="en-US" altLang="zh-TW" sz="2300" b="0" i="1" smtClean="0">
+                                    <a:solidFill>
+                                      <a:srgbClr val="C00000"/>
+                                    </a:solidFill>
+                                    <a:latin typeface="Cambria Math" panose="02040503050406030204" pitchFamily="18" charset="0"/>
+                                  </a:rPr>
+                                  <m:t>𝑖</m:t>
+                                </m:r>
+                                <m:r>
+                                  <a:rPr kumimoji="1" lang="en-US" altLang="zh-TW" sz="2300" b="0" i="1" smtClean="0">
+                                    <a:solidFill>
+                                      <a:srgbClr val="C00000"/>
+                                    </a:solidFill>
+                                    <a:latin typeface="Cambria Math" panose="02040503050406030204" pitchFamily="18" charset="0"/>
+                                  </a:rPr>
+                                  <m:t>−</m:t>
+                                </m:r>
+                                <m:r>
+                                  <a:rPr kumimoji="1" lang="en-US" altLang="zh-TW" sz="2300" b="0" i="1" smtClean="0">
+                                    <a:solidFill>
+                                      <a:srgbClr val="C00000"/>
+                                    </a:solidFill>
+                                    <a:latin typeface="Cambria Math" panose="02040503050406030204" pitchFamily="18" charset="0"/>
+                                  </a:rPr>
+                                  <m:t>𝑗</m:t>
+                                </m:r>
+                              </m:sub>
+                            </m:sSub>
+                          </m:e>
+                        </m:nary>
+                      </m:num>
+                      <m:den>
+                        <m:nary>
+                          <m:naryPr>
+                            <m:chr m:val="∑"/>
+                            <m:ctrlPr>
+                              <a:rPr kumimoji="1" lang="en-US" altLang="zh-TW" sz="2300" i="1">
+                                <a:solidFill>
+                                  <a:srgbClr val="C00000"/>
+                                </a:solidFill>
+                                <a:latin typeface="Cambria Math" panose="02040503050406030204" pitchFamily="18" charset="0"/>
+                              </a:rPr>
+                            </m:ctrlPr>
+                          </m:naryPr>
+                          <m:sub>
+                            <m:r>
+                              <m:rPr>
+                                <m:brk m:alnAt="23"/>
+                              </m:rPr>
+                              <a:rPr kumimoji="1" lang="en-US" altLang="zh-TW" sz="2300" i="1">
+                                <a:solidFill>
+                                  <a:srgbClr val="C00000"/>
+                                </a:solidFill>
+                                <a:latin typeface="Cambria Math" panose="02040503050406030204" pitchFamily="18" charset="0"/>
+                              </a:rPr>
+                              <m:t>𝑗</m:t>
+                            </m:r>
+                            <m:r>
+                              <a:rPr kumimoji="1" lang="en-US" altLang="zh-TW" sz="2300" i="1">
+                                <a:solidFill>
+                                  <a:srgbClr val="C00000"/>
+                                </a:solidFill>
+                                <a:latin typeface="Cambria Math" panose="02040503050406030204" pitchFamily="18" charset="0"/>
+                              </a:rPr>
+                              <m:t>=0</m:t>
+                            </m:r>
+                          </m:sub>
+                          <m:sup>
+                            <m:r>
+                              <a:rPr kumimoji="1" lang="en-US" altLang="zh-TW" sz="2300" i="1">
+                                <a:solidFill>
+                                  <a:srgbClr val="C00000"/>
+                                </a:solidFill>
+                                <a:latin typeface="Cambria Math" panose="02040503050406030204" pitchFamily="18" charset="0"/>
+                              </a:rPr>
+                              <m:t>𝐾</m:t>
+                            </m:r>
+                            <m:r>
+                              <a:rPr kumimoji="1" lang="en-US" altLang="zh-TW" sz="2300" i="1">
+                                <a:solidFill>
+                                  <a:srgbClr val="C00000"/>
+                                </a:solidFill>
+                                <a:latin typeface="Cambria Math" panose="02040503050406030204" pitchFamily="18" charset="0"/>
+                              </a:rPr>
+                              <m:t>−1</m:t>
+                            </m:r>
+                          </m:sup>
+                          <m:e>
+                            <m:sSub>
+                              <m:sSubPr>
+                                <m:ctrlPr>
+                                  <a:rPr kumimoji="1" lang="en-US" altLang="zh-TW" sz="2300" i="1" smtClean="0">
+                                    <a:solidFill>
+                                      <a:srgbClr val="C00000"/>
+                                    </a:solidFill>
+                                    <a:latin typeface="Cambria Math" panose="02040503050406030204" pitchFamily="18" charset="0"/>
+                                  </a:rPr>
+                                </m:ctrlPr>
+                              </m:sSubPr>
+                              <m:e>
+                                <m:r>
+                                  <a:rPr kumimoji="1" lang="en-US" altLang="zh-TW" sz="2300" b="0" i="1" smtClean="0">
+                                    <a:solidFill>
+                                      <a:srgbClr val="C00000"/>
+                                    </a:solidFill>
+                                    <a:latin typeface="Cambria Math" panose="02040503050406030204" pitchFamily="18" charset="0"/>
+                                  </a:rPr>
+                                  <m:t>𝑡</m:t>
+                                </m:r>
+                              </m:e>
+                              <m:sub>
+                                <m:r>
+                                  <a:rPr kumimoji="1" lang="en-US" altLang="zh-TW" sz="2300" b="0" i="1" smtClean="0">
+                                    <a:solidFill>
+                                      <a:srgbClr val="C00000"/>
+                                    </a:solidFill>
+                                    <a:latin typeface="Cambria Math" panose="02040503050406030204" pitchFamily="18" charset="0"/>
+                                  </a:rPr>
+                                  <m:t>𝑖</m:t>
+                                </m:r>
+                                <m:r>
+                                  <a:rPr kumimoji="1" lang="en-US" altLang="zh-TW" sz="2300" b="0" i="1" smtClean="0">
+                                    <a:solidFill>
+                                      <a:srgbClr val="C00000"/>
+                                    </a:solidFill>
+                                    <a:latin typeface="Cambria Math" panose="02040503050406030204" pitchFamily="18" charset="0"/>
+                                  </a:rPr>
+                                  <m:t>−</m:t>
+                                </m:r>
+                                <m:r>
+                                  <a:rPr kumimoji="1" lang="en-US" altLang="zh-TW" sz="2300" b="0" i="1" smtClean="0">
+                                    <a:solidFill>
+                                      <a:srgbClr val="C00000"/>
+                                    </a:solidFill>
+                                    <a:latin typeface="Cambria Math" panose="02040503050406030204" pitchFamily="18" charset="0"/>
+                                  </a:rPr>
+                                  <m:t>𝑗</m:t>
+                                </m:r>
+                              </m:sub>
+                            </m:sSub>
+                          </m:e>
+                        </m:nary>
+                      </m:den>
+                    </m:f>
+                  </m:oMath>
+                </a14:m>
+                <a:endParaRPr kumimoji="1" lang="zh-TW" altLang="en-US" sz="2300" dirty="0">
+                  <a:solidFill>
+                    <a:srgbClr val="C00000"/>
+                  </a:solidFill>
+                </a:endParaRPr>
+              </a:p>
+            </p:txBody>
+          </p:sp>
+        </mc:Choice>
+        <mc:Fallback>
+          <p:sp>
+            <p:nvSpPr>
+              <p:cNvPr id="2" name="文字方塊 1">
+                <a:extLst>
+                  <a:ext uri="{FF2B5EF4-FFF2-40B4-BE49-F238E27FC236}">
+                    <a16:creationId xmlns:a16="http://schemas.microsoft.com/office/drawing/2014/main" id="{4612332E-D59E-A174-5EE8-EAEC4FCAB261}"/>
+                  </a:ext>
+                </a:extLst>
+              </p:cNvPr>
+              <p:cNvSpPr txBox="1">
+                <a:spLocks noRot="1" noChangeAspect="1" noMove="1" noResize="1" noEditPoints="1" noAdjustHandles="1" noChangeArrowheads="1" noChangeShapeType="1" noTextEdit="1"/>
+              </p:cNvSpPr>
+              <p:nvPr/>
+            </p:nvSpPr>
+            <p:spPr>
+              <a:xfrm>
+                <a:off x="8326167" y="365125"/>
+                <a:ext cx="3781168" cy="1934056"/>
+              </a:xfrm>
+              <a:prstGeom prst="rect">
+                <a:avLst/>
+              </a:prstGeom>
+              <a:blipFill>
+                <a:blip r:embed="rId5"/>
+                <a:stretch>
+                  <a:fillRect l="-4682" t="-27451" r="-334" b="-30719"/>
+                </a:stretch>
+              </a:blipFill>
+            </p:spPr>
+            <p:txBody>
+              <a:bodyPr/>
+              <a:lstStyle/>
+              <a:p>
+                <a:r>
+                  <a:rPr lang="zh-TW" altLang="en-US">
+                    <a:noFill/>
+                  </a:rPr>
+                  <a:t> </a:t>
+                </a:r>
+              </a:p>
+            </p:txBody>
+          </p:sp>
+        </mc:Fallback>
+      </mc:AlternateContent>
+      <p:cxnSp>
+        <p:nvCxnSpPr>
+          <p:cNvPr id="8" name="直線箭頭接點 7">
             <a:extLst>
               <a:ext uri="{FF2B5EF4-FFF2-40B4-BE49-F238E27FC236}">
-                <a16:creationId xmlns:a16="http://schemas.microsoft.com/office/drawing/2014/main" id="{EF7FE008-49BD-0C11-B7B1-D4F22BC3879F}"/>
+                <a16:creationId xmlns:a16="http://schemas.microsoft.com/office/drawing/2014/main" id="{CC1C98E5-9231-DAC4-C483-8EA2FEB19CC8}"/>
               </a:ext>
             </a:extLst>
           </p:cNvPr>
-          <p:cNvPicPr>
-            <a:picLocks noChangeAspect="1"/>
-          </p:cNvPicPr>
+          <p:cNvCxnSpPr>
+            <a:cxnSpLocks/>
+          </p:cNvCxnSpPr>
           <p:nvPr/>
-        </p:nvPicPr>
-        <p:blipFill>
-          <a:blip r:embed="rId4"/>
-          <a:stretch>
-            <a:fillRect/>
-          </a:stretch>
-        </p:blipFill>
+        </p:nvCxnSpPr>
         <p:spPr>
           <a:xfrm>
-            <a:off x="6096000" y="2952528"/>
-            <a:ext cx="5410806" cy="3812712"/>
+            <a:off x="8983362" y="921153"/>
+            <a:ext cx="0" cy="649550"/>
           </a:xfrm>
-          <a:prstGeom prst="rect">
+          <a:prstGeom prst="straightConnector1">
             <a:avLst/>
           </a:prstGeom>
+          <a:ln w="63500">
+            <a:tailEnd type="triangle"/>
+          </a:ln>
         </p:spPr>
-      </p:pic>
+        <p:style>
+          <a:lnRef idx="1">
+            <a:schemeClr val="accent2"/>
+          </a:lnRef>
+          <a:fillRef idx="0">
+            <a:schemeClr val="accent2"/>
+          </a:fillRef>
+          <a:effectRef idx="0">
+            <a:schemeClr val="accent2"/>
+          </a:effectRef>
+          <a:fontRef idx="minor">
+            <a:schemeClr val="tx1"/>
+          </a:fontRef>
+        </p:style>
+      </p:cxnSp>
+      <p:sp>
+        <p:nvSpPr>
+          <p:cNvPr id="11" name="投影片編號版面配置區 10">
+            <a:extLst>
+              <a:ext uri="{FF2B5EF4-FFF2-40B4-BE49-F238E27FC236}">
+                <a16:creationId xmlns:a16="http://schemas.microsoft.com/office/drawing/2014/main" id="{6F097619-6AA0-CD3F-66EE-273D5BE110FF}"/>
+              </a:ext>
+            </a:extLst>
+          </p:cNvPr>
+          <p:cNvSpPr>
+            <a:spLocks noGrp="1"/>
+          </p:cNvSpPr>
+          <p:nvPr>
+            <p:ph type="sldNum" sz="quarter" idx="12"/>
+          </p:nvPr>
+        </p:nvSpPr>
+        <p:spPr/>
+        <p:txBody>
+          <a:bodyPr/>
+          <a:lstStyle/>
+          <a:p>
+            <a:fld id="{EBC81C9E-5C6F-BE43-A2DB-9F7FDEA567D5}" type="slidenum">
+              <a:rPr kumimoji="1" lang="zh-TW" altLang="en-US" smtClean="0"/>
+              <a:t>4</a:t>
+            </a:fld>
+            <a:endParaRPr kumimoji="1" lang="zh-TW" altLang="en-US"/>
+          </a:p>
+        </p:txBody>
+      </p:sp>
     </p:spTree>
     <p:extLst>
       <p:ext uri="{BB962C8B-B14F-4D97-AF65-F5344CB8AC3E}">
@@ -8972,8 +10699,8 @@
           </a:p>
         </p:txBody>
       </p:sp>
-      <mc:AlternateContent xmlns:mc="http://schemas.openxmlformats.org/markup-compatibility/2006" xmlns:a14="http://schemas.microsoft.com/office/drawing/2010/main">
-        <mc:Choice Requires="a14">
+      <mc:AlternateContent xmlns:mc="http://schemas.openxmlformats.org/markup-compatibility/2006">
+        <mc:Choice xmlns:a14="http://schemas.microsoft.com/office/drawing/2010/main" Requires="a14">
           <p:sp>
             <p:nvSpPr>
               <p:cNvPr id="3" name="內容版面配置區 2">
@@ -9479,7 +11206,7 @@
                 </a:r>
                 <a:r>
                   <a:rPr kumimoji="1" lang="en-US" altLang="zh-TW" dirty="0"/>
-                  <a:t> around that range. And</a:t>
+                  <a:t> around that range (will be shown in the next page). And</a:t>
                 </a:r>
               </a:p>
               <a:p>
@@ -9511,7 +11238,7 @@
             </p:txBody>
           </p:sp>
         </mc:Choice>
-        <mc:Fallback xmlns="">
+        <mc:Fallback>
           <p:sp>
             <p:nvSpPr>
               <p:cNvPr id="3" name="內容版面配置區 2">
@@ -9555,6 +11282,35 @@
           </p:sp>
         </mc:Fallback>
       </mc:AlternateContent>
+      <p:sp>
+        <p:nvSpPr>
+          <p:cNvPr id="6" name="投影片編號版面配置區 5">
+            <a:extLst>
+              <a:ext uri="{FF2B5EF4-FFF2-40B4-BE49-F238E27FC236}">
+                <a16:creationId xmlns:a16="http://schemas.microsoft.com/office/drawing/2014/main" id="{1188D715-3B25-350A-CFBE-5F0BBE87CFB7}"/>
+              </a:ext>
+            </a:extLst>
+          </p:cNvPr>
+          <p:cNvSpPr>
+            <a:spLocks noGrp="1"/>
+          </p:cNvSpPr>
+          <p:nvPr>
+            <p:ph type="sldNum" sz="quarter" idx="12"/>
+          </p:nvPr>
+        </p:nvSpPr>
+        <p:spPr/>
+        <p:txBody>
+          <a:bodyPr/>
+          <a:lstStyle/>
+          <a:p>
+            <a:fld id="{EBC81C9E-5C6F-BE43-A2DB-9F7FDEA567D5}" type="slidenum">
+              <a:rPr kumimoji="1" lang="zh-TW" altLang="en-US" smtClean="0"/>
+              <a:t>5</a:t>
+            </a:fld>
+            <a:endParaRPr kumimoji="1" lang="zh-TW" altLang="en-US"/>
+          </a:p>
+        </p:txBody>
+      </p:sp>
     </p:spTree>
     <p:extLst>
       <p:ext uri="{BB962C8B-B14F-4D97-AF65-F5344CB8AC3E}">
@@ -9569,6 +11325,196 @@
 </file>
 
 <file path=ppt/slides/slide6.xml><?xml version="1.0" encoding="utf-8"?>
+<p:sld xmlns:a="http://schemas.openxmlformats.org/drawingml/2006/main" xmlns:r="http://schemas.openxmlformats.org/officeDocument/2006/relationships" xmlns:p="http://schemas.openxmlformats.org/presentationml/2006/main">
+  <p:cSld>
+    <p:spTree>
+      <p:nvGrpSpPr>
+        <p:cNvPr id="1" name=""/>
+        <p:cNvGrpSpPr/>
+        <p:nvPr/>
+      </p:nvGrpSpPr>
+      <p:grpSpPr>
+        <a:xfrm>
+          <a:off x="0" y="0"/>
+          <a:ext cx="0" cy="0"/>
+          <a:chOff x="0" y="0"/>
+          <a:chExt cx="0" cy="0"/>
+        </a:xfrm>
+      </p:grpSpPr>
+      <p:sp>
+        <p:nvSpPr>
+          <p:cNvPr id="2" name="標題 1">
+            <a:extLst>
+              <a:ext uri="{FF2B5EF4-FFF2-40B4-BE49-F238E27FC236}">
+                <a16:creationId xmlns:a16="http://schemas.microsoft.com/office/drawing/2014/main" id="{7956E4DA-9112-FBAE-51CC-5F06E18A08DC}"/>
+              </a:ext>
+            </a:extLst>
+          </p:cNvPr>
+          <p:cNvSpPr>
+            <a:spLocks noGrp="1"/>
+          </p:cNvSpPr>
+          <p:nvPr>
+            <p:ph type="title"/>
+          </p:nvPr>
+        </p:nvSpPr>
+        <p:spPr/>
+        <p:txBody>
+          <a:bodyPr>
+            <a:normAutofit/>
+          </a:bodyPr>
+          <a:lstStyle/>
+          <a:p>
+            <a:r>
+              <a:rPr kumimoji="1" lang="en-US" altLang="zh-TW" sz="3500" b="1" dirty="0">
+                <a:latin typeface="Times New Roman" panose="02020603050405020304" pitchFamily="18" charset="0"/>
+                <a:cs typeface="Times New Roman" panose="02020603050405020304" pitchFamily="18" charset="0"/>
+              </a:rPr>
+              <a:t>Current Status of Bandwidth Estimation</a:t>
+            </a:r>
+            <a:br>
+              <a:rPr kumimoji="1" lang="en-US" altLang="zh-TW" sz="3500" b="1" dirty="0">
+                <a:latin typeface="Times New Roman" panose="02020603050405020304" pitchFamily="18" charset="0"/>
+                <a:cs typeface="Times New Roman" panose="02020603050405020304" pitchFamily="18" charset="0"/>
+              </a:rPr>
+            </a:br>
+            <a:r>
+              <a:rPr kumimoji="1" lang="en-US" altLang="zh-TW" sz="3500" b="1" dirty="0">
+                <a:latin typeface="Times New Roman" panose="02020603050405020304" pitchFamily="18" charset="0"/>
+                <a:cs typeface="Times New Roman" panose="02020603050405020304" pitchFamily="18" charset="0"/>
+              </a:rPr>
+              <a:t>- </a:t>
+            </a:r>
+            <a:r>
+              <a:rPr kumimoji="1" lang="en-US" altLang="zh-TW" sz="3500" b="1" i="1" dirty="0">
+                <a:latin typeface="Times New Roman" panose="02020603050405020304" pitchFamily="18" charset="0"/>
+                <a:cs typeface="Times New Roman" panose="02020603050405020304" pitchFamily="18" charset="0"/>
+              </a:rPr>
+              <a:t>Arithmetic Mean</a:t>
+            </a:r>
+            <a:endParaRPr kumimoji="1" lang="zh-TW" altLang="en-US" sz="3500" b="1" i="1" dirty="0"/>
+          </a:p>
+        </p:txBody>
+      </p:sp>
+      <p:pic>
+        <p:nvPicPr>
+          <p:cNvPr id="4" name="圖片 3">
+            <a:extLst>
+              <a:ext uri="{FF2B5EF4-FFF2-40B4-BE49-F238E27FC236}">
+                <a16:creationId xmlns:a16="http://schemas.microsoft.com/office/drawing/2014/main" id="{4D2A902C-70A8-2D93-CC73-816904583900}"/>
+              </a:ext>
+            </a:extLst>
+          </p:cNvPr>
+          <p:cNvPicPr>
+            <a:picLocks noChangeAspect="1"/>
+          </p:cNvPicPr>
+          <p:nvPr/>
+        </p:nvPicPr>
+        <p:blipFill>
+          <a:blip r:embed="rId2"/>
+          <a:stretch>
+            <a:fillRect/>
+          </a:stretch>
+        </p:blipFill>
+        <p:spPr>
+          <a:xfrm>
+            <a:off x="4647371" y="1403014"/>
+            <a:ext cx="6757229" cy="5089861"/>
+          </a:xfrm>
+          <a:prstGeom prst="rect">
+            <a:avLst/>
+          </a:prstGeom>
+        </p:spPr>
+      </p:pic>
+      <p:sp>
+        <p:nvSpPr>
+          <p:cNvPr id="5" name="內容版面配置區 2">
+            <a:extLst>
+              <a:ext uri="{FF2B5EF4-FFF2-40B4-BE49-F238E27FC236}">
+                <a16:creationId xmlns:a16="http://schemas.microsoft.com/office/drawing/2014/main" id="{B3ACFAB7-ADC0-BFA1-D240-B98A623F2BF5}"/>
+              </a:ext>
+            </a:extLst>
+          </p:cNvPr>
+          <p:cNvSpPr>
+            <a:spLocks noGrp="1"/>
+          </p:cNvSpPr>
+          <p:nvPr>
+            <p:ph idx="1"/>
+          </p:nvPr>
+        </p:nvSpPr>
+        <p:spPr>
+          <a:xfrm>
+            <a:off x="838200" y="1865786"/>
+            <a:ext cx="3758371" cy="4340461"/>
+          </a:xfrm>
+        </p:spPr>
+        <p:txBody>
+          <a:bodyPr>
+            <a:normAutofit/>
+          </a:bodyPr>
+          <a:lstStyle/>
+          <a:p>
+            <a:r>
+              <a:rPr kumimoji="1" lang="en-US" altLang="zh-TW" dirty="0"/>
+              <a:t>On the RHS is a plot showing different algorithms’ normalized RMSE.</a:t>
+            </a:r>
+          </a:p>
+          <a:p>
+            <a:r>
+              <a:rPr kumimoji="1" lang="en-US" altLang="zh-TW" b="1" dirty="0"/>
+              <a:t>The normalized RMSE of the arithmetic mean is about 11%.</a:t>
+            </a:r>
+          </a:p>
+          <a:p>
+            <a:r>
+              <a:rPr kumimoji="1" lang="en-US" altLang="zh-TW" dirty="0"/>
+              <a:t>Certainly, these kinds of metrics vary from data sets.</a:t>
+            </a:r>
+          </a:p>
+        </p:txBody>
+      </p:sp>
+      <p:sp>
+        <p:nvSpPr>
+          <p:cNvPr id="6" name="投影片編號版面配置區 5">
+            <a:extLst>
+              <a:ext uri="{FF2B5EF4-FFF2-40B4-BE49-F238E27FC236}">
+                <a16:creationId xmlns:a16="http://schemas.microsoft.com/office/drawing/2014/main" id="{01A1C667-CA92-5DDE-E97E-C9E3BBAA4823}"/>
+              </a:ext>
+            </a:extLst>
+          </p:cNvPr>
+          <p:cNvSpPr>
+            <a:spLocks noGrp="1"/>
+          </p:cNvSpPr>
+          <p:nvPr>
+            <p:ph type="sldNum" sz="quarter" idx="12"/>
+          </p:nvPr>
+        </p:nvSpPr>
+        <p:spPr/>
+        <p:txBody>
+          <a:bodyPr/>
+          <a:lstStyle/>
+          <a:p>
+            <a:fld id="{EBC81C9E-5C6F-BE43-A2DB-9F7FDEA567D5}" type="slidenum">
+              <a:rPr kumimoji="1" lang="zh-TW" altLang="en-US" smtClean="0"/>
+              <a:t>6</a:t>
+            </a:fld>
+            <a:endParaRPr kumimoji="1" lang="zh-TW" altLang="en-US"/>
+          </a:p>
+        </p:txBody>
+      </p:sp>
+    </p:spTree>
+    <p:extLst>
+      <p:ext uri="{BB962C8B-B14F-4D97-AF65-F5344CB8AC3E}">
+        <p14:creationId xmlns:p14="http://schemas.microsoft.com/office/powerpoint/2010/main" val="3169672841"/>
+      </p:ext>
+    </p:extLst>
+  </p:cSld>
+  <p:clrMapOvr>
+    <a:masterClrMapping/>
+  </p:clrMapOvr>
+</p:sld>
+</file>
+
+<file path=ppt/slides/slide7.xml><?xml version="1.0" encoding="utf-8"?>
 <p:sld xmlns:a="http://schemas.openxmlformats.org/drawingml/2006/main" xmlns:r="http://schemas.openxmlformats.org/officeDocument/2006/relationships" xmlns:p="http://schemas.openxmlformats.org/presentationml/2006/main">
   <p:cSld>
     <p:spTree>
@@ -9631,7 +11577,7 @@
                 <a:latin typeface="Times New Roman" panose="02020603050405020304" pitchFamily="18" charset="0"/>
                 <a:cs typeface="Times New Roman" panose="02020603050405020304" pitchFamily="18" charset="0"/>
               </a:rPr>
-              <a:t>- Analysis on Frame Droppings</a:t>
+              <a:t>- Analysis on the Frame Droppings Condition</a:t>
             </a:r>
             <a:endParaRPr kumimoji="1" lang="zh-TW" altLang="en-US" sz="3500" b="1" dirty="0">
               <a:latin typeface="Times New Roman" panose="02020603050405020304" pitchFamily="18" charset="0"/>
@@ -12646,6 +14592,35 @@
           </p:sp>
         </mc:Fallback>
       </mc:AlternateContent>
+      <p:sp>
+        <p:nvSpPr>
+          <p:cNvPr id="2" name="投影片編號版面配置區 1">
+            <a:extLst>
+              <a:ext uri="{FF2B5EF4-FFF2-40B4-BE49-F238E27FC236}">
+                <a16:creationId xmlns:a16="http://schemas.microsoft.com/office/drawing/2014/main" id="{01FA6B2A-35F7-9154-FE8F-3852BE5737E4}"/>
+              </a:ext>
+            </a:extLst>
+          </p:cNvPr>
+          <p:cNvSpPr>
+            <a:spLocks noGrp="1"/>
+          </p:cNvSpPr>
+          <p:nvPr>
+            <p:ph type="sldNum" sz="quarter" idx="12"/>
+          </p:nvPr>
+        </p:nvSpPr>
+        <p:spPr/>
+        <p:txBody>
+          <a:bodyPr/>
+          <a:lstStyle/>
+          <a:p>
+            <a:fld id="{EBC81C9E-5C6F-BE43-A2DB-9F7FDEA567D5}" type="slidenum">
+              <a:rPr kumimoji="1" lang="zh-TW" altLang="en-US" smtClean="0"/>
+              <a:t>7</a:t>
+            </a:fld>
+            <a:endParaRPr kumimoji="1" lang="zh-TW" altLang="en-US"/>
+          </a:p>
+        </p:txBody>
+      </p:sp>
     </p:spTree>
     <p:extLst>
       <p:ext uri="{BB962C8B-B14F-4D97-AF65-F5344CB8AC3E}">
@@ -12659,7 +14634,7 @@
 </p:sld>
 </file>
 
-<file path=ppt/slides/slide7.xml><?xml version="1.0" encoding="utf-8"?>
+<file path=ppt/slides/slide8.xml><?xml version="1.0" encoding="utf-8"?>
 <p:sld xmlns:a="http://schemas.openxmlformats.org/drawingml/2006/main" xmlns:r="http://schemas.openxmlformats.org/officeDocument/2006/relationships" xmlns:p="http://schemas.openxmlformats.org/presentationml/2006/main">
   <p:cSld>
     <p:spTree>
@@ -13979,6 +15954,425 @@
           </p:sp>
         </mc:Fallback>
       </mc:AlternateContent>
+      <mc:AlternateContent xmlns:mc="http://schemas.openxmlformats.org/markup-compatibility/2006">
+        <mc:Choice xmlns:a14="http://schemas.microsoft.com/office/drawing/2010/main" Requires="a14">
+          <p:sp>
+            <p:nvSpPr>
+              <p:cNvPr id="4" name="文字方塊 3">
+                <a:extLst>
+                  <a:ext uri="{FF2B5EF4-FFF2-40B4-BE49-F238E27FC236}">
+                    <a16:creationId xmlns:a16="http://schemas.microsoft.com/office/drawing/2014/main" id="{A15696E9-E534-E67D-2471-B7B94E3AC81D}"/>
+                  </a:ext>
+                </a:extLst>
+              </p:cNvPr>
+              <p:cNvSpPr txBox="1"/>
+              <p:nvPr/>
+            </p:nvSpPr>
+            <p:spPr>
+              <a:xfrm>
+                <a:off x="8685901" y="5826395"/>
+                <a:ext cx="3351880" cy="608115"/>
+              </a:xfrm>
+              <a:prstGeom prst="rect">
+                <a:avLst/>
+              </a:prstGeom>
+              <a:noFill/>
+            </p:spPr>
+            <p:txBody>
+              <a:bodyPr wrap="none" lIns="0" tIns="0" rIns="0" bIns="0" rtlCol="0">
+                <a:spAutoFit/>
+              </a:bodyPr>
+              <a:lstStyle/>
+              <a:p>
+                <a14:m>
+                  <m:oMathPara xmlns:m="http://schemas.openxmlformats.org/officeDocument/2006/math">
+                    <m:oMathParaPr>
+                      <m:jc m:val="centerGroup"/>
+                    </m:oMathParaPr>
+                    <m:oMath xmlns:m="http://schemas.openxmlformats.org/officeDocument/2006/math">
+                      <m:r>
+                        <a:rPr lang="en-US" altLang="zh-TW" sz="2400" b="1" i="1" dirty="0" smtClean="0">
+                          <a:solidFill>
+                            <a:srgbClr val="C00000"/>
+                          </a:solidFill>
+                          <a:latin typeface="Cambria Math" panose="02040503050406030204" pitchFamily="18" charset="0"/>
+                        </a:rPr>
+                        <m:t>𝑷</m:t>
+                      </m:r>
+                      <m:d>
+                        <m:dPr>
+                          <m:ctrlPr>
+                            <a:rPr lang="en-US" altLang="zh-TW" sz="2400" b="1" i="1" dirty="0">
+                              <a:solidFill>
+                                <a:srgbClr val="C00000"/>
+                              </a:solidFill>
+                              <a:latin typeface="Cambria Math" panose="02040503050406030204" pitchFamily="18" charset="0"/>
+                            </a:rPr>
+                          </m:ctrlPr>
+                        </m:dPr>
+                        <m:e>
+                          <m:sSub>
+                            <m:sSubPr>
+                              <m:ctrlPr>
+                                <a:rPr kumimoji="1" lang="en-US" altLang="zh-TW" sz="2400" b="1" i="1">
+                                  <a:solidFill>
+                                    <a:srgbClr val="C00000"/>
+                                  </a:solidFill>
+                                  <a:latin typeface="Cambria Math" panose="02040503050406030204" pitchFamily="18" charset="0"/>
+                                </a:rPr>
+                              </m:ctrlPr>
+                            </m:sSubPr>
+                            <m:e>
+                              <m:r>
+                                <a:rPr kumimoji="1" lang="en-US" altLang="zh-TW" sz="2400" b="1" i="1">
+                                  <a:solidFill>
+                                    <a:srgbClr val="C00000"/>
+                                  </a:solidFill>
+                                  <a:latin typeface="Cambria Math" panose="02040503050406030204" pitchFamily="18" charset="0"/>
+                                </a:rPr>
+                                <m:t>𝑺</m:t>
+                              </m:r>
+                            </m:e>
+                            <m:sub>
+                              <m:sSub>
+                                <m:sSubPr>
+                                  <m:ctrlPr>
+                                    <a:rPr lang="en-US" altLang="zh-TW" sz="2400" b="1" i="1">
+                                      <a:solidFill>
+                                        <a:srgbClr val="C00000"/>
+                                      </a:solidFill>
+                                      <a:latin typeface="Cambria Math" panose="02040503050406030204" pitchFamily="18" charset="0"/>
+                                      <a:ea typeface="Cambria Math" panose="02040503050406030204" pitchFamily="18" charset="0"/>
+                                    </a:rPr>
+                                  </m:ctrlPr>
+                                </m:sSubPr>
+                                <m:e>
+                                  <m:r>
+                                    <a:rPr lang="en-US" altLang="zh-TW" sz="2400" b="1" i="1">
+                                      <a:solidFill>
+                                        <a:srgbClr val="C00000"/>
+                                      </a:solidFill>
+                                      <a:latin typeface="Cambria Math" panose="02040503050406030204" pitchFamily="18" charset="0"/>
+                                      <a:ea typeface="Cambria Math" panose="02040503050406030204" pitchFamily="18" charset="0"/>
+                                    </a:rPr>
+                                    <m:t>𝑻</m:t>
+                                  </m:r>
+                                </m:e>
+                                <m:sub>
+                                  <m:r>
+                                    <a:rPr lang="en-US" altLang="zh-TW" sz="2400" b="1" i="1">
+                                      <a:solidFill>
+                                        <a:srgbClr val="C00000"/>
+                                      </a:solidFill>
+                                      <a:latin typeface="Cambria Math" panose="02040503050406030204" pitchFamily="18" charset="0"/>
+                                      <a:ea typeface="Cambria Math" panose="02040503050406030204" pitchFamily="18" charset="0"/>
+                                    </a:rPr>
+                                    <m:t>𝒊</m:t>
+                                  </m:r>
+                                </m:sub>
+                              </m:sSub>
+                              <m:r>
+                                <a:rPr lang="en-US" altLang="zh-TW" sz="2400" b="1" i="1">
+                                  <a:solidFill>
+                                    <a:srgbClr val="C00000"/>
+                                  </a:solidFill>
+                                  <a:latin typeface="Cambria Math" panose="02040503050406030204" pitchFamily="18" charset="0"/>
+                                  <a:ea typeface="Cambria Math" panose="02040503050406030204" pitchFamily="18" charset="0"/>
+                                </a:rPr>
+                                <m:t>+</m:t>
+                              </m:r>
+                              <m:sSubSup>
+                                <m:sSubSupPr>
+                                  <m:ctrlPr>
+                                    <a:rPr lang="en-US" altLang="zh-TW" sz="2400" b="1" i="1">
+                                      <a:solidFill>
+                                        <a:srgbClr val="C00000"/>
+                                      </a:solidFill>
+                                      <a:latin typeface="Cambria Math" panose="02040503050406030204" pitchFamily="18" charset="0"/>
+                                      <a:ea typeface="Cambria Math" panose="02040503050406030204" pitchFamily="18" charset="0"/>
+                                    </a:rPr>
+                                  </m:ctrlPr>
+                                </m:sSubSupPr>
+                                <m:e>
+                                  <m:r>
+                                    <a:rPr lang="en-US" altLang="zh-TW" sz="2400" b="1" i="1">
+                                      <a:solidFill>
+                                        <a:srgbClr val="C00000"/>
+                                      </a:solidFill>
+                                      <a:latin typeface="Cambria Math" panose="02040503050406030204" pitchFamily="18" charset="0"/>
+                                      <a:ea typeface="Cambria Math" panose="02040503050406030204" pitchFamily="18" charset="0"/>
+                                    </a:rPr>
+                                    <m:t>𝒕</m:t>
+                                  </m:r>
+                                </m:e>
+                                <m:sub>
+                                  <m:r>
+                                    <a:rPr lang="en-US" altLang="zh-TW" sz="2400" b="1" i="1">
+                                      <a:solidFill>
+                                        <a:srgbClr val="C00000"/>
+                                      </a:solidFill>
+                                      <a:latin typeface="Cambria Math" panose="02040503050406030204" pitchFamily="18" charset="0"/>
+                                      <a:ea typeface="Cambria Math" panose="02040503050406030204" pitchFamily="18" charset="0"/>
+                                    </a:rPr>
+                                    <m:t>𝒃</m:t>
+                                  </m:r>
+                                </m:sub>
+                                <m:sup>
+                                  <m:d>
+                                    <m:dPr>
+                                      <m:ctrlPr>
+                                        <a:rPr lang="en-US" altLang="zh-TW" sz="2400" b="1" i="1">
+                                          <a:solidFill>
+                                            <a:srgbClr val="C00000"/>
+                                          </a:solidFill>
+                                          <a:latin typeface="Cambria Math" panose="02040503050406030204" pitchFamily="18" charset="0"/>
+                                          <a:ea typeface="Cambria Math" panose="02040503050406030204" pitchFamily="18" charset="0"/>
+                                        </a:rPr>
+                                      </m:ctrlPr>
+                                    </m:dPr>
+                                    <m:e>
+                                      <m:r>
+                                        <a:rPr lang="en-US" altLang="zh-TW" sz="2400" b="1" i="1">
+                                          <a:solidFill>
+                                            <a:srgbClr val="C00000"/>
+                                          </a:solidFill>
+                                          <a:latin typeface="Cambria Math" panose="02040503050406030204" pitchFamily="18" charset="0"/>
+                                          <a:ea typeface="Cambria Math" panose="02040503050406030204" pitchFamily="18" charset="0"/>
+                                        </a:rPr>
+                                        <m:t>𝒊</m:t>
+                                      </m:r>
+                                    </m:e>
+                                  </m:d>
+                                </m:sup>
+                              </m:sSubSup>
+                            </m:sub>
+                          </m:sSub>
+                          <m:r>
+                            <a:rPr lang="en-US" altLang="zh-TW" sz="2400" b="1" i="1">
+                              <a:solidFill>
+                                <a:srgbClr val="C00000"/>
+                              </a:solidFill>
+                              <a:latin typeface="Cambria Math" panose="02040503050406030204" pitchFamily="18" charset="0"/>
+                              <a:ea typeface="Cambria Math" panose="02040503050406030204" pitchFamily="18" charset="0"/>
+                            </a:rPr>
+                            <m:t>≥</m:t>
+                          </m:r>
+                          <m:sSub>
+                            <m:sSubPr>
+                              <m:ctrlPr>
+                                <a:rPr lang="en-US" altLang="zh-TW" sz="2400" b="1" i="1">
+                                  <a:solidFill>
+                                    <a:srgbClr val="C00000"/>
+                                  </a:solidFill>
+                                  <a:latin typeface="Cambria Math" panose="02040503050406030204" pitchFamily="18" charset="0"/>
+                                  <a:ea typeface="Cambria Math" panose="02040503050406030204" pitchFamily="18" charset="0"/>
+                                </a:rPr>
+                              </m:ctrlPr>
+                            </m:sSubPr>
+                            <m:e>
+                              <m:r>
+                                <a:rPr lang="en-US" altLang="zh-TW" sz="2400" b="1" i="1">
+                                  <a:solidFill>
+                                    <a:srgbClr val="C00000"/>
+                                  </a:solidFill>
+                                  <a:latin typeface="Cambria Math" panose="02040503050406030204" pitchFamily="18" charset="0"/>
+                                  <a:ea typeface="Cambria Math" panose="02040503050406030204" pitchFamily="18" charset="0"/>
+                                </a:rPr>
+                                <m:t>𝒔</m:t>
+                              </m:r>
+                            </m:e>
+                            <m:sub>
+                              <m:r>
+                                <a:rPr lang="en-US" altLang="zh-TW" sz="2400" b="1" i="1">
+                                  <a:solidFill>
+                                    <a:srgbClr val="C00000"/>
+                                  </a:solidFill>
+                                  <a:latin typeface="Cambria Math" panose="02040503050406030204" pitchFamily="18" charset="0"/>
+                                  <a:ea typeface="Cambria Math" panose="02040503050406030204" pitchFamily="18" charset="0"/>
+                                </a:rPr>
+                                <m:t>𝒊</m:t>
+                              </m:r>
+                            </m:sub>
+                          </m:sSub>
+                        </m:e>
+                      </m:d>
+                      <m:r>
+                        <a:rPr lang="en-US" altLang="zh-TW" sz="2400" b="1" i="1" smtClean="0">
+                          <a:solidFill>
+                            <a:srgbClr val="C00000"/>
+                          </a:solidFill>
+                          <a:latin typeface="Cambria Math" panose="02040503050406030204" pitchFamily="18" charset="0"/>
+                          <a:ea typeface="Cambria Math" panose="02040503050406030204" pitchFamily="18" charset="0"/>
+                        </a:rPr>
+                        <m:t>=</m:t>
+                      </m:r>
+                      <m:r>
+                        <a:rPr lang="en-US" altLang="zh-TW" sz="2400" b="1" i="1">
+                          <a:solidFill>
+                            <a:srgbClr val="C00000"/>
+                          </a:solidFill>
+                          <a:latin typeface="Cambria Math" panose="02040503050406030204" pitchFamily="18" charset="0"/>
+                          <a:ea typeface="Cambria Math" panose="02040503050406030204" pitchFamily="18" charset="0"/>
+                        </a:rPr>
+                        <m:t>𝟏</m:t>
+                      </m:r>
+                      <m:r>
+                        <a:rPr lang="en-US" altLang="zh-TW" sz="2400" b="1" i="1">
+                          <a:solidFill>
+                            <a:srgbClr val="C00000"/>
+                          </a:solidFill>
+                          <a:latin typeface="Cambria Math" panose="02040503050406030204" pitchFamily="18" charset="0"/>
+                          <a:ea typeface="Cambria Math" panose="02040503050406030204" pitchFamily="18" charset="0"/>
+                        </a:rPr>
+                        <m:t>−</m:t>
+                      </m:r>
+                      <m:r>
+                        <a:rPr lang="en-US" altLang="zh-TW" sz="2400" b="1" i="1">
+                          <a:solidFill>
+                            <a:srgbClr val="C00000"/>
+                          </a:solidFill>
+                          <a:latin typeface="Cambria Math" panose="02040503050406030204" pitchFamily="18" charset="0"/>
+                          <a:ea typeface="Cambria Math" panose="02040503050406030204" pitchFamily="18" charset="0"/>
+                        </a:rPr>
+                        <m:t>𝜺</m:t>
+                      </m:r>
+                      <m:r>
+                        <a:rPr lang="en-US" altLang="zh-TW" sz="2400" b="1" i="1">
+                          <a:solidFill>
+                            <a:srgbClr val="C00000"/>
+                          </a:solidFill>
+                          <a:latin typeface="Cambria Math" panose="02040503050406030204" pitchFamily="18" charset="0"/>
+                          <a:ea typeface="Cambria Math" panose="02040503050406030204" pitchFamily="18" charset="0"/>
+                        </a:rPr>
+                        <m:t>.</m:t>
+                      </m:r>
+                    </m:oMath>
+                  </m:oMathPara>
+                </a14:m>
+                <a:endParaRPr kumimoji="1" lang="zh-TW" altLang="en-US" sz="2400" dirty="0">
+                  <a:solidFill>
+                    <a:srgbClr val="C00000"/>
+                  </a:solidFill>
+                </a:endParaRPr>
+              </a:p>
+            </p:txBody>
+          </p:sp>
+        </mc:Choice>
+        <mc:Fallback>
+          <p:sp>
+            <p:nvSpPr>
+              <p:cNvPr id="4" name="文字方塊 3">
+                <a:extLst>
+                  <a:ext uri="{FF2B5EF4-FFF2-40B4-BE49-F238E27FC236}">
+                    <a16:creationId xmlns:a16="http://schemas.microsoft.com/office/drawing/2014/main" id="{A15696E9-E534-E67D-2471-B7B94E3AC81D}"/>
+                  </a:ext>
+                </a:extLst>
+              </p:cNvPr>
+              <p:cNvSpPr txBox="1">
+                <a:spLocks noRot="1" noChangeAspect="1" noMove="1" noResize="1" noEditPoints="1" noAdjustHandles="1" noChangeArrowheads="1" noChangeShapeType="1" noTextEdit="1"/>
+              </p:cNvSpPr>
+              <p:nvPr/>
+            </p:nvSpPr>
+            <p:spPr>
+              <a:xfrm>
+                <a:off x="8685901" y="5826395"/>
+                <a:ext cx="3351880" cy="608115"/>
+              </a:xfrm>
+              <a:prstGeom prst="rect">
+                <a:avLst/>
+              </a:prstGeom>
+              <a:blipFill>
+                <a:blip r:embed="rId3"/>
+                <a:stretch>
+                  <a:fillRect l="-1887" b="-10204"/>
+                </a:stretch>
+              </a:blipFill>
+            </p:spPr>
+            <p:txBody>
+              <a:bodyPr/>
+              <a:lstStyle/>
+              <a:p>
+                <a:r>
+                  <a:rPr lang="zh-TW" altLang="en-US">
+                    <a:noFill/>
+                  </a:rPr>
+                  <a:t> </a:t>
+                </a:r>
+              </a:p>
+            </p:txBody>
+          </p:sp>
+        </mc:Fallback>
+      </mc:AlternateContent>
+      <p:cxnSp>
+        <p:nvCxnSpPr>
+          <p:cNvPr id="5" name="直線箭頭接點 4">
+            <a:extLst>
+              <a:ext uri="{FF2B5EF4-FFF2-40B4-BE49-F238E27FC236}">
+                <a16:creationId xmlns:a16="http://schemas.microsoft.com/office/drawing/2014/main" id="{F7F5FE0F-F426-05E2-10FC-DC63165A5051}"/>
+              </a:ext>
+            </a:extLst>
+          </p:cNvPr>
+          <p:cNvCxnSpPr>
+            <a:cxnSpLocks/>
+          </p:cNvCxnSpPr>
+          <p:nvPr/>
+        </p:nvCxnSpPr>
+        <p:spPr>
+          <a:xfrm>
+            <a:off x="7863782" y="6434510"/>
+            <a:ext cx="822119" cy="0"/>
+          </a:xfrm>
+          <a:prstGeom prst="straightConnector1">
+            <a:avLst/>
+          </a:prstGeom>
+          <a:ln w="63500">
+            <a:tailEnd type="triangle"/>
+          </a:ln>
+        </p:spPr>
+        <p:style>
+          <a:lnRef idx="1">
+            <a:schemeClr val="accent2"/>
+          </a:lnRef>
+          <a:fillRef idx="0">
+            <a:schemeClr val="accent2"/>
+          </a:fillRef>
+          <a:effectRef idx="0">
+            <a:schemeClr val="accent2"/>
+          </a:effectRef>
+          <a:fontRef idx="minor">
+            <a:schemeClr val="tx1"/>
+          </a:fontRef>
+        </p:style>
+      </p:cxnSp>
+      <p:sp>
+        <p:nvSpPr>
+          <p:cNvPr id="7" name="投影片編號版面配置區 6">
+            <a:extLst>
+              <a:ext uri="{FF2B5EF4-FFF2-40B4-BE49-F238E27FC236}">
+                <a16:creationId xmlns:a16="http://schemas.microsoft.com/office/drawing/2014/main" id="{148D90EA-0330-7BC3-CD7B-60BEBF8AFE11}"/>
+              </a:ext>
+            </a:extLst>
+          </p:cNvPr>
+          <p:cNvSpPr>
+            <a:spLocks noGrp="1"/>
+          </p:cNvSpPr>
+          <p:nvPr>
+            <p:ph type="sldNum" sz="quarter" idx="12"/>
+          </p:nvPr>
+        </p:nvSpPr>
+        <p:spPr/>
+        <p:txBody>
+          <a:bodyPr/>
+          <a:lstStyle/>
+          <a:p>
+            <a:fld id="{EBC81C9E-5C6F-BE43-A2DB-9F7FDEA567D5}" type="slidenum">
+              <a:rPr kumimoji="1" lang="zh-TW" altLang="en-US" smtClean="0"/>
+              <a:t>8</a:t>
+            </a:fld>
+            <a:endParaRPr kumimoji="1" lang="zh-TW" altLang="en-US"/>
+          </a:p>
+        </p:txBody>
+      </p:sp>
     </p:spTree>
     <p:extLst>
       <p:ext uri="{BB962C8B-B14F-4D97-AF65-F5344CB8AC3E}">
@@ -13992,7 +16386,7 @@
 </p:sld>
 </file>
 
-<file path=ppt/slides/slide8.xml><?xml version="1.0" encoding="utf-8"?>
+<file path=ppt/slides/slide9.xml><?xml version="1.0" encoding="utf-8"?>
 <p:sld xmlns:a="http://schemas.openxmlformats.org/drawingml/2006/main" xmlns:r="http://schemas.openxmlformats.org/officeDocument/2006/relationships" xmlns:p="http://schemas.openxmlformats.org/presentationml/2006/main">
   <p:cSld>
     <p:spTree>
@@ -15183,42 +17577,12 @@
           </p:sp>
         </mc:Fallback>
       </mc:AlternateContent>
-    </p:spTree>
-    <p:extLst>
-      <p:ext uri="{BB962C8B-B14F-4D97-AF65-F5344CB8AC3E}">
-        <p14:creationId xmlns:p14="http://schemas.microsoft.com/office/powerpoint/2010/main" val="978772840"/>
-      </p:ext>
-    </p:extLst>
-  </p:cSld>
-  <p:clrMapOvr>
-    <a:masterClrMapping/>
-  </p:clrMapOvr>
-</p:sld>
-</file>
-
-<file path=ppt/slides/slide9.xml><?xml version="1.0" encoding="utf-8"?>
-<p:sld xmlns:a="http://schemas.openxmlformats.org/drawingml/2006/main" xmlns:r="http://schemas.openxmlformats.org/officeDocument/2006/relationships" xmlns:p="http://schemas.openxmlformats.org/presentationml/2006/main">
-  <p:cSld>
-    <p:spTree>
-      <p:nvGrpSpPr>
-        <p:cNvPr id="1" name=""/>
-        <p:cNvGrpSpPr/>
-        <p:nvPr/>
-      </p:nvGrpSpPr>
-      <p:grpSpPr>
-        <a:xfrm>
-          <a:off x="0" y="0"/>
-          <a:ext cx="0" cy="0"/>
-          <a:chOff x="0" y="0"/>
-          <a:chExt cx="0" cy="0"/>
-        </a:xfrm>
-      </p:grpSpPr>
       <p:sp>
         <p:nvSpPr>
-          <p:cNvPr id="2" name="標題 1">
+          <p:cNvPr id="4" name="投影片編號版面配置區 3">
             <a:extLst>
               <a:ext uri="{FF2B5EF4-FFF2-40B4-BE49-F238E27FC236}">
-                <a16:creationId xmlns:a16="http://schemas.microsoft.com/office/drawing/2014/main" id="{5FBAF32E-EDA2-5567-B28A-BD23B3A5D8C1}"/>
+                <a16:creationId xmlns:a16="http://schemas.microsoft.com/office/drawing/2014/main" id="{B2718E70-4626-2B3C-1EE5-38519DE5EE41}"/>
               </a:ext>
             </a:extLst>
           </p:cNvPr>
@@ -15226,618 +17590,26 @@
             <a:spLocks noGrp="1"/>
           </p:cNvSpPr>
           <p:nvPr>
-            <p:ph type="title"/>
+            <p:ph type="sldNum" sz="quarter" idx="12"/>
           </p:nvPr>
         </p:nvSpPr>
         <p:spPr/>
         <p:txBody>
-          <a:bodyPr>
-            <a:normAutofit fontScale="90000"/>
-          </a:bodyPr>
+          <a:bodyPr/>
           <a:lstStyle/>
           <a:p>
-            <a:r>
-              <a:rPr kumimoji="1" lang="en-US" altLang="zh-TW" b="1" dirty="0">
-                <a:latin typeface="Times New Roman" panose="02020603050405020304" pitchFamily="18" charset="0"/>
-                <a:cs typeface="Times New Roman" panose="02020603050405020304" pitchFamily="18" charset="0"/>
-              </a:rPr>
-              <a:t>Our Solution</a:t>
-            </a:r>
-            <a:br>
-              <a:rPr kumimoji="1" lang="en-US" altLang="zh-TW" b="1" dirty="0">
-                <a:latin typeface="Times New Roman" panose="02020603050405020304" pitchFamily="18" charset="0"/>
-                <a:cs typeface="Times New Roman" panose="02020603050405020304" pitchFamily="18" charset="0"/>
-              </a:rPr>
-            </a:br>
-            <a:r>
-              <a:rPr kumimoji="1" lang="en-US" altLang="zh-TW" b="1" dirty="0">
-                <a:latin typeface="Times New Roman" panose="02020603050405020304" pitchFamily="18" charset="0"/>
-                <a:cs typeface="Times New Roman" panose="02020603050405020304" pitchFamily="18" charset="0"/>
-              </a:rPr>
-              <a:t>- A Demo Picture of Conditional Distribution</a:t>
-            </a:r>
-            <a:endParaRPr kumimoji="1" lang="zh-TW" altLang="en-US" b="1" dirty="0">
-              <a:latin typeface="Times New Roman" panose="02020603050405020304" pitchFamily="18" charset="0"/>
-              <a:cs typeface="Times New Roman" panose="02020603050405020304" pitchFamily="18" charset="0"/>
-            </a:endParaRPr>
-          </a:p>
-        </p:txBody>
-      </p:sp>
-      <p:pic>
-        <p:nvPicPr>
-          <p:cNvPr id="15" name="圖片 14">
-            <a:extLst>
-              <a:ext uri="{FF2B5EF4-FFF2-40B4-BE49-F238E27FC236}">
-                <a16:creationId xmlns:a16="http://schemas.microsoft.com/office/drawing/2014/main" id="{69E76F6F-B539-6722-980A-B4910004E210}"/>
-              </a:ext>
-            </a:extLst>
-          </p:cNvPr>
-          <p:cNvPicPr>
-            <a:picLocks noChangeAspect="1"/>
-          </p:cNvPicPr>
-          <p:nvPr/>
-        </p:nvPicPr>
-        <p:blipFill>
-          <a:blip r:embed="rId2"/>
-          <a:stretch>
-            <a:fillRect/>
-          </a:stretch>
-        </p:blipFill>
-        <p:spPr>
-          <a:xfrm>
-            <a:off x="577088" y="1694181"/>
-            <a:ext cx="5424932" cy="4122558"/>
-          </a:xfrm>
-          <a:prstGeom prst="rect">
-            <a:avLst/>
-          </a:prstGeom>
-        </p:spPr>
-      </p:pic>
-      <p:pic>
-        <p:nvPicPr>
-          <p:cNvPr id="17" name="圖片 16">
-            <a:extLst>
-              <a:ext uri="{FF2B5EF4-FFF2-40B4-BE49-F238E27FC236}">
-                <a16:creationId xmlns:a16="http://schemas.microsoft.com/office/drawing/2014/main" id="{9D38A8B0-C3D6-5461-043E-DDA3310D2DCB}"/>
-              </a:ext>
-            </a:extLst>
-          </p:cNvPr>
-          <p:cNvPicPr>
-            <a:picLocks noChangeAspect="1"/>
-          </p:cNvPicPr>
-          <p:nvPr/>
-        </p:nvPicPr>
-        <p:blipFill>
-          <a:blip r:embed="rId3"/>
-          <a:stretch>
-            <a:fillRect/>
-          </a:stretch>
-        </p:blipFill>
-        <p:spPr>
-          <a:xfrm>
-            <a:off x="6120384" y="1743805"/>
-            <a:ext cx="5424932" cy="4056392"/>
-          </a:xfrm>
-          <a:prstGeom prst="rect">
-            <a:avLst/>
-          </a:prstGeom>
-        </p:spPr>
-      </p:pic>
-      <p:sp>
-        <p:nvSpPr>
-          <p:cNvPr id="18" name="內容版面配置區 2">
-            <a:extLst>
-              <a:ext uri="{FF2B5EF4-FFF2-40B4-BE49-F238E27FC236}">
-                <a16:creationId xmlns:a16="http://schemas.microsoft.com/office/drawing/2014/main" id="{57A183A6-C359-ABFA-76DC-BAF2CF96DD56}"/>
-              </a:ext>
-            </a:extLst>
-          </p:cNvPr>
-          <p:cNvSpPr txBox="1">
-            <a:spLocks/>
-          </p:cNvSpPr>
-          <p:nvPr/>
-        </p:nvSpPr>
-        <p:spPr>
-          <a:xfrm>
-            <a:off x="808736" y="5662299"/>
-            <a:ext cx="5287264" cy="376797"/>
-          </a:xfrm>
-          <a:prstGeom prst="rect">
-            <a:avLst/>
-          </a:prstGeom>
-        </p:spPr>
-        <p:txBody>
-          <a:bodyPr vert="horz" lIns="91440" tIns="45720" rIns="91440" bIns="45720" rtlCol="0">
-            <a:noAutofit/>
-          </a:bodyPr>
-          <a:lstStyle>
-            <a:lvl1pPr marL="228600" indent="-228600" algn="l" defTabSz="914400" rtl="0" eaLnBrk="1" latinLnBrk="0" hangingPunct="1">
-              <a:lnSpc>
-                <a:spcPct val="90000"/>
-              </a:lnSpc>
-              <a:spcBef>
-                <a:spcPts val="1000"/>
-              </a:spcBef>
-              <a:buFont typeface="Arial" panose="020B0604020202020204" pitchFamily="34" charset="0"/>
-              <a:buChar char="•"/>
-              <a:defRPr sz="2800" kern="1200">
-                <a:solidFill>
-                  <a:schemeClr val="tx1"/>
-                </a:solidFill>
-                <a:latin typeface="+mn-lt"/>
-                <a:ea typeface="+mn-ea"/>
-                <a:cs typeface="+mn-cs"/>
-              </a:defRPr>
-            </a:lvl1pPr>
-            <a:lvl2pPr marL="685800" indent="-228600" algn="l" defTabSz="914400" rtl="0" eaLnBrk="1" latinLnBrk="0" hangingPunct="1">
-              <a:lnSpc>
-                <a:spcPct val="90000"/>
-              </a:lnSpc>
-              <a:spcBef>
-                <a:spcPts val="500"/>
-              </a:spcBef>
-              <a:buFont typeface="Arial" panose="020B0604020202020204" pitchFamily="34" charset="0"/>
-              <a:buChar char="•"/>
-              <a:defRPr sz="2400" kern="1200">
-                <a:solidFill>
-                  <a:schemeClr val="tx1"/>
-                </a:solidFill>
-                <a:latin typeface="+mn-lt"/>
-                <a:ea typeface="+mn-ea"/>
-                <a:cs typeface="+mn-cs"/>
-              </a:defRPr>
-            </a:lvl2pPr>
-            <a:lvl3pPr marL="1143000" indent="-228600" algn="l" defTabSz="914400" rtl="0" eaLnBrk="1" latinLnBrk="0" hangingPunct="1">
-              <a:lnSpc>
-                <a:spcPct val="90000"/>
-              </a:lnSpc>
-              <a:spcBef>
-                <a:spcPts val="500"/>
-              </a:spcBef>
-              <a:buFont typeface="Arial" panose="020B0604020202020204" pitchFamily="34" charset="0"/>
-              <a:buChar char="•"/>
-              <a:defRPr sz="2000" kern="1200">
-                <a:solidFill>
-                  <a:schemeClr val="tx1"/>
-                </a:solidFill>
-                <a:latin typeface="+mn-lt"/>
-                <a:ea typeface="+mn-ea"/>
-                <a:cs typeface="+mn-cs"/>
-              </a:defRPr>
-            </a:lvl3pPr>
-            <a:lvl4pPr marL="1600200" indent="-228600" algn="l" defTabSz="914400" rtl="0" eaLnBrk="1" latinLnBrk="0" hangingPunct="1">
-              <a:lnSpc>
-                <a:spcPct val="90000"/>
-              </a:lnSpc>
-              <a:spcBef>
-                <a:spcPts val="500"/>
-              </a:spcBef>
-              <a:buFont typeface="Arial" panose="020B0604020202020204" pitchFamily="34" charset="0"/>
-              <a:buChar char="•"/>
-              <a:defRPr sz="1800" kern="1200">
-                <a:solidFill>
-                  <a:schemeClr val="tx1"/>
-                </a:solidFill>
-                <a:latin typeface="+mn-lt"/>
-                <a:ea typeface="+mn-ea"/>
-                <a:cs typeface="+mn-cs"/>
-              </a:defRPr>
-            </a:lvl4pPr>
-            <a:lvl5pPr marL="2057400" indent="-228600" algn="l" defTabSz="914400" rtl="0" eaLnBrk="1" latinLnBrk="0" hangingPunct="1">
-              <a:lnSpc>
-                <a:spcPct val="90000"/>
-              </a:lnSpc>
-              <a:spcBef>
-                <a:spcPts val="500"/>
-              </a:spcBef>
-              <a:buFont typeface="Arial" panose="020B0604020202020204" pitchFamily="34" charset="0"/>
-              <a:buChar char="•"/>
-              <a:defRPr sz="1800" kern="1200">
-                <a:solidFill>
-                  <a:schemeClr val="tx1"/>
-                </a:solidFill>
-                <a:latin typeface="+mn-lt"/>
-                <a:ea typeface="+mn-ea"/>
-                <a:cs typeface="+mn-cs"/>
-              </a:defRPr>
-            </a:lvl5pPr>
-            <a:lvl6pPr marL="2514600" indent="-228600" algn="l" defTabSz="914400" rtl="0" eaLnBrk="1" latinLnBrk="0" hangingPunct="1">
-              <a:lnSpc>
-                <a:spcPct val="90000"/>
-              </a:lnSpc>
-              <a:spcBef>
-                <a:spcPts val="500"/>
-              </a:spcBef>
-              <a:buFont typeface="Arial" panose="020B0604020202020204" pitchFamily="34" charset="0"/>
-              <a:buChar char="•"/>
-              <a:defRPr sz="1800" kern="1200">
-                <a:solidFill>
-                  <a:schemeClr val="tx1"/>
-                </a:solidFill>
-                <a:latin typeface="+mn-lt"/>
-                <a:ea typeface="+mn-ea"/>
-                <a:cs typeface="+mn-cs"/>
-              </a:defRPr>
-            </a:lvl6pPr>
-            <a:lvl7pPr marL="2971800" indent="-228600" algn="l" defTabSz="914400" rtl="0" eaLnBrk="1" latinLnBrk="0" hangingPunct="1">
-              <a:lnSpc>
-                <a:spcPct val="90000"/>
-              </a:lnSpc>
-              <a:spcBef>
-                <a:spcPts val="500"/>
-              </a:spcBef>
-              <a:buFont typeface="Arial" panose="020B0604020202020204" pitchFamily="34" charset="0"/>
-              <a:buChar char="•"/>
-              <a:defRPr sz="1800" kern="1200">
-                <a:solidFill>
-                  <a:schemeClr val="tx1"/>
-                </a:solidFill>
-                <a:latin typeface="+mn-lt"/>
-                <a:ea typeface="+mn-ea"/>
-                <a:cs typeface="+mn-cs"/>
-              </a:defRPr>
-            </a:lvl7pPr>
-            <a:lvl8pPr marL="3429000" indent="-228600" algn="l" defTabSz="914400" rtl="0" eaLnBrk="1" latinLnBrk="0" hangingPunct="1">
-              <a:lnSpc>
-                <a:spcPct val="90000"/>
-              </a:lnSpc>
-              <a:spcBef>
-                <a:spcPts val="500"/>
-              </a:spcBef>
-              <a:buFont typeface="Arial" panose="020B0604020202020204" pitchFamily="34" charset="0"/>
-              <a:buChar char="•"/>
-              <a:defRPr sz="1800" kern="1200">
-                <a:solidFill>
-                  <a:schemeClr val="tx1"/>
-                </a:solidFill>
-                <a:latin typeface="+mn-lt"/>
-                <a:ea typeface="+mn-ea"/>
-                <a:cs typeface="+mn-cs"/>
-              </a:defRPr>
-            </a:lvl8pPr>
-            <a:lvl9pPr marL="3886200" indent="-228600" algn="l" defTabSz="914400" rtl="0" eaLnBrk="1" latinLnBrk="0" hangingPunct="1">
-              <a:lnSpc>
-                <a:spcPct val="90000"/>
-              </a:lnSpc>
-              <a:spcBef>
-                <a:spcPts val="500"/>
-              </a:spcBef>
-              <a:buFont typeface="Arial" panose="020B0604020202020204" pitchFamily="34" charset="0"/>
-              <a:buChar char="•"/>
-              <a:defRPr sz="1800" kern="1200">
-                <a:solidFill>
-                  <a:schemeClr val="tx1"/>
-                </a:solidFill>
-                <a:latin typeface="+mn-lt"/>
-                <a:ea typeface="+mn-ea"/>
-                <a:cs typeface="+mn-cs"/>
-              </a:defRPr>
-            </a:lvl9pPr>
-          </a:lstStyle>
-          <a:p>
-            <a:r>
-              <a:rPr kumimoji="1" lang="en-US" altLang="zh-TW" sz="1600" dirty="0"/>
-              <a:t>An example of marginal empirical probability distribution.</a:t>
-            </a:r>
-          </a:p>
-        </p:txBody>
-      </p:sp>
-      <p:sp>
-        <p:nvSpPr>
-          <p:cNvPr id="19" name="內容版面配置區 2">
-            <a:extLst>
-              <a:ext uri="{FF2B5EF4-FFF2-40B4-BE49-F238E27FC236}">
-                <a16:creationId xmlns:a16="http://schemas.microsoft.com/office/drawing/2014/main" id="{DFC33640-BE19-0ABA-364B-5BCAE38ADC2E}"/>
-              </a:ext>
-            </a:extLst>
-          </p:cNvPr>
-          <p:cNvSpPr txBox="1">
-            <a:spLocks/>
-          </p:cNvSpPr>
-          <p:nvPr/>
-        </p:nvSpPr>
-        <p:spPr>
-          <a:xfrm>
-            <a:off x="6799580" y="5987506"/>
-            <a:ext cx="4745736" cy="376797"/>
-          </a:xfrm>
-          <a:prstGeom prst="rect">
-            <a:avLst/>
-          </a:prstGeom>
-        </p:spPr>
-        <p:txBody>
-          <a:bodyPr vert="horz" lIns="91440" tIns="45720" rIns="91440" bIns="45720" rtlCol="0">
-            <a:noAutofit/>
-          </a:bodyPr>
-          <a:lstStyle>
-            <a:lvl1pPr marL="228600" indent="-228600" algn="l" defTabSz="914400" rtl="0" eaLnBrk="1" latinLnBrk="0" hangingPunct="1">
-              <a:lnSpc>
-                <a:spcPct val="90000"/>
-              </a:lnSpc>
-              <a:spcBef>
-                <a:spcPts val="1000"/>
-              </a:spcBef>
-              <a:buFont typeface="Arial" panose="020B0604020202020204" pitchFamily="34" charset="0"/>
-              <a:buChar char="•"/>
-              <a:defRPr sz="2800" kern="1200">
-                <a:solidFill>
-                  <a:schemeClr val="tx1"/>
-                </a:solidFill>
-                <a:latin typeface="+mn-lt"/>
-                <a:ea typeface="+mn-ea"/>
-                <a:cs typeface="+mn-cs"/>
-              </a:defRPr>
-            </a:lvl1pPr>
-            <a:lvl2pPr marL="685800" indent="-228600" algn="l" defTabSz="914400" rtl="0" eaLnBrk="1" latinLnBrk="0" hangingPunct="1">
-              <a:lnSpc>
-                <a:spcPct val="90000"/>
-              </a:lnSpc>
-              <a:spcBef>
-                <a:spcPts val="500"/>
-              </a:spcBef>
-              <a:buFont typeface="Arial" panose="020B0604020202020204" pitchFamily="34" charset="0"/>
-              <a:buChar char="•"/>
-              <a:defRPr sz="2400" kern="1200">
-                <a:solidFill>
-                  <a:schemeClr val="tx1"/>
-                </a:solidFill>
-                <a:latin typeface="+mn-lt"/>
-                <a:ea typeface="+mn-ea"/>
-                <a:cs typeface="+mn-cs"/>
-              </a:defRPr>
-            </a:lvl2pPr>
-            <a:lvl3pPr marL="1143000" indent="-228600" algn="l" defTabSz="914400" rtl="0" eaLnBrk="1" latinLnBrk="0" hangingPunct="1">
-              <a:lnSpc>
-                <a:spcPct val="90000"/>
-              </a:lnSpc>
-              <a:spcBef>
-                <a:spcPts val="500"/>
-              </a:spcBef>
-              <a:buFont typeface="Arial" panose="020B0604020202020204" pitchFamily="34" charset="0"/>
-              <a:buChar char="•"/>
-              <a:defRPr sz="2000" kern="1200">
-                <a:solidFill>
-                  <a:schemeClr val="tx1"/>
-                </a:solidFill>
-                <a:latin typeface="+mn-lt"/>
-                <a:ea typeface="+mn-ea"/>
-                <a:cs typeface="+mn-cs"/>
-              </a:defRPr>
-            </a:lvl3pPr>
-            <a:lvl4pPr marL="1600200" indent="-228600" algn="l" defTabSz="914400" rtl="0" eaLnBrk="1" latinLnBrk="0" hangingPunct="1">
-              <a:lnSpc>
-                <a:spcPct val="90000"/>
-              </a:lnSpc>
-              <a:spcBef>
-                <a:spcPts val="500"/>
-              </a:spcBef>
-              <a:buFont typeface="Arial" panose="020B0604020202020204" pitchFamily="34" charset="0"/>
-              <a:buChar char="•"/>
-              <a:defRPr sz="1800" kern="1200">
-                <a:solidFill>
-                  <a:schemeClr val="tx1"/>
-                </a:solidFill>
-                <a:latin typeface="+mn-lt"/>
-                <a:ea typeface="+mn-ea"/>
-                <a:cs typeface="+mn-cs"/>
-              </a:defRPr>
-            </a:lvl4pPr>
-            <a:lvl5pPr marL="2057400" indent="-228600" algn="l" defTabSz="914400" rtl="0" eaLnBrk="1" latinLnBrk="0" hangingPunct="1">
-              <a:lnSpc>
-                <a:spcPct val="90000"/>
-              </a:lnSpc>
-              <a:spcBef>
-                <a:spcPts val="500"/>
-              </a:spcBef>
-              <a:buFont typeface="Arial" panose="020B0604020202020204" pitchFamily="34" charset="0"/>
-              <a:buChar char="•"/>
-              <a:defRPr sz="1800" kern="1200">
-                <a:solidFill>
-                  <a:schemeClr val="tx1"/>
-                </a:solidFill>
-                <a:latin typeface="+mn-lt"/>
-                <a:ea typeface="+mn-ea"/>
-                <a:cs typeface="+mn-cs"/>
-              </a:defRPr>
-            </a:lvl5pPr>
-            <a:lvl6pPr marL="2514600" indent="-228600" algn="l" defTabSz="914400" rtl="0" eaLnBrk="1" latinLnBrk="0" hangingPunct="1">
-              <a:lnSpc>
-                <a:spcPct val="90000"/>
-              </a:lnSpc>
-              <a:spcBef>
-                <a:spcPts val="500"/>
-              </a:spcBef>
-              <a:buFont typeface="Arial" panose="020B0604020202020204" pitchFamily="34" charset="0"/>
-              <a:buChar char="•"/>
-              <a:defRPr sz="1800" kern="1200">
-                <a:solidFill>
-                  <a:schemeClr val="tx1"/>
-                </a:solidFill>
-                <a:latin typeface="+mn-lt"/>
-                <a:ea typeface="+mn-ea"/>
-                <a:cs typeface="+mn-cs"/>
-              </a:defRPr>
-            </a:lvl6pPr>
-            <a:lvl7pPr marL="2971800" indent="-228600" algn="l" defTabSz="914400" rtl="0" eaLnBrk="1" latinLnBrk="0" hangingPunct="1">
-              <a:lnSpc>
-                <a:spcPct val="90000"/>
-              </a:lnSpc>
-              <a:spcBef>
-                <a:spcPts val="500"/>
-              </a:spcBef>
-              <a:buFont typeface="Arial" panose="020B0604020202020204" pitchFamily="34" charset="0"/>
-              <a:buChar char="•"/>
-              <a:defRPr sz="1800" kern="1200">
-                <a:solidFill>
-                  <a:schemeClr val="tx1"/>
-                </a:solidFill>
-                <a:latin typeface="+mn-lt"/>
-                <a:ea typeface="+mn-ea"/>
-                <a:cs typeface="+mn-cs"/>
-              </a:defRPr>
-            </a:lvl7pPr>
-            <a:lvl8pPr marL="3429000" indent="-228600" algn="l" defTabSz="914400" rtl="0" eaLnBrk="1" latinLnBrk="0" hangingPunct="1">
-              <a:lnSpc>
-                <a:spcPct val="90000"/>
-              </a:lnSpc>
-              <a:spcBef>
-                <a:spcPts val="500"/>
-              </a:spcBef>
-              <a:buFont typeface="Arial" panose="020B0604020202020204" pitchFamily="34" charset="0"/>
-              <a:buChar char="•"/>
-              <a:defRPr sz="1800" kern="1200">
-                <a:solidFill>
-                  <a:schemeClr val="tx1"/>
-                </a:solidFill>
-                <a:latin typeface="+mn-lt"/>
-                <a:ea typeface="+mn-ea"/>
-                <a:cs typeface="+mn-cs"/>
-              </a:defRPr>
-            </a:lvl8pPr>
-            <a:lvl9pPr marL="3886200" indent="-228600" algn="l" defTabSz="914400" rtl="0" eaLnBrk="1" latinLnBrk="0" hangingPunct="1">
-              <a:lnSpc>
-                <a:spcPct val="90000"/>
-              </a:lnSpc>
-              <a:spcBef>
-                <a:spcPts val="500"/>
-              </a:spcBef>
-              <a:buFont typeface="Arial" panose="020B0604020202020204" pitchFamily="34" charset="0"/>
-              <a:buChar char="•"/>
-              <a:defRPr sz="1800" kern="1200">
-                <a:solidFill>
-                  <a:schemeClr val="tx1"/>
-                </a:solidFill>
-                <a:latin typeface="+mn-lt"/>
-                <a:ea typeface="+mn-ea"/>
-                <a:cs typeface="+mn-cs"/>
-              </a:defRPr>
-            </a:lvl9pPr>
-          </a:lstStyle>
-          <a:p>
-            <a:r>
-              <a:rPr kumimoji="1" lang="en-US" altLang="zh-TW" sz="1600" dirty="0"/>
-              <a:t>The corresponding conditional empirical distribution.</a:t>
-            </a:r>
-          </a:p>
-        </p:txBody>
-      </p:sp>
-      <p:cxnSp>
-        <p:nvCxnSpPr>
-          <p:cNvPr id="23" name="直線箭頭接點 22">
-            <a:extLst>
-              <a:ext uri="{FF2B5EF4-FFF2-40B4-BE49-F238E27FC236}">
-                <a16:creationId xmlns:a16="http://schemas.microsoft.com/office/drawing/2014/main" id="{2A038201-D989-B777-FC2C-C254BE19E985}"/>
-              </a:ext>
-            </a:extLst>
-          </p:cNvPr>
-          <p:cNvCxnSpPr>
-            <a:cxnSpLocks/>
-          </p:cNvCxnSpPr>
-          <p:nvPr/>
-        </p:nvCxnSpPr>
-        <p:spPr>
-          <a:xfrm>
-            <a:off x="5057583" y="6544510"/>
-            <a:ext cx="1669415" cy="0"/>
-          </a:xfrm>
-          <a:prstGeom prst="straightConnector1">
-            <a:avLst/>
-          </a:prstGeom>
-          <a:ln w="63500">
-            <a:tailEnd type="triangle"/>
-          </a:ln>
-        </p:spPr>
-        <p:style>
-          <a:lnRef idx="1">
-            <a:schemeClr val="accent2"/>
-          </a:lnRef>
-          <a:fillRef idx="0">
-            <a:schemeClr val="accent2"/>
-          </a:fillRef>
-          <a:effectRef idx="0">
-            <a:schemeClr val="accent2"/>
-          </a:effectRef>
-          <a:fontRef idx="minor">
-            <a:schemeClr val="tx1"/>
-          </a:fontRef>
-        </p:style>
-      </p:cxnSp>
-      <p:sp>
-        <p:nvSpPr>
-          <p:cNvPr id="27" name="文字方塊 26">
-            <a:extLst>
-              <a:ext uri="{FF2B5EF4-FFF2-40B4-BE49-F238E27FC236}">
-                <a16:creationId xmlns:a16="http://schemas.microsoft.com/office/drawing/2014/main" id="{487A6DA9-BCE6-2E71-D899-6DD8E90178E4}"/>
-              </a:ext>
-            </a:extLst>
-          </p:cNvPr>
-          <p:cNvSpPr txBox="1"/>
-          <p:nvPr/>
-        </p:nvSpPr>
-        <p:spPr>
-          <a:xfrm>
-            <a:off x="5203096" y="6064296"/>
-            <a:ext cx="1378391" cy="369332"/>
-          </a:xfrm>
-          <a:prstGeom prst="rect">
-            <a:avLst/>
-          </a:prstGeom>
-          <a:noFill/>
-        </p:spPr>
-        <p:txBody>
-          <a:bodyPr wrap="none" rtlCol="0">
-            <a:spAutoFit/>
-          </a:bodyPr>
-          <a:lstStyle/>
-          <a:p>
-            <a:r>
-              <a:rPr kumimoji="1" lang="en-US" altLang="zh-TW" b="1" i="1" dirty="0"/>
-              <a:t>conditioning</a:t>
-            </a:r>
-            <a:endParaRPr kumimoji="1" lang="zh-TW" altLang="en-US" b="1" i="1" dirty="0"/>
-          </a:p>
-        </p:txBody>
-      </p:sp>
-      <p:sp>
-        <p:nvSpPr>
-          <p:cNvPr id="29" name="文字方塊 28">
-            <a:extLst>
-              <a:ext uri="{FF2B5EF4-FFF2-40B4-BE49-F238E27FC236}">
-                <a16:creationId xmlns:a16="http://schemas.microsoft.com/office/drawing/2014/main" id="{C5D39DC8-74FE-0013-DE88-E4203B6915F6}"/>
-              </a:ext>
-            </a:extLst>
-          </p:cNvPr>
-          <p:cNvSpPr txBox="1"/>
-          <p:nvPr/>
-        </p:nvSpPr>
-        <p:spPr>
-          <a:xfrm>
-            <a:off x="7160615" y="5691921"/>
-            <a:ext cx="1611275" cy="307777"/>
-          </a:xfrm>
-          <a:prstGeom prst="rect">
-            <a:avLst/>
-          </a:prstGeom>
-          <a:noFill/>
-        </p:spPr>
-        <p:txBody>
-          <a:bodyPr wrap="none" rtlCol="0">
-            <a:spAutoFit/>
-          </a:bodyPr>
-          <a:lstStyle/>
-          <a:p>
-            <a:r>
-              <a:rPr kumimoji="1" lang="en-US" altLang="zh-TW" sz="1400" b="1" i="1" dirty="0"/>
-              <a:t>0.05 quantile value</a:t>
-            </a:r>
-            <a:endParaRPr kumimoji="1" lang="zh-TW" altLang="en-US" sz="1400" b="1" i="1" dirty="0"/>
+            <a:fld id="{EBC81C9E-5C6F-BE43-A2DB-9F7FDEA567D5}" type="slidenum">
+              <a:rPr kumimoji="1" lang="zh-TW" altLang="en-US" smtClean="0"/>
+              <a:t>9</a:t>
+            </a:fld>
+            <a:endParaRPr kumimoji="1" lang="zh-TW" altLang="en-US"/>
           </a:p>
         </p:txBody>
       </p:sp>
     </p:spTree>
     <p:extLst>
       <p:ext uri="{BB962C8B-B14F-4D97-AF65-F5344CB8AC3E}">
-        <p14:creationId xmlns:p14="http://schemas.microsoft.com/office/powerpoint/2010/main" val="2351825874"/>
+        <p14:creationId xmlns:p14="http://schemas.microsoft.com/office/powerpoint/2010/main" val="978772840"/>
       </p:ext>
     </p:extLst>
   </p:cSld>

--- a/ESTR4999_Notes/ESTR4999_Presentation.pptx
+++ b/ESTR4999_Notes/ESTR4999_Presentation.pptx
@@ -213,7 +213,7 @@
           <a:p>
             <a:fld id="{F4ED34D4-68D4-F84A-A096-0BF2FC5915EC}" type="datetimeFigureOut">
               <a:rPr kumimoji="1" lang="zh-TW" altLang="en-US" smtClean="0"/>
-              <a:t>2022/4/25</a:t>
+              <a:t>2022/4/26</a:t>
             </a:fld>
             <a:endParaRPr kumimoji="1" lang="zh-TW" altLang="en-US"/>
           </a:p>
@@ -3873,7 +3873,7 @@
               <a:t>: </a:t>
             </a:r>
             <a:r>
-              <a:rPr kumimoji="1" lang="en-US" altLang="zh-TW" sz="1800" dirty="0" err="1">
+              <a:rPr kumimoji="1" lang="en-US" altLang="zh-TW" sz="1800">
                 <a:latin typeface="Times New Roman" panose="02020603050405020304" pitchFamily="18" charset="0"/>
                 <a:ea typeface="STSong" panose="02010600040101010101" pitchFamily="2" charset="-122"/>
                 <a:cs typeface="Times New Roman" panose="02020603050405020304" pitchFamily="18" charset="0"/>
@@ -3902,7 +3902,23 @@
                 <a:ea typeface="STSong" panose="02010600040101010101" pitchFamily="2" charset="-122"/>
                 <a:cs typeface="Times New Roman" panose="02020603050405020304" pitchFamily="18" charset="0"/>
               </a:rPr>
-              <a:t>Jack Y.B. Lee</a:t>
+              <a:t>Jack Y.</a:t>
+            </a:r>
+            <a:r>
+              <a:rPr kumimoji="1" lang="zh-TW" altLang="en-US" sz="1800" dirty="0">
+                <a:latin typeface="Times New Roman" panose="02020603050405020304" pitchFamily="18" charset="0"/>
+                <a:ea typeface="STSong" panose="02010600040101010101" pitchFamily="2" charset="-122"/>
+                <a:cs typeface="Times New Roman" panose="02020603050405020304" pitchFamily="18" charset="0"/>
+              </a:rPr>
+              <a:t> </a:t>
+            </a:r>
+            <a:r>
+              <a:rPr kumimoji="1" lang="en-US" altLang="zh-TW" sz="1800" dirty="0">
+                <a:latin typeface="Times New Roman" panose="02020603050405020304" pitchFamily="18" charset="0"/>
+                <a:ea typeface="STSong" panose="02010600040101010101" pitchFamily="2" charset="-122"/>
+                <a:cs typeface="Times New Roman" panose="02020603050405020304" pitchFamily="18" charset="0"/>
+              </a:rPr>
+              <a:t>B. Lee</a:t>
             </a:r>
           </a:p>
           <a:p>
@@ -5196,8 +5212,8 @@
           </p:sp>
         </mc:Fallback>
       </mc:AlternateContent>
-      <mc:AlternateContent xmlns:mc="http://schemas.openxmlformats.org/markup-compatibility/2006">
-        <mc:Choice xmlns:a14="http://schemas.microsoft.com/office/drawing/2010/main" Requires="a14">
+      <mc:AlternateContent xmlns:mc="http://schemas.openxmlformats.org/markup-compatibility/2006" xmlns:a14="http://schemas.microsoft.com/office/drawing/2010/main">
+        <mc:Choice Requires="a14">
           <p:sp>
             <p:nvSpPr>
               <p:cNvPr id="20" name="內容版面配置區 2">
@@ -5443,7 +5459,7 @@
             </p:txBody>
           </p:sp>
         </mc:Choice>
-        <mc:Fallback>
+        <mc:Fallback xmlns="">
           <p:sp>
             <p:nvSpPr>
               <p:cNvPr id="20" name="內容版面配置區 2">
@@ -9447,8 +9463,8 @@
           </a:p>
         </p:txBody>
       </p:sp>
-      <mc:AlternateContent xmlns:mc="http://schemas.openxmlformats.org/markup-compatibility/2006">
-        <mc:Choice xmlns:a14="http://schemas.microsoft.com/office/drawing/2010/main" Requires="a14">
+      <mc:AlternateContent xmlns:mc="http://schemas.openxmlformats.org/markup-compatibility/2006" xmlns:a14="http://schemas.microsoft.com/office/drawing/2010/main">
+        <mc:Choice Requires="a14">
           <p:sp>
             <p:nvSpPr>
               <p:cNvPr id="7" name="內容版面配置區 2">
@@ -9793,7 +9809,7 @@
             </p:txBody>
           </p:sp>
         </mc:Choice>
-        <mc:Fallback>
+        <mc:Fallback xmlns="">
           <p:sp>
             <p:nvSpPr>
               <p:cNvPr id="7" name="內容版面配置區 2">
@@ -9854,8 +9870,8 @@
             </p:nvSpPr>
             <p:spPr>
               <a:xfrm>
-                <a:off x="8326167" y="365125"/>
-                <a:ext cx="3781168" cy="1934056"/>
+                <a:off x="7562335" y="365125"/>
+                <a:ext cx="4545000" cy="1934056"/>
               </a:xfrm>
               <a:prstGeom prst="rect">
                 <a:avLst/>
@@ -9874,7 +9890,7 @@
                       <a:srgbClr val="C00000"/>
                     </a:solidFill>
                   </a:rPr>
-                  <a:t>ESTR4998</a:t>
+                  <a:t>AM in ESTR4998</a:t>
                 </a:r>
                 <a:r>
                   <a:rPr kumimoji="1" lang="en-US" altLang="zh-TW" sz="2300" dirty="0">
@@ -10126,7 +10142,7 @@
                       <a:srgbClr val="C00000"/>
                     </a:solidFill>
                   </a:rPr>
-                  <a:t>ESTR4999</a:t>
+                  <a:t>AM in ESTR4999</a:t>
                 </a:r>
                 <a:r>
                   <a:rPr kumimoji="1" lang="en-US" altLang="zh-TW" sz="2300" dirty="0">
@@ -10503,8 +10519,8 @@
             </p:nvSpPr>
             <p:spPr>
               <a:xfrm>
-                <a:off x="8326167" y="365125"/>
-                <a:ext cx="3781168" cy="1934056"/>
+                <a:off x="7562335" y="365125"/>
+                <a:ext cx="4545000" cy="1934056"/>
               </a:xfrm>
               <a:prstGeom prst="rect">
                 <a:avLst/>
@@ -10512,7 +10528,7 @@
               <a:blipFill>
                 <a:blip r:embed="rId5"/>
                 <a:stretch>
-                  <a:fillRect l="-4682" t="-27451" r="-334" b="-30719"/>
+                  <a:fillRect l="-3900" t="-27451" r="-836" b="-30719"/>
                 </a:stretch>
               </a:blipFill>
             </p:spPr>
@@ -11213,12 +11229,25 @@
                 <a:pPr lvl="1"/>
                 <a:r>
                   <a:rPr kumimoji="1" lang="en-US" altLang="zh-TW" dirty="0"/>
-                  <a:t>2) their results cannot g</a:t>
+                  <a:t>2) these algorithms cannot g</a:t>
                 </a:r>
                 <a:r>
                   <a:rPr lang="en-US" altLang="zh-TW" dirty="0"/>
-                  <a:t>uarantee some given targets, say, loss rate &lt;5% or 2.5%. </a:t>
+                  <a:t>uarantee some given targets, say,</a:t>
                 </a:r>
+                <a:r>
+                  <a:rPr lang="zh-TW" altLang="en-US" dirty="0"/>
+                  <a:t> </a:t>
+                </a:r>
+                <a:r>
+                  <a:rPr lang="en-US" altLang="zh-TW" dirty="0"/>
+                  <a:t>if loss rate &lt;5%</a:t>
+                </a:r>
+                <a:r>
+                  <a:rPr lang="zh-TW" altLang="en-US" dirty="0"/>
+                  <a:t>。</a:t>
+                </a:r>
+                <a:endParaRPr lang="en-US" altLang="zh-TW" dirty="0"/>
               </a:p>
               <a:p>
                 <a:pPr marL="457200" lvl="1" indent="0">
@@ -15954,8 +15983,8 @@
           </p:sp>
         </mc:Fallback>
       </mc:AlternateContent>
-      <mc:AlternateContent xmlns:mc="http://schemas.openxmlformats.org/markup-compatibility/2006">
-        <mc:Choice xmlns:a14="http://schemas.microsoft.com/office/drawing/2010/main" Requires="a14">
+      <mc:AlternateContent xmlns:mc="http://schemas.openxmlformats.org/markup-compatibility/2006" xmlns:a14="http://schemas.microsoft.com/office/drawing/2010/main">
+        <mc:Choice Requires="a14">
           <p:sp>
             <p:nvSpPr>
               <p:cNvPr id="4" name="文字方塊 3">
@@ -15984,6 +16013,7 @@
               </a:bodyPr>
               <a:lstStyle/>
               <a:p>
+                <a:pPr/>
                 <a14:m>
                   <m:oMathPara xmlns:m="http://schemas.openxmlformats.org/officeDocument/2006/math">
                     <m:oMathParaPr>
@@ -16258,7 +16288,7 @@
             </p:txBody>
           </p:sp>
         </mc:Choice>
-        <mc:Fallback>
+        <mc:Fallback xmlns="">
           <p:sp>
             <p:nvSpPr>
               <p:cNvPr id="4" name="文字方塊 3">
@@ -17086,7 +17116,10 @@
                           <m:sSub>
                             <m:sSubPr>
                               <m:ctrlPr>
-                                <a:rPr lang="en-US" altLang="zh-TW" b="1" i="1">
+                                <a:rPr lang="en-US" altLang="zh-TW" b="1" i="1" smtClean="0">
+                                  <a:solidFill>
+                                    <a:srgbClr val="C00000"/>
+                                  </a:solidFill>
                                   <a:latin typeface="Cambria Math" panose="02040503050406030204" pitchFamily="18" charset="0"/>
                                   <a:ea typeface="Cambria Math" panose="02040503050406030204" pitchFamily="18" charset="0"/>
                                 </a:rPr>
@@ -17095,6 +17128,9 @@
                             <m:e>
                               <m:r>
                                 <a:rPr lang="en-US" altLang="zh-TW" b="1" i="1">
+                                  <a:solidFill>
+                                    <a:srgbClr val="C00000"/>
+                                  </a:solidFill>
                                   <a:latin typeface="Cambria Math" panose="02040503050406030204" pitchFamily="18" charset="0"/>
                                   <a:ea typeface="Cambria Math" panose="02040503050406030204" pitchFamily="18" charset="0"/>
                                 </a:rPr>
@@ -17104,6 +17140,9 @@
                             <m:sub>
                               <m:r>
                                 <a:rPr lang="en-US" altLang="zh-TW" b="1" i="1">
+                                  <a:solidFill>
+                                    <a:srgbClr val="C00000"/>
+                                  </a:solidFill>
                                   <a:latin typeface="Cambria Math" panose="02040503050406030204" pitchFamily="18" charset="0"/>
                                   <a:ea typeface="Cambria Math" panose="02040503050406030204" pitchFamily="18" charset="0"/>
                                 </a:rPr>

--- a/ESTR4999_Notes/ESTR4999_Presentation.pptx
+++ b/ESTR4999_Notes/ESTR4999_Presentation.pptx
@@ -3873,7 +3873,7 @@
               <a:t>: </a:t>
             </a:r>
             <a:r>
-              <a:rPr kumimoji="1" lang="en-US" altLang="zh-TW" sz="1800">
+              <a:rPr kumimoji="1" lang="en-US" altLang="zh-TW" sz="1800" dirty="0" err="1">
                 <a:latin typeface="Times New Roman" panose="02020603050405020304" pitchFamily="18" charset="0"/>
                 <a:ea typeface="STSong" panose="02010600040101010101" pitchFamily="2" charset="-122"/>
                 <a:cs typeface="Times New Roman" panose="02020603050405020304" pitchFamily="18" charset="0"/>
@@ -3933,12 +3933,20 @@
           </a:p>
           <a:p>
             <a:r>
+              <a:rPr kumimoji="1" lang="en-US" altLang="zh-TW" sz="2800" b="1">
+                <a:latin typeface="Times New Roman" panose="02020603050405020304" pitchFamily="18" charset="0"/>
+                <a:ea typeface="STSong" panose="02010600040101010101" pitchFamily="2" charset="-122"/>
+                <a:cs typeface="Times New Roman" panose="02020603050405020304" pitchFamily="18" charset="0"/>
+              </a:rPr>
+              <a:t>April 26, </a:t>
+            </a:r>
+            <a:r>
               <a:rPr kumimoji="1" lang="en-US" altLang="zh-TW" sz="2800" b="1" dirty="0">
                 <a:latin typeface="Times New Roman" panose="02020603050405020304" pitchFamily="18" charset="0"/>
                 <a:ea typeface="STSong" panose="02010600040101010101" pitchFamily="2" charset="-122"/>
                 <a:cs typeface="Times New Roman" panose="02020603050405020304" pitchFamily="18" charset="0"/>
               </a:rPr>
-              <a:t>April 25, 2022</a:t>
+              <a:t>2022</a:t>
             </a:r>
           </a:p>
           <a:p>
@@ -11615,8 +11623,8 @@
           </a:p>
         </p:txBody>
       </p:sp>
-      <mc:AlternateContent xmlns:mc="http://schemas.openxmlformats.org/markup-compatibility/2006" xmlns:a14="http://schemas.microsoft.com/office/drawing/2010/main">
-        <mc:Choice Requires="a14">
+      <mc:AlternateContent xmlns:mc="http://schemas.openxmlformats.org/markup-compatibility/2006">
+        <mc:Choice xmlns:a14="http://schemas.microsoft.com/office/drawing/2010/main" Requires="a14">
           <p:sp>
             <p:nvSpPr>
               <p:cNvPr id="52" name="內容版面配置區 2">
@@ -12057,68 +12065,74 @@
                       </a:rPr>
                       <m:t>+</m:t>
                     </m:r>
-                    <m:sSub>
-                      <m:sSubPr>
+                    <m:f>
+                      <m:fPr>
                         <m:ctrlPr>
                           <a:rPr lang="en-US" altLang="zh-TW" sz="2200" b="1" i="1" smtClean="0">
                             <a:latin typeface="Cambria Math" panose="02040503050406030204" pitchFamily="18" charset="0"/>
                           </a:rPr>
                         </m:ctrlPr>
-                      </m:sSubPr>
-                      <m:e>
-                        <m:r>
-                          <a:rPr lang="en-US" altLang="zh-TW" sz="2200" b="1" i="1" smtClean="0">
-                            <a:latin typeface="Cambria Math" panose="02040503050406030204" pitchFamily="18" charset="0"/>
-                          </a:rPr>
-                          <m:t>𝒔</m:t>
-                        </m:r>
-                      </m:e>
-                      <m:sub>
-                        <m:r>
-                          <a:rPr lang="en-US" altLang="zh-TW" sz="2200" b="1" i="1" smtClean="0">
-                            <a:latin typeface="Cambria Math" panose="02040503050406030204" pitchFamily="18" charset="0"/>
-                          </a:rPr>
-                          <m:t>𝒊</m:t>
-                        </m:r>
-                      </m:sub>
-                    </m:sSub>
+                      </m:fPr>
+                      <m:num>
+                        <m:sSub>
+                          <m:sSubPr>
+                            <m:ctrlPr>
+                              <a:rPr lang="en-US" altLang="zh-TW" sz="2200" b="1" i="1" smtClean="0">
+                                <a:latin typeface="Cambria Math" panose="02040503050406030204" pitchFamily="18" charset="0"/>
+                              </a:rPr>
+                            </m:ctrlPr>
+                          </m:sSubPr>
+                          <m:e>
+                            <m:r>
+                              <a:rPr lang="en-US" altLang="zh-TW" sz="2200" b="1" i="1" smtClean="0">
+                                <a:latin typeface="Cambria Math" panose="02040503050406030204" pitchFamily="18" charset="0"/>
+                              </a:rPr>
+                              <m:t>𝒔</m:t>
+                            </m:r>
+                          </m:e>
+                          <m:sub>
+                            <m:r>
+                              <a:rPr lang="en-US" altLang="zh-TW" sz="2200" b="1" i="1" smtClean="0">
+                                <a:latin typeface="Cambria Math" panose="02040503050406030204" pitchFamily="18" charset="0"/>
+                              </a:rPr>
+                              <m:t>𝒊</m:t>
+                            </m:r>
+                          </m:sub>
+                        </m:sSub>
+                      </m:num>
+                      <m:den>
+                        <m:sSub>
+                          <m:sSubPr>
+                            <m:ctrlPr>
+                              <a:rPr lang="en-US" altLang="zh-TW" sz="2200" b="1" i="1" smtClean="0">
+                                <a:latin typeface="Cambria Math" panose="02040503050406030204" pitchFamily="18" charset="0"/>
+                              </a:rPr>
+                            </m:ctrlPr>
+                          </m:sSubPr>
+                          <m:e>
+                            <m:r>
+                              <a:rPr lang="en-US" altLang="zh-TW" sz="2200" b="1" i="1" smtClean="0">
+                                <a:latin typeface="Cambria Math" panose="02040503050406030204" pitchFamily="18" charset="0"/>
+                              </a:rPr>
+                              <m:t>𝑪</m:t>
+                            </m:r>
+                          </m:e>
+                          <m:sub>
+                            <m:r>
+                              <a:rPr lang="en-US" altLang="zh-TW" sz="2200" b="1" i="1" smtClean="0">
+                                <a:latin typeface="Cambria Math" panose="02040503050406030204" pitchFamily="18" charset="0"/>
+                              </a:rPr>
+                              <m:t>𝒊</m:t>
+                            </m:r>
+                          </m:sub>
+                        </m:sSub>
+                      </m:den>
+                    </m:f>
                     <m:r>
                       <a:rPr lang="en-US" altLang="zh-TW" sz="2200" b="1" i="1" smtClean="0">
                         <a:latin typeface="Cambria Math" panose="02040503050406030204" pitchFamily="18" charset="0"/>
                       </a:rPr>
-                      <m:t>/</m:t>
-                    </m:r>
-                    <m:sSub>
-                      <m:sSubPr>
-                        <m:ctrlPr>
-                          <a:rPr lang="en-US" altLang="zh-TW" sz="2200" b="1" i="1" smtClean="0">
-                            <a:latin typeface="Cambria Math" panose="02040503050406030204" pitchFamily="18" charset="0"/>
-                          </a:rPr>
-                        </m:ctrlPr>
-                      </m:sSubPr>
-                      <m:e>
-                        <m:r>
-                          <a:rPr lang="en-US" altLang="zh-TW" sz="2200" b="1" i="1" smtClean="0">
-                            <a:latin typeface="Cambria Math" panose="02040503050406030204" pitchFamily="18" charset="0"/>
-                          </a:rPr>
-                          <m:t>𝑪</m:t>
-                        </m:r>
-                      </m:e>
-                      <m:sub>
-                        <m:r>
-                          <a:rPr lang="en-US" altLang="zh-TW" sz="2200" b="1" i="1" smtClean="0">
-                            <a:latin typeface="Cambria Math" panose="02040503050406030204" pitchFamily="18" charset="0"/>
-                          </a:rPr>
-                          <m:t>𝒊</m:t>
-                        </m:r>
-                      </m:sub>
-                    </m:sSub>
-                    <m:r>
-                      <a:rPr lang="en-US" altLang="zh-TW" sz="2200" b="1" i="1" smtClean="0">
-                        <a:latin typeface="Cambria Math" panose="02040503050406030204" pitchFamily="18" charset="0"/>
-                        <a:ea typeface="Cambria Math" panose="02040503050406030204" pitchFamily="18" charset="0"/>
-                      </a:rPr>
-                      <m:t>≥</m:t>
+                      <m:t>&gt;</m:t>
                     </m:r>
                     <m:sSubSup>
                       <m:sSubSupPr>
@@ -12405,7 +12419,7 @@
             </p:txBody>
           </p:sp>
         </mc:Choice>
-        <mc:Fallback xmlns="">
+        <mc:Fallback>
           <p:sp>
             <p:nvSpPr>
               <p:cNvPr id="52" name="內容版面配置區 2">
@@ -12430,7 +12444,7 @@
               <a:blipFill>
                 <a:blip r:embed="rId3"/>
                 <a:stretch>
-                  <a:fillRect l="-655" t="-2752" b="-2752"/>
+                  <a:fillRect l="-655" t="-2752" b="-3670"/>
                 </a:stretch>
               </a:blipFill>
             </p:spPr>

--- a/ESTR4999_Notes/ESTR4999_Presentation.pptx
+++ b/ESTR4999_Notes/ESTR4999_Presentation.pptx
@@ -213,7 +213,7 @@
           <a:p>
             <a:fld id="{F4ED34D4-68D4-F84A-A096-0BF2FC5915EC}" type="datetimeFigureOut">
               <a:rPr kumimoji="1" lang="zh-TW" altLang="en-US" smtClean="0"/>
-              <a:t>2022/4/26</a:t>
+              <a:t>2022/5/19</a:t>
             </a:fld>
             <a:endParaRPr kumimoji="1" lang="zh-TW" altLang="en-US"/>
           </a:p>
@@ -711,7 +711,7 @@
           <a:p>
             <a:fld id="{25756661-A71E-5B48-ACA3-5BF45D74A230}" type="datetime1">
               <a:rPr kumimoji="1" lang="zh-TW" altLang="en-US" smtClean="0"/>
-              <a:t>2022/4/26</a:t>
+              <a:t>2022/5/19</a:t>
             </a:fld>
             <a:endParaRPr kumimoji="1" lang="zh-TW" altLang="en-US"/>
           </a:p>
@@ -909,7 +909,7 @@
           <a:p>
             <a:fld id="{F5A194D8-B59B-7346-9076-D8D64A5FED57}" type="datetime1">
               <a:rPr kumimoji="1" lang="zh-TW" altLang="en-US" smtClean="0"/>
-              <a:t>2022/4/26</a:t>
+              <a:t>2022/5/19</a:t>
             </a:fld>
             <a:endParaRPr kumimoji="1" lang="zh-TW" altLang="en-US"/>
           </a:p>
@@ -1117,7 +1117,7 @@
           <a:p>
             <a:fld id="{093AB554-44A8-6749-8C6D-237994429B81}" type="datetime1">
               <a:rPr kumimoji="1" lang="zh-TW" altLang="en-US" smtClean="0"/>
-              <a:t>2022/4/26</a:t>
+              <a:t>2022/5/19</a:t>
             </a:fld>
             <a:endParaRPr kumimoji="1" lang="zh-TW" altLang="en-US"/>
           </a:p>
@@ -1315,7 +1315,7 @@
           <a:p>
             <a:fld id="{34965F7F-013B-8240-B945-073682FC974F}" type="datetime1">
               <a:rPr kumimoji="1" lang="zh-TW" altLang="en-US" smtClean="0"/>
-              <a:t>2022/4/26</a:t>
+              <a:t>2022/5/19</a:t>
             </a:fld>
             <a:endParaRPr kumimoji="1" lang="zh-TW" altLang="en-US"/>
           </a:p>
@@ -1590,7 +1590,7 @@
           <a:p>
             <a:fld id="{3BCF5FC9-A46A-6147-AEF6-203B216D5947}" type="datetime1">
               <a:rPr kumimoji="1" lang="zh-TW" altLang="en-US" smtClean="0"/>
-              <a:t>2022/4/26</a:t>
+              <a:t>2022/5/19</a:t>
             </a:fld>
             <a:endParaRPr kumimoji="1" lang="zh-TW" altLang="en-US"/>
           </a:p>
@@ -1855,7 +1855,7 @@
           <a:p>
             <a:fld id="{39F9A81A-DAF5-E24D-ABA5-A3F878D60B3E}" type="datetime1">
               <a:rPr kumimoji="1" lang="zh-TW" altLang="en-US" smtClean="0"/>
-              <a:t>2022/4/26</a:t>
+              <a:t>2022/5/19</a:t>
             </a:fld>
             <a:endParaRPr kumimoji="1" lang="zh-TW" altLang="en-US"/>
           </a:p>
@@ -2267,7 +2267,7 @@
           <a:p>
             <a:fld id="{1142353C-9663-6B40-A21E-8402AB254020}" type="datetime1">
               <a:rPr kumimoji="1" lang="zh-TW" altLang="en-US" smtClean="0"/>
-              <a:t>2022/4/26</a:t>
+              <a:t>2022/5/19</a:t>
             </a:fld>
             <a:endParaRPr kumimoji="1" lang="zh-TW" altLang="en-US"/>
           </a:p>
@@ -2408,7 +2408,7 @@
           <a:p>
             <a:fld id="{83AE2B6D-CC27-6042-BADD-1D8ACCE8E3BC}" type="datetime1">
               <a:rPr kumimoji="1" lang="zh-TW" altLang="en-US" smtClean="0"/>
-              <a:t>2022/4/26</a:t>
+              <a:t>2022/5/19</a:t>
             </a:fld>
             <a:endParaRPr kumimoji="1" lang="zh-TW" altLang="en-US"/>
           </a:p>
@@ -2521,7 +2521,7 @@
           <a:p>
             <a:fld id="{3962EFF0-E8BB-324C-BAFE-6C5F88F3DE42}" type="datetime1">
               <a:rPr kumimoji="1" lang="zh-TW" altLang="en-US" smtClean="0"/>
-              <a:t>2022/4/26</a:t>
+              <a:t>2022/5/19</a:t>
             </a:fld>
             <a:endParaRPr kumimoji="1" lang="zh-TW" altLang="en-US"/>
           </a:p>
@@ -2832,7 +2832,7 @@
           <a:p>
             <a:fld id="{AB6347C7-FD74-D94A-9C09-EC380A6F657C}" type="datetime1">
               <a:rPr kumimoji="1" lang="zh-TW" altLang="en-US" smtClean="0"/>
-              <a:t>2022/4/26</a:t>
+              <a:t>2022/5/19</a:t>
             </a:fld>
             <a:endParaRPr kumimoji="1" lang="zh-TW" altLang="en-US"/>
           </a:p>
@@ -3120,7 +3120,7 @@
           <a:p>
             <a:fld id="{DC4C3161-75DC-D440-B170-555BC512478C}" type="datetime1">
               <a:rPr kumimoji="1" lang="zh-TW" altLang="en-US" smtClean="0"/>
-              <a:t>2022/4/26</a:t>
+              <a:t>2022/5/19</a:t>
             </a:fld>
             <a:endParaRPr kumimoji="1" lang="zh-TW" altLang="en-US"/>
           </a:p>
@@ -3361,7 +3361,7 @@
           <a:p>
             <a:fld id="{ECD2A1A2-7A04-AF47-9D00-6F6FB3C6DB90}" type="datetime1">
               <a:rPr kumimoji="1" lang="zh-TW" altLang="en-US" smtClean="0"/>
-              <a:t>2022/4/26</a:t>
+              <a:t>2022/5/19</a:t>
             </a:fld>
             <a:endParaRPr kumimoji="1" lang="zh-TW" altLang="en-US"/>
           </a:p>
@@ -7839,977 +7839,6 @@
       </p:sp>
       <p:sp>
         <p:nvSpPr>
-          <p:cNvPr id="5" name="Rectangle 19">
-            <a:extLst>
-              <a:ext uri="{FF2B5EF4-FFF2-40B4-BE49-F238E27FC236}">
-                <a16:creationId xmlns:a16="http://schemas.microsoft.com/office/drawing/2014/main" id="{071E83FD-9F19-B959-FDA4-9CDC46462304}"/>
-              </a:ext>
-            </a:extLst>
-          </p:cNvPr>
-          <p:cNvSpPr/>
-          <p:nvPr/>
-        </p:nvSpPr>
-        <p:spPr>
-          <a:xfrm>
-            <a:off x="5844294" y="5473636"/>
-            <a:ext cx="2478427" cy="781867"/>
-          </a:xfrm>
-          <a:prstGeom prst="rect">
-            <a:avLst/>
-          </a:prstGeom>
-          <a:ln/>
-        </p:spPr>
-        <p:style>
-          <a:lnRef idx="2">
-            <a:schemeClr val="accent6"/>
-          </a:lnRef>
-          <a:fillRef idx="1">
-            <a:schemeClr val="lt1"/>
-          </a:fillRef>
-          <a:effectRef idx="0">
-            <a:schemeClr val="accent6"/>
-          </a:effectRef>
-          <a:fontRef idx="minor">
-            <a:schemeClr val="dk1"/>
-          </a:fontRef>
-        </p:style>
-        <p:txBody>
-          <a:bodyPr rtlCol="0" anchor="ctr"/>
-          <a:lstStyle/>
-          <a:p>
-            <a:pPr algn="ctr"/>
-            <a:r>
-              <a:rPr lang="en-US" sz="2500" i="1" dirty="0">
-                <a:solidFill>
-                  <a:srgbClr val="C00000"/>
-                </a:solidFill>
-              </a:rPr>
-              <a:t>Server</a:t>
-            </a:r>
-          </a:p>
-        </p:txBody>
-      </p:sp>
-      <p:sp>
-        <p:nvSpPr>
-          <p:cNvPr id="6" name="Rounded Rectangle 20">
-            <a:extLst>
-              <a:ext uri="{FF2B5EF4-FFF2-40B4-BE49-F238E27FC236}">
-                <a16:creationId xmlns:a16="http://schemas.microsoft.com/office/drawing/2014/main" id="{63CF83A0-F6B7-DBC2-14C8-DFDDBAAAB740}"/>
-              </a:ext>
-            </a:extLst>
-          </p:cNvPr>
-          <p:cNvSpPr/>
-          <p:nvPr/>
-        </p:nvSpPr>
-        <p:spPr>
-          <a:xfrm>
-            <a:off x="10763048" y="4820952"/>
-            <a:ext cx="954155" cy="313593"/>
-          </a:xfrm>
-          <a:prstGeom prst="roundRect">
-            <a:avLst/>
-          </a:prstGeom>
-        </p:spPr>
-        <p:style>
-          <a:lnRef idx="2">
-            <a:schemeClr val="accent6"/>
-          </a:lnRef>
-          <a:fillRef idx="1">
-            <a:schemeClr val="lt1"/>
-          </a:fillRef>
-          <a:effectRef idx="0">
-            <a:schemeClr val="accent6"/>
-          </a:effectRef>
-          <a:fontRef idx="minor">
-            <a:schemeClr val="dk1"/>
-          </a:fontRef>
-        </p:style>
-        <p:txBody>
-          <a:bodyPr rtlCol="0" anchor="ctr"/>
-          <a:lstStyle/>
-          <a:p>
-            <a:pPr algn="ctr"/>
-            <a:r>
-              <a:rPr lang="en-US" dirty="0">
-                <a:solidFill>
-                  <a:schemeClr val="tx1"/>
-                </a:solidFill>
-              </a:rPr>
-              <a:t>Player 1</a:t>
-            </a:r>
-          </a:p>
-        </p:txBody>
-      </p:sp>
-      <p:sp>
-        <p:nvSpPr>
-          <p:cNvPr id="7" name="Folded Corner 22">
-            <a:extLst>
-              <a:ext uri="{FF2B5EF4-FFF2-40B4-BE49-F238E27FC236}">
-                <a16:creationId xmlns:a16="http://schemas.microsoft.com/office/drawing/2014/main" id="{D85E6D84-DB00-7D07-E408-AF5D0D60D3B0}"/>
-              </a:ext>
-            </a:extLst>
-          </p:cNvPr>
-          <p:cNvSpPr/>
-          <p:nvPr/>
-        </p:nvSpPr>
-        <p:spPr>
-          <a:xfrm>
-            <a:off x="5426170" y="4235884"/>
-            <a:ext cx="836247" cy="1012752"/>
-          </a:xfrm>
-          <a:prstGeom prst="foldedCorner">
-            <a:avLst/>
-          </a:prstGeom>
-        </p:spPr>
-        <p:style>
-          <a:lnRef idx="2">
-            <a:schemeClr val="accent6"/>
-          </a:lnRef>
-          <a:fillRef idx="1">
-            <a:schemeClr val="lt1"/>
-          </a:fillRef>
-          <a:effectRef idx="0">
-            <a:schemeClr val="accent6"/>
-          </a:effectRef>
-          <a:fontRef idx="minor">
-            <a:schemeClr val="dk1"/>
-          </a:fontRef>
-        </p:style>
-        <p:txBody>
-          <a:bodyPr rtlCol="0" anchor="ctr"/>
-          <a:lstStyle/>
-          <a:p>
-            <a:pPr algn="ctr"/>
-            <a:r>
-              <a:rPr lang="en-US" dirty="0"/>
-              <a:t>Video Trace</a:t>
-            </a:r>
-          </a:p>
-          <a:p>
-            <a:pPr algn="ctr"/>
-            <a:r>
-              <a:rPr lang="en-US" dirty="0"/>
-              <a:t>Data</a:t>
-            </a:r>
-          </a:p>
-        </p:txBody>
-      </p:sp>
-      <p:cxnSp>
-        <p:nvCxnSpPr>
-          <p:cNvPr id="8" name="Straight Arrow Connector 24">
-            <a:extLst>
-              <a:ext uri="{FF2B5EF4-FFF2-40B4-BE49-F238E27FC236}">
-                <a16:creationId xmlns:a16="http://schemas.microsoft.com/office/drawing/2014/main" id="{9B016488-38CE-C99F-E99B-60B8331CF4A5}"/>
-              </a:ext>
-            </a:extLst>
-          </p:cNvPr>
-          <p:cNvCxnSpPr>
-            <a:cxnSpLocks/>
-            <a:stCxn id="5" idx="3"/>
-            <a:endCxn id="27" idx="1"/>
-          </p:cNvCxnSpPr>
-          <p:nvPr/>
-        </p:nvCxnSpPr>
-        <p:spPr>
-          <a:xfrm>
-            <a:off x="8322721" y="5864570"/>
-            <a:ext cx="251240" cy="0"/>
-          </a:xfrm>
-          <a:prstGeom prst="straightConnector1">
-            <a:avLst/>
-          </a:prstGeom>
-          <a:ln w="19050">
-            <a:solidFill>
-              <a:schemeClr val="tx1"/>
-            </a:solidFill>
-            <a:tailEnd type="triangle"/>
-          </a:ln>
-        </p:spPr>
-        <p:style>
-          <a:lnRef idx="1">
-            <a:schemeClr val="accent1"/>
-          </a:lnRef>
-          <a:fillRef idx="0">
-            <a:schemeClr val="accent1"/>
-          </a:fillRef>
-          <a:effectRef idx="0">
-            <a:schemeClr val="accent1"/>
-          </a:effectRef>
-          <a:fontRef idx="minor">
-            <a:schemeClr val="tx1"/>
-          </a:fontRef>
-        </p:style>
-      </p:cxnSp>
-      <p:cxnSp>
-        <p:nvCxnSpPr>
-          <p:cNvPr id="9" name="Straight Arrow Connector 25">
-            <a:extLst>
-              <a:ext uri="{FF2B5EF4-FFF2-40B4-BE49-F238E27FC236}">
-                <a16:creationId xmlns:a16="http://schemas.microsoft.com/office/drawing/2014/main" id="{3D1C1471-BEA0-0785-A5CC-EF64251CA948}"/>
-              </a:ext>
-            </a:extLst>
-          </p:cNvPr>
-          <p:cNvCxnSpPr>
-            <a:cxnSpLocks/>
-            <a:stCxn id="27" idx="3"/>
-            <a:endCxn id="6" idx="1"/>
-          </p:cNvCxnSpPr>
-          <p:nvPr/>
-        </p:nvCxnSpPr>
-        <p:spPr>
-          <a:xfrm flipV="1">
-            <a:off x="10372682" y="4977749"/>
-            <a:ext cx="390366" cy="886821"/>
-          </a:xfrm>
-          <a:prstGeom prst="straightConnector1">
-            <a:avLst/>
-          </a:prstGeom>
-          <a:ln w="19050">
-            <a:solidFill>
-              <a:schemeClr val="tx1"/>
-            </a:solidFill>
-            <a:tailEnd type="triangle"/>
-          </a:ln>
-        </p:spPr>
-        <p:style>
-          <a:lnRef idx="1">
-            <a:schemeClr val="accent1"/>
-          </a:lnRef>
-          <a:fillRef idx="0">
-            <a:schemeClr val="accent1"/>
-          </a:fillRef>
-          <a:effectRef idx="0">
-            <a:schemeClr val="accent1"/>
-          </a:effectRef>
-          <a:fontRef idx="minor">
-            <a:schemeClr val="tx1"/>
-          </a:fontRef>
-        </p:style>
-      </p:cxnSp>
-      <p:sp>
-        <p:nvSpPr>
-          <p:cNvPr id="10" name="Rounded Rectangle 28">
-            <a:extLst>
-              <a:ext uri="{FF2B5EF4-FFF2-40B4-BE49-F238E27FC236}">
-                <a16:creationId xmlns:a16="http://schemas.microsoft.com/office/drawing/2014/main" id="{9C204CCF-D062-6417-EC32-CAE7EA4FAC1B}"/>
-              </a:ext>
-            </a:extLst>
-          </p:cNvPr>
-          <p:cNvSpPr/>
-          <p:nvPr/>
-        </p:nvSpPr>
-        <p:spPr>
-          <a:xfrm>
-            <a:off x="891550" y="4003414"/>
-            <a:ext cx="1433619" cy="697586"/>
-          </a:xfrm>
-          <a:prstGeom prst="roundRect">
-            <a:avLst/>
-          </a:prstGeom>
-        </p:spPr>
-        <p:style>
-          <a:lnRef idx="2">
-            <a:schemeClr val="accent6"/>
-          </a:lnRef>
-          <a:fillRef idx="1">
-            <a:schemeClr val="lt1"/>
-          </a:fillRef>
-          <a:effectRef idx="0">
-            <a:schemeClr val="accent6"/>
-          </a:effectRef>
-          <a:fontRef idx="minor">
-            <a:schemeClr val="dk1"/>
-          </a:fontRef>
-        </p:style>
-        <p:txBody>
-          <a:bodyPr rtlCol="0" anchor="ctr"/>
-          <a:lstStyle/>
-          <a:p>
-            <a:pPr algn="ctr"/>
-            <a:r>
-              <a:rPr lang="en-US" b="1" i="1" dirty="0">
-                <a:solidFill>
-                  <a:srgbClr val="7030A0"/>
-                </a:solidFill>
-              </a:rPr>
-              <a:t>Live Video Uploader</a:t>
-            </a:r>
-          </a:p>
-        </p:txBody>
-      </p:sp>
-      <p:cxnSp>
-        <p:nvCxnSpPr>
-          <p:cNvPr id="11" name="Straight Arrow Connector 30">
-            <a:extLst>
-              <a:ext uri="{FF2B5EF4-FFF2-40B4-BE49-F238E27FC236}">
-                <a16:creationId xmlns:a16="http://schemas.microsoft.com/office/drawing/2014/main" id="{5E88E663-910E-A46B-286A-475E7DE6F594}"/>
-              </a:ext>
-            </a:extLst>
-          </p:cNvPr>
-          <p:cNvCxnSpPr>
-            <a:cxnSpLocks/>
-            <a:stCxn id="10" idx="3"/>
-            <a:endCxn id="26" idx="0"/>
-          </p:cNvCxnSpPr>
-          <p:nvPr/>
-        </p:nvCxnSpPr>
-        <p:spPr>
-          <a:xfrm>
-            <a:off x="2325169" y="4352207"/>
-            <a:ext cx="1944539" cy="352444"/>
-          </a:xfrm>
-          <a:prstGeom prst="straightConnector1">
-            <a:avLst/>
-          </a:prstGeom>
-          <a:ln w="19050">
-            <a:solidFill>
-              <a:schemeClr val="tx1"/>
-            </a:solidFill>
-            <a:tailEnd type="triangle"/>
-          </a:ln>
-        </p:spPr>
-        <p:style>
-          <a:lnRef idx="1">
-            <a:schemeClr val="accent1"/>
-          </a:lnRef>
-          <a:fillRef idx="0">
-            <a:schemeClr val="accent1"/>
-          </a:fillRef>
-          <a:effectRef idx="0">
-            <a:schemeClr val="accent1"/>
-          </a:effectRef>
-          <a:fontRef idx="minor">
-            <a:schemeClr val="tx1"/>
-          </a:fontRef>
-        </p:style>
-      </p:cxnSp>
-      <p:cxnSp>
-        <p:nvCxnSpPr>
-          <p:cNvPr id="12" name="Straight Arrow Connector 32">
-            <a:extLst>
-              <a:ext uri="{FF2B5EF4-FFF2-40B4-BE49-F238E27FC236}">
-                <a16:creationId xmlns:a16="http://schemas.microsoft.com/office/drawing/2014/main" id="{0518E149-CDE8-BCCF-A906-310EFF43A1A0}"/>
-              </a:ext>
-            </a:extLst>
-          </p:cNvPr>
-          <p:cNvCxnSpPr>
-            <a:cxnSpLocks/>
-            <a:stCxn id="26" idx="3"/>
-            <a:endCxn id="5" idx="1"/>
-          </p:cNvCxnSpPr>
-          <p:nvPr/>
-        </p:nvCxnSpPr>
-        <p:spPr>
-          <a:xfrm>
-            <a:off x="5245070" y="5267670"/>
-            <a:ext cx="599224" cy="596900"/>
-          </a:xfrm>
-          <a:prstGeom prst="straightConnector1">
-            <a:avLst/>
-          </a:prstGeom>
-          <a:ln w="19050">
-            <a:solidFill>
-              <a:schemeClr val="tx1"/>
-            </a:solidFill>
-            <a:tailEnd type="triangle"/>
-          </a:ln>
-        </p:spPr>
-        <p:style>
-          <a:lnRef idx="1">
-            <a:schemeClr val="accent1"/>
-          </a:lnRef>
-          <a:fillRef idx="0">
-            <a:schemeClr val="accent1"/>
-          </a:fillRef>
-          <a:effectRef idx="0">
-            <a:schemeClr val="accent1"/>
-          </a:effectRef>
-          <a:fontRef idx="minor">
-            <a:schemeClr val="tx1"/>
-          </a:fontRef>
-        </p:style>
-      </p:cxnSp>
-      <p:sp>
-        <p:nvSpPr>
-          <p:cNvPr id="13" name="Rounded Rectangle 42">
-            <a:extLst>
-              <a:ext uri="{FF2B5EF4-FFF2-40B4-BE49-F238E27FC236}">
-                <a16:creationId xmlns:a16="http://schemas.microsoft.com/office/drawing/2014/main" id="{FA8B412F-4D08-A9FC-74B2-92DDED2312E4}"/>
-              </a:ext>
-            </a:extLst>
-          </p:cNvPr>
-          <p:cNvSpPr/>
-          <p:nvPr/>
-        </p:nvSpPr>
-        <p:spPr>
-          <a:xfrm>
-            <a:off x="637249" y="5725935"/>
-            <a:ext cx="1941592" cy="736484"/>
-          </a:xfrm>
-          <a:prstGeom prst="roundRect">
-            <a:avLst/>
-          </a:prstGeom>
-        </p:spPr>
-        <p:style>
-          <a:lnRef idx="2">
-            <a:schemeClr val="accent6"/>
-          </a:lnRef>
-          <a:fillRef idx="1">
-            <a:schemeClr val="lt1"/>
-          </a:fillRef>
-          <a:effectRef idx="0">
-            <a:schemeClr val="accent6"/>
-          </a:effectRef>
-          <a:fontRef idx="minor">
-            <a:schemeClr val="dk1"/>
-          </a:fontRef>
-        </p:style>
-        <p:txBody>
-          <a:bodyPr rtlCol="0" anchor="ctr"/>
-          <a:lstStyle/>
-          <a:p>
-            <a:pPr algn="ctr"/>
-            <a:r>
-              <a:rPr lang="en-US" dirty="0"/>
-              <a:t>Adapt/decide</a:t>
-            </a:r>
-          </a:p>
-          <a:p>
-            <a:pPr algn="ctr"/>
-            <a:r>
-              <a:rPr lang="en-US" dirty="0"/>
-              <a:t>Encoding Bitrate</a:t>
-            </a:r>
-          </a:p>
-        </p:txBody>
-      </p:sp>
-      <p:cxnSp>
-        <p:nvCxnSpPr>
-          <p:cNvPr id="14" name="Straight Arrow Connector 44">
-            <a:extLst>
-              <a:ext uri="{FF2B5EF4-FFF2-40B4-BE49-F238E27FC236}">
-                <a16:creationId xmlns:a16="http://schemas.microsoft.com/office/drawing/2014/main" id="{BC3B078A-2CFD-AB16-6D3B-F92A36B3959F}"/>
-              </a:ext>
-            </a:extLst>
-          </p:cNvPr>
-          <p:cNvCxnSpPr>
-            <a:cxnSpLocks/>
-            <a:stCxn id="13" idx="0"/>
-            <a:endCxn id="10" idx="2"/>
-          </p:cNvCxnSpPr>
-          <p:nvPr/>
-        </p:nvCxnSpPr>
-        <p:spPr>
-          <a:xfrm flipV="1">
-            <a:off x="1608045" y="4701000"/>
-            <a:ext cx="315" cy="1024935"/>
-          </a:xfrm>
-          <a:prstGeom prst="straightConnector1">
-            <a:avLst/>
-          </a:prstGeom>
-          <a:ln w="19050">
-            <a:solidFill>
-              <a:schemeClr val="tx1"/>
-            </a:solidFill>
-            <a:tailEnd type="triangle"/>
-          </a:ln>
-        </p:spPr>
-        <p:style>
-          <a:lnRef idx="1">
-            <a:schemeClr val="accent1"/>
-          </a:lnRef>
-          <a:fillRef idx="0">
-            <a:schemeClr val="accent1"/>
-          </a:fillRef>
-          <a:effectRef idx="0">
-            <a:schemeClr val="accent1"/>
-          </a:effectRef>
-          <a:fontRef idx="minor">
-            <a:schemeClr val="tx1"/>
-          </a:fontRef>
-        </p:style>
-      </p:cxnSp>
-      <p:cxnSp>
-        <p:nvCxnSpPr>
-          <p:cNvPr id="15" name="Straight Arrow Connector 46">
-            <a:extLst>
-              <a:ext uri="{FF2B5EF4-FFF2-40B4-BE49-F238E27FC236}">
-                <a16:creationId xmlns:a16="http://schemas.microsoft.com/office/drawing/2014/main" id="{2079DE1B-2C44-0117-E07A-33608335C488}"/>
-              </a:ext>
-            </a:extLst>
-          </p:cNvPr>
-          <p:cNvCxnSpPr>
-            <a:cxnSpLocks/>
-            <a:stCxn id="26" idx="2"/>
-            <a:endCxn id="13" idx="3"/>
-          </p:cNvCxnSpPr>
-          <p:nvPr/>
-        </p:nvCxnSpPr>
-        <p:spPr>
-          <a:xfrm flipH="1">
-            <a:off x="2578841" y="5830688"/>
-            <a:ext cx="1690867" cy="263489"/>
-          </a:xfrm>
-          <a:prstGeom prst="straightConnector1">
-            <a:avLst/>
-          </a:prstGeom>
-          <a:ln w="19050">
-            <a:solidFill>
-              <a:schemeClr val="tx1"/>
-            </a:solidFill>
-            <a:tailEnd type="triangle"/>
-          </a:ln>
-        </p:spPr>
-        <p:style>
-          <a:lnRef idx="1">
-            <a:schemeClr val="accent1"/>
-          </a:lnRef>
-          <a:fillRef idx="0">
-            <a:schemeClr val="accent1"/>
-          </a:fillRef>
-          <a:effectRef idx="0">
-            <a:schemeClr val="accent1"/>
-          </a:effectRef>
-          <a:fontRef idx="minor">
-            <a:schemeClr val="tx1"/>
-          </a:fontRef>
-        </p:style>
-      </p:cxnSp>
-      <p:sp>
-        <p:nvSpPr>
-          <p:cNvPr id="16" name="Right Arrow 47">
-            <a:extLst>
-              <a:ext uri="{FF2B5EF4-FFF2-40B4-BE49-F238E27FC236}">
-                <a16:creationId xmlns:a16="http://schemas.microsoft.com/office/drawing/2014/main" id="{E2CE2BF2-AFA5-C398-13C3-206061C2BDA4}"/>
-              </a:ext>
-            </a:extLst>
-          </p:cNvPr>
-          <p:cNvSpPr/>
-          <p:nvPr/>
-        </p:nvSpPr>
-        <p:spPr>
-          <a:xfrm>
-            <a:off x="6910346" y="4659431"/>
-            <a:ext cx="312618" cy="375137"/>
-          </a:xfrm>
-          <a:prstGeom prst="rightArrow">
-            <a:avLst/>
-          </a:prstGeom>
-        </p:spPr>
-        <p:style>
-          <a:lnRef idx="2">
-            <a:schemeClr val="accent6"/>
-          </a:lnRef>
-          <a:fillRef idx="1">
-            <a:schemeClr val="lt1"/>
-          </a:fillRef>
-          <a:effectRef idx="0">
-            <a:schemeClr val="accent6"/>
-          </a:effectRef>
-          <a:fontRef idx="minor">
-            <a:schemeClr val="dk1"/>
-          </a:fontRef>
-        </p:style>
-        <p:txBody>
-          <a:bodyPr rtlCol="0" anchor="ctr"/>
-          <a:lstStyle/>
-          <a:p>
-            <a:pPr algn="ctr"/>
-            <a:endParaRPr lang="en-US"/>
-          </a:p>
-        </p:txBody>
-      </p:sp>
-      <p:sp>
-        <p:nvSpPr>
-          <p:cNvPr id="17" name="Folded Corner 48">
-            <a:extLst>
-              <a:ext uri="{FF2B5EF4-FFF2-40B4-BE49-F238E27FC236}">
-                <a16:creationId xmlns:a16="http://schemas.microsoft.com/office/drawing/2014/main" id="{5301D127-596F-EFCE-2FDF-FF8CA2A95277}"/>
-              </a:ext>
-            </a:extLst>
-          </p:cNvPr>
-          <p:cNvSpPr/>
-          <p:nvPr/>
-        </p:nvSpPr>
-        <p:spPr>
-          <a:xfrm>
-            <a:off x="7304452" y="4504963"/>
-            <a:ext cx="836247" cy="844061"/>
-          </a:xfrm>
-          <a:prstGeom prst="foldedCorner">
-            <a:avLst/>
-          </a:prstGeom>
-        </p:spPr>
-        <p:style>
-          <a:lnRef idx="2">
-            <a:schemeClr val="accent6"/>
-          </a:lnRef>
-          <a:fillRef idx="1">
-            <a:schemeClr val="lt1"/>
-          </a:fillRef>
-          <a:effectRef idx="0">
-            <a:schemeClr val="accent6"/>
-          </a:effectRef>
-          <a:fontRef idx="minor">
-            <a:schemeClr val="dk1"/>
-          </a:fontRef>
-        </p:style>
-        <p:txBody>
-          <a:bodyPr rtlCol="0" anchor="ctr"/>
-          <a:lstStyle/>
-          <a:p>
-            <a:pPr algn="ctr"/>
-            <a:r>
-              <a:rPr lang="en-US" dirty="0"/>
-              <a:t>Vid Trace</a:t>
-            </a:r>
-          </a:p>
-        </p:txBody>
-      </p:sp>
-      <p:sp>
-        <p:nvSpPr>
-          <p:cNvPr id="18" name="Folded Corner 49">
-            <a:extLst>
-              <a:ext uri="{FF2B5EF4-FFF2-40B4-BE49-F238E27FC236}">
-                <a16:creationId xmlns:a16="http://schemas.microsoft.com/office/drawing/2014/main" id="{D101FD94-96D9-F678-2C5D-A859E97A0D10}"/>
-              </a:ext>
-            </a:extLst>
-          </p:cNvPr>
-          <p:cNvSpPr/>
-          <p:nvPr/>
-        </p:nvSpPr>
-        <p:spPr>
-          <a:xfrm>
-            <a:off x="7435703" y="4366715"/>
-            <a:ext cx="836247" cy="844061"/>
-          </a:xfrm>
-          <a:prstGeom prst="foldedCorner">
-            <a:avLst/>
-          </a:prstGeom>
-        </p:spPr>
-        <p:style>
-          <a:lnRef idx="2">
-            <a:schemeClr val="accent6"/>
-          </a:lnRef>
-          <a:fillRef idx="1">
-            <a:schemeClr val="lt1"/>
-          </a:fillRef>
-          <a:effectRef idx="0">
-            <a:schemeClr val="accent6"/>
-          </a:effectRef>
-          <a:fontRef idx="minor">
-            <a:schemeClr val="dk1"/>
-          </a:fontRef>
-        </p:style>
-        <p:txBody>
-          <a:bodyPr rtlCol="0" anchor="ctr"/>
-          <a:lstStyle/>
-          <a:p>
-            <a:pPr algn="ctr"/>
-            <a:r>
-              <a:rPr lang="en-US" dirty="0"/>
-              <a:t>Vid Trace</a:t>
-            </a:r>
-          </a:p>
-        </p:txBody>
-      </p:sp>
-      <p:sp>
-        <p:nvSpPr>
-          <p:cNvPr id="19" name="Folded Corner 50">
-            <a:extLst>
-              <a:ext uri="{FF2B5EF4-FFF2-40B4-BE49-F238E27FC236}">
-                <a16:creationId xmlns:a16="http://schemas.microsoft.com/office/drawing/2014/main" id="{C715C923-1B01-3AF6-27C3-E64CA13F3DDE}"/>
-              </a:ext>
-            </a:extLst>
-          </p:cNvPr>
-          <p:cNvSpPr/>
-          <p:nvPr/>
-        </p:nvSpPr>
-        <p:spPr>
-          <a:xfrm>
-            <a:off x="7549025" y="4228467"/>
-            <a:ext cx="836247" cy="844061"/>
-          </a:xfrm>
-          <a:prstGeom prst="foldedCorner">
-            <a:avLst/>
-          </a:prstGeom>
-        </p:spPr>
-        <p:style>
-          <a:lnRef idx="2">
-            <a:schemeClr val="accent6"/>
-          </a:lnRef>
-          <a:fillRef idx="1">
-            <a:schemeClr val="lt1"/>
-          </a:fillRef>
-          <a:effectRef idx="0">
-            <a:schemeClr val="accent6"/>
-          </a:effectRef>
-          <a:fontRef idx="minor">
-            <a:schemeClr val="dk1"/>
-          </a:fontRef>
-        </p:style>
-        <p:txBody>
-          <a:bodyPr rtlCol="0" anchor="ctr"/>
-          <a:lstStyle/>
-          <a:p>
-            <a:pPr algn="ctr"/>
-            <a:r>
-              <a:rPr lang="en-US" dirty="0"/>
-              <a:t>Vid Trace</a:t>
-            </a:r>
-          </a:p>
-        </p:txBody>
-      </p:sp>
-      <p:sp>
-        <p:nvSpPr>
-          <p:cNvPr id="20" name="Folded Corner 51">
-            <a:extLst>
-              <a:ext uri="{FF2B5EF4-FFF2-40B4-BE49-F238E27FC236}">
-                <a16:creationId xmlns:a16="http://schemas.microsoft.com/office/drawing/2014/main" id="{27ED4B01-5580-D2EB-23FE-63E68D5EB5A0}"/>
-              </a:ext>
-            </a:extLst>
-          </p:cNvPr>
-          <p:cNvSpPr/>
-          <p:nvPr/>
-        </p:nvSpPr>
-        <p:spPr>
-          <a:xfrm>
-            <a:off x="7662347" y="4000497"/>
-            <a:ext cx="836247" cy="958497"/>
-          </a:xfrm>
-          <a:prstGeom prst="foldedCorner">
-            <a:avLst/>
-          </a:prstGeom>
-        </p:spPr>
-        <p:style>
-          <a:lnRef idx="2">
-            <a:schemeClr val="accent6"/>
-          </a:lnRef>
-          <a:fillRef idx="1">
-            <a:schemeClr val="lt1"/>
-          </a:fillRef>
-          <a:effectRef idx="0">
-            <a:schemeClr val="accent6"/>
-          </a:effectRef>
-          <a:fontRef idx="minor">
-            <a:schemeClr val="dk1"/>
-          </a:fontRef>
-        </p:style>
-        <p:txBody>
-          <a:bodyPr rtlCol="0" anchor="ctr"/>
-          <a:lstStyle/>
-          <a:p>
-            <a:pPr algn="ctr"/>
-            <a:r>
-              <a:rPr lang="en-US" dirty="0"/>
-              <a:t>Video Trace</a:t>
-            </a:r>
-          </a:p>
-          <a:p>
-            <a:pPr algn="ctr"/>
-            <a:r>
-              <a:rPr lang="en-US" dirty="0"/>
-              <a:t>Data</a:t>
-            </a:r>
-          </a:p>
-        </p:txBody>
-      </p:sp>
-      <p:sp>
-        <p:nvSpPr>
-          <p:cNvPr id="21" name="Rounded Rectangle 20">
-            <a:extLst>
-              <a:ext uri="{FF2B5EF4-FFF2-40B4-BE49-F238E27FC236}">
-                <a16:creationId xmlns:a16="http://schemas.microsoft.com/office/drawing/2014/main" id="{5ABCFF96-62D7-7E14-3600-7EE1EE832327}"/>
-              </a:ext>
-            </a:extLst>
-          </p:cNvPr>
-          <p:cNvSpPr/>
-          <p:nvPr/>
-        </p:nvSpPr>
-        <p:spPr>
-          <a:xfrm>
-            <a:off x="10763048" y="5358196"/>
-            <a:ext cx="954155" cy="313593"/>
-          </a:xfrm>
-          <a:prstGeom prst="roundRect">
-            <a:avLst/>
-          </a:prstGeom>
-        </p:spPr>
-        <p:style>
-          <a:lnRef idx="2">
-            <a:schemeClr val="accent6"/>
-          </a:lnRef>
-          <a:fillRef idx="1">
-            <a:schemeClr val="lt1"/>
-          </a:fillRef>
-          <a:effectRef idx="0">
-            <a:schemeClr val="accent6"/>
-          </a:effectRef>
-          <a:fontRef idx="minor">
-            <a:schemeClr val="dk1"/>
-          </a:fontRef>
-        </p:style>
-        <p:txBody>
-          <a:bodyPr rtlCol="0" anchor="ctr"/>
-          <a:lstStyle/>
-          <a:p>
-            <a:pPr algn="ctr"/>
-            <a:r>
-              <a:rPr lang="en-US" dirty="0">
-                <a:solidFill>
-                  <a:schemeClr val="tx1"/>
-                </a:solidFill>
-              </a:rPr>
-              <a:t>Player 2</a:t>
-            </a:r>
-          </a:p>
-        </p:txBody>
-      </p:sp>
-      <p:cxnSp>
-        <p:nvCxnSpPr>
-          <p:cNvPr id="22" name="Straight Arrow Connector 25">
-            <a:extLst>
-              <a:ext uri="{FF2B5EF4-FFF2-40B4-BE49-F238E27FC236}">
-                <a16:creationId xmlns:a16="http://schemas.microsoft.com/office/drawing/2014/main" id="{76A1BF62-D626-6A70-64ED-A19AC36C798A}"/>
-              </a:ext>
-            </a:extLst>
-          </p:cNvPr>
-          <p:cNvCxnSpPr>
-            <a:cxnSpLocks/>
-            <a:stCxn id="27" idx="3"/>
-            <a:endCxn id="21" idx="1"/>
-          </p:cNvCxnSpPr>
-          <p:nvPr/>
-        </p:nvCxnSpPr>
-        <p:spPr>
-          <a:xfrm flipV="1">
-            <a:off x="10372682" y="5514993"/>
-            <a:ext cx="390366" cy="349577"/>
-          </a:xfrm>
-          <a:prstGeom prst="straightConnector1">
-            <a:avLst/>
-          </a:prstGeom>
-          <a:ln w="19050">
-            <a:solidFill>
-              <a:schemeClr val="tx1"/>
-            </a:solidFill>
-            <a:tailEnd type="triangle"/>
-          </a:ln>
-        </p:spPr>
-        <p:style>
-          <a:lnRef idx="1">
-            <a:schemeClr val="accent1"/>
-          </a:lnRef>
-          <a:fillRef idx="0">
-            <a:schemeClr val="accent1"/>
-          </a:fillRef>
-          <a:effectRef idx="0">
-            <a:schemeClr val="accent1"/>
-          </a:effectRef>
-          <a:fontRef idx="minor">
-            <a:schemeClr val="tx1"/>
-          </a:fontRef>
-        </p:style>
-      </p:cxnSp>
-      <p:sp>
-        <p:nvSpPr>
-          <p:cNvPr id="23" name="Rounded Rectangle 20">
-            <a:extLst>
-              <a:ext uri="{FF2B5EF4-FFF2-40B4-BE49-F238E27FC236}">
-                <a16:creationId xmlns:a16="http://schemas.microsoft.com/office/drawing/2014/main" id="{12B1E143-72CB-4DBE-E3B2-B71B3EE14B88}"/>
-              </a:ext>
-            </a:extLst>
-          </p:cNvPr>
-          <p:cNvSpPr/>
-          <p:nvPr/>
-        </p:nvSpPr>
-        <p:spPr>
-          <a:xfrm>
-            <a:off x="10763048" y="5852437"/>
-            <a:ext cx="954155" cy="313593"/>
-          </a:xfrm>
-          <a:prstGeom prst="roundRect">
-            <a:avLst/>
-          </a:prstGeom>
-        </p:spPr>
-        <p:style>
-          <a:lnRef idx="2">
-            <a:schemeClr val="accent6"/>
-          </a:lnRef>
-          <a:fillRef idx="1">
-            <a:schemeClr val="lt1"/>
-          </a:fillRef>
-          <a:effectRef idx="0">
-            <a:schemeClr val="accent6"/>
-          </a:effectRef>
-          <a:fontRef idx="minor">
-            <a:schemeClr val="dk1"/>
-          </a:fontRef>
-        </p:style>
-        <p:txBody>
-          <a:bodyPr rtlCol="0" anchor="ctr"/>
-          <a:lstStyle/>
-          <a:p>
-            <a:pPr algn="ctr"/>
-            <a:r>
-              <a:rPr lang="en-US" dirty="0">
-                <a:solidFill>
-                  <a:schemeClr val="accent1"/>
-                </a:solidFill>
-              </a:rPr>
-              <a:t>…</a:t>
-            </a:r>
-          </a:p>
-        </p:txBody>
-      </p:sp>
-      <p:cxnSp>
-        <p:nvCxnSpPr>
-          <p:cNvPr id="24" name="Straight Arrow Connector 25">
-            <a:extLst>
-              <a:ext uri="{FF2B5EF4-FFF2-40B4-BE49-F238E27FC236}">
-                <a16:creationId xmlns:a16="http://schemas.microsoft.com/office/drawing/2014/main" id="{2849FA8B-8BF4-55C0-BF4C-FFB2EBE07C4E}"/>
-              </a:ext>
-            </a:extLst>
-          </p:cNvPr>
-          <p:cNvCxnSpPr>
-            <a:cxnSpLocks/>
-            <a:stCxn id="27" idx="3"/>
-            <a:endCxn id="23" idx="1"/>
-          </p:cNvCxnSpPr>
-          <p:nvPr/>
-        </p:nvCxnSpPr>
-        <p:spPr>
-          <a:xfrm>
-            <a:off x="10372682" y="5864570"/>
-            <a:ext cx="390366" cy="144664"/>
-          </a:xfrm>
-          <a:prstGeom prst="straightConnector1">
-            <a:avLst/>
-          </a:prstGeom>
-          <a:ln w="19050">
-            <a:solidFill>
-              <a:schemeClr val="tx1"/>
-            </a:solidFill>
-            <a:tailEnd type="triangle"/>
-          </a:ln>
-        </p:spPr>
-        <p:style>
-          <a:lnRef idx="1">
-            <a:schemeClr val="accent1"/>
-          </a:lnRef>
-          <a:fillRef idx="0">
-            <a:schemeClr val="accent1"/>
-          </a:fillRef>
-          <a:effectRef idx="0">
-            <a:schemeClr val="accent1"/>
-          </a:effectRef>
-          <a:fontRef idx="minor">
-            <a:schemeClr val="tx1"/>
-          </a:fontRef>
-        </p:style>
-      </p:cxnSp>
-      <p:sp>
-        <p:nvSpPr>
           <p:cNvPr id="25" name="矩形 24">
             <a:extLst>
               <a:ext uri="{FF2B5EF4-FFF2-40B4-BE49-F238E27FC236}">
@@ -8822,7 +7851,7 @@
         </p:nvSpPr>
         <p:spPr>
           <a:xfrm>
-            <a:off x="530568" y="3902240"/>
+            <a:off x="667203" y="497908"/>
             <a:ext cx="6358805" cy="2670982"/>
           </a:xfrm>
           <a:prstGeom prst="rect">
@@ -8874,112 +7903,1104 @@
           </a:p>
         </p:txBody>
       </p:sp>
-      <p:sp>
-        <p:nvSpPr>
-          <p:cNvPr id="26" name="圓角矩形 25">
+      <p:grpSp>
+        <p:nvGrpSpPr>
+          <p:cNvPr id="3" name="群組 2">
             <a:extLst>
               <a:ext uri="{FF2B5EF4-FFF2-40B4-BE49-F238E27FC236}">
-                <a16:creationId xmlns:a16="http://schemas.microsoft.com/office/drawing/2014/main" id="{2A7FA156-0495-47E8-8431-6D6119AC8079}"/>
+                <a16:creationId xmlns:a16="http://schemas.microsoft.com/office/drawing/2014/main" id="{AC26A885-4CC7-2AE8-7CFC-AF2FA00B8ED4}"/>
               </a:ext>
             </a:extLst>
           </p:cNvPr>
-          <p:cNvSpPr/>
+          <p:cNvGrpSpPr/>
           <p:nvPr/>
-        </p:nvSpPr>
-        <p:spPr>
+        </p:nvGrpSpPr>
+        <p:grpSpPr>
           <a:xfrm>
-            <a:off x="3294346" y="4704651"/>
-            <a:ext cx="1950724" cy="1126037"/>
+            <a:off x="556022" y="4030953"/>
+            <a:ext cx="11294108" cy="2461922"/>
+            <a:chOff x="637249" y="4012854"/>
+            <a:chExt cx="11294108" cy="2461922"/>
           </a:xfrm>
-          <a:prstGeom prst="roundRect">
-            <a:avLst/>
-          </a:prstGeom>
-          <a:solidFill>
-            <a:schemeClr val="accent2"/>
-          </a:solidFill>
-        </p:spPr>
-        <p:style>
-          <a:lnRef idx="2">
-            <a:schemeClr val="accent3">
-              <a:shade val="50000"/>
-            </a:schemeClr>
-          </a:lnRef>
-          <a:fillRef idx="1">
-            <a:schemeClr val="accent3"/>
-          </a:fillRef>
-          <a:effectRef idx="0">
-            <a:schemeClr val="accent3"/>
-          </a:effectRef>
-          <a:fontRef idx="minor">
-            <a:schemeClr val="lt1"/>
-          </a:fontRef>
-        </p:style>
-        <p:txBody>
-          <a:bodyPr rtlCol="0" anchor="ctr"/>
-          <a:lstStyle/>
-          <a:p>
-            <a:pPr algn="ctr"/>
-            <a:r>
-              <a:rPr kumimoji="1" lang="en-US" altLang="zh-TW" dirty="0"/>
-              <a:t>Uplink Network</a:t>
-            </a:r>
-            <a:endParaRPr kumimoji="1" lang="zh-TW" altLang="en-US" dirty="0"/>
-          </a:p>
-        </p:txBody>
-      </p:sp>
-      <p:sp>
-        <p:nvSpPr>
-          <p:cNvPr id="27" name="圓角矩形 26">
-            <a:extLst>
-              <a:ext uri="{FF2B5EF4-FFF2-40B4-BE49-F238E27FC236}">
-                <a16:creationId xmlns:a16="http://schemas.microsoft.com/office/drawing/2014/main" id="{D278A4AE-BF23-293A-52CC-D82A2116E6BF}"/>
-              </a:ext>
-            </a:extLst>
-          </p:cNvPr>
-          <p:cNvSpPr/>
-          <p:nvPr/>
-        </p:nvSpPr>
-        <p:spPr>
-          <a:xfrm>
-            <a:off x="8573961" y="5473636"/>
-            <a:ext cx="1798721" cy="781867"/>
-          </a:xfrm>
-          <a:prstGeom prst="roundRect">
-            <a:avLst/>
-          </a:prstGeom>
-          <a:solidFill>
-            <a:schemeClr val="accent4"/>
-          </a:solidFill>
-        </p:spPr>
-        <p:style>
-          <a:lnRef idx="2">
-            <a:schemeClr val="accent3">
-              <a:shade val="50000"/>
-            </a:schemeClr>
-          </a:lnRef>
-          <a:fillRef idx="1">
-            <a:schemeClr val="accent3"/>
-          </a:fillRef>
-          <a:effectRef idx="0">
-            <a:schemeClr val="accent3"/>
-          </a:effectRef>
-          <a:fontRef idx="minor">
-            <a:schemeClr val="lt1"/>
-          </a:fontRef>
-        </p:style>
-        <p:txBody>
-          <a:bodyPr rtlCol="0" anchor="ctr"/>
-          <a:lstStyle/>
-          <a:p>
-            <a:pPr algn="ctr"/>
-            <a:r>
-              <a:rPr kumimoji="1" lang="en-US" altLang="zh-TW" dirty="0"/>
-              <a:t>Downlink Network</a:t>
-            </a:r>
-            <a:endParaRPr kumimoji="1" lang="zh-TW" altLang="en-US" dirty="0"/>
-          </a:p>
-        </p:txBody>
-      </p:sp>
+        </p:grpSpPr>
+        <p:sp>
+          <p:nvSpPr>
+            <p:cNvPr id="5" name="Rectangle 19">
+              <a:extLst>
+                <a:ext uri="{FF2B5EF4-FFF2-40B4-BE49-F238E27FC236}">
+                  <a16:creationId xmlns:a16="http://schemas.microsoft.com/office/drawing/2014/main" id="{071E83FD-9F19-B959-FDA4-9CDC46462304}"/>
+                </a:ext>
+              </a:extLst>
+            </p:cNvPr>
+            <p:cNvSpPr/>
+            <p:nvPr/>
+          </p:nvSpPr>
+          <p:spPr>
+            <a:xfrm>
+              <a:off x="5844294" y="5485993"/>
+              <a:ext cx="2478427" cy="781867"/>
+            </a:xfrm>
+            <a:prstGeom prst="rect">
+              <a:avLst/>
+            </a:prstGeom>
+            <a:ln/>
+          </p:spPr>
+          <p:style>
+            <a:lnRef idx="2">
+              <a:schemeClr val="accent6"/>
+            </a:lnRef>
+            <a:fillRef idx="1">
+              <a:schemeClr val="lt1"/>
+            </a:fillRef>
+            <a:effectRef idx="0">
+              <a:schemeClr val="accent6"/>
+            </a:effectRef>
+            <a:fontRef idx="minor">
+              <a:schemeClr val="dk1"/>
+            </a:fontRef>
+          </p:style>
+          <p:txBody>
+            <a:bodyPr rtlCol="0" anchor="ctr"/>
+            <a:lstStyle/>
+            <a:p>
+              <a:pPr algn="ctr"/>
+              <a:r>
+                <a:rPr lang="en-US" sz="2500" i="1" dirty="0">
+                  <a:solidFill>
+                    <a:srgbClr val="C00000"/>
+                  </a:solidFill>
+                </a:rPr>
+                <a:t>Server</a:t>
+              </a:r>
+            </a:p>
+          </p:txBody>
+        </p:sp>
+        <p:sp>
+          <p:nvSpPr>
+            <p:cNvPr id="6" name="Rounded Rectangle 20">
+              <a:extLst>
+                <a:ext uri="{FF2B5EF4-FFF2-40B4-BE49-F238E27FC236}">
+                  <a16:creationId xmlns:a16="http://schemas.microsoft.com/office/drawing/2014/main" id="{63CF83A0-F6B7-DBC2-14C8-DFDDBAAAB740}"/>
+                </a:ext>
+              </a:extLst>
+            </p:cNvPr>
+            <p:cNvSpPr/>
+            <p:nvPr/>
+          </p:nvSpPr>
+          <p:spPr>
+            <a:xfrm>
+              <a:off x="10763048" y="4833309"/>
+              <a:ext cx="1168309" cy="313593"/>
+            </a:xfrm>
+            <a:prstGeom prst="roundRect">
+              <a:avLst/>
+            </a:prstGeom>
+          </p:spPr>
+          <p:style>
+            <a:lnRef idx="2">
+              <a:schemeClr val="accent6"/>
+            </a:lnRef>
+            <a:fillRef idx="1">
+              <a:schemeClr val="lt1"/>
+            </a:fillRef>
+            <a:effectRef idx="0">
+              <a:schemeClr val="accent6"/>
+            </a:effectRef>
+            <a:fontRef idx="minor">
+              <a:schemeClr val="dk1"/>
+            </a:fontRef>
+          </p:style>
+          <p:txBody>
+            <a:bodyPr rtlCol="0" anchor="ctr"/>
+            <a:lstStyle/>
+            <a:p>
+              <a:pPr algn="ctr"/>
+              <a:r>
+                <a:rPr lang="en-US" dirty="0">
+                  <a:solidFill>
+                    <a:schemeClr val="tx1"/>
+                  </a:solidFill>
+                </a:rPr>
+                <a:t>Player 1</a:t>
+              </a:r>
+            </a:p>
+          </p:txBody>
+        </p:sp>
+        <p:sp>
+          <p:nvSpPr>
+            <p:cNvPr id="7" name="Folded Corner 22">
+              <a:extLst>
+                <a:ext uri="{FF2B5EF4-FFF2-40B4-BE49-F238E27FC236}">
+                  <a16:creationId xmlns:a16="http://schemas.microsoft.com/office/drawing/2014/main" id="{D85E6D84-DB00-7D07-E408-AF5D0D60D3B0}"/>
+                </a:ext>
+              </a:extLst>
+            </p:cNvPr>
+            <p:cNvSpPr/>
+            <p:nvPr/>
+          </p:nvSpPr>
+          <p:spPr>
+            <a:xfrm>
+              <a:off x="5426170" y="4248241"/>
+              <a:ext cx="836247" cy="1012752"/>
+            </a:xfrm>
+            <a:prstGeom prst="foldedCorner">
+              <a:avLst/>
+            </a:prstGeom>
+          </p:spPr>
+          <p:style>
+            <a:lnRef idx="2">
+              <a:schemeClr val="accent6"/>
+            </a:lnRef>
+            <a:fillRef idx="1">
+              <a:schemeClr val="lt1"/>
+            </a:fillRef>
+            <a:effectRef idx="0">
+              <a:schemeClr val="accent6"/>
+            </a:effectRef>
+            <a:fontRef idx="minor">
+              <a:schemeClr val="dk1"/>
+            </a:fontRef>
+          </p:style>
+          <p:txBody>
+            <a:bodyPr rtlCol="0" anchor="ctr"/>
+            <a:lstStyle/>
+            <a:p>
+              <a:pPr algn="ctr"/>
+              <a:r>
+                <a:rPr lang="en-US" dirty="0"/>
+                <a:t>Video Trace</a:t>
+              </a:r>
+            </a:p>
+            <a:p>
+              <a:pPr algn="ctr"/>
+              <a:r>
+                <a:rPr lang="en-US" dirty="0"/>
+                <a:t>Data</a:t>
+              </a:r>
+            </a:p>
+          </p:txBody>
+        </p:sp>
+        <p:cxnSp>
+          <p:nvCxnSpPr>
+            <p:cNvPr id="8" name="Straight Arrow Connector 24">
+              <a:extLst>
+                <a:ext uri="{FF2B5EF4-FFF2-40B4-BE49-F238E27FC236}">
+                  <a16:creationId xmlns:a16="http://schemas.microsoft.com/office/drawing/2014/main" id="{9B016488-38CE-C99F-E99B-60B8331CF4A5}"/>
+                </a:ext>
+              </a:extLst>
+            </p:cNvPr>
+            <p:cNvCxnSpPr>
+              <a:cxnSpLocks/>
+              <a:stCxn id="5" idx="3"/>
+              <a:endCxn id="27" idx="1"/>
+            </p:cNvCxnSpPr>
+            <p:nvPr/>
+          </p:nvCxnSpPr>
+          <p:spPr>
+            <a:xfrm>
+              <a:off x="8322721" y="5876927"/>
+              <a:ext cx="251240" cy="0"/>
+            </a:xfrm>
+            <a:prstGeom prst="straightConnector1">
+              <a:avLst/>
+            </a:prstGeom>
+            <a:ln w="19050">
+              <a:solidFill>
+                <a:schemeClr val="tx1"/>
+              </a:solidFill>
+              <a:tailEnd type="triangle"/>
+            </a:ln>
+          </p:spPr>
+          <p:style>
+            <a:lnRef idx="1">
+              <a:schemeClr val="accent1"/>
+            </a:lnRef>
+            <a:fillRef idx="0">
+              <a:schemeClr val="accent1"/>
+            </a:fillRef>
+            <a:effectRef idx="0">
+              <a:schemeClr val="accent1"/>
+            </a:effectRef>
+            <a:fontRef idx="minor">
+              <a:schemeClr val="tx1"/>
+            </a:fontRef>
+          </p:style>
+        </p:cxnSp>
+        <p:cxnSp>
+          <p:nvCxnSpPr>
+            <p:cNvPr id="9" name="Straight Arrow Connector 25">
+              <a:extLst>
+                <a:ext uri="{FF2B5EF4-FFF2-40B4-BE49-F238E27FC236}">
+                  <a16:creationId xmlns:a16="http://schemas.microsoft.com/office/drawing/2014/main" id="{3D1C1471-BEA0-0785-A5CC-EF64251CA948}"/>
+                </a:ext>
+              </a:extLst>
+            </p:cNvPr>
+            <p:cNvCxnSpPr>
+              <a:cxnSpLocks/>
+              <a:stCxn id="27" idx="3"/>
+              <a:endCxn id="6" idx="1"/>
+            </p:cNvCxnSpPr>
+            <p:nvPr/>
+          </p:nvCxnSpPr>
+          <p:spPr>
+            <a:xfrm flipV="1">
+              <a:off x="10372682" y="4990106"/>
+              <a:ext cx="390366" cy="886821"/>
+            </a:xfrm>
+            <a:prstGeom prst="straightConnector1">
+              <a:avLst/>
+            </a:prstGeom>
+            <a:ln w="19050">
+              <a:solidFill>
+                <a:schemeClr val="tx1"/>
+              </a:solidFill>
+              <a:tailEnd type="triangle"/>
+            </a:ln>
+          </p:spPr>
+          <p:style>
+            <a:lnRef idx="1">
+              <a:schemeClr val="accent1"/>
+            </a:lnRef>
+            <a:fillRef idx="0">
+              <a:schemeClr val="accent1"/>
+            </a:fillRef>
+            <a:effectRef idx="0">
+              <a:schemeClr val="accent1"/>
+            </a:effectRef>
+            <a:fontRef idx="minor">
+              <a:schemeClr val="tx1"/>
+            </a:fontRef>
+          </p:style>
+        </p:cxnSp>
+        <p:sp>
+          <p:nvSpPr>
+            <p:cNvPr id="10" name="Rounded Rectangle 28">
+              <a:extLst>
+                <a:ext uri="{FF2B5EF4-FFF2-40B4-BE49-F238E27FC236}">
+                  <a16:creationId xmlns:a16="http://schemas.microsoft.com/office/drawing/2014/main" id="{9C204CCF-D062-6417-EC32-CAE7EA4FAC1B}"/>
+                </a:ext>
+              </a:extLst>
+            </p:cNvPr>
+            <p:cNvSpPr/>
+            <p:nvPr/>
+          </p:nvSpPr>
+          <p:spPr>
+            <a:xfrm>
+              <a:off x="891550" y="4015771"/>
+              <a:ext cx="1433619" cy="697586"/>
+            </a:xfrm>
+            <a:prstGeom prst="roundRect">
+              <a:avLst/>
+            </a:prstGeom>
+          </p:spPr>
+          <p:style>
+            <a:lnRef idx="2">
+              <a:schemeClr val="accent6"/>
+            </a:lnRef>
+            <a:fillRef idx="1">
+              <a:schemeClr val="lt1"/>
+            </a:fillRef>
+            <a:effectRef idx="0">
+              <a:schemeClr val="accent6"/>
+            </a:effectRef>
+            <a:fontRef idx="minor">
+              <a:schemeClr val="dk1"/>
+            </a:fontRef>
+          </p:style>
+          <p:txBody>
+            <a:bodyPr rtlCol="0" anchor="ctr"/>
+            <a:lstStyle/>
+            <a:p>
+              <a:pPr algn="ctr"/>
+              <a:r>
+                <a:rPr lang="en-US" b="1" i="1" dirty="0">
+                  <a:solidFill>
+                    <a:srgbClr val="7030A0"/>
+                  </a:solidFill>
+                </a:rPr>
+                <a:t>Live Video Uploader</a:t>
+              </a:r>
+            </a:p>
+          </p:txBody>
+        </p:sp>
+        <p:cxnSp>
+          <p:nvCxnSpPr>
+            <p:cNvPr id="11" name="Straight Arrow Connector 30">
+              <a:extLst>
+                <a:ext uri="{FF2B5EF4-FFF2-40B4-BE49-F238E27FC236}">
+                  <a16:creationId xmlns:a16="http://schemas.microsoft.com/office/drawing/2014/main" id="{5E88E663-910E-A46B-286A-475E7DE6F594}"/>
+                </a:ext>
+              </a:extLst>
+            </p:cNvPr>
+            <p:cNvCxnSpPr>
+              <a:cxnSpLocks/>
+              <a:stCxn id="10" idx="3"/>
+              <a:endCxn id="26" idx="0"/>
+            </p:cNvCxnSpPr>
+            <p:nvPr/>
+          </p:nvCxnSpPr>
+          <p:spPr>
+            <a:xfrm>
+              <a:off x="2325169" y="4364564"/>
+              <a:ext cx="1944539" cy="352444"/>
+            </a:xfrm>
+            <a:prstGeom prst="straightConnector1">
+              <a:avLst/>
+            </a:prstGeom>
+            <a:ln w="19050">
+              <a:solidFill>
+                <a:schemeClr val="tx1"/>
+              </a:solidFill>
+              <a:tailEnd type="triangle"/>
+            </a:ln>
+          </p:spPr>
+          <p:style>
+            <a:lnRef idx="1">
+              <a:schemeClr val="accent1"/>
+            </a:lnRef>
+            <a:fillRef idx="0">
+              <a:schemeClr val="accent1"/>
+            </a:fillRef>
+            <a:effectRef idx="0">
+              <a:schemeClr val="accent1"/>
+            </a:effectRef>
+            <a:fontRef idx="minor">
+              <a:schemeClr val="tx1"/>
+            </a:fontRef>
+          </p:style>
+        </p:cxnSp>
+        <p:cxnSp>
+          <p:nvCxnSpPr>
+            <p:cNvPr id="12" name="Straight Arrow Connector 32">
+              <a:extLst>
+                <a:ext uri="{FF2B5EF4-FFF2-40B4-BE49-F238E27FC236}">
+                  <a16:creationId xmlns:a16="http://schemas.microsoft.com/office/drawing/2014/main" id="{0518E149-CDE8-BCCF-A906-310EFF43A1A0}"/>
+                </a:ext>
+              </a:extLst>
+            </p:cNvPr>
+            <p:cNvCxnSpPr>
+              <a:cxnSpLocks/>
+              <a:stCxn id="26" idx="3"/>
+              <a:endCxn id="5" idx="1"/>
+            </p:cNvCxnSpPr>
+            <p:nvPr/>
+          </p:nvCxnSpPr>
+          <p:spPr>
+            <a:xfrm>
+              <a:off x="5245070" y="5280027"/>
+              <a:ext cx="599224" cy="596900"/>
+            </a:xfrm>
+            <a:prstGeom prst="straightConnector1">
+              <a:avLst/>
+            </a:prstGeom>
+            <a:ln w="19050">
+              <a:solidFill>
+                <a:schemeClr val="tx1"/>
+              </a:solidFill>
+              <a:tailEnd type="triangle"/>
+            </a:ln>
+          </p:spPr>
+          <p:style>
+            <a:lnRef idx="1">
+              <a:schemeClr val="accent1"/>
+            </a:lnRef>
+            <a:fillRef idx="0">
+              <a:schemeClr val="accent1"/>
+            </a:fillRef>
+            <a:effectRef idx="0">
+              <a:schemeClr val="accent1"/>
+            </a:effectRef>
+            <a:fontRef idx="minor">
+              <a:schemeClr val="tx1"/>
+            </a:fontRef>
+          </p:style>
+        </p:cxnSp>
+        <p:sp>
+          <p:nvSpPr>
+            <p:cNvPr id="13" name="Rounded Rectangle 42">
+              <a:extLst>
+                <a:ext uri="{FF2B5EF4-FFF2-40B4-BE49-F238E27FC236}">
+                  <a16:creationId xmlns:a16="http://schemas.microsoft.com/office/drawing/2014/main" id="{FA8B412F-4D08-A9FC-74B2-92DDED2312E4}"/>
+                </a:ext>
+              </a:extLst>
+            </p:cNvPr>
+            <p:cNvSpPr/>
+            <p:nvPr/>
+          </p:nvSpPr>
+          <p:spPr>
+            <a:xfrm>
+              <a:off x="637249" y="5738292"/>
+              <a:ext cx="1941592" cy="736484"/>
+            </a:xfrm>
+            <a:prstGeom prst="roundRect">
+              <a:avLst/>
+            </a:prstGeom>
+          </p:spPr>
+          <p:style>
+            <a:lnRef idx="2">
+              <a:schemeClr val="accent6"/>
+            </a:lnRef>
+            <a:fillRef idx="1">
+              <a:schemeClr val="lt1"/>
+            </a:fillRef>
+            <a:effectRef idx="0">
+              <a:schemeClr val="accent6"/>
+            </a:effectRef>
+            <a:fontRef idx="minor">
+              <a:schemeClr val="dk1"/>
+            </a:fontRef>
+          </p:style>
+          <p:txBody>
+            <a:bodyPr rtlCol="0" anchor="ctr"/>
+            <a:lstStyle/>
+            <a:p>
+              <a:pPr algn="ctr"/>
+              <a:r>
+                <a:rPr lang="en-US" dirty="0"/>
+                <a:t>Adapt/decide</a:t>
+              </a:r>
+            </a:p>
+            <a:p>
+              <a:pPr algn="ctr"/>
+              <a:r>
+                <a:rPr lang="en-US" dirty="0"/>
+                <a:t>Encoding Bitrate</a:t>
+              </a:r>
+            </a:p>
+          </p:txBody>
+        </p:sp>
+        <p:cxnSp>
+          <p:nvCxnSpPr>
+            <p:cNvPr id="14" name="Straight Arrow Connector 44">
+              <a:extLst>
+                <a:ext uri="{FF2B5EF4-FFF2-40B4-BE49-F238E27FC236}">
+                  <a16:creationId xmlns:a16="http://schemas.microsoft.com/office/drawing/2014/main" id="{BC3B078A-2CFD-AB16-6D3B-F92A36B3959F}"/>
+                </a:ext>
+              </a:extLst>
+            </p:cNvPr>
+            <p:cNvCxnSpPr>
+              <a:cxnSpLocks/>
+              <a:stCxn id="13" idx="0"/>
+              <a:endCxn id="10" idx="2"/>
+            </p:cNvCxnSpPr>
+            <p:nvPr/>
+          </p:nvCxnSpPr>
+          <p:spPr>
+            <a:xfrm flipV="1">
+              <a:off x="1608045" y="4713357"/>
+              <a:ext cx="315" cy="1024935"/>
+            </a:xfrm>
+            <a:prstGeom prst="straightConnector1">
+              <a:avLst/>
+            </a:prstGeom>
+            <a:ln w="19050">
+              <a:solidFill>
+                <a:schemeClr val="tx1"/>
+              </a:solidFill>
+              <a:tailEnd type="triangle"/>
+            </a:ln>
+          </p:spPr>
+          <p:style>
+            <a:lnRef idx="1">
+              <a:schemeClr val="accent1"/>
+            </a:lnRef>
+            <a:fillRef idx="0">
+              <a:schemeClr val="accent1"/>
+            </a:fillRef>
+            <a:effectRef idx="0">
+              <a:schemeClr val="accent1"/>
+            </a:effectRef>
+            <a:fontRef idx="minor">
+              <a:schemeClr val="tx1"/>
+            </a:fontRef>
+          </p:style>
+        </p:cxnSp>
+        <p:cxnSp>
+          <p:nvCxnSpPr>
+            <p:cNvPr id="15" name="Straight Arrow Connector 46">
+              <a:extLst>
+                <a:ext uri="{FF2B5EF4-FFF2-40B4-BE49-F238E27FC236}">
+                  <a16:creationId xmlns:a16="http://schemas.microsoft.com/office/drawing/2014/main" id="{2079DE1B-2C44-0117-E07A-33608335C488}"/>
+                </a:ext>
+              </a:extLst>
+            </p:cNvPr>
+            <p:cNvCxnSpPr>
+              <a:cxnSpLocks/>
+              <a:stCxn id="26" idx="2"/>
+              <a:endCxn id="13" idx="3"/>
+            </p:cNvCxnSpPr>
+            <p:nvPr/>
+          </p:nvCxnSpPr>
+          <p:spPr>
+            <a:xfrm flipH="1">
+              <a:off x="2578841" y="5843045"/>
+              <a:ext cx="1690867" cy="263489"/>
+            </a:xfrm>
+            <a:prstGeom prst="straightConnector1">
+              <a:avLst/>
+            </a:prstGeom>
+            <a:ln w="19050">
+              <a:solidFill>
+                <a:schemeClr val="tx1"/>
+              </a:solidFill>
+              <a:tailEnd type="triangle"/>
+            </a:ln>
+          </p:spPr>
+          <p:style>
+            <a:lnRef idx="1">
+              <a:schemeClr val="accent1"/>
+            </a:lnRef>
+            <a:fillRef idx="0">
+              <a:schemeClr val="accent1"/>
+            </a:fillRef>
+            <a:effectRef idx="0">
+              <a:schemeClr val="accent1"/>
+            </a:effectRef>
+            <a:fontRef idx="minor">
+              <a:schemeClr val="tx1"/>
+            </a:fontRef>
+          </p:style>
+        </p:cxnSp>
+        <p:sp>
+          <p:nvSpPr>
+            <p:cNvPr id="16" name="Right Arrow 47">
+              <a:extLst>
+                <a:ext uri="{FF2B5EF4-FFF2-40B4-BE49-F238E27FC236}">
+                  <a16:creationId xmlns:a16="http://schemas.microsoft.com/office/drawing/2014/main" id="{E2CE2BF2-AFA5-C398-13C3-206061C2BDA4}"/>
+                </a:ext>
+              </a:extLst>
+            </p:cNvPr>
+            <p:cNvSpPr/>
+            <p:nvPr/>
+          </p:nvSpPr>
+          <p:spPr>
+            <a:xfrm>
+              <a:off x="6910346" y="4671788"/>
+              <a:ext cx="312618" cy="375137"/>
+            </a:xfrm>
+            <a:prstGeom prst="rightArrow">
+              <a:avLst/>
+            </a:prstGeom>
+          </p:spPr>
+          <p:style>
+            <a:lnRef idx="2">
+              <a:schemeClr val="accent6"/>
+            </a:lnRef>
+            <a:fillRef idx="1">
+              <a:schemeClr val="lt1"/>
+            </a:fillRef>
+            <a:effectRef idx="0">
+              <a:schemeClr val="accent6"/>
+            </a:effectRef>
+            <a:fontRef idx="minor">
+              <a:schemeClr val="dk1"/>
+            </a:fontRef>
+          </p:style>
+          <p:txBody>
+            <a:bodyPr rtlCol="0" anchor="ctr"/>
+            <a:lstStyle/>
+            <a:p>
+              <a:pPr algn="ctr"/>
+              <a:endParaRPr lang="en-US"/>
+            </a:p>
+          </p:txBody>
+        </p:sp>
+        <p:sp>
+          <p:nvSpPr>
+            <p:cNvPr id="17" name="Folded Corner 48">
+              <a:extLst>
+                <a:ext uri="{FF2B5EF4-FFF2-40B4-BE49-F238E27FC236}">
+                  <a16:creationId xmlns:a16="http://schemas.microsoft.com/office/drawing/2014/main" id="{5301D127-596F-EFCE-2FDF-FF8CA2A95277}"/>
+                </a:ext>
+              </a:extLst>
+            </p:cNvPr>
+            <p:cNvSpPr/>
+            <p:nvPr/>
+          </p:nvSpPr>
+          <p:spPr>
+            <a:xfrm>
+              <a:off x="7304452" y="4517320"/>
+              <a:ext cx="836247" cy="844061"/>
+            </a:xfrm>
+            <a:prstGeom prst="foldedCorner">
+              <a:avLst/>
+            </a:prstGeom>
+          </p:spPr>
+          <p:style>
+            <a:lnRef idx="2">
+              <a:schemeClr val="accent6"/>
+            </a:lnRef>
+            <a:fillRef idx="1">
+              <a:schemeClr val="lt1"/>
+            </a:fillRef>
+            <a:effectRef idx="0">
+              <a:schemeClr val="accent6"/>
+            </a:effectRef>
+            <a:fontRef idx="minor">
+              <a:schemeClr val="dk1"/>
+            </a:fontRef>
+          </p:style>
+          <p:txBody>
+            <a:bodyPr rtlCol="0" anchor="ctr"/>
+            <a:lstStyle/>
+            <a:p>
+              <a:pPr algn="ctr"/>
+              <a:r>
+                <a:rPr lang="en-US" dirty="0"/>
+                <a:t>Vid Trace</a:t>
+              </a:r>
+            </a:p>
+          </p:txBody>
+        </p:sp>
+        <p:sp>
+          <p:nvSpPr>
+            <p:cNvPr id="18" name="Folded Corner 49">
+              <a:extLst>
+                <a:ext uri="{FF2B5EF4-FFF2-40B4-BE49-F238E27FC236}">
+                  <a16:creationId xmlns:a16="http://schemas.microsoft.com/office/drawing/2014/main" id="{D101FD94-96D9-F678-2C5D-A859E97A0D10}"/>
+                </a:ext>
+              </a:extLst>
+            </p:cNvPr>
+            <p:cNvSpPr/>
+            <p:nvPr/>
+          </p:nvSpPr>
+          <p:spPr>
+            <a:xfrm>
+              <a:off x="7435703" y="4379072"/>
+              <a:ext cx="836247" cy="844061"/>
+            </a:xfrm>
+            <a:prstGeom prst="foldedCorner">
+              <a:avLst/>
+            </a:prstGeom>
+          </p:spPr>
+          <p:style>
+            <a:lnRef idx="2">
+              <a:schemeClr val="accent6"/>
+            </a:lnRef>
+            <a:fillRef idx="1">
+              <a:schemeClr val="lt1"/>
+            </a:fillRef>
+            <a:effectRef idx="0">
+              <a:schemeClr val="accent6"/>
+            </a:effectRef>
+            <a:fontRef idx="minor">
+              <a:schemeClr val="dk1"/>
+            </a:fontRef>
+          </p:style>
+          <p:txBody>
+            <a:bodyPr rtlCol="0" anchor="ctr"/>
+            <a:lstStyle/>
+            <a:p>
+              <a:pPr algn="ctr"/>
+              <a:r>
+                <a:rPr lang="en-US" dirty="0"/>
+                <a:t>Vid Trace</a:t>
+              </a:r>
+            </a:p>
+          </p:txBody>
+        </p:sp>
+        <p:sp>
+          <p:nvSpPr>
+            <p:cNvPr id="19" name="Folded Corner 50">
+              <a:extLst>
+                <a:ext uri="{FF2B5EF4-FFF2-40B4-BE49-F238E27FC236}">
+                  <a16:creationId xmlns:a16="http://schemas.microsoft.com/office/drawing/2014/main" id="{C715C923-1B01-3AF6-27C3-E64CA13F3DDE}"/>
+                </a:ext>
+              </a:extLst>
+            </p:cNvPr>
+            <p:cNvSpPr/>
+            <p:nvPr/>
+          </p:nvSpPr>
+          <p:spPr>
+            <a:xfrm>
+              <a:off x="7549025" y="4240824"/>
+              <a:ext cx="836247" cy="844061"/>
+            </a:xfrm>
+            <a:prstGeom prst="foldedCorner">
+              <a:avLst/>
+            </a:prstGeom>
+          </p:spPr>
+          <p:style>
+            <a:lnRef idx="2">
+              <a:schemeClr val="accent6"/>
+            </a:lnRef>
+            <a:fillRef idx="1">
+              <a:schemeClr val="lt1"/>
+            </a:fillRef>
+            <a:effectRef idx="0">
+              <a:schemeClr val="accent6"/>
+            </a:effectRef>
+            <a:fontRef idx="minor">
+              <a:schemeClr val="dk1"/>
+            </a:fontRef>
+          </p:style>
+          <p:txBody>
+            <a:bodyPr rtlCol="0" anchor="ctr"/>
+            <a:lstStyle/>
+            <a:p>
+              <a:pPr algn="ctr"/>
+              <a:r>
+                <a:rPr lang="en-US" dirty="0"/>
+                <a:t>Vid Trace</a:t>
+              </a:r>
+            </a:p>
+          </p:txBody>
+        </p:sp>
+        <p:sp>
+          <p:nvSpPr>
+            <p:cNvPr id="20" name="Folded Corner 51">
+              <a:extLst>
+                <a:ext uri="{FF2B5EF4-FFF2-40B4-BE49-F238E27FC236}">
+                  <a16:creationId xmlns:a16="http://schemas.microsoft.com/office/drawing/2014/main" id="{27ED4B01-5580-D2EB-23FE-63E68D5EB5A0}"/>
+                </a:ext>
+              </a:extLst>
+            </p:cNvPr>
+            <p:cNvSpPr/>
+            <p:nvPr/>
+          </p:nvSpPr>
+          <p:spPr>
+            <a:xfrm>
+              <a:off x="7662347" y="4012854"/>
+              <a:ext cx="836247" cy="958497"/>
+            </a:xfrm>
+            <a:prstGeom prst="foldedCorner">
+              <a:avLst/>
+            </a:prstGeom>
+          </p:spPr>
+          <p:style>
+            <a:lnRef idx="2">
+              <a:schemeClr val="accent6"/>
+            </a:lnRef>
+            <a:fillRef idx="1">
+              <a:schemeClr val="lt1"/>
+            </a:fillRef>
+            <a:effectRef idx="0">
+              <a:schemeClr val="accent6"/>
+            </a:effectRef>
+            <a:fontRef idx="minor">
+              <a:schemeClr val="dk1"/>
+            </a:fontRef>
+          </p:style>
+          <p:txBody>
+            <a:bodyPr rtlCol="0" anchor="ctr"/>
+            <a:lstStyle/>
+            <a:p>
+              <a:pPr algn="ctr"/>
+              <a:r>
+                <a:rPr lang="en-US" dirty="0"/>
+                <a:t>Video Trace</a:t>
+              </a:r>
+            </a:p>
+            <a:p>
+              <a:pPr algn="ctr"/>
+              <a:r>
+                <a:rPr lang="en-US" dirty="0"/>
+                <a:t>Data</a:t>
+              </a:r>
+            </a:p>
+          </p:txBody>
+        </p:sp>
+        <p:sp>
+          <p:nvSpPr>
+            <p:cNvPr id="21" name="Rounded Rectangle 20">
+              <a:extLst>
+                <a:ext uri="{FF2B5EF4-FFF2-40B4-BE49-F238E27FC236}">
+                  <a16:creationId xmlns:a16="http://schemas.microsoft.com/office/drawing/2014/main" id="{5ABCFF96-62D7-7E14-3600-7EE1EE832327}"/>
+                </a:ext>
+              </a:extLst>
+            </p:cNvPr>
+            <p:cNvSpPr/>
+            <p:nvPr/>
+          </p:nvSpPr>
+          <p:spPr>
+            <a:xfrm>
+              <a:off x="10763048" y="5370553"/>
+              <a:ext cx="1168309" cy="313593"/>
+            </a:xfrm>
+            <a:prstGeom prst="roundRect">
+              <a:avLst/>
+            </a:prstGeom>
+          </p:spPr>
+          <p:style>
+            <a:lnRef idx="2">
+              <a:schemeClr val="accent6"/>
+            </a:lnRef>
+            <a:fillRef idx="1">
+              <a:schemeClr val="lt1"/>
+            </a:fillRef>
+            <a:effectRef idx="0">
+              <a:schemeClr val="accent6"/>
+            </a:effectRef>
+            <a:fontRef idx="minor">
+              <a:schemeClr val="dk1"/>
+            </a:fontRef>
+          </p:style>
+          <p:txBody>
+            <a:bodyPr rtlCol="0" anchor="ctr"/>
+            <a:lstStyle/>
+            <a:p>
+              <a:pPr algn="ctr"/>
+              <a:r>
+                <a:rPr lang="en-US" dirty="0">
+                  <a:solidFill>
+                    <a:schemeClr val="tx1"/>
+                  </a:solidFill>
+                </a:rPr>
+                <a:t>Player 2</a:t>
+              </a:r>
+            </a:p>
+          </p:txBody>
+        </p:sp>
+        <p:cxnSp>
+          <p:nvCxnSpPr>
+            <p:cNvPr id="22" name="Straight Arrow Connector 25">
+              <a:extLst>
+                <a:ext uri="{FF2B5EF4-FFF2-40B4-BE49-F238E27FC236}">
+                  <a16:creationId xmlns:a16="http://schemas.microsoft.com/office/drawing/2014/main" id="{76A1BF62-D626-6A70-64ED-A19AC36C798A}"/>
+                </a:ext>
+              </a:extLst>
+            </p:cNvPr>
+            <p:cNvCxnSpPr>
+              <a:cxnSpLocks/>
+              <a:stCxn id="27" idx="3"/>
+              <a:endCxn id="21" idx="1"/>
+            </p:cNvCxnSpPr>
+            <p:nvPr/>
+          </p:nvCxnSpPr>
+          <p:spPr>
+            <a:xfrm flipV="1">
+              <a:off x="10372682" y="5527350"/>
+              <a:ext cx="390366" cy="349577"/>
+            </a:xfrm>
+            <a:prstGeom prst="straightConnector1">
+              <a:avLst/>
+            </a:prstGeom>
+            <a:ln w="19050">
+              <a:solidFill>
+                <a:schemeClr val="tx1"/>
+              </a:solidFill>
+              <a:tailEnd type="triangle"/>
+            </a:ln>
+          </p:spPr>
+          <p:style>
+            <a:lnRef idx="1">
+              <a:schemeClr val="accent1"/>
+            </a:lnRef>
+            <a:fillRef idx="0">
+              <a:schemeClr val="accent1"/>
+            </a:fillRef>
+            <a:effectRef idx="0">
+              <a:schemeClr val="accent1"/>
+            </a:effectRef>
+            <a:fontRef idx="minor">
+              <a:schemeClr val="tx1"/>
+            </a:fontRef>
+          </p:style>
+        </p:cxnSp>
+        <p:sp>
+          <p:nvSpPr>
+            <p:cNvPr id="23" name="Rounded Rectangle 20">
+              <a:extLst>
+                <a:ext uri="{FF2B5EF4-FFF2-40B4-BE49-F238E27FC236}">
+                  <a16:creationId xmlns:a16="http://schemas.microsoft.com/office/drawing/2014/main" id="{12B1E143-72CB-4DBE-E3B2-B71B3EE14B88}"/>
+                </a:ext>
+              </a:extLst>
+            </p:cNvPr>
+            <p:cNvSpPr/>
+            <p:nvPr/>
+          </p:nvSpPr>
+          <p:spPr>
+            <a:xfrm>
+              <a:off x="10763048" y="5864794"/>
+              <a:ext cx="1168309" cy="313593"/>
+            </a:xfrm>
+            <a:prstGeom prst="roundRect">
+              <a:avLst/>
+            </a:prstGeom>
+          </p:spPr>
+          <p:style>
+            <a:lnRef idx="2">
+              <a:schemeClr val="accent6"/>
+            </a:lnRef>
+            <a:fillRef idx="1">
+              <a:schemeClr val="lt1"/>
+            </a:fillRef>
+            <a:effectRef idx="0">
+              <a:schemeClr val="accent6"/>
+            </a:effectRef>
+            <a:fontRef idx="minor">
+              <a:schemeClr val="dk1"/>
+            </a:fontRef>
+          </p:style>
+          <p:txBody>
+            <a:bodyPr rtlCol="0" anchor="ctr"/>
+            <a:lstStyle/>
+            <a:p>
+              <a:pPr algn="ctr"/>
+              <a:r>
+                <a:rPr lang="en-US" dirty="0">
+                  <a:solidFill>
+                    <a:schemeClr val="accent1"/>
+                  </a:solidFill>
+                </a:rPr>
+                <a:t>…</a:t>
+              </a:r>
+            </a:p>
+          </p:txBody>
+        </p:sp>
+        <p:cxnSp>
+          <p:nvCxnSpPr>
+            <p:cNvPr id="24" name="Straight Arrow Connector 25">
+              <a:extLst>
+                <a:ext uri="{FF2B5EF4-FFF2-40B4-BE49-F238E27FC236}">
+                  <a16:creationId xmlns:a16="http://schemas.microsoft.com/office/drawing/2014/main" id="{2849FA8B-8BF4-55C0-BF4C-FFB2EBE07C4E}"/>
+                </a:ext>
+              </a:extLst>
+            </p:cNvPr>
+            <p:cNvCxnSpPr>
+              <a:cxnSpLocks/>
+              <a:stCxn id="27" idx="3"/>
+              <a:endCxn id="23" idx="1"/>
+            </p:cNvCxnSpPr>
+            <p:nvPr/>
+          </p:nvCxnSpPr>
+          <p:spPr>
+            <a:xfrm>
+              <a:off x="10372682" y="5876927"/>
+              <a:ext cx="390366" cy="144664"/>
+            </a:xfrm>
+            <a:prstGeom prst="straightConnector1">
+              <a:avLst/>
+            </a:prstGeom>
+            <a:ln w="19050">
+              <a:solidFill>
+                <a:schemeClr val="tx1"/>
+              </a:solidFill>
+              <a:tailEnd type="triangle"/>
+            </a:ln>
+          </p:spPr>
+          <p:style>
+            <a:lnRef idx="1">
+              <a:schemeClr val="accent1"/>
+            </a:lnRef>
+            <a:fillRef idx="0">
+              <a:schemeClr val="accent1"/>
+            </a:fillRef>
+            <a:effectRef idx="0">
+              <a:schemeClr val="accent1"/>
+            </a:effectRef>
+            <a:fontRef idx="minor">
+              <a:schemeClr val="tx1"/>
+            </a:fontRef>
+          </p:style>
+        </p:cxnSp>
+        <p:sp>
+          <p:nvSpPr>
+            <p:cNvPr id="26" name="圓角矩形 25">
+              <a:extLst>
+                <a:ext uri="{FF2B5EF4-FFF2-40B4-BE49-F238E27FC236}">
+                  <a16:creationId xmlns:a16="http://schemas.microsoft.com/office/drawing/2014/main" id="{2A7FA156-0495-47E8-8431-6D6119AC8079}"/>
+                </a:ext>
+              </a:extLst>
+            </p:cNvPr>
+            <p:cNvSpPr/>
+            <p:nvPr/>
+          </p:nvSpPr>
+          <p:spPr>
+            <a:xfrm>
+              <a:off x="3294346" y="4717008"/>
+              <a:ext cx="1950724" cy="1126037"/>
+            </a:xfrm>
+            <a:prstGeom prst="roundRect">
+              <a:avLst/>
+            </a:prstGeom>
+            <a:solidFill>
+              <a:schemeClr val="accent2"/>
+            </a:solidFill>
+          </p:spPr>
+          <p:style>
+            <a:lnRef idx="2">
+              <a:schemeClr val="accent3">
+                <a:shade val="50000"/>
+              </a:schemeClr>
+            </a:lnRef>
+            <a:fillRef idx="1">
+              <a:schemeClr val="accent3"/>
+            </a:fillRef>
+            <a:effectRef idx="0">
+              <a:schemeClr val="accent3"/>
+            </a:effectRef>
+            <a:fontRef idx="minor">
+              <a:schemeClr val="lt1"/>
+            </a:fontRef>
+          </p:style>
+          <p:txBody>
+            <a:bodyPr rtlCol="0" anchor="ctr"/>
+            <a:lstStyle/>
+            <a:p>
+              <a:pPr algn="ctr"/>
+              <a:r>
+                <a:rPr kumimoji="1" lang="en-US" altLang="zh-TW" dirty="0"/>
+                <a:t>Uplink Network</a:t>
+              </a:r>
+              <a:endParaRPr kumimoji="1" lang="zh-TW" altLang="en-US" dirty="0"/>
+            </a:p>
+          </p:txBody>
+        </p:sp>
+        <p:sp>
+          <p:nvSpPr>
+            <p:cNvPr id="27" name="圓角矩形 26">
+              <a:extLst>
+                <a:ext uri="{FF2B5EF4-FFF2-40B4-BE49-F238E27FC236}">
+                  <a16:creationId xmlns:a16="http://schemas.microsoft.com/office/drawing/2014/main" id="{D278A4AE-BF23-293A-52CC-D82A2116E6BF}"/>
+                </a:ext>
+              </a:extLst>
+            </p:cNvPr>
+            <p:cNvSpPr/>
+            <p:nvPr/>
+          </p:nvSpPr>
+          <p:spPr>
+            <a:xfrm>
+              <a:off x="8573961" y="5485993"/>
+              <a:ext cx="1798721" cy="781867"/>
+            </a:xfrm>
+            <a:prstGeom prst="roundRect">
+              <a:avLst/>
+            </a:prstGeom>
+            <a:solidFill>
+              <a:schemeClr val="accent4"/>
+            </a:solidFill>
+          </p:spPr>
+          <p:style>
+            <a:lnRef idx="2">
+              <a:schemeClr val="accent3">
+                <a:shade val="50000"/>
+              </a:schemeClr>
+            </a:lnRef>
+            <a:fillRef idx="1">
+              <a:schemeClr val="accent3"/>
+            </a:fillRef>
+            <a:effectRef idx="0">
+              <a:schemeClr val="accent3"/>
+            </a:effectRef>
+            <a:fontRef idx="minor">
+              <a:schemeClr val="lt1"/>
+            </a:fontRef>
+          </p:style>
+          <p:txBody>
+            <a:bodyPr rtlCol="0" anchor="ctr"/>
+            <a:lstStyle/>
+            <a:p>
+              <a:pPr algn="ctr"/>
+              <a:r>
+                <a:rPr kumimoji="1" lang="en-US" altLang="zh-TW" dirty="0"/>
+                <a:t>Downlink Network</a:t>
+              </a:r>
+              <a:endParaRPr kumimoji="1" lang="zh-TW" altLang="en-US" dirty="0"/>
+            </a:p>
+          </p:txBody>
+        </p:sp>
+      </p:grpSp>
       <p:sp>
         <p:nvSpPr>
           <p:cNvPr id="28" name="內容版面配置區 2">
@@ -9862,8 +9883,8 @@
           </p:sp>
         </mc:Fallback>
       </mc:AlternateContent>
-      <mc:AlternateContent xmlns:mc="http://schemas.openxmlformats.org/markup-compatibility/2006">
-        <mc:Choice xmlns:a14="http://schemas.microsoft.com/office/drawing/2010/main" Requires="a14">
+      <mc:AlternateContent xmlns:mc="http://schemas.openxmlformats.org/markup-compatibility/2006" xmlns:a14="http://schemas.microsoft.com/office/drawing/2010/main">
+        <mc:Choice Requires="a14">
           <p:sp>
             <p:nvSpPr>
               <p:cNvPr id="2" name="文字方塊 1">
@@ -10510,7 +10531,7 @@
             </p:txBody>
           </p:sp>
         </mc:Choice>
-        <mc:Fallback>
+        <mc:Fallback xmlns="">
           <p:sp>
             <p:nvSpPr>
               <p:cNvPr id="2" name="文字方塊 1">
@@ -10723,8 +10744,8 @@
           </a:p>
         </p:txBody>
       </p:sp>
-      <mc:AlternateContent xmlns:mc="http://schemas.openxmlformats.org/markup-compatibility/2006">
-        <mc:Choice xmlns:a14="http://schemas.microsoft.com/office/drawing/2010/main" Requires="a14">
+      <mc:AlternateContent xmlns:mc="http://schemas.openxmlformats.org/markup-compatibility/2006" xmlns:a14="http://schemas.microsoft.com/office/drawing/2010/main">
+        <mc:Choice Requires="a14">
           <p:sp>
             <p:nvSpPr>
               <p:cNvPr id="3" name="內容版面配置區 2">
@@ -11275,7 +11296,7 @@
             </p:txBody>
           </p:sp>
         </mc:Choice>
-        <mc:Fallback>
+        <mc:Fallback xmlns="">
           <p:sp>
             <p:nvSpPr>
               <p:cNvPr id="3" name="內容版面配置區 2">
@@ -11623,8 +11644,8 @@
           </a:p>
         </p:txBody>
       </p:sp>
-      <mc:AlternateContent xmlns:mc="http://schemas.openxmlformats.org/markup-compatibility/2006">
-        <mc:Choice xmlns:a14="http://schemas.microsoft.com/office/drawing/2010/main" Requires="a14">
+      <mc:AlternateContent xmlns:mc="http://schemas.openxmlformats.org/markup-compatibility/2006" xmlns:a14="http://schemas.microsoft.com/office/drawing/2010/main">
+        <mc:Choice Requires="a14">
           <p:sp>
             <p:nvSpPr>
               <p:cNvPr id="52" name="內容版面配置區 2">
@@ -12419,7 +12440,7 @@
             </p:txBody>
           </p:sp>
         </mc:Choice>
-        <mc:Fallback>
+        <mc:Fallback xmlns="">
           <p:sp>
             <p:nvSpPr>
               <p:cNvPr id="52" name="內容版面配置區 2">
@@ -16497,8 +16518,8 @@
           </a:p>
         </p:txBody>
       </p:sp>
-      <mc:AlternateContent xmlns:mc="http://schemas.openxmlformats.org/markup-compatibility/2006">
-        <mc:Choice xmlns:a14="http://schemas.microsoft.com/office/drawing/2010/main" Requires="a14">
+      <mc:AlternateContent xmlns:mc="http://schemas.openxmlformats.org/markup-compatibility/2006" xmlns:a14="http://schemas.microsoft.com/office/drawing/2010/main">
+        <mc:Choice Requires="a14">
           <p:sp>
             <p:nvSpPr>
               <p:cNvPr id="3" name="內容版面配置區 2">
@@ -17586,7 +17607,7 @@
             </p:txBody>
           </p:sp>
         </mc:Choice>
-        <mc:Fallback>
+        <mc:Fallback xmlns="">
           <p:sp>
             <p:nvSpPr>
               <p:cNvPr id="3" name="內容版面配置區 2">
